--- a/nfh schematic.pptx
+++ b/nfh schematic.pptx
@@ -4,8 +4,12 @@
   <p:sldMasterIdLst>
     <p:sldMasterId id="2147483648" r:id="rId1"/>
   </p:sldMasterIdLst>
+  <p:notesMasterIdLst>
+    <p:notesMasterId r:id="rId4"/>
+  </p:notesMasterIdLst>
   <p:sldIdLst>
     <p:sldId id="256" r:id="rId2"/>
+    <p:sldId id="257" r:id="rId3"/>
   </p:sldIdLst>
   <p:sldSz cx="12192000" cy="6858000"/>
   <p:notesSz cx="6858000" cy="9144000"/>
@@ -105,6 +109,355 @@
     </a:lvl9pPr>
   </p:defaultTextStyle>
 </p:presentation>
+</file>
+
+<file path=ppt/notesMasters/notesMaster1.xml><?xml version="1.0" encoding="utf-8"?>
+<p:notesMaster xmlns:a="http://schemas.openxmlformats.org/drawingml/2006/main" xmlns:r="http://schemas.openxmlformats.org/officeDocument/2006/relationships" xmlns:p="http://schemas.openxmlformats.org/presentationml/2006/main">
+  <p:cSld>
+    <p:bg>
+      <p:bgRef idx="1001">
+        <a:schemeClr val="bg1"/>
+      </p:bgRef>
+    </p:bg>
+    <p:spTree>
+      <p:nvGrpSpPr>
+        <p:cNvPr id="1" name=""/>
+        <p:cNvGrpSpPr/>
+        <p:nvPr/>
+      </p:nvGrpSpPr>
+      <p:grpSpPr>
+        <a:xfrm>
+          <a:off x="0" y="0"/>
+          <a:ext cx="0" cy="0"/>
+          <a:chOff x="0" y="0"/>
+          <a:chExt cx="0" cy="0"/>
+        </a:xfrm>
+      </p:grpSpPr>
+      <p:sp>
+        <p:nvSpPr>
+          <p:cNvPr id="2" name="Header Placeholder 1"/>
+          <p:cNvSpPr>
+            <a:spLocks noGrp="1"/>
+          </p:cNvSpPr>
+          <p:nvPr>
+            <p:ph type="hdr" sz="quarter"/>
+          </p:nvPr>
+        </p:nvSpPr>
+        <p:spPr>
+          <a:xfrm>
+            <a:off x="0" y="0"/>
+            <a:ext cx="2971800" cy="458788"/>
+          </a:xfrm>
+          <a:prstGeom prst="rect">
+            <a:avLst/>
+          </a:prstGeom>
+        </p:spPr>
+        <p:txBody>
+          <a:bodyPr vert="horz" lIns="91440" tIns="45720" rIns="91440" bIns="45720" rtlCol="0"/>
+          <a:lstStyle>
+            <a:lvl1pPr algn="l">
+              <a:defRPr sz="1200"/>
+            </a:lvl1pPr>
+          </a:lstStyle>
+          <a:p>
+            <a:endParaRPr lang="en-US"/>
+          </a:p>
+        </p:txBody>
+      </p:sp>
+      <p:sp>
+        <p:nvSpPr>
+          <p:cNvPr id="3" name="Date Placeholder 2"/>
+          <p:cNvSpPr>
+            <a:spLocks noGrp="1"/>
+          </p:cNvSpPr>
+          <p:nvPr>
+            <p:ph type="dt" idx="1"/>
+          </p:nvPr>
+        </p:nvSpPr>
+        <p:spPr>
+          <a:xfrm>
+            <a:off x="3884613" y="0"/>
+            <a:ext cx="2971800" cy="458788"/>
+          </a:xfrm>
+          <a:prstGeom prst="rect">
+            <a:avLst/>
+          </a:prstGeom>
+        </p:spPr>
+        <p:txBody>
+          <a:bodyPr vert="horz" lIns="91440" tIns="45720" rIns="91440" bIns="45720" rtlCol="0"/>
+          <a:lstStyle>
+            <a:lvl1pPr algn="r">
+              <a:defRPr sz="1200"/>
+            </a:lvl1pPr>
+          </a:lstStyle>
+          <a:p>
+            <a:fld id="{BB0FABB5-A49E-4670-BEE8-9BD1AC9E4D33}" type="datetimeFigureOut">
+              <a:rPr lang="en-US" smtClean="0"/>
+              <a:t>11/3/2022</a:t>
+            </a:fld>
+            <a:endParaRPr lang="en-US"/>
+          </a:p>
+        </p:txBody>
+      </p:sp>
+      <p:sp>
+        <p:nvSpPr>
+          <p:cNvPr id="4" name="Slide Image Placeholder 3"/>
+          <p:cNvSpPr>
+            <a:spLocks noGrp="1" noRot="1" noChangeAspect="1"/>
+          </p:cNvSpPr>
+          <p:nvPr>
+            <p:ph type="sldImg" idx="2"/>
+          </p:nvPr>
+        </p:nvSpPr>
+        <p:spPr>
+          <a:xfrm>
+            <a:off x="685800" y="1143000"/>
+            <a:ext cx="5486400" cy="3086100"/>
+          </a:xfrm>
+          <a:prstGeom prst="rect">
+            <a:avLst/>
+          </a:prstGeom>
+          <a:noFill/>
+          <a:ln w="12700">
+            <a:solidFill>
+              <a:prstClr val="black"/>
+            </a:solidFill>
+          </a:ln>
+        </p:spPr>
+        <p:txBody>
+          <a:bodyPr vert="horz" lIns="91440" tIns="45720" rIns="91440" bIns="45720" rtlCol="0" anchor="ctr"/>
+          <a:lstStyle/>
+          <a:p>
+            <a:endParaRPr lang="en-US"/>
+          </a:p>
+        </p:txBody>
+      </p:sp>
+      <p:sp>
+        <p:nvSpPr>
+          <p:cNvPr id="5" name="Notes Placeholder 4"/>
+          <p:cNvSpPr>
+            <a:spLocks noGrp="1"/>
+          </p:cNvSpPr>
+          <p:nvPr>
+            <p:ph type="body" sz="quarter" idx="3"/>
+          </p:nvPr>
+        </p:nvSpPr>
+        <p:spPr>
+          <a:xfrm>
+            <a:off x="685800" y="4400550"/>
+            <a:ext cx="5486400" cy="3600450"/>
+          </a:xfrm>
+          <a:prstGeom prst="rect">
+            <a:avLst/>
+          </a:prstGeom>
+        </p:spPr>
+        <p:txBody>
+          <a:bodyPr vert="horz" lIns="91440" tIns="45720" rIns="91440" bIns="45720" rtlCol="0"/>
+          <a:lstStyle/>
+          <a:p>
+            <a:pPr lvl="0"/>
+            <a:r>
+              <a:rPr lang="en-US"/>
+              <a:t>Click to edit Master text styles</a:t>
+            </a:r>
+          </a:p>
+          <a:p>
+            <a:pPr lvl="1"/>
+            <a:r>
+              <a:rPr lang="en-US"/>
+              <a:t>Second level</a:t>
+            </a:r>
+          </a:p>
+          <a:p>
+            <a:pPr lvl="2"/>
+            <a:r>
+              <a:rPr lang="en-US"/>
+              <a:t>Third level</a:t>
+            </a:r>
+          </a:p>
+          <a:p>
+            <a:pPr lvl="3"/>
+            <a:r>
+              <a:rPr lang="en-US"/>
+              <a:t>Fourth level</a:t>
+            </a:r>
+          </a:p>
+          <a:p>
+            <a:pPr lvl="4"/>
+            <a:r>
+              <a:rPr lang="en-US"/>
+              <a:t>Fifth level</a:t>
+            </a:r>
+          </a:p>
+        </p:txBody>
+      </p:sp>
+      <p:sp>
+        <p:nvSpPr>
+          <p:cNvPr id="6" name="Footer Placeholder 5"/>
+          <p:cNvSpPr>
+            <a:spLocks noGrp="1"/>
+          </p:cNvSpPr>
+          <p:nvPr>
+            <p:ph type="ftr" sz="quarter" idx="4"/>
+          </p:nvPr>
+        </p:nvSpPr>
+        <p:spPr>
+          <a:xfrm>
+            <a:off x="0" y="8685213"/>
+            <a:ext cx="2971800" cy="458787"/>
+          </a:xfrm>
+          <a:prstGeom prst="rect">
+            <a:avLst/>
+          </a:prstGeom>
+        </p:spPr>
+        <p:txBody>
+          <a:bodyPr vert="horz" lIns="91440" tIns="45720" rIns="91440" bIns="45720" rtlCol="0" anchor="b"/>
+          <a:lstStyle>
+            <a:lvl1pPr algn="l">
+              <a:defRPr sz="1200"/>
+            </a:lvl1pPr>
+          </a:lstStyle>
+          <a:p>
+            <a:endParaRPr lang="en-US"/>
+          </a:p>
+        </p:txBody>
+      </p:sp>
+      <p:sp>
+        <p:nvSpPr>
+          <p:cNvPr id="7" name="Slide Number Placeholder 6"/>
+          <p:cNvSpPr>
+            <a:spLocks noGrp="1"/>
+          </p:cNvSpPr>
+          <p:nvPr>
+            <p:ph type="sldNum" sz="quarter" idx="5"/>
+          </p:nvPr>
+        </p:nvSpPr>
+        <p:spPr>
+          <a:xfrm>
+            <a:off x="3884613" y="8685213"/>
+            <a:ext cx="2971800" cy="458787"/>
+          </a:xfrm>
+          <a:prstGeom prst="rect">
+            <a:avLst/>
+          </a:prstGeom>
+        </p:spPr>
+        <p:txBody>
+          <a:bodyPr vert="horz" lIns="91440" tIns="45720" rIns="91440" bIns="45720" rtlCol="0" anchor="b"/>
+          <a:lstStyle>
+            <a:lvl1pPr algn="r">
+              <a:defRPr sz="1200"/>
+            </a:lvl1pPr>
+          </a:lstStyle>
+          <a:p>
+            <a:fld id="{FF04E212-222A-43E8-BAAC-D094C70EC251}" type="slidenum">
+              <a:rPr lang="en-US" smtClean="0"/>
+              <a:t>‹#›</a:t>
+            </a:fld>
+            <a:endParaRPr lang="en-US"/>
+          </a:p>
+        </p:txBody>
+      </p:sp>
+    </p:spTree>
+    <p:extLst>
+      <p:ext uri="{BB962C8B-B14F-4D97-AF65-F5344CB8AC3E}">
+        <p14:creationId xmlns:p14="http://schemas.microsoft.com/office/powerpoint/2010/main" val="3559377153"/>
+      </p:ext>
+    </p:extLst>
+  </p:cSld>
+  <p:clrMap bg1="lt1" tx1="dk1" bg2="lt2" tx2="dk2" accent1="accent1" accent2="accent2" accent3="accent3" accent4="accent4" accent5="accent5" accent6="accent6" hlink="hlink" folHlink="folHlink"/>
+  <p:notesStyle>
+    <a:lvl1pPr marL="0" algn="l" defTabSz="914400" rtl="0" eaLnBrk="1" latinLnBrk="0" hangingPunct="1">
+      <a:defRPr sz="1200" kern="1200">
+        <a:solidFill>
+          <a:schemeClr val="tx1"/>
+        </a:solidFill>
+        <a:latin typeface="+mn-lt"/>
+        <a:ea typeface="+mn-ea"/>
+        <a:cs typeface="+mn-cs"/>
+      </a:defRPr>
+    </a:lvl1pPr>
+    <a:lvl2pPr marL="457200" algn="l" defTabSz="914400" rtl="0" eaLnBrk="1" latinLnBrk="0" hangingPunct="1">
+      <a:defRPr sz="1200" kern="1200">
+        <a:solidFill>
+          <a:schemeClr val="tx1"/>
+        </a:solidFill>
+        <a:latin typeface="+mn-lt"/>
+        <a:ea typeface="+mn-ea"/>
+        <a:cs typeface="+mn-cs"/>
+      </a:defRPr>
+    </a:lvl2pPr>
+    <a:lvl3pPr marL="914400" algn="l" defTabSz="914400" rtl="0" eaLnBrk="1" latinLnBrk="0" hangingPunct="1">
+      <a:defRPr sz="1200" kern="1200">
+        <a:solidFill>
+          <a:schemeClr val="tx1"/>
+        </a:solidFill>
+        <a:latin typeface="+mn-lt"/>
+        <a:ea typeface="+mn-ea"/>
+        <a:cs typeface="+mn-cs"/>
+      </a:defRPr>
+    </a:lvl3pPr>
+    <a:lvl4pPr marL="1371600" algn="l" defTabSz="914400" rtl="0" eaLnBrk="1" latinLnBrk="0" hangingPunct="1">
+      <a:defRPr sz="1200" kern="1200">
+        <a:solidFill>
+          <a:schemeClr val="tx1"/>
+        </a:solidFill>
+        <a:latin typeface="+mn-lt"/>
+        <a:ea typeface="+mn-ea"/>
+        <a:cs typeface="+mn-cs"/>
+      </a:defRPr>
+    </a:lvl4pPr>
+    <a:lvl5pPr marL="1828800" algn="l" defTabSz="914400" rtl="0" eaLnBrk="1" latinLnBrk="0" hangingPunct="1">
+      <a:defRPr sz="1200" kern="1200">
+        <a:solidFill>
+          <a:schemeClr val="tx1"/>
+        </a:solidFill>
+        <a:latin typeface="+mn-lt"/>
+        <a:ea typeface="+mn-ea"/>
+        <a:cs typeface="+mn-cs"/>
+      </a:defRPr>
+    </a:lvl5pPr>
+    <a:lvl6pPr marL="2286000" algn="l" defTabSz="914400" rtl="0" eaLnBrk="1" latinLnBrk="0" hangingPunct="1">
+      <a:defRPr sz="1200" kern="1200">
+        <a:solidFill>
+          <a:schemeClr val="tx1"/>
+        </a:solidFill>
+        <a:latin typeface="+mn-lt"/>
+        <a:ea typeface="+mn-ea"/>
+        <a:cs typeface="+mn-cs"/>
+      </a:defRPr>
+    </a:lvl6pPr>
+    <a:lvl7pPr marL="2743200" algn="l" defTabSz="914400" rtl="0" eaLnBrk="1" latinLnBrk="0" hangingPunct="1">
+      <a:defRPr sz="1200" kern="1200">
+        <a:solidFill>
+          <a:schemeClr val="tx1"/>
+        </a:solidFill>
+        <a:latin typeface="+mn-lt"/>
+        <a:ea typeface="+mn-ea"/>
+        <a:cs typeface="+mn-cs"/>
+      </a:defRPr>
+    </a:lvl7pPr>
+    <a:lvl8pPr marL="3200400" algn="l" defTabSz="914400" rtl="0" eaLnBrk="1" latinLnBrk="0" hangingPunct="1">
+      <a:defRPr sz="1200" kern="1200">
+        <a:solidFill>
+          <a:schemeClr val="tx1"/>
+        </a:solidFill>
+        <a:latin typeface="+mn-lt"/>
+        <a:ea typeface="+mn-ea"/>
+        <a:cs typeface="+mn-cs"/>
+      </a:defRPr>
+    </a:lvl8pPr>
+    <a:lvl9pPr marL="3657600" algn="l" defTabSz="914400" rtl="0" eaLnBrk="1" latinLnBrk="0" hangingPunct="1">
+      <a:defRPr sz="1200" kern="1200">
+        <a:solidFill>
+          <a:schemeClr val="tx1"/>
+        </a:solidFill>
+        <a:latin typeface="+mn-lt"/>
+        <a:ea typeface="+mn-ea"/>
+        <a:cs typeface="+mn-cs"/>
+      </a:defRPr>
+    </a:lvl9pPr>
+  </p:notesStyle>
+</p:notesMaster>
 </file>
 
 <file path=ppt/slideLayouts/slideLayout1.xml><?xml version="1.0" encoding="utf-8"?>
@@ -3356,1310 +3709,6 @@
           </a:p>
         </p:txBody>
       </p:sp>
-      <p:sp>
-        <p:nvSpPr>
-          <p:cNvPr id="6" name="Freeform: Shape 5">
-            <a:extLst>
-              <a:ext uri="{FF2B5EF4-FFF2-40B4-BE49-F238E27FC236}">
-                <a16:creationId xmlns:a16="http://schemas.microsoft.com/office/drawing/2014/main" id="{3D67E039-621C-767A-F9D7-D3D2B56EC3D9}"/>
-              </a:ext>
-            </a:extLst>
-          </p:cNvPr>
-          <p:cNvSpPr/>
-          <p:nvPr/>
-        </p:nvSpPr>
-        <p:spPr>
-          <a:xfrm>
-            <a:off x="3742779" y="3942880"/>
-            <a:ext cx="287099" cy="1220521"/>
-          </a:xfrm>
-          <a:custGeom>
-            <a:avLst/>
-            <a:gdLst>
-              <a:gd name="connsiteX0" fmla="*/ 0 w 428625"/>
-              <a:gd name="connsiteY0" fmla="*/ 1223696 h 1223696"/>
-              <a:gd name="connsiteX1" fmla="*/ 381000 w 428625"/>
-              <a:gd name="connsiteY1" fmla="*/ 985571 h 1223696"/>
-              <a:gd name="connsiteX2" fmla="*/ 57150 w 428625"/>
-              <a:gd name="connsiteY2" fmla="*/ 556946 h 1223696"/>
-              <a:gd name="connsiteX3" fmla="*/ 276225 w 428625"/>
-              <a:gd name="connsiteY3" fmla="*/ 337871 h 1223696"/>
-              <a:gd name="connsiteX4" fmla="*/ 209550 w 428625"/>
-              <a:gd name="connsiteY4" fmla="*/ 4496 h 1223696"/>
-              <a:gd name="connsiteX5" fmla="*/ 428625 w 428625"/>
-              <a:gd name="connsiteY5" fmla="*/ 175946 h 1223696"/>
-              <a:gd name="connsiteX0" fmla="*/ 0 w 401950"/>
-              <a:gd name="connsiteY0" fmla="*/ 1220521 h 1220521"/>
-              <a:gd name="connsiteX1" fmla="*/ 354325 w 401950"/>
-              <a:gd name="connsiteY1" fmla="*/ 985571 h 1220521"/>
-              <a:gd name="connsiteX2" fmla="*/ 30475 w 401950"/>
-              <a:gd name="connsiteY2" fmla="*/ 556946 h 1220521"/>
-              <a:gd name="connsiteX3" fmla="*/ 249550 w 401950"/>
-              <a:gd name="connsiteY3" fmla="*/ 337871 h 1220521"/>
-              <a:gd name="connsiteX4" fmla="*/ 182875 w 401950"/>
-              <a:gd name="connsiteY4" fmla="*/ 4496 h 1220521"/>
-              <a:gd name="connsiteX5" fmla="*/ 401950 w 401950"/>
-              <a:gd name="connsiteY5" fmla="*/ 175946 h 1220521"/>
-              <a:gd name="connsiteX0" fmla="*/ 62 w 402012"/>
-              <a:gd name="connsiteY0" fmla="*/ 1220521 h 1220521"/>
-              <a:gd name="connsiteX1" fmla="*/ 354387 w 402012"/>
-              <a:gd name="connsiteY1" fmla="*/ 985571 h 1220521"/>
-              <a:gd name="connsiteX2" fmla="*/ 30537 w 402012"/>
-              <a:gd name="connsiteY2" fmla="*/ 556946 h 1220521"/>
-              <a:gd name="connsiteX3" fmla="*/ 249612 w 402012"/>
-              <a:gd name="connsiteY3" fmla="*/ 337871 h 1220521"/>
-              <a:gd name="connsiteX4" fmla="*/ 182937 w 402012"/>
-              <a:gd name="connsiteY4" fmla="*/ 4496 h 1220521"/>
-              <a:gd name="connsiteX5" fmla="*/ 402012 w 402012"/>
-              <a:gd name="connsiteY5" fmla="*/ 175946 h 1220521"/>
-              <a:gd name="connsiteX0" fmla="*/ 65 w 402015"/>
-              <a:gd name="connsiteY0" fmla="*/ 1220521 h 1220521"/>
-              <a:gd name="connsiteX1" fmla="*/ 336607 w 402015"/>
-              <a:gd name="connsiteY1" fmla="*/ 931596 h 1220521"/>
-              <a:gd name="connsiteX2" fmla="*/ 30540 w 402015"/>
-              <a:gd name="connsiteY2" fmla="*/ 556946 h 1220521"/>
-              <a:gd name="connsiteX3" fmla="*/ 249615 w 402015"/>
-              <a:gd name="connsiteY3" fmla="*/ 337871 h 1220521"/>
-              <a:gd name="connsiteX4" fmla="*/ 182940 w 402015"/>
-              <a:gd name="connsiteY4" fmla="*/ 4496 h 1220521"/>
-              <a:gd name="connsiteX5" fmla="*/ 402015 w 402015"/>
-              <a:gd name="connsiteY5" fmla="*/ 175946 h 1220521"/>
-            </a:gdLst>
-            <a:ahLst/>
-            <a:cxnLst>
-              <a:cxn ang="0">
-                <a:pos x="connsiteX0" y="connsiteY0"/>
-              </a:cxn>
-              <a:cxn ang="0">
-                <a:pos x="connsiteX1" y="connsiteY1"/>
-              </a:cxn>
-              <a:cxn ang="0">
-                <a:pos x="connsiteX2" y="connsiteY2"/>
-              </a:cxn>
-              <a:cxn ang="0">
-                <a:pos x="connsiteX3" y="connsiteY3"/>
-              </a:cxn>
-              <a:cxn ang="0">
-                <a:pos x="connsiteX4" y="connsiteY4"/>
-              </a:cxn>
-              <a:cxn ang="0">
-                <a:pos x="connsiteX5" y="connsiteY5"/>
-              </a:cxn>
-            </a:cxnLst>
-            <a:rect l="l" t="t" r="r" b="b"/>
-            <a:pathLst>
-              <a:path w="402015" h="1220521">
-                <a:moveTo>
-                  <a:pt x="65" y="1220521"/>
-                </a:moveTo>
-                <a:cubicBezTo>
-                  <a:pt x="-5369" y="1049071"/>
-                  <a:pt x="331528" y="1042192"/>
-                  <a:pt x="336607" y="931596"/>
-                </a:cubicBezTo>
-                <a:cubicBezTo>
-                  <a:pt x="341686" y="821000"/>
-                  <a:pt x="45039" y="655900"/>
-                  <a:pt x="30540" y="556946"/>
-                </a:cubicBezTo>
-                <a:cubicBezTo>
-                  <a:pt x="16041" y="457992"/>
-                  <a:pt x="224215" y="429946"/>
-                  <a:pt x="249615" y="337871"/>
-                </a:cubicBezTo>
-                <a:cubicBezTo>
-                  <a:pt x="275015" y="245796"/>
-                  <a:pt x="157540" y="31483"/>
-                  <a:pt x="182940" y="4496"/>
-                </a:cubicBezTo>
-                <a:cubicBezTo>
-                  <a:pt x="208340" y="-22492"/>
-                  <a:pt x="305177" y="76727"/>
-                  <a:pt x="402015" y="175946"/>
-                </a:cubicBezTo>
-              </a:path>
-            </a:pathLst>
-          </a:custGeom>
-          <a:noFill/>
-          <a:ln w="38100" cap="rnd">
-            <a:solidFill>
-              <a:schemeClr val="tx1"/>
-            </a:solidFill>
-          </a:ln>
-        </p:spPr>
-        <p:style>
-          <a:lnRef idx="2">
-            <a:schemeClr val="accent1">
-              <a:shade val="50000"/>
-            </a:schemeClr>
-          </a:lnRef>
-          <a:fillRef idx="1">
-            <a:schemeClr val="accent1"/>
-          </a:fillRef>
-          <a:effectRef idx="0">
-            <a:schemeClr val="accent1"/>
-          </a:effectRef>
-          <a:fontRef idx="minor">
-            <a:schemeClr val="lt1"/>
-          </a:fontRef>
-        </p:style>
-        <p:txBody>
-          <a:bodyPr rtlCol="0" anchor="ctr"/>
-          <a:lstStyle/>
-          <a:p>
-            <a:pPr algn="ctr"/>
-            <a:endParaRPr lang="en-US"/>
-          </a:p>
-        </p:txBody>
-      </p:sp>
-      <p:sp>
-        <p:nvSpPr>
-          <p:cNvPr id="7" name="Freeform: Shape 6">
-            <a:extLst>
-              <a:ext uri="{FF2B5EF4-FFF2-40B4-BE49-F238E27FC236}">
-                <a16:creationId xmlns:a16="http://schemas.microsoft.com/office/drawing/2014/main" id="{F80ED561-A684-6AC5-B11F-E443E23D9F49}"/>
-              </a:ext>
-            </a:extLst>
-          </p:cNvPr>
-          <p:cNvSpPr/>
-          <p:nvPr/>
-        </p:nvSpPr>
-        <p:spPr>
-          <a:xfrm flipH="1">
-            <a:off x="4707560" y="3810851"/>
-            <a:ext cx="362655" cy="1352550"/>
-          </a:xfrm>
-          <a:custGeom>
-            <a:avLst/>
-            <a:gdLst>
-              <a:gd name="connsiteX0" fmla="*/ 0 w 428625"/>
-              <a:gd name="connsiteY0" fmla="*/ 1223696 h 1223696"/>
-              <a:gd name="connsiteX1" fmla="*/ 381000 w 428625"/>
-              <a:gd name="connsiteY1" fmla="*/ 985571 h 1223696"/>
-              <a:gd name="connsiteX2" fmla="*/ 57150 w 428625"/>
-              <a:gd name="connsiteY2" fmla="*/ 556946 h 1223696"/>
-              <a:gd name="connsiteX3" fmla="*/ 276225 w 428625"/>
-              <a:gd name="connsiteY3" fmla="*/ 337871 h 1223696"/>
-              <a:gd name="connsiteX4" fmla="*/ 209550 w 428625"/>
-              <a:gd name="connsiteY4" fmla="*/ 4496 h 1223696"/>
-              <a:gd name="connsiteX5" fmla="*/ 428625 w 428625"/>
-              <a:gd name="connsiteY5" fmla="*/ 175946 h 1223696"/>
-              <a:gd name="connsiteX0" fmla="*/ 0 w 428625"/>
-              <a:gd name="connsiteY0" fmla="*/ 1223696 h 1223696"/>
-              <a:gd name="connsiteX1" fmla="*/ 381000 w 428625"/>
-              <a:gd name="connsiteY1" fmla="*/ 985571 h 1223696"/>
-              <a:gd name="connsiteX2" fmla="*/ 73025 w 428625"/>
-              <a:gd name="connsiteY2" fmla="*/ 804596 h 1223696"/>
-              <a:gd name="connsiteX3" fmla="*/ 276225 w 428625"/>
-              <a:gd name="connsiteY3" fmla="*/ 337871 h 1223696"/>
-              <a:gd name="connsiteX4" fmla="*/ 209550 w 428625"/>
-              <a:gd name="connsiteY4" fmla="*/ 4496 h 1223696"/>
-              <a:gd name="connsiteX5" fmla="*/ 428625 w 428625"/>
-              <a:gd name="connsiteY5" fmla="*/ 175946 h 1223696"/>
-              <a:gd name="connsiteX0" fmla="*/ 51906 w 480531"/>
-              <a:gd name="connsiteY0" fmla="*/ 1223696 h 1223696"/>
-              <a:gd name="connsiteX1" fmla="*/ 432906 w 480531"/>
-              <a:gd name="connsiteY1" fmla="*/ 985571 h 1223696"/>
-              <a:gd name="connsiteX2" fmla="*/ 124931 w 480531"/>
-              <a:gd name="connsiteY2" fmla="*/ 804596 h 1223696"/>
-              <a:gd name="connsiteX3" fmla="*/ 4281 w 480531"/>
-              <a:gd name="connsiteY3" fmla="*/ 487096 h 1223696"/>
-              <a:gd name="connsiteX4" fmla="*/ 261456 w 480531"/>
-              <a:gd name="connsiteY4" fmla="*/ 4496 h 1223696"/>
-              <a:gd name="connsiteX5" fmla="*/ 480531 w 480531"/>
-              <a:gd name="connsiteY5" fmla="*/ 175946 h 1223696"/>
-              <a:gd name="connsiteX0" fmla="*/ 53689 w 482314"/>
-              <a:gd name="connsiteY0" fmla="*/ 1060814 h 1060814"/>
-              <a:gd name="connsiteX1" fmla="*/ 434689 w 482314"/>
-              <a:gd name="connsiteY1" fmla="*/ 822689 h 1060814"/>
-              <a:gd name="connsiteX2" fmla="*/ 126714 w 482314"/>
-              <a:gd name="connsiteY2" fmla="*/ 641714 h 1060814"/>
-              <a:gd name="connsiteX3" fmla="*/ 6064 w 482314"/>
-              <a:gd name="connsiteY3" fmla="*/ 324214 h 1060814"/>
-              <a:gd name="connsiteX4" fmla="*/ 298164 w 482314"/>
-              <a:gd name="connsiteY4" fmla="*/ 438514 h 1060814"/>
-              <a:gd name="connsiteX5" fmla="*/ 482314 w 482314"/>
-              <a:gd name="connsiteY5" fmla="*/ 13064 h 1060814"/>
-              <a:gd name="connsiteX0" fmla="*/ 53689 w 435120"/>
-              <a:gd name="connsiteY0" fmla="*/ 1185420 h 1185420"/>
-              <a:gd name="connsiteX1" fmla="*/ 434689 w 435120"/>
-              <a:gd name="connsiteY1" fmla="*/ 947295 h 1185420"/>
-              <a:gd name="connsiteX2" fmla="*/ 126714 w 435120"/>
-              <a:gd name="connsiteY2" fmla="*/ 766320 h 1185420"/>
-              <a:gd name="connsiteX3" fmla="*/ 6064 w 435120"/>
-              <a:gd name="connsiteY3" fmla="*/ 448820 h 1185420"/>
-              <a:gd name="connsiteX4" fmla="*/ 298164 w 435120"/>
-              <a:gd name="connsiteY4" fmla="*/ 563120 h 1185420"/>
-              <a:gd name="connsiteX5" fmla="*/ 234664 w 435120"/>
-              <a:gd name="connsiteY5" fmla="*/ 10670 h 1185420"/>
-              <a:gd name="connsiteX0" fmla="*/ 53689 w 435120"/>
-              <a:gd name="connsiteY0" fmla="*/ 1174750 h 1174750"/>
-              <a:gd name="connsiteX1" fmla="*/ 434689 w 435120"/>
-              <a:gd name="connsiteY1" fmla="*/ 936625 h 1174750"/>
-              <a:gd name="connsiteX2" fmla="*/ 126714 w 435120"/>
-              <a:gd name="connsiteY2" fmla="*/ 755650 h 1174750"/>
-              <a:gd name="connsiteX3" fmla="*/ 6064 w 435120"/>
-              <a:gd name="connsiteY3" fmla="*/ 438150 h 1174750"/>
-              <a:gd name="connsiteX4" fmla="*/ 298164 w 435120"/>
-              <a:gd name="connsiteY4" fmla="*/ 552450 h 1174750"/>
-              <a:gd name="connsiteX5" fmla="*/ 234664 w 435120"/>
-              <a:gd name="connsiteY5" fmla="*/ 0 h 1174750"/>
-              <a:gd name="connsiteX0" fmla="*/ 53689 w 435120"/>
-              <a:gd name="connsiteY0" fmla="*/ 1308100 h 1308100"/>
-              <a:gd name="connsiteX1" fmla="*/ 434689 w 435120"/>
-              <a:gd name="connsiteY1" fmla="*/ 1069975 h 1308100"/>
-              <a:gd name="connsiteX2" fmla="*/ 126714 w 435120"/>
-              <a:gd name="connsiteY2" fmla="*/ 889000 h 1308100"/>
-              <a:gd name="connsiteX3" fmla="*/ 6064 w 435120"/>
-              <a:gd name="connsiteY3" fmla="*/ 571500 h 1308100"/>
-              <a:gd name="connsiteX4" fmla="*/ 298164 w 435120"/>
-              <a:gd name="connsiteY4" fmla="*/ 685800 h 1308100"/>
-              <a:gd name="connsiteX5" fmla="*/ 126714 w 435120"/>
-              <a:gd name="connsiteY5" fmla="*/ 0 h 1308100"/>
-              <a:gd name="connsiteX0" fmla="*/ 53689 w 435120"/>
-              <a:gd name="connsiteY0" fmla="*/ 1308100 h 1308100"/>
-              <a:gd name="connsiteX1" fmla="*/ 434689 w 435120"/>
-              <a:gd name="connsiteY1" fmla="*/ 1069975 h 1308100"/>
-              <a:gd name="connsiteX2" fmla="*/ 126714 w 435120"/>
-              <a:gd name="connsiteY2" fmla="*/ 889000 h 1308100"/>
-              <a:gd name="connsiteX3" fmla="*/ 6064 w 435120"/>
-              <a:gd name="connsiteY3" fmla="*/ 571500 h 1308100"/>
-              <a:gd name="connsiteX4" fmla="*/ 298164 w 435120"/>
-              <a:gd name="connsiteY4" fmla="*/ 577850 h 1308100"/>
-              <a:gd name="connsiteX5" fmla="*/ 126714 w 435120"/>
-              <a:gd name="connsiteY5" fmla="*/ 0 h 1308100"/>
-              <a:gd name="connsiteX0" fmla="*/ 53689 w 435120"/>
-              <a:gd name="connsiteY0" fmla="*/ 1308100 h 1308100"/>
-              <a:gd name="connsiteX1" fmla="*/ 434689 w 435120"/>
-              <a:gd name="connsiteY1" fmla="*/ 1069975 h 1308100"/>
-              <a:gd name="connsiteX2" fmla="*/ 126714 w 435120"/>
-              <a:gd name="connsiteY2" fmla="*/ 889000 h 1308100"/>
-              <a:gd name="connsiteX3" fmla="*/ 6064 w 435120"/>
-              <a:gd name="connsiteY3" fmla="*/ 571500 h 1308100"/>
-              <a:gd name="connsiteX4" fmla="*/ 298164 w 435120"/>
-              <a:gd name="connsiteY4" fmla="*/ 577850 h 1308100"/>
-              <a:gd name="connsiteX5" fmla="*/ 126714 w 435120"/>
-              <a:gd name="connsiteY5" fmla="*/ 0 h 1308100"/>
-              <a:gd name="connsiteX0" fmla="*/ 53689 w 435120"/>
-              <a:gd name="connsiteY0" fmla="*/ 1308100 h 1308100"/>
-              <a:gd name="connsiteX1" fmla="*/ 434689 w 435120"/>
-              <a:gd name="connsiteY1" fmla="*/ 1069975 h 1308100"/>
-              <a:gd name="connsiteX2" fmla="*/ 126714 w 435120"/>
-              <a:gd name="connsiteY2" fmla="*/ 889000 h 1308100"/>
-              <a:gd name="connsiteX3" fmla="*/ 6064 w 435120"/>
-              <a:gd name="connsiteY3" fmla="*/ 571500 h 1308100"/>
-              <a:gd name="connsiteX4" fmla="*/ 298164 w 435120"/>
-              <a:gd name="connsiteY4" fmla="*/ 577850 h 1308100"/>
-              <a:gd name="connsiteX5" fmla="*/ 126714 w 435120"/>
-              <a:gd name="connsiteY5" fmla="*/ 0 h 1308100"/>
-              <a:gd name="connsiteX0" fmla="*/ 53689 w 435120"/>
-              <a:gd name="connsiteY0" fmla="*/ 1308100 h 1308100"/>
-              <a:gd name="connsiteX1" fmla="*/ 434689 w 435120"/>
-              <a:gd name="connsiteY1" fmla="*/ 1069975 h 1308100"/>
-              <a:gd name="connsiteX2" fmla="*/ 126714 w 435120"/>
-              <a:gd name="connsiteY2" fmla="*/ 889000 h 1308100"/>
-              <a:gd name="connsiteX3" fmla="*/ 6064 w 435120"/>
-              <a:gd name="connsiteY3" fmla="*/ 571500 h 1308100"/>
-              <a:gd name="connsiteX4" fmla="*/ 298164 w 435120"/>
-              <a:gd name="connsiteY4" fmla="*/ 577850 h 1308100"/>
-              <a:gd name="connsiteX5" fmla="*/ 126714 w 435120"/>
-              <a:gd name="connsiteY5" fmla="*/ 0 h 1308100"/>
-              <a:gd name="connsiteX0" fmla="*/ 201862 w 583293"/>
-              <a:gd name="connsiteY0" fmla="*/ 1308100 h 1308100"/>
-              <a:gd name="connsiteX1" fmla="*/ 582862 w 583293"/>
-              <a:gd name="connsiteY1" fmla="*/ 1069975 h 1308100"/>
-              <a:gd name="connsiteX2" fmla="*/ 274887 w 583293"/>
-              <a:gd name="connsiteY2" fmla="*/ 889000 h 1308100"/>
-              <a:gd name="connsiteX3" fmla="*/ 154237 w 583293"/>
-              <a:gd name="connsiteY3" fmla="*/ 571500 h 1308100"/>
-              <a:gd name="connsiteX4" fmla="*/ 19538 w 583293"/>
-              <a:gd name="connsiteY4" fmla="*/ 450850 h 1308100"/>
-              <a:gd name="connsiteX5" fmla="*/ 274887 w 583293"/>
-              <a:gd name="connsiteY5" fmla="*/ 0 h 1308100"/>
-              <a:gd name="connsiteX0" fmla="*/ 200780 w 582206"/>
-              <a:gd name="connsiteY0" fmla="*/ 1308100 h 1308100"/>
-              <a:gd name="connsiteX1" fmla="*/ 581780 w 582206"/>
-              <a:gd name="connsiteY1" fmla="*/ 1069975 h 1308100"/>
-              <a:gd name="connsiteX2" fmla="*/ 273805 w 582206"/>
-              <a:gd name="connsiteY2" fmla="*/ 889000 h 1308100"/>
-              <a:gd name="connsiteX3" fmla="*/ 166493 w 582206"/>
-              <a:gd name="connsiteY3" fmla="*/ 676275 h 1308100"/>
-              <a:gd name="connsiteX4" fmla="*/ 18456 w 582206"/>
-              <a:gd name="connsiteY4" fmla="*/ 450850 h 1308100"/>
-              <a:gd name="connsiteX5" fmla="*/ 273805 w 582206"/>
-              <a:gd name="connsiteY5" fmla="*/ 0 h 1308100"/>
-              <a:gd name="connsiteX0" fmla="*/ 204947 w 586387"/>
-              <a:gd name="connsiteY0" fmla="*/ 1308100 h 1308100"/>
-              <a:gd name="connsiteX1" fmla="*/ 585947 w 586387"/>
-              <a:gd name="connsiteY1" fmla="*/ 1069975 h 1308100"/>
-              <a:gd name="connsiteX2" fmla="*/ 277972 w 586387"/>
-              <a:gd name="connsiteY2" fmla="*/ 889000 h 1308100"/>
-              <a:gd name="connsiteX3" fmla="*/ 126201 w 586387"/>
-              <a:gd name="connsiteY3" fmla="*/ 685800 h 1308100"/>
-              <a:gd name="connsiteX4" fmla="*/ 22623 w 586387"/>
-              <a:gd name="connsiteY4" fmla="*/ 450850 h 1308100"/>
-              <a:gd name="connsiteX5" fmla="*/ 277972 w 586387"/>
-              <a:gd name="connsiteY5" fmla="*/ 0 h 1308100"/>
-              <a:gd name="connsiteX0" fmla="*/ 204947 w 586387"/>
-              <a:gd name="connsiteY0" fmla="*/ 1323975 h 1323975"/>
-              <a:gd name="connsiteX1" fmla="*/ 585947 w 586387"/>
-              <a:gd name="connsiteY1" fmla="*/ 1085850 h 1323975"/>
-              <a:gd name="connsiteX2" fmla="*/ 277972 w 586387"/>
-              <a:gd name="connsiteY2" fmla="*/ 904875 h 1323975"/>
-              <a:gd name="connsiteX3" fmla="*/ 126201 w 586387"/>
-              <a:gd name="connsiteY3" fmla="*/ 701675 h 1323975"/>
-              <a:gd name="connsiteX4" fmla="*/ 22623 w 586387"/>
-              <a:gd name="connsiteY4" fmla="*/ 466725 h 1323975"/>
-              <a:gd name="connsiteX5" fmla="*/ 340214 w 586387"/>
-              <a:gd name="connsiteY5" fmla="*/ 0 h 1323975"/>
-              <a:gd name="connsiteX0" fmla="*/ 126371 w 507811"/>
-              <a:gd name="connsiteY0" fmla="*/ 1323975 h 1323975"/>
-              <a:gd name="connsiteX1" fmla="*/ 507371 w 507811"/>
-              <a:gd name="connsiteY1" fmla="*/ 1085850 h 1323975"/>
-              <a:gd name="connsiteX2" fmla="*/ 199396 w 507811"/>
-              <a:gd name="connsiteY2" fmla="*/ 904875 h 1323975"/>
-              <a:gd name="connsiteX3" fmla="*/ 47625 w 507811"/>
-              <a:gd name="connsiteY3" fmla="*/ 701675 h 1323975"/>
-              <a:gd name="connsiteX4" fmla="*/ 37409 w 507811"/>
-              <a:gd name="connsiteY4" fmla="*/ 482600 h 1323975"/>
-              <a:gd name="connsiteX5" fmla="*/ 261638 w 507811"/>
-              <a:gd name="connsiteY5" fmla="*/ 0 h 1323975"/>
-              <a:gd name="connsiteX0" fmla="*/ 126371 w 507811"/>
-              <a:gd name="connsiteY0" fmla="*/ 1336675 h 1336675"/>
-              <a:gd name="connsiteX1" fmla="*/ 507371 w 507811"/>
-              <a:gd name="connsiteY1" fmla="*/ 1098550 h 1336675"/>
-              <a:gd name="connsiteX2" fmla="*/ 199396 w 507811"/>
-              <a:gd name="connsiteY2" fmla="*/ 917575 h 1336675"/>
-              <a:gd name="connsiteX3" fmla="*/ 47625 w 507811"/>
-              <a:gd name="connsiteY3" fmla="*/ 714375 h 1336675"/>
-              <a:gd name="connsiteX4" fmla="*/ 37409 w 507811"/>
-              <a:gd name="connsiteY4" fmla="*/ 495300 h 1336675"/>
-              <a:gd name="connsiteX5" fmla="*/ 177168 w 507811"/>
-              <a:gd name="connsiteY5" fmla="*/ 0 h 1336675"/>
-              <a:gd name="connsiteX0" fmla="*/ 126371 w 507811"/>
-              <a:gd name="connsiteY0" fmla="*/ 1352550 h 1352550"/>
-              <a:gd name="connsiteX1" fmla="*/ 507371 w 507811"/>
-              <a:gd name="connsiteY1" fmla="*/ 1114425 h 1352550"/>
-              <a:gd name="connsiteX2" fmla="*/ 199396 w 507811"/>
-              <a:gd name="connsiteY2" fmla="*/ 933450 h 1352550"/>
-              <a:gd name="connsiteX3" fmla="*/ 47625 w 507811"/>
-              <a:gd name="connsiteY3" fmla="*/ 730250 h 1352550"/>
-              <a:gd name="connsiteX4" fmla="*/ 37409 w 507811"/>
-              <a:gd name="connsiteY4" fmla="*/ 511175 h 1352550"/>
-              <a:gd name="connsiteX5" fmla="*/ 110480 w 507811"/>
-              <a:gd name="connsiteY5" fmla="*/ 0 h 1352550"/>
-            </a:gdLst>
-            <a:ahLst/>
-            <a:cxnLst>
-              <a:cxn ang="0">
-                <a:pos x="connsiteX0" y="connsiteY0"/>
-              </a:cxn>
-              <a:cxn ang="0">
-                <a:pos x="connsiteX1" y="connsiteY1"/>
-              </a:cxn>
-              <a:cxn ang="0">
-                <a:pos x="connsiteX2" y="connsiteY2"/>
-              </a:cxn>
-              <a:cxn ang="0">
-                <a:pos x="connsiteX3" y="connsiteY3"/>
-              </a:cxn>
-              <a:cxn ang="0">
-                <a:pos x="connsiteX4" y="connsiteY4"/>
-              </a:cxn>
-              <a:cxn ang="0">
-                <a:pos x="connsiteX5" y="connsiteY5"/>
-              </a:cxn>
-            </a:cxnLst>
-            <a:rect l="l" t="t" r="r" b="b"/>
-            <a:pathLst>
-              <a:path w="507811" h="1352550">
-                <a:moveTo>
-                  <a:pt x="126371" y="1352550"/>
-                </a:moveTo>
-                <a:cubicBezTo>
-                  <a:pt x="134275" y="1133475"/>
-                  <a:pt x="495200" y="1184275"/>
-                  <a:pt x="507371" y="1114425"/>
-                </a:cubicBezTo>
-                <a:cubicBezTo>
-                  <a:pt x="519542" y="1044575"/>
-                  <a:pt x="276020" y="997479"/>
-                  <a:pt x="199396" y="933450"/>
-                </a:cubicBezTo>
-                <a:cubicBezTo>
-                  <a:pt x="122772" y="869421"/>
-                  <a:pt x="74623" y="800629"/>
-                  <a:pt x="47625" y="730250"/>
-                </a:cubicBezTo>
-                <a:cubicBezTo>
-                  <a:pt x="20627" y="659871"/>
-                  <a:pt x="-38791" y="568325"/>
-                  <a:pt x="37409" y="511175"/>
-                </a:cubicBezTo>
-                <a:cubicBezTo>
-                  <a:pt x="119959" y="428625"/>
-                  <a:pt x="364480" y="285750"/>
-                  <a:pt x="110480" y="0"/>
-                </a:cubicBezTo>
-              </a:path>
-            </a:pathLst>
-          </a:custGeom>
-          <a:noFill/>
-          <a:ln w="38100" cap="rnd">
-            <a:solidFill>
-              <a:schemeClr val="tx1"/>
-            </a:solidFill>
-          </a:ln>
-        </p:spPr>
-        <p:style>
-          <a:lnRef idx="2">
-            <a:schemeClr val="accent1">
-              <a:shade val="50000"/>
-            </a:schemeClr>
-          </a:lnRef>
-          <a:fillRef idx="1">
-            <a:schemeClr val="accent1"/>
-          </a:fillRef>
-          <a:effectRef idx="0">
-            <a:schemeClr val="accent1"/>
-          </a:effectRef>
-          <a:fontRef idx="minor">
-            <a:schemeClr val="lt1"/>
-          </a:fontRef>
-        </p:style>
-        <p:txBody>
-          <a:bodyPr rtlCol="0" anchor="ctr"/>
-          <a:lstStyle/>
-          <a:p>
-            <a:pPr algn="ctr"/>
-            <a:endParaRPr lang="en-US"/>
-          </a:p>
-        </p:txBody>
-      </p:sp>
-      <p:sp>
-        <p:nvSpPr>
-          <p:cNvPr id="9" name="Freeform: Shape 8">
-            <a:extLst>
-              <a:ext uri="{FF2B5EF4-FFF2-40B4-BE49-F238E27FC236}">
-                <a16:creationId xmlns:a16="http://schemas.microsoft.com/office/drawing/2014/main" id="{432710D8-84E7-3D2D-7293-2BFBB16ADC27}"/>
-              </a:ext>
-            </a:extLst>
-          </p:cNvPr>
-          <p:cNvSpPr/>
-          <p:nvPr/>
-        </p:nvSpPr>
-        <p:spPr>
-          <a:xfrm flipH="1">
-            <a:off x="4412647" y="3956852"/>
-            <a:ext cx="450292" cy="1216050"/>
-          </a:xfrm>
-          <a:custGeom>
-            <a:avLst/>
-            <a:gdLst>
-              <a:gd name="connsiteX0" fmla="*/ 0 w 428625"/>
-              <a:gd name="connsiteY0" fmla="*/ 1223696 h 1223696"/>
-              <a:gd name="connsiteX1" fmla="*/ 381000 w 428625"/>
-              <a:gd name="connsiteY1" fmla="*/ 985571 h 1223696"/>
-              <a:gd name="connsiteX2" fmla="*/ 57150 w 428625"/>
-              <a:gd name="connsiteY2" fmla="*/ 556946 h 1223696"/>
-              <a:gd name="connsiteX3" fmla="*/ 276225 w 428625"/>
-              <a:gd name="connsiteY3" fmla="*/ 337871 h 1223696"/>
-              <a:gd name="connsiteX4" fmla="*/ 209550 w 428625"/>
-              <a:gd name="connsiteY4" fmla="*/ 4496 h 1223696"/>
-              <a:gd name="connsiteX5" fmla="*/ 428625 w 428625"/>
-              <a:gd name="connsiteY5" fmla="*/ 175946 h 1223696"/>
-              <a:gd name="connsiteX0" fmla="*/ 44727 w 473352"/>
-              <a:gd name="connsiteY0" fmla="*/ 1223696 h 1223696"/>
-              <a:gd name="connsiteX1" fmla="*/ 277 w 473352"/>
-              <a:gd name="connsiteY1" fmla="*/ 820471 h 1223696"/>
-              <a:gd name="connsiteX2" fmla="*/ 101877 w 473352"/>
-              <a:gd name="connsiteY2" fmla="*/ 556946 h 1223696"/>
-              <a:gd name="connsiteX3" fmla="*/ 320952 w 473352"/>
-              <a:gd name="connsiteY3" fmla="*/ 337871 h 1223696"/>
-              <a:gd name="connsiteX4" fmla="*/ 254277 w 473352"/>
-              <a:gd name="connsiteY4" fmla="*/ 4496 h 1223696"/>
-              <a:gd name="connsiteX5" fmla="*/ 473352 w 473352"/>
-              <a:gd name="connsiteY5" fmla="*/ 175946 h 1223696"/>
-              <a:gd name="connsiteX0" fmla="*/ 44727 w 473352"/>
-              <a:gd name="connsiteY0" fmla="*/ 1223696 h 1223696"/>
-              <a:gd name="connsiteX1" fmla="*/ 277 w 473352"/>
-              <a:gd name="connsiteY1" fmla="*/ 820471 h 1223696"/>
-              <a:gd name="connsiteX2" fmla="*/ 101877 w 473352"/>
-              <a:gd name="connsiteY2" fmla="*/ 556946 h 1223696"/>
-              <a:gd name="connsiteX3" fmla="*/ 41552 w 473352"/>
-              <a:gd name="connsiteY3" fmla="*/ 274371 h 1223696"/>
-              <a:gd name="connsiteX4" fmla="*/ 254277 w 473352"/>
-              <a:gd name="connsiteY4" fmla="*/ 4496 h 1223696"/>
-              <a:gd name="connsiteX5" fmla="*/ 473352 w 473352"/>
-              <a:gd name="connsiteY5" fmla="*/ 175946 h 1223696"/>
-              <a:gd name="connsiteX0" fmla="*/ 45610 w 474235"/>
-              <a:gd name="connsiteY0" fmla="*/ 1223696 h 1223696"/>
-              <a:gd name="connsiteX1" fmla="*/ 1160 w 474235"/>
-              <a:gd name="connsiteY1" fmla="*/ 820471 h 1223696"/>
-              <a:gd name="connsiteX2" fmla="*/ 166260 w 474235"/>
-              <a:gd name="connsiteY2" fmla="*/ 563296 h 1223696"/>
-              <a:gd name="connsiteX3" fmla="*/ 42435 w 474235"/>
-              <a:gd name="connsiteY3" fmla="*/ 274371 h 1223696"/>
-              <a:gd name="connsiteX4" fmla="*/ 255160 w 474235"/>
-              <a:gd name="connsiteY4" fmla="*/ 4496 h 1223696"/>
-              <a:gd name="connsiteX5" fmla="*/ 474235 w 474235"/>
-              <a:gd name="connsiteY5" fmla="*/ 175946 h 1223696"/>
-              <a:gd name="connsiteX0" fmla="*/ 45610 w 474235"/>
-              <a:gd name="connsiteY0" fmla="*/ 1199415 h 1199415"/>
-              <a:gd name="connsiteX1" fmla="*/ 1160 w 474235"/>
-              <a:gd name="connsiteY1" fmla="*/ 796190 h 1199415"/>
-              <a:gd name="connsiteX2" fmla="*/ 166260 w 474235"/>
-              <a:gd name="connsiteY2" fmla="*/ 539015 h 1199415"/>
-              <a:gd name="connsiteX3" fmla="*/ 42435 w 474235"/>
-              <a:gd name="connsiteY3" fmla="*/ 250090 h 1199415"/>
-              <a:gd name="connsiteX4" fmla="*/ 204360 w 474235"/>
-              <a:gd name="connsiteY4" fmla="*/ 5615 h 1199415"/>
-              <a:gd name="connsiteX5" fmla="*/ 474235 w 474235"/>
-              <a:gd name="connsiteY5" fmla="*/ 151665 h 1199415"/>
-              <a:gd name="connsiteX0" fmla="*/ 45610 w 474235"/>
-              <a:gd name="connsiteY0" fmla="*/ 1205932 h 1205932"/>
-              <a:gd name="connsiteX1" fmla="*/ 1160 w 474235"/>
-              <a:gd name="connsiteY1" fmla="*/ 802707 h 1205932"/>
-              <a:gd name="connsiteX2" fmla="*/ 166260 w 474235"/>
-              <a:gd name="connsiteY2" fmla="*/ 545532 h 1205932"/>
-              <a:gd name="connsiteX3" fmla="*/ 42435 w 474235"/>
-              <a:gd name="connsiteY3" fmla="*/ 256607 h 1205932"/>
-              <a:gd name="connsiteX4" fmla="*/ 204360 w 474235"/>
-              <a:gd name="connsiteY4" fmla="*/ 12132 h 1205932"/>
-              <a:gd name="connsiteX5" fmla="*/ 474235 w 474235"/>
-              <a:gd name="connsiteY5" fmla="*/ 158182 h 1205932"/>
-              <a:gd name="connsiteX0" fmla="*/ 45610 w 474235"/>
-              <a:gd name="connsiteY0" fmla="*/ 1223516 h 1223516"/>
-              <a:gd name="connsiteX1" fmla="*/ 1160 w 474235"/>
-              <a:gd name="connsiteY1" fmla="*/ 820291 h 1223516"/>
-              <a:gd name="connsiteX2" fmla="*/ 166260 w 474235"/>
-              <a:gd name="connsiteY2" fmla="*/ 563116 h 1223516"/>
-              <a:gd name="connsiteX3" fmla="*/ 42435 w 474235"/>
-              <a:gd name="connsiteY3" fmla="*/ 274191 h 1223516"/>
-              <a:gd name="connsiteX4" fmla="*/ 115460 w 474235"/>
-              <a:gd name="connsiteY4" fmla="*/ 10666 h 1223516"/>
-              <a:gd name="connsiteX5" fmla="*/ 474235 w 474235"/>
-              <a:gd name="connsiteY5" fmla="*/ 175766 h 1223516"/>
-              <a:gd name="connsiteX0" fmla="*/ 45610 w 474235"/>
-              <a:gd name="connsiteY0" fmla="*/ 1223516 h 1223516"/>
-              <a:gd name="connsiteX1" fmla="*/ 1160 w 474235"/>
-              <a:gd name="connsiteY1" fmla="*/ 820291 h 1223516"/>
-              <a:gd name="connsiteX2" fmla="*/ 166260 w 474235"/>
-              <a:gd name="connsiteY2" fmla="*/ 563116 h 1223516"/>
-              <a:gd name="connsiteX3" fmla="*/ 42435 w 474235"/>
-              <a:gd name="connsiteY3" fmla="*/ 274191 h 1223516"/>
-              <a:gd name="connsiteX4" fmla="*/ 115460 w 474235"/>
-              <a:gd name="connsiteY4" fmla="*/ 10666 h 1223516"/>
-              <a:gd name="connsiteX5" fmla="*/ 474235 w 474235"/>
-              <a:gd name="connsiteY5" fmla="*/ 175766 h 1223516"/>
-              <a:gd name="connsiteX0" fmla="*/ 163645 w 592270"/>
-              <a:gd name="connsiteY0" fmla="*/ 1223516 h 1223516"/>
-              <a:gd name="connsiteX1" fmla="*/ 119195 w 592270"/>
-              <a:gd name="connsiteY1" fmla="*/ 820291 h 1223516"/>
-              <a:gd name="connsiteX2" fmla="*/ 284295 w 592270"/>
-              <a:gd name="connsiteY2" fmla="*/ 563116 h 1223516"/>
-              <a:gd name="connsiteX3" fmla="*/ 420 w 592270"/>
-              <a:gd name="connsiteY3" fmla="*/ 292460 h 1223516"/>
-              <a:gd name="connsiteX4" fmla="*/ 233495 w 592270"/>
-              <a:gd name="connsiteY4" fmla="*/ 10666 h 1223516"/>
-              <a:gd name="connsiteX5" fmla="*/ 592270 w 592270"/>
-              <a:gd name="connsiteY5" fmla="*/ 175766 h 1223516"/>
-              <a:gd name="connsiteX0" fmla="*/ 163308 w 591933"/>
-              <a:gd name="connsiteY0" fmla="*/ 1174212 h 1174212"/>
-              <a:gd name="connsiteX1" fmla="*/ 118858 w 591933"/>
-              <a:gd name="connsiteY1" fmla="*/ 770987 h 1174212"/>
-              <a:gd name="connsiteX2" fmla="*/ 283958 w 591933"/>
-              <a:gd name="connsiteY2" fmla="*/ 513812 h 1174212"/>
-              <a:gd name="connsiteX3" fmla="*/ 83 w 591933"/>
-              <a:gd name="connsiteY3" fmla="*/ 243156 h 1174212"/>
-              <a:gd name="connsiteX4" fmla="*/ 259833 w 591933"/>
-              <a:gd name="connsiteY4" fmla="*/ 16167 h 1174212"/>
-              <a:gd name="connsiteX5" fmla="*/ 591933 w 591933"/>
-              <a:gd name="connsiteY5" fmla="*/ 126462 h 1174212"/>
-              <a:gd name="connsiteX0" fmla="*/ 163308 w 698633"/>
-              <a:gd name="connsiteY0" fmla="*/ 1166155 h 1166155"/>
-              <a:gd name="connsiteX1" fmla="*/ 118858 w 698633"/>
-              <a:gd name="connsiteY1" fmla="*/ 762930 h 1166155"/>
-              <a:gd name="connsiteX2" fmla="*/ 283958 w 698633"/>
-              <a:gd name="connsiteY2" fmla="*/ 505755 h 1166155"/>
-              <a:gd name="connsiteX3" fmla="*/ 83 w 698633"/>
-              <a:gd name="connsiteY3" fmla="*/ 235099 h 1166155"/>
-              <a:gd name="connsiteX4" fmla="*/ 259833 w 698633"/>
-              <a:gd name="connsiteY4" fmla="*/ 8110 h 1166155"/>
-              <a:gd name="connsiteX5" fmla="*/ 698633 w 698633"/>
-              <a:gd name="connsiteY5" fmla="*/ 221926 h 1166155"/>
-              <a:gd name="connsiteX0" fmla="*/ 163308 w 698633"/>
-              <a:gd name="connsiteY0" fmla="*/ 1166155 h 1166155"/>
-              <a:gd name="connsiteX1" fmla="*/ 118858 w 698633"/>
-              <a:gd name="connsiteY1" fmla="*/ 762930 h 1166155"/>
-              <a:gd name="connsiteX2" fmla="*/ 283958 w 698633"/>
-              <a:gd name="connsiteY2" fmla="*/ 505755 h 1166155"/>
-              <a:gd name="connsiteX3" fmla="*/ 83 w 698633"/>
-              <a:gd name="connsiteY3" fmla="*/ 235099 h 1166155"/>
-              <a:gd name="connsiteX4" fmla="*/ 259833 w 698633"/>
-              <a:gd name="connsiteY4" fmla="*/ 8110 h 1166155"/>
-              <a:gd name="connsiteX5" fmla="*/ 698633 w 698633"/>
-              <a:gd name="connsiteY5" fmla="*/ 221926 h 1166155"/>
-              <a:gd name="connsiteX0" fmla="*/ 163308 w 698633"/>
-              <a:gd name="connsiteY0" fmla="*/ 1166155 h 1166155"/>
-              <a:gd name="connsiteX1" fmla="*/ 64672 w 698633"/>
-              <a:gd name="connsiteY1" fmla="*/ 811646 h 1166155"/>
-              <a:gd name="connsiteX2" fmla="*/ 283958 w 698633"/>
-              <a:gd name="connsiteY2" fmla="*/ 505755 h 1166155"/>
-              <a:gd name="connsiteX3" fmla="*/ 83 w 698633"/>
-              <a:gd name="connsiteY3" fmla="*/ 235099 h 1166155"/>
-              <a:gd name="connsiteX4" fmla="*/ 259833 w 698633"/>
-              <a:gd name="connsiteY4" fmla="*/ 8110 h 1166155"/>
-              <a:gd name="connsiteX5" fmla="*/ 698633 w 698633"/>
-              <a:gd name="connsiteY5" fmla="*/ 221926 h 1166155"/>
-            </a:gdLst>
-            <a:ahLst/>
-            <a:cxnLst>
-              <a:cxn ang="0">
-                <a:pos x="connsiteX0" y="connsiteY0"/>
-              </a:cxn>
-              <a:cxn ang="0">
-                <a:pos x="connsiteX1" y="connsiteY1"/>
-              </a:cxn>
-              <a:cxn ang="0">
-                <a:pos x="connsiteX2" y="connsiteY2"/>
-              </a:cxn>
-              <a:cxn ang="0">
-                <a:pos x="connsiteX3" y="connsiteY3"/>
-              </a:cxn>
-              <a:cxn ang="0">
-                <a:pos x="connsiteX4" y="connsiteY4"/>
-              </a:cxn>
-              <a:cxn ang="0">
-                <a:pos x="connsiteX5" y="connsiteY5"/>
-              </a:cxn>
-            </a:cxnLst>
-            <a:rect l="l" t="t" r="r" b="b"/>
-            <a:pathLst>
-              <a:path w="698633" h="1166155">
-                <a:moveTo>
-                  <a:pt x="163308" y="1166155"/>
-                </a:moveTo>
-                <a:cubicBezTo>
-                  <a:pt x="166781" y="1026537"/>
-                  <a:pt x="44564" y="921713"/>
-                  <a:pt x="64672" y="811646"/>
-                </a:cubicBezTo>
-                <a:cubicBezTo>
-                  <a:pt x="84780" y="701579"/>
-                  <a:pt x="294723" y="601846"/>
-                  <a:pt x="283958" y="505755"/>
-                </a:cubicBezTo>
-                <a:cubicBezTo>
-                  <a:pt x="273193" y="409664"/>
-                  <a:pt x="4104" y="318040"/>
-                  <a:pt x="83" y="235099"/>
-                </a:cubicBezTo>
-                <a:cubicBezTo>
-                  <a:pt x="-3938" y="152158"/>
-                  <a:pt x="139183" y="47797"/>
-                  <a:pt x="259833" y="8110"/>
-                </a:cubicBezTo>
-                <a:cubicBezTo>
-                  <a:pt x="424933" y="-37928"/>
-                  <a:pt x="601795" y="122707"/>
-                  <a:pt x="698633" y="221926"/>
-                </a:cubicBezTo>
-              </a:path>
-            </a:pathLst>
-          </a:custGeom>
-          <a:noFill/>
-          <a:ln w="38100" cap="rnd">
-            <a:solidFill>
-              <a:schemeClr val="tx1"/>
-            </a:solidFill>
-          </a:ln>
-        </p:spPr>
-        <p:style>
-          <a:lnRef idx="2">
-            <a:schemeClr val="accent1">
-              <a:shade val="50000"/>
-            </a:schemeClr>
-          </a:lnRef>
-          <a:fillRef idx="1">
-            <a:schemeClr val="accent1"/>
-          </a:fillRef>
-          <a:effectRef idx="0">
-            <a:schemeClr val="accent1"/>
-          </a:effectRef>
-          <a:fontRef idx="minor">
-            <a:schemeClr val="lt1"/>
-          </a:fontRef>
-        </p:style>
-        <p:txBody>
-          <a:bodyPr rtlCol="0" anchor="ctr"/>
-          <a:lstStyle/>
-          <a:p>
-            <a:pPr algn="ctr"/>
-            <a:endParaRPr lang="en-US"/>
-          </a:p>
-        </p:txBody>
-      </p:sp>
-      <p:sp>
-        <p:nvSpPr>
-          <p:cNvPr id="13" name="Freeform: Shape 12">
-            <a:extLst>
-              <a:ext uri="{FF2B5EF4-FFF2-40B4-BE49-F238E27FC236}">
-                <a16:creationId xmlns:a16="http://schemas.microsoft.com/office/drawing/2014/main" id="{665837D0-E57B-8C83-DC36-185E00C07236}"/>
-              </a:ext>
-            </a:extLst>
-          </p:cNvPr>
-          <p:cNvSpPr/>
-          <p:nvPr/>
-        </p:nvSpPr>
-        <p:spPr>
-          <a:xfrm rot="10477160">
-            <a:off x="4032023" y="3738973"/>
-            <a:ext cx="399080" cy="1429847"/>
-          </a:xfrm>
-          <a:custGeom>
-            <a:avLst/>
-            <a:gdLst>
-              <a:gd name="connsiteX0" fmla="*/ 215975 w 613411"/>
-              <a:gd name="connsiteY0" fmla="*/ 958850 h 980984"/>
-              <a:gd name="connsiteX1" fmla="*/ 431875 w 613411"/>
-              <a:gd name="connsiteY1" fmla="*/ 977900 h 980984"/>
-              <a:gd name="connsiteX2" fmla="*/ 596975 w 613411"/>
-              <a:gd name="connsiteY2" fmla="*/ 901700 h 980984"/>
-              <a:gd name="connsiteX3" fmla="*/ 12775 w 613411"/>
-              <a:gd name="connsiteY3" fmla="*/ 819150 h 980984"/>
-              <a:gd name="connsiteX4" fmla="*/ 209625 w 613411"/>
-              <a:gd name="connsiteY4" fmla="*/ 908050 h 980984"/>
-              <a:gd name="connsiteX5" fmla="*/ 393775 w 613411"/>
-              <a:gd name="connsiteY5" fmla="*/ 736600 h 980984"/>
-              <a:gd name="connsiteX6" fmla="*/ 285825 w 613411"/>
-              <a:gd name="connsiteY6" fmla="*/ 514350 h 980984"/>
-              <a:gd name="connsiteX7" fmla="*/ 273125 w 613411"/>
-              <a:gd name="connsiteY7" fmla="*/ 361950 h 980984"/>
-              <a:gd name="connsiteX8" fmla="*/ 438225 w 613411"/>
-              <a:gd name="connsiteY8" fmla="*/ 114300 h 980984"/>
-              <a:gd name="connsiteX9" fmla="*/ 330275 w 613411"/>
-              <a:gd name="connsiteY9" fmla="*/ 0 h 980984"/>
-              <a:gd name="connsiteX0" fmla="*/ 191775 w 587767"/>
-              <a:gd name="connsiteY0" fmla="*/ 958850 h 980984"/>
-              <a:gd name="connsiteX1" fmla="*/ 407675 w 587767"/>
-              <a:gd name="connsiteY1" fmla="*/ 977900 h 980984"/>
-              <a:gd name="connsiteX2" fmla="*/ 572775 w 587767"/>
-              <a:gd name="connsiteY2" fmla="*/ 901700 h 980984"/>
-              <a:gd name="connsiteX3" fmla="*/ 13975 w 587767"/>
-              <a:gd name="connsiteY3" fmla="*/ 538491 h 980984"/>
-              <a:gd name="connsiteX4" fmla="*/ 185425 w 587767"/>
-              <a:gd name="connsiteY4" fmla="*/ 908050 h 980984"/>
-              <a:gd name="connsiteX5" fmla="*/ 369575 w 587767"/>
-              <a:gd name="connsiteY5" fmla="*/ 736600 h 980984"/>
-              <a:gd name="connsiteX6" fmla="*/ 261625 w 587767"/>
-              <a:gd name="connsiteY6" fmla="*/ 514350 h 980984"/>
-              <a:gd name="connsiteX7" fmla="*/ 248925 w 587767"/>
-              <a:gd name="connsiteY7" fmla="*/ 361950 h 980984"/>
-              <a:gd name="connsiteX8" fmla="*/ 414025 w 587767"/>
-              <a:gd name="connsiteY8" fmla="*/ 114300 h 980984"/>
-              <a:gd name="connsiteX9" fmla="*/ 306075 w 587767"/>
-              <a:gd name="connsiteY9" fmla="*/ 0 h 980984"/>
-              <a:gd name="connsiteX0" fmla="*/ 177816 w 573808"/>
-              <a:gd name="connsiteY0" fmla="*/ 958850 h 980984"/>
-              <a:gd name="connsiteX1" fmla="*/ 393716 w 573808"/>
-              <a:gd name="connsiteY1" fmla="*/ 977900 h 980984"/>
-              <a:gd name="connsiteX2" fmla="*/ 558816 w 573808"/>
-              <a:gd name="connsiteY2" fmla="*/ 901700 h 980984"/>
-              <a:gd name="connsiteX3" fmla="*/ 16 w 573808"/>
-              <a:gd name="connsiteY3" fmla="*/ 538491 h 980984"/>
-              <a:gd name="connsiteX4" fmla="*/ 539766 w 573808"/>
-              <a:gd name="connsiteY4" fmla="*/ 484903 h 980984"/>
-              <a:gd name="connsiteX5" fmla="*/ 355616 w 573808"/>
-              <a:gd name="connsiteY5" fmla="*/ 736600 h 980984"/>
-              <a:gd name="connsiteX6" fmla="*/ 247666 w 573808"/>
-              <a:gd name="connsiteY6" fmla="*/ 514350 h 980984"/>
-              <a:gd name="connsiteX7" fmla="*/ 234966 w 573808"/>
-              <a:gd name="connsiteY7" fmla="*/ 361950 h 980984"/>
-              <a:gd name="connsiteX8" fmla="*/ 400066 w 573808"/>
-              <a:gd name="connsiteY8" fmla="*/ 114300 h 980984"/>
-              <a:gd name="connsiteX9" fmla="*/ 292116 w 573808"/>
-              <a:gd name="connsiteY9" fmla="*/ 0 h 980984"/>
-              <a:gd name="connsiteX0" fmla="*/ 177816 w 573808"/>
-              <a:gd name="connsiteY0" fmla="*/ 958850 h 980984"/>
-              <a:gd name="connsiteX1" fmla="*/ 393716 w 573808"/>
-              <a:gd name="connsiteY1" fmla="*/ 977900 h 980984"/>
-              <a:gd name="connsiteX2" fmla="*/ 558816 w 573808"/>
-              <a:gd name="connsiteY2" fmla="*/ 901700 h 980984"/>
-              <a:gd name="connsiteX3" fmla="*/ 16 w 573808"/>
-              <a:gd name="connsiteY3" fmla="*/ 538491 h 980984"/>
-              <a:gd name="connsiteX4" fmla="*/ 539766 w 573808"/>
-              <a:gd name="connsiteY4" fmla="*/ 484903 h 980984"/>
-              <a:gd name="connsiteX5" fmla="*/ 400066 w 573808"/>
-              <a:gd name="connsiteY5" fmla="*/ 693422 h 980984"/>
-              <a:gd name="connsiteX6" fmla="*/ 247666 w 573808"/>
-              <a:gd name="connsiteY6" fmla="*/ 514350 h 980984"/>
-              <a:gd name="connsiteX7" fmla="*/ 234966 w 573808"/>
-              <a:gd name="connsiteY7" fmla="*/ 361950 h 980984"/>
-              <a:gd name="connsiteX8" fmla="*/ 400066 w 573808"/>
-              <a:gd name="connsiteY8" fmla="*/ 114300 h 980984"/>
-              <a:gd name="connsiteX9" fmla="*/ 292116 w 573808"/>
-              <a:gd name="connsiteY9" fmla="*/ 0 h 980984"/>
-              <a:gd name="connsiteX0" fmla="*/ 177816 w 579339"/>
-              <a:gd name="connsiteY0" fmla="*/ 958850 h 996932"/>
-              <a:gd name="connsiteX1" fmla="*/ 431816 w 579339"/>
-              <a:gd name="connsiteY1" fmla="*/ 995172 h 996932"/>
-              <a:gd name="connsiteX2" fmla="*/ 558816 w 579339"/>
-              <a:gd name="connsiteY2" fmla="*/ 901700 h 996932"/>
-              <a:gd name="connsiteX3" fmla="*/ 16 w 579339"/>
-              <a:gd name="connsiteY3" fmla="*/ 538491 h 996932"/>
-              <a:gd name="connsiteX4" fmla="*/ 539766 w 579339"/>
-              <a:gd name="connsiteY4" fmla="*/ 484903 h 996932"/>
-              <a:gd name="connsiteX5" fmla="*/ 400066 w 579339"/>
-              <a:gd name="connsiteY5" fmla="*/ 693422 h 996932"/>
-              <a:gd name="connsiteX6" fmla="*/ 247666 w 579339"/>
-              <a:gd name="connsiteY6" fmla="*/ 514350 h 996932"/>
-              <a:gd name="connsiteX7" fmla="*/ 234966 w 579339"/>
-              <a:gd name="connsiteY7" fmla="*/ 361950 h 996932"/>
-              <a:gd name="connsiteX8" fmla="*/ 400066 w 579339"/>
-              <a:gd name="connsiteY8" fmla="*/ 114300 h 996932"/>
-              <a:gd name="connsiteX9" fmla="*/ 292116 w 579339"/>
-              <a:gd name="connsiteY9" fmla="*/ 0 h 996932"/>
-              <a:gd name="connsiteX0" fmla="*/ 177816 w 583653"/>
-              <a:gd name="connsiteY0" fmla="*/ 958850 h 995824"/>
-              <a:gd name="connsiteX1" fmla="*/ 431816 w 583653"/>
-              <a:gd name="connsiteY1" fmla="*/ 995172 h 995824"/>
-              <a:gd name="connsiteX2" fmla="*/ 558816 w 583653"/>
-              <a:gd name="connsiteY2" fmla="*/ 901700 h 995824"/>
-              <a:gd name="connsiteX3" fmla="*/ 16 w 583653"/>
-              <a:gd name="connsiteY3" fmla="*/ 538491 h 995824"/>
-              <a:gd name="connsiteX4" fmla="*/ 539766 w 583653"/>
-              <a:gd name="connsiteY4" fmla="*/ 484903 h 995824"/>
-              <a:gd name="connsiteX5" fmla="*/ 400066 w 583653"/>
-              <a:gd name="connsiteY5" fmla="*/ 693422 h 995824"/>
-              <a:gd name="connsiteX6" fmla="*/ 247666 w 583653"/>
-              <a:gd name="connsiteY6" fmla="*/ 514350 h 995824"/>
-              <a:gd name="connsiteX7" fmla="*/ 234966 w 583653"/>
-              <a:gd name="connsiteY7" fmla="*/ 361950 h 995824"/>
-              <a:gd name="connsiteX8" fmla="*/ 400066 w 583653"/>
-              <a:gd name="connsiteY8" fmla="*/ 114300 h 995824"/>
-              <a:gd name="connsiteX9" fmla="*/ 292116 w 583653"/>
-              <a:gd name="connsiteY9" fmla="*/ 0 h 995824"/>
-              <a:gd name="connsiteX0" fmla="*/ 177816 w 583653"/>
-              <a:gd name="connsiteY0" fmla="*/ 958850 h 995824"/>
-              <a:gd name="connsiteX1" fmla="*/ 431816 w 583653"/>
-              <a:gd name="connsiteY1" fmla="*/ 995172 h 995824"/>
-              <a:gd name="connsiteX2" fmla="*/ 558816 w 583653"/>
-              <a:gd name="connsiteY2" fmla="*/ 901700 h 995824"/>
-              <a:gd name="connsiteX3" fmla="*/ 16 w 583653"/>
-              <a:gd name="connsiteY3" fmla="*/ 538491 h 995824"/>
-              <a:gd name="connsiteX4" fmla="*/ 539766 w 583653"/>
-              <a:gd name="connsiteY4" fmla="*/ 484903 h 995824"/>
-              <a:gd name="connsiteX5" fmla="*/ 400066 w 583653"/>
-              <a:gd name="connsiteY5" fmla="*/ 693422 h 995824"/>
-              <a:gd name="connsiteX6" fmla="*/ 247666 w 583653"/>
-              <a:gd name="connsiteY6" fmla="*/ 514350 h 995824"/>
-              <a:gd name="connsiteX7" fmla="*/ 234966 w 583653"/>
-              <a:gd name="connsiteY7" fmla="*/ 361950 h 995824"/>
-              <a:gd name="connsiteX8" fmla="*/ 400066 w 583653"/>
-              <a:gd name="connsiteY8" fmla="*/ 114300 h 995824"/>
-              <a:gd name="connsiteX9" fmla="*/ 292116 w 583653"/>
-              <a:gd name="connsiteY9" fmla="*/ 0 h 995824"/>
-              <a:gd name="connsiteX0" fmla="*/ 177816 w 583653"/>
-              <a:gd name="connsiteY0" fmla="*/ 958850 h 995824"/>
-              <a:gd name="connsiteX1" fmla="*/ 431816 w 583653"/>
-              <a:gd name="connsiteY1" fmla="*/ 995172 h 995824"/>
-              <a:gd name="connsiteX2" fmla="*/ 558816 w 583653"/>
-              <a:gd name="connsiteY2" fmla="*/ 901700 h 995824"/>
-              <a:gd name="connsiteX3" fmla="*/ 16 w 583653"/>
-              <a:gd name="connsiteY3" fmla="*/ 538491 h 995824"/>
-              <a:gd name="connsiteX4" fmla="*/ 539766 w 583653"/>
-              <a:gd name="connsiteY4" fmla="*/ 484903 h 995824"/>
-              <a:gd name="connsiteX5" fmla="*/ 400066 w 583653"/>
-              <a:gd name="connsiteY5" fmla="*/ 693422 h 995824"/>
-              <a:gd name="connsiteX6" fmla="*/ 247666 w 583653"/>
-              <a:gd name="connsiteY6" fmla="*/ 514350 h 995824"/>
-              <a:gd name="connsiteX7" fmla="*/ 234966 w 583653"/>
-              <a:gd name="connsiteY7" fmla="*/ 361950 h 995824"/>
-              <a:gd name="connsiteX8" fmla="*/ 466912 w 583653"/>
-              <a:gd name="connsiteY8" fmla="*/ 221713 h 995824"/>
-              <a:gd name="connsiteX9" fmla="*/ 292116 w 583653"/>
-              <a:gd name="connsiteY9" fmla="*/ 0 h 995824"/>
-              <a:gd name="connsiteX0" fmla="*/ 431816 w 583653"/>
-              <a:gd name="connsiteY0" fmla="*/ 995172 h 995172"/>
-              <a:gd name="connsiteX1" fmla="*/ 558816 w 583653"/>
-              <a:gd name="connsiteY1" fmla="*/ 901700 h 995172"/>
-              <a:gd name="connsiteX2" fmla="*/ 16 w 583653"/>
-              <a:gd name="connsiteY2" fmla="*/ 538491 h 995172"/>
-              <a:gd name="connsiteX3" fmla="*/ 539766 w 583653"/>
-              <a:gd name="connsiteY3" fmla="*/ 484903 h 995172"/>
-              <a:gd name="connsiteX4" fmla="*/ 400066 w 583653"/>
-              <a:gd name="connsiteY4" fmla="*/ 693422 h 995172"/>
-              <a:gd name="connsiteX5" fmla="*/ 247666 w 583653"/>
-              <a:gd name="connsiteY5" fmla="*/ 514350 h 995172"/>
-              <a:gd name="connsiteX6" fmla="*/ 234966 w 583653"/>
-              <a:gd name="connsiteY6" fmla="*/ 361950 h 995172"/>
-              <a:gd name="connsiteX7" fmla="*/ 466912 w 583653"/>
-              <a:gd name="connsiteY7" fmla="*/ 221713 h 995172"/>
-              <a:gd name="connsiteX8" fmla="*/ 292116 w 583653"/>
-              <a:gd name="connsiteY8" fmla="*/ 0 h 995172"/>
-              <a:gd name="connsiteX0" fmla="*/ 558816 w 558817"/>
-              <a:gd name="connsiteY0" fmla="*/ 901700 h 901700"/>
-              <a:gd name="connsiteX1" fmla="*/ 16 w 558817"/>
-              <a:gd name="connsiteY1" fmla="*/ 538491 h 901700"/>
-              <a:gd name="connsiteX2" fmla="*/ 539766 w 558817"/>
-              <a:gd name="connsiteY2" fmla="*/ 484903 h 901700"/>
-              <a:gd name="connsiteX3" fmla="*/ 400066 w 558817"/>
-              <a:gd name="connsiteY3" fmla="*/ 693422 h 901700"/>
-              <a:gd name="connsiteX4" fmla="*/ 247666 w 558817"/>
-              <a:gd name="connsiteY4" fmla="*/ 514350 h 901700"/>
-              <a:gd name="connsiteX5" fmla="*/ 234966 w 558817"/>
-              <a:gd name="connsiteY5" fmla="*/ 361950 h 901700"/>
-              <a:gd name="connsiteX6" fmla="*/ 466912 w 558817"/>
-              <a:gd name="connsiteY6" fmla="*/ 221713 h 901700"/>
-              <a:gd name="connsiteX7" fmla="*/ 292116 w 558817"/>
-              <a:gd name="connsiteY7" fmla="*/ 0 h 901700"/>
-            </a:gdLst>
-            <a:ahLst/>
-            <a:cxnLst>
-              <a:cxn ang="0">
-                <a:pos x="connsiteX0" y="connsiteY0"/>
-              </a:cxn>
-              <a:cxn ang="0">
-                <a:pos x="connsiteX1" y="connsiteY1"/>
-              </a:cxn>
-              <a:cxn ang="0">
-                <a:pos x="connsiteX2" y="connsiteY2"/>
-              </a:cxn>
-              <a:cxn ang="0">
-                <a:pos x="connsiteX3" y="connsiteY3"/>
-              </a:cxn>
-              <a:cxn ang="0">
-                <a:pos x="connsiteX4" y="connsiteY4"/>
-              </a:cxn>
-              <a:cxn ang="0">
-                <a:pos x="connsiteX5" y="connsiteY5"/>
-              </a:cxn>
-              <a:cxn ang="0">
-                <a:pos x="connsiteX6" y="connsiteY6"/>
-              </a:cxn>
-              <a:cxn ang="0">
-                <a:pos x="connsiteX7" y="connsiteY7"/>
-              </a:cxn>
-            </a:cxnLst>
-            <a:rect l="l" t="t" r="r" b="b"/>
-            <a:pathLst>
-              <a:path w="558817" h="901700">
-                <a:moveTo>
-                  <a:pt x="558816" y="901700"/>
-                </a:moveTo>
-                <a:cubicBezTo>
-                  <a:pt x="486849" y="825587"/>
-                  <a:pt x="3191" y="607957"/>
-                  <a:pt x="16" y="538491"/>
-                </a:cubicBezTo>
-                <a:cubicBezTo>
-                  <a:pt x="-3159" y="469025"/>
-                  <a:pt x="473091" y="459081"/>
-                  <a:pt x="539766" y="484903"/>
-                </a:cubicBezTo>
-                <a:cubicBezTo>
-                  <a:pt x="606441" y="510725"/>
-                  <a:pt x="448749" y="688514"/>
-                  <a:pt x="400066" y="693422"/>
-                </a:cubicBezTo>
-                <a:cubicBezTo>
-                  <a:pt x="351383" y="698330"/>
-                  <a:pt x="275183" y="569595"/>
-                  <a:pt x="247666" y="514350"/>
-                </a:cubicBezTo>
-                <a:cubicBezTo>
-                  <a:pt x="220149" y="459105"/>
-                  <a:pt x="198425" y="410723"/>
-                  <a:pt x="234966" y="361950"/>
-                </a:cubicBezTo>
-                <a:cubicBezTo>
-                  <a:pt x="271507" y="313177"/>
-                  <a:pt x="457387" y="282038"/>
-                  <a:pt x="466912" y="221713"/>
-                </a:cubicBezTo>
-                <a:cubicBezTo>
-                  <a:pt x="476437" y="161388"/>
-                  <a:pt x="269217" y="120697"/>
-                  <a:pt x="292116" y="0"/>
-                </a:cubicBezTo>
-              </a:path>
-            </a:pathLst>
-          </a:custGeom>
-          <a:noFill/>
-          <a:ln w="38100" cap="rnd">
-            <a:solidFill>
-              <a:schemeClr val="tx1"/>
-            </a:solidFill>
-          </a:ln>
-        </p:spPr>
-        <p:style>
-          <a:lnRef idx="2">
-            <a:schemeClr val="accent1">
-              <a:shade val="50000"/>
-            </a:schemeClr>
-          </a:lnRef>
-          <a:fillRef idx="1">
-            <a:schemeClr val="accent1"/>
-          </a:fillRef>
-          <a:effectRef idx="0">
-            <a:schemeClr val="accent1"/>
-          </a:effectRef>
-          <a:fontRef idx="minor">
-            <a:schemeClr val="lt1"/>
-          </a:fontRef>
-        </p:style>
-        <p:txBody>
-          <a:bodyPr rtlCol="0" anchor="ctr"/>
-          <a:lstStyle/>
-          <a:p>
-            <a:pPr algn="ctr"/>
-            <a:endParaRPr lang="en-US"/>
-          </a:p>
-        </p:txBody>
-      </p:sp>
-      <p:sp>
-        <p:nvSpPr>
-          <p:cNvPr id="18" name="Freeform: Shape 17">
-            <a:extLst>
-              <a:ext uri="{FF2B5EF4-FFF2-40B4-BE49-F238E27FC236}">
-                <a16:creationId xmlns:a16="http://schemas.microsoft.com/office/drawing/2014/main" id="{806E9A90-5A9A-CA57-882C-67DB5B5FA0E5}"/>
-              </a:ext>
-            </a:extLst>
-          </p:cNvPr>
-          <p:cNvSpPr/>
-          <p:nvPr/>
-        </p:nvSpPr>
-        <p:spPr>
-          <a:xfrm>
-            <a:off x="4356735" y="3687027"/>
-            <a:ext cx="281058" cy="1476375"/>
-          </a:xfrm>
-          <a:custGeom>
-            <a:avLst/>
-            <a:gdLst>
-              <a:gd name="connsiteX0" fmla="*/ 139700 w 281058"/>
-              <a:gd name="connsiteY0" fmla="*/ 1476375 h 1476375"/>
-              <a:gd name="connsiteX1" fmla="*/ 133350 w 281058"/>
-              <a:gd name="connsiteY1" fmla="*/ 1330325 h 1476375"/>
-              <a:gd name="connsiteX2" fmla="*/ 187325 w 281058"/>
-              <a:gd name="connsiteY2" fmla="*/ 1381125 h 1476375"/>
-              <a:gd name="connsiteX3" fmla="*/ 279400 w 281058"/>
-              <a:gd name="connsiteY3" fmla="*/ 1295400 h 1476375"/>
-              <a:gd name="connsiteX4" fmla="*/ 101600 w 281058"/>
-              <a:gd name="connsiteY4" fmla="*/ 1225550 h 1476375"/>
-              <a:gd name="connsiteX5" fmla="*/ 174625 w 281058"/>
-              <a:gd name="connsiteY5" fmla="*/ 1057275 h 1476375"/>
-              <a:gd name="connsiteX6" fmla="*/ 136525 w 281058"/>
-              <a:gd name="connsiteY6" fmla="*/ 879475 h 1476375"/>
-              <a:gd name="connsiteX7" fmla="*/ 92075 w 281058"/>
-              <a:gd name="connsiteY7" fmla="*/ 730250 h 1476375"/>
-              <a:gd name="connsiteX8" fmla="*/ 152400 w 281058"/>
-              <a:gd name="connsiteY8" fmla="*/ 288925 h 1476375"/>
-              <a:gd name="connsiteX9" fmla="*/ 0 w 281058"/>
-              <a:gd name="connsiteY9" fmla="*/ 0 h 1476375"/>
-              <a:gd name="connsiteX0" fmla="*/ 139700 w 281058"/>
-              <a:gd name="connsiteY0" fmla="*/ 1476375 h 1476375"/>
-              <a:gd name="connsiteX1" fmla="*/ 133350 w 281058"/>
-              <a:gd name="connsiteY1" fmla="*/ 1330325 h 1476375"/>
-              <a:gd name="connsiteX2" fmla="*/ 187325 w 281058"/>
-              <a:gd name="connsiteY2" fmla="*/ 1381125 h 1476375"/>
-              <a:gd name="connsiteX3" fmla="*/ 279400 w 281058"/>
-              <a:gd name="connsiteY3" fmla="*/ 1295400 h 1476375"/>
-              <a:gd name="connsiteX4" fmla="*/ 101600 w 281058"/>
-              <a:gd name="connsiteY4" fmla="*/ 1225550 h 1476375"/>
-              <a:gd name="connsiteX5" fmla="*/ 174625 w 281058"/>
-              <a:gd name="connsiteY5" fmla="*/ 1057275 h 1476375"/>
-              <a:gd name="connsiteX6" fmla="*/ 152400 w 281058"/>
-              <a:gd name="connsiteY6" fmla="*/ 882650 h 1476375"/>
-              <a:gd name="connsiteX7" fmla="*/ 92075 w 281058"/>
-              <a:gd name="connsiteY7" fmla="*/ 730250 h 1476375"/>
-              <a:gd name="connsiteX8" fmla="*/ 152400 w 281058"/>
-              <a:gd name="connsiteY8" fmla="*/ 288925 h 1476375"/>
-              <a:gd name="connsiteX9" fmla="*/ 0 w 281058"/>
-              <a:gd name="connsiteY9" fmla="*/ 0 h 1476375"/>
-              <a:gd name="connsiteX0" fmla="*/ 139700 w 281058"/>
-              <a:gd name="connsiteY0" fmla="*/ 1476375 h 1476375"/>
-              <a:gd name="connsiteX1" fmla="*/ 133350 w 281058"/>
-              <a:gd name="connsiteY1" fmla="*/ 1330325 h 1476375"/>
-              <a:gd name="connsiteX2" fmla="*/ 187325 w 281058"/>
-              <a:gd name="connsiteY2" fmla="*/ 1381125 h 1476375"/>
-              <a:gd name="connsiteX3" fmla="*/ 279400 w 281058"/>
-              <a:gd name="connsiteY3" fmla="*/ 1295400 h 1476375"/>
-              <a:gd name="connsiteX4" fmla="*/ 101600 w 281058"/>
-              <a:gd name="connsiteY4" fmla="*/ 1225550 h 1476375"/>
-              <a:gd name="connsiteX5" fmla="*/ 174625 w 281058"/>
-              <a:gd name="connsiteY5" fmla="*/ 1057275 h 1476375"/>
-              <a:gd name="connsiteX6" fmla="*/ 92075 w 281058"/>
-              <a:gd name="connsiteY6" fmla="*/ 730250 h 1476375"/>
-              <a:gd name="connsiteX7" fmla="*/ 152400 w 281058"/>
-              <a:gd name="connsiteY7" fmla="*/ 288925 h 1476375"/>
-              <a:gd name="connsiteX8" fmla="*/ 0 w 281058"/>
-              <a:gd name="connsiteY8" fmla="*/ 0 h 1476375"/>
-            </a:gdLst>
-            <a:ahLst/>
-            <a:cxnLst>
-              <a:cxn ang="0">
-                <a:pos x="connsiteX0" y="connsiteY0"/>
-              </a:cxn>
-              <a:cxn ang="0">
-                <a:pos x="connsiteX1" y="connsiteY1"/>
-              </a:cxn>
-              <a:cxn ang="0">
-                <a:pos x="connsiteX2" y="connsiteY2"/>
-              </a:cxn>
-              <a:cxn ang="0">
-                <a:pos x="connsiteX3" y="connsiteY3"/>
-              </a:cxn>
-              <a:cxn ang="0">
-                <a:pos x="connsiteX4" y="connsiteY4"/>
-              </a:cxn>
-              <a:cxn ang="0">
-                <a:pos x="connsiteX5" y="connsiteY5"/>
-              </a:cxn>
-              <a:cxn ang="0">
-                <a:pos x="connsiteX6" y="connsiteY6"/>
-              </a:cxn>
-              <a:cxn ang="0">
-                <a:pos x="connsiteX7" y="connsiteY7"/>
-              </a:cxn>
-              <a:cxn ang="0">
-                <a:pos x="connsiteX8" y="connsiteY8"/>
-              </a:cxn>
-            </a:cxnLst>
-            <a:rect l="l" t="t" r="r" b="b"/>
-            <a:pathLst>
-              <a:path w="281058" h="1476375">
-                <a:moveTo>
-                  <a:pt x="139700" y="1476375"/>
-                </a:moveTo>
-                <a:cubicBezTo>
-                  <a:pt x="132556" y="1411287"/>
-                  <a:pt x="125413" y="1346200"/>
-                  <a:pt x="133350" y="1330325"/>
-                </a:cubicBezTo>
-                <a:cubicBezTo>
-                  <a:pt x="141287" y="1314450"/>
-                  <a:pt x="162983" y="1386946"/>
-                  <a:pt x="187325" y="1381125"/>
-                </a:cubicBezTo>
-                <a:cubicBezTo>
-                  <a:pt x="211667" y="1375304"/>
-                  <a:pt x="293687" y="1321329"/>
-                  <a:pt x="279400" y="1295400"/>
-                </a:cubicBezTo>
-                <a:cubicBezTo>
-                  <a:pt x="265113" y="1269471"/>
-                  <a:pt x="119062" y="1265237"/>
-                  <a:pt x="101600" y="1225550"/>
-                </a:cubicBezTo>
-                <a:cubicBezTo>
-                  <a:pt x="84137" y="1185862"/>
-                  <a:pt x="176212" y="1139825"/>
-                  <a:pt x="174625" y="1057275"/>
-                </a:cubicBezTo>
-                <a:cubicBezTo>
-                  <a:pt x="173038" y="974725"/>
-                  <a:pt x="95779" y="858308"/>
-                  <a:pt x="92075" y="730250"/>
-                </a:cubicBezTo>
-                <a:cubicBezTo>
-                  <a:pt x="92075" y="631296"/>
-                  <a:pt x="167746" y="410633"/>
-                  <a:pt x="152400" y="288925"/>
-                </a:cubicBezTo>
-                <a:cubicBezTo>
-                  <a:pt x="137054" y="167217"/>
-                  <a:pt x="0" y="0"/>
-                  <a:pt x="0" y="0"/>
-                </a:cubicBezTo>
-              </a:path>
-            </a:pathLst>
-          </a:custGeom>
-          <a:noFill/>
-          <a:ln w="38100" cap="rnd">
-            <a:solidFill>
-              <a:schemeClr val="tx1"/>
-            </a:solidFill>
-          </a:ln>
-        </p:spPr>
-        <p:style>
-          <a:lnRef idx="2">
-            <a:schemeClr val="accent1">
-              <a:shade val="50000"/>
-            </a:schemeClr>
-          </a:lnRef>
-          <a:fillRef idx="1">
-            <a:schemeClr val="accent1"/>
-          </a:fillRef>
-          <a:effectRef idx="0">
-            <a:schemeClr val="accent1"/>
-          </a:effectRef>
-          <a:fontRef idx="minor">
-            <a:schemeClr val="lt1"/>
-          </a:fontRef>
-        </p:style>
-        <p:txBody>
-          <a:bodyPr rtlCol="0" anchor="ctr"/>
-          <a:lstStyle/>
-          <a:p>
-            <a:pPr algn="ctr"/>
-            <a:endParaRPr lang="en-US"/>
-          </a:p>
-        </p:txBody>
-      </p:sp>
-      <p:sp>
-        <p:nvSpPr>
-          <p:cNvPr id="19" name="Oval 18">
-            <a:extLst>
-              <a:ext uri="{FF2B5EF4-FFF2-40B4-BE49-F238E27FC236}">
-                <a16:creationId xmlns:a16="http://schemas.microsoft.com/office/drawing/2014/main" id="{C1E94408-2EA7-C7F2-DF6B-E141071A997A}"/>
-              </a:ext>
-            </a:extLst>
-          </p:cNvPr>
-          <p:cNvSpPr/>
-          <p:nvPr/>
-        </p:nvSpPr>
-        <p:spPr>
-          <a:xfrm>
-            <a:off x="4134630" y="3768711"/>
-            <a:ext cx="84280" cy="84280"/>
-          </a:xfrm>
-          <a:prstGeom prst="ellipse">
-            <a:avLst/>
-          </a:prstGeom>
-          <a:solidFill>
-            <a:srgbClr val="52127C"/>
-          </a:solidFill>
-          <a:ln>
-            <a:noFill/>
-          </a:ln>
-        </p:spPr>
-        <p:style>
-          <a:lnRef idx="2">
-            <a:schemeClr val="accent1">
-              <a:shade val="50000"/>
-            </a:schemeClr>
-          </a:lnRef>
-          <a:fillRef idx="1">
-            <a:schemeClr val="accent1"/>
-          </a:fillRef>
-          <a:effectRef idx="0">
-            <a:schemeClr val="accent1"/>
-          </a:effectRef>
-          <a:fontRef idx="minor">
-            <a:schemeClr val="lt1"/>
-          </a:fontRef>
-        </p:style>
-        <p:txBody>
-          <a:bodyPr rtlCol="0" anchor="ctr"/>
-          <a:lstStyle/>
-          <a:p>
-            <a:pPr algn="ctr"/>
-            <a:endParaRPr lang="en-US"/>
-          </a:p>
-        </p:txBody>
-      </p:sp>
       <p:pic>
         <p:nvPicPr>
           <p:cNvPr id="1026" name="Picture 2" descr="Perceptually Uniform Sequential colormaps">
@@ -4687,8 +3736,2711 @@
         </p:blipFill>
         <p:spPr bwMode="auto">
           <a:xfrm>
-            <a:off x="753681" y="1194922"/>
+            <a:off x="516999" y="923738"/>
             <a:ext cx="11170724" cy="476949"/>
+          </a:xfrm>
+          <a:prstGeom prst="rect">
+            <a:avLst/>
+          </a:prstGeom>
+          <a:noFill/>
+          <a:extLst>
+            <a:ext uri="{909E8E84-426E-40DD-AFC4-6F175D3DCCD1}">
+              <a14:hiddenFill xmlns:a14="http://schemas.microsoft.com/office/drawing/2010/main">
+                <a:solidFill>
+                  <a:srgbClr val="FFFFFF"/>
+                </a:solidFill>
+              </a14:hiddenFill>
+            </a:ext>
+          </a:extLst>
+        </p:spPr>
+      </p:pic>
+      <p:grpSp>
+        <p:nvGrpSpPr>
+          <p:cNvPr id="63" name="Group 62">
+            <a:extLst>
+              <a:ext uri="{FF2B5EF4-FFF2-40B4-BE49-F238E27FC236}">
+                <a16:creationId xmlns:a16="http://schemas.microsoft.com/office/drawing/2014/main" id="{0847B0FE-7A87-429C-EC52-4AC4CED9EB05}"/>
+              </a:ext>
+            </a:extLst>
+          </p:cNvPr>
+          <p:cNvGrpSpPr/>
+          <p:nvPr/>
+        </p:nvGrpSpPr>
+        <p:grpSpPr>
+          <a:xfrm>
+            <a:off x="3823700" y="2297497"/>
+            <a:ext cx="1706880" cy="1578623"/>
+            <a:chOff x="3401192" y="3639402"/>
+            <a:chExt cx="1706880" cy="1578623"/>
+          </a:xfrm>
+        </p:grpSpPr>
+        <p:sp>
+          <p:nvSpPr>
+            <p:cNvPr id="6" name="Freeform: Shape 5">
+              <a:extLst>
+                <a:ext uri="{FF2B5EF4-FFF2-40B4-BE49-F238E27FC236}">
+                  <a16:creationId xmlns:a16="http://schemas.microsoft.com/office/drawing/2014/main" id="{3D67E039-621C-767A-F9D7-D3D2B56EC3D9}"/>
+                </a:ext>
+              </a:extLst>
+            </p:cNvPr>
+            <p:cNvSpPr/>
+            <p:nvPr/>
+          </p:nvSpPr>
+          <p:spPr>
+            <a:xfrm>
+              <a:off x="3600671" y="3895255"/>
+              <a:ext cx="287099" cy="1220521"/>
+            </a:xfrm>
+            <a:custGeom>
+              <a:avLst/>
+              <a:gdLst>
+                <a:gd name="connsiteX0" fmla="*/ 0 w 428625"/>
+                <a:gd name="connsiteY0" fmla="*/ 1223696 h 1223696"/>
+                <a:gd name="connsiteX1" fmla="*/ 381000 w 428625"/>
+                <a:gd name="connsiteY1" fmla="*/ 985571 h 1223696"/>
+                <a:gd name="connsiteX2" fmla="*/ 57150 w 428625"/>
+                <a:gd name="connsiteY2" fmla="*/ 556946 h 1223696"/>
+                <a:gd name="connsiteX3" fmla="*/ 276225 w 428625"/>
+                <a:gd name="connsiteY3" fmla="*/ 337871 h 1223696"/>
+                <a:gd name="connsiteX4" fmla="*/ 209550 w 428625"/>
+                <a:gd name="connsiteY4" fmla="*/ 4496 h 1223696"/>
+                <a:gd name="connsiteX5" fmla="*/ 428625 w 428625"/>
+                <a:gd name="connsiteY5" fmla="*/ 175946 h 1223696"/>
+                <a:gd name="connsiteX0" fmla="*/ 0 w 401950"/>
+                <a:gd name="connsiteY0" fmla="*/ 1220521 h 1220521"/>
+                <a:gd name="connsiteX1" fmla="*/ 354325 w 401950"/>
+                <a:gd name="connsiteY1" fmla="*/ 985571 h 1220521"/>
+                <a:gd name="connsiteX2" fmla="*/ 30475 w 401950"/>
+                <a:gd name="connsiteY2" fmla="*/ 556946 h 1220521"/>
+                <a:gd name="connsiteX3" fmla="*/ 249550 w 401950"/>
+                <a:gd name="connsiteY3" fmla="*/ 337871 h 1220521"/>
+                <a:gd name="connsiteX4" fmla="*/ 182875 w 401950"/>
+                <a:gd name="connsiteY4" fmla="*/ 4496 h 1220521"/>
+                <a:gd name="connsiteX5" fmla="*/ 401950 w 401950"/>
+                <a:gd name="connsiteY5" fmla="*/ 175946 h 1220521"/>
+                <a:gd name="connsiteX0" fmla="*/ 62 w 402012"/>
+                <a:gd name="connsiteY0" fmla="*/ 1220521 h 1220521"/>
+                <a:gd name="connsiteX1" fmla="*/ 354387 w 402012"/>
+                <a:gd name="connsiteY1" fmla="*/ 985571 h 1220521"/>
+                <a:gd name="connsiteX2" fmla="*/ 30537 w 402012"/>
+                <a:gd name="connsiteY2" fmla="*/ 556946 h 1220521"/>
+                <a:gd name="connsiteX3" fmla="*/ 249612 w 402012"/>
+                <a:gd name="connsiteY3" fmla="*/ 337871 h 1220521"/>
+                <a:gd name="connsiteX4" fmla="*/ 182937 w 402012"/>
+                <a:gd name="connsiteY4" fmla="*/ 4496 h 1220521"/>
+                <a:gd name="connsiteX5" fmla="*/ 402012 w 402012"/>
+                <a:gd name="connsiteY5" fmla="*/ 175946 h 1220521"/>
+                <a:gd name="connsiteX0" fmla="*/ 65 w 402015"/>
+                <a:gd name="connsiteY0" fmla="*/ 1220521 h 1220521"/>
+                <a:gd name="connsiteX1" fmla="*/ 336607 w 402015"/>
+                <a:gd name="connsiteY1" fmla="*/ 931596 h 1220521"/>
+                <a:gd name="connsiteX2" fmla="*/ 30540 w 402015"/>
+                <a:gd name="connsiteY2" fmla="*/ 556946 h 1220521"/>
+                <a:gd name="connsiteX3" fmla="*/ 249615 w 402015"/>
+                <a:gd name="connsiteY3" fmla="*/ 337871 h 1220521"/>
+                <a:gd name="connsiteX4" fmla="*/ 182940 w 402015"/>
+                <a:gd name="connsiteY4" fmla="*/ 4496 h 1220521"/>
+                <a:gd name="connsiteX5" fmla="*/ 402015 w 402015"/>
+                <a:gd name="connsiteY5" fmla="*/ 175946 h 1220521"/>
+              </a:gdLst>
+              <a:ahLst/>
+              <a:cxnLst>
+                <a:cxn ang="0">
+                  <a:pos x="connsiteX0" y="connsiteY0"/>
+                </a:cxn>
+                <a:cxn ang="0">
+                  <a:pos x="connsiteX1" y="connsiteY1"/>
+                </a:cxn>
+                <a:cxn ang="0">
+                  <a:pos x="connsiteX2" y="connsiteY2"/>
+                </a:cxn>
+                <a:cxn ang="0">
+                  <a:pos x="connsiteX3" y="connsiteY3"/>
+                </a:cxn>
+                <a:cxn ang="0">
+                  <a:pos x="connsiteX4" y="connsiteY4"/>
+                </a:cxn>
+                <a:cxn ang="0">
+                  <a:pos x="connsiteX5" y="connsiteY5"/>
+                </a:cxn>
+              </a:cxnLst>
+              <a:rect l="l" t="t" r="r" b="b"/>
+              <a:pathLst>
+                <a:path w="402015" h="1220521">
+                  <a:moveTo>
+                    <a:pt x="65" y="1220521"/>
+                  </a:moveTo>
+                  <a:cubicBezTo>
+                    <a:pt x="-5369" y="1049071"/>
+                    <a:pt x="331528" y="1042192"/>
+                    <a:pt x="336607" y="931596"/>
+                  </a:cubicBezTo>
+                  <a:cubicBezTo>
+                    <a:pt x="341686" y="821000"/>
+                    <a:pt x="45039" y="655900"/>
+                    <a:pt x="30540" y="556946"/>
+                  </a:cubicBezTo>
+                  <a:cubicBezTo>
+                    <a:pt x="16041" y="457992"/>
+                    <a:pt x="224215" y="429946"/>
+                    <a:pt x="249615" y="337871"/>
+                  </a:cubicBezTo>
+                  <a:cubicBezTo>
+                    <a:pt x="275015" y="245796"/>
+                    <a:pt x="157540" y="31483"/>
+                    <a:pt x="182940" y="4496"/>
+                  </a:cubicBezTo>
+                  <a:cubicBezTo>
+                    <a:pt x="208340" y="-22492"/>
+                    <a:pt x="305177" y="76727"/>
+                    <a:pt x="402015" y="175946"/>
+                  </a:cubicBezTo>
+                </a:path>
+              </a:pathLst>
+            </a:custGeom>
+            <a:noFill/>
+            <a:ln w="38100" cap="rnd">
+              <a:solidFill>
+                <a:schemeClr val="tx1"/>
+              </a:solidFill>
+            </a:ln>
+          </p:spPr>
+          <p:style>
+            <a:lnRef idx="2">
+              <a:schemeClr val="accent1">
+                <a:shade val="50000"/>
+              </a:schemeClr>
+            </a:lnRef>
+            <a:fillRef idx="1">
+              <a:schemeClr val="accent1"/>
+            </a:fillRef>
+            <a:effectRef idx="0">
+              <a:schemeClr val="accent1"/>
+            </a:effectRef>
+            <a:fontRef idx="minor">
+              <a:schemeClr val="lt1"/>
+            </a:fontRef>
+          </p:style>
+          <p:txBody>
+            <a:bodyPr rtlCol="0" anchor="ctr"/>
+            <a:lstStyle/>
+            <a:p>
+              <a:pPr algn="ctr"/>
+              <a:endParaRPr lang="en-US"/>
+            </a:p>
+          </p:txBody>
+        </p:sp>
+        <p:sp>
+          <p:nvSpPr>
+            <p:cNvPr id="7" name="Freeform: Shape 6">
+              <a:extLst>
+                <a:ext uri="{FF2B5EF4-FFF2-40B4-BE49-F238E27FC236}">
+                  <a16:creationId xmlns:a16="http://schemas.microsoft.com/office/drawing/2014/main" id="{F80ED561-A684-6AC5-B11F-E443E23D9F49}"/>
+                </a:ext>
+              </a:extLst>
+            </p:cNvPr>
+            <p:cNvSpPr/>
+            <p:nvPr/>
+          </p:nvSpPr>
+          <p:spPr>
+            <a:xfrm flipH="1">
+              <a:off x="4565452" y="3763226"/>
+              <a:ext cx="362655" cy="1352550"/>
+            </a:xfrm>
+            <a:custGeom>
+              <a:avLst/>
+              <a:gdLst>
+                <a:gd name="connsiteX0" fmla="*/ 0 w 428625"/>
+                <a:gd name="connsiteY0" fmla="*/ 1223696 h 1223696"/>
+                <a:gd name="connsiteX1" fmla="*/ 381000 w 428625"/>
+                <a:gd name="connsiteY1" fmla="*/ 985571 h 1223696"/>
+                <a:gd name="connsiteX2" fmla="*/ 57150 w 428625"/>
+                <a:gd name="connsiteY2" fmla="*/ 556946 h 1223696"/>
+                <a:gd name="connsiteX3" fmla="*/ 276225 w 428625"/>
+                <a:gd name="connsiteY3" fmla="*/ 337871 h 1223696"/>
+                <a:gd name="connsiteX4" fmla="*/ 209550 w 428625"/>
+                <a:gd name="connsiteY4" fmla="*/ 4496 h 1223696"/>
+                <a:gd name="connsiteX5" fmla="*/ 428625 w 428625"/>
+                <a:gd name="connsiteY5" fmla="*/ 175946 h 1223696"/>
+                <a:gd name="connsiteX0" fmla="*/ 0 w 428625"/>
+                <a:gd name="connsiteY0" fmla="*/ 1223696 h 1223696"/>
+                <a:gd name="connsiteX1" fmla="*/ 381000 w 428625"/>
+                <a:gd name="connsiteY1" fmla="*/ 985571 h 1223696"/>
+                <a:gd name="connsiteX2" fmla="*/ 73025 w 428625"/>
+                <a:gd name="connsiteY2" fmla="*/ 804596 h 1223696"/>
+                <a:gd name="connsiteX3" fmla="*/ 276225 w 428625"/>
+                <a:gd name="connsiteY3" fmla="*/ 337871 h 1223696"/>
+                <a:gd name="connsiteX4" fmla="*/ 209550 w 428625"/>
+                <a:gd name="connsiteY4" fmla="*/ 4496 h 1223696"/>
+                <a:gd name="connsiteX5" fmla="*/ 428625 w 428625"/>
+                <a:gd name="connsiteY5" fmla="*/ 175946 h 1223696"/>
+                <a:gd name="connsiteX0" fmla="*/ 51906 w 480531"/>
+                <a:gd name="connsiteY0" fmla="*/ 1223696 h 1223696"/>
+                <a:gd name="connsiteX1" fmla="*/ 432906 w 480531"/>
+                <a:gd name="connsiteY1" fmla="*/ 985571 h 1223696"/>
+                <a:gd name="connsiteX2" fmla="*/ 124931 w 480531"/>
+                <a:gd name="connsiteY2" fmla="*/ 804596 h 1223696"/>
+                <a:gd name="connsiteX3" fmla="*/ 4281 w 480531"/>
+                <a:gd name="connsiteY3" fmla="*/ 487096 h 1223696"/>
+                <a:gd name="connsiteX4" fmla="*/ 261456 w 480531"/>
+                <a:gd name="connsiteY4" fmla="*/ 4496 h 1223696"/>
+                <a:gd name="connsiteX5" fmla="*/ 480531 w 480531"/>
+                <a:gd name="connsiteY5" fmla="*/ 175946 h 1223696"/>
+                <a:gd name="connsiteX0" fmla="*/ 53689 w 482314"/>
+                <a:gd name="connsiteY0" fmla="*/ 1060814 h 1060814"/>
+                <a:gd name="connsiteX1" fmla="*/ 434689 w 482314"/>
+                <a:gd name="connsiteY1" fmla="*/ 822689 h 1060814"/>
+                <a:gd name="connsiteX2" fmla="*/ 126714 w 482314"/>
+                <a:gd name="connsiteY2" fmla="*/ 641714 h 1060814"/>
+                <a:gd name="connsiteX3" fmla="*/ 6064 w 482314"/>
+                <a:gd name="connsiteY3" fmla="*/ 324214 h 1060814"/>
+                <a:gd name="connsiteX4" fmla="*/ 298164 w 482314"/>
+                <a:gd name="connsiteY4" fmla="*/ 438514 h 1060814"/>
+                <a:gd name="connsiteX5" fmla="*/ 482314 w 482314"/>
+                <a:gd name="connsiteY5" fmla="*/ 13064 h 1060814"/>
+                <a:gd name="connsiteX0" fmla="*/ 53689 w 435120"/>
+                <a:gd name="connsiteY0" fmla="*/ 1185420 h 1185420"/>
+                <a:gd name="connsiteX1" fmla="*/ 434689 w 435120"/>
+                <a:gd name="connsiteY1" fmla="*/ 947295 h 1185420"/>
+                <a:gd name="connsiteX2" fmla="*/ 126714 w 435120"/>
+                <a:gd name="connsiteY2" fmla="*/ 766320 h 1185420"/>
+                <a:gd name="connsiteX3" fmla="*/ 6064 w 435120"/>
+                <a:gd name="connsiteY3" fmla="*/ 448820 h 1185420"/>
+                <a:gd name="connsiteX4" fmla="*/ 298164 w 435120"/>
+                <a:gd name="connsiteY4" fmla="*/ 563120 h 1185420"/>
+                <a:gd name="connsiteX5" fmla="*/ 234664 w 435120"/>
+                <a:gd name="connsiteY5" fmla="*/ 10670 h 1185420"/>
+                <a:gd name="connsiteX0" fmla="*/ 53689 w 435120"/>
+                <a:gd name="connsiteY0" fmla="*/ 1174750 h 1174750"/>
+                <a:gd name="connsiteX1" fmla="*/ 434689 w 435120"/>
+                <a:gd name="connsiteY1" fmla="*/ 936625 h 1174750"/>
+                <a:gd name="connsiteX2" fmla="*/ 126714 w 435120"/>
+                <a:gd name="connsiteY2" fmla="*/ 755650 h 1174750"/>
+                <a:gd name="connsiteX3" fmla="*/ 6064 w 435120"/>
+                <a:gd name="connsiteY3" fmla="*/ 438150 h 1174750"/>
+                <a:gd name="connsiteX4" fmla="*/ 298164 w 435120"/>
+                <a:gd name="connsiteY4" fmla="*/ 552450 h 1174750"/>
+                <a:gd name="connsiteX5" fmla="*/ 234664 w 435120"/>
+                <a:gd name="connsiteY5" fmla="*/ 0 h 1174750"/>
+                <a:gd name="connsiteX0" fmla="*/ 53689 w 435120"/>
+                <a:gd name="connsiteY0" fmla="*/ 1308100 h 1308100"/>
+                <a:gd name="connsiteX1" fmla="*/ 434689 w 435120"/>
+                <a:gd name="connsiteY1" fmla="*/ 1069975 h 1308100"/>
+                <a:gd name="connsiteX2" fmla="*/ 126714 w 435120"/>
+                <a:gd name="connsiteY2" fmla="*/ 889000 h 1308100"/>
+                <a:gd name="connsiteX3" fmla="*/ 6064 w 435120"/>
+                <a:gd name="connsiteY3" fmla="*/ 571500 h 1308100"/>
+                <a:gd name="connsiteX4" fmla="*/ 298164 w 435120"/>
+                <a:gd name="connsiteY4" fmla="*/ 685800 h 1308100"/>
+                <a:gd name="connsiteX5" fmla="*/ 126714 w 435120"/>
+                <a:gd name="connsiteY5" fmla="*/ 0 h 1308100"/>
+                <a:gd name="connsiteX0" fmla="*/ 53689 w 435120"/>
+                <a:gd name="connsiteY0" fmla="*/ 1308100 h 1308100"/>
+                <a:gd name="connsiteX1" fmla="*/ 434689 w 435120"/>
+                <a:gd name="connsiteY1" fmla="*/ 1069975 h 1308100"/>
+                <a:gd name="connsiteX2" fmla="*/ 126714 w 435120"/>
+                <a:gd name="connsiteY2" fmla="*/ 889000 h 1308100"/>
+                <a:gd name="connsiteX3" fmla="*/ 6064 w 435120"/>
+                <a:gd name="connsiteY3" fmla="*/ 571500 h 1308100"/>
+                <a:gd name="connsiteX4" fmla="*/ 298164 w 435120"/>
+                <a:gd name="connsiteY4" fmla="*/ 577850 h 1308100"/>
+                <a:gd name="connsiteX5" fmla="*/ 126714 w 435120"/>
+                <a:gd name="connsiteY5" fmla="*/ 0 h 1308100"/>
+                <a:gd name="connsiteX0" fmla="*/ 53689 w 435120"/>
+                <a:gd name="connsiteY0" fmla="*/ 1308100 h 1308100"/>
+                <a:gd name="connsiteX1" fmla="*/ 434689 w 435120"/>
+                <a:gd name="connsiteY1" fmla="*/ 1069975 h 1308100"/>
+                <a:gd name="connsiteX2" fmla="*/ 126714 w 435120"/>
+                <a:gd name="connsiteY2" fmla="*/ 889000 h 1308100"/>
+                <a:gd name="connsiteX3" fmla="*/ 6064 w 435120"/>
+                <a:gd name="connsiteY3" fmla="*/ 571500 h 1308100"/>
+                <a:gd name="connsiteX4" fmla="*/ 298164 w 435120"/>
+                <a:gd name="connsiteY4" fmla="*/ 577850 h 1308100"/>
+                <a:gd name="connsiteX5" fmla="*/ 126714 w 435120"/>
+                <a:gd name="connsiteY5" fmla="*/ 0 h 1308100"/>
+                <a:gd name="connsiteX0" fmla="*/ 53689 w 435120"/>
+                <a:gd name="connsiteY0" fmla="*/ 1308100 h 1308100"/>
+                <a:gd name="connsiteX1" fmla="*/ 434689 w 435120"/>
+                <a:gd name="connsiteY1" fmla="*/ 1069975 h 1308100"/>
+                <a:gd name="connsiteX2" fmla="*/ 126714 w 435120"/>
+                <a:gd name="connsiteY2" fmla="*/ 889000 h 1308100"/>
+                <a:gd name="connsiteX3" fmla="*/ 6064 w 435120"/>
+                <a:gd name="connsiteY3" fmla="*/ 571500 h 1308100"/>
+                <a:gd name="connsiteX4" fmla="*/ 298164 w 435120"/>
+                <a:gd name="connsiteY4" fmla="*/ 577850 h 1308100"/>
+                <a:gd name="connsiteX5" fmla="*/ 126714 w 435120"/>
+                <a:gd name="connsiteY5" fmla="*/ 0 h 1308100"/>
+                <a:gd name="connsiteX0" fmla="*/ 53689 w 435120"/>
+                <a:gd name="connsiteY0" fmla="*/ 1308100 h 1308100"/>
+                <a:gd name="connsiteX1" fmla="*/ 434689 w 435120"/>
+                <a:gd name="connsiteY1" fmla="*/ 1069975 h 1308100"/>
+                <a:gd name="connsiteX2" fmla="*/ 126714 w 435120"/>
+                <a:gd name="connsiteY2" fmla="*/ 889000 h 1308100"/>
+                <a:gd name="connsiteX3" fmla="*/ 6064 w 435120"/>
+                <a:gd name="connsiteY3" fmla="*/ 571500 h 1308100"/>
+                <a:gd name="connsiteX4" fmla="*/ 298164 w 435120"/>
+                <a:gd name="connsiteY4" fmla="*/ 577850 h 1308100"/>
+                <a:gd name="connsiteX5" fmla="*/ 126714 w 435120"/>
+                <a:gd name="connsiteY5" fmla="*/ 0 h 1308100"/>
+                <a:gd name="connsiteX0" fmla="*/ 201862 w 583293"/>
+                <a:gd name="connsiteY0" fmla="*/ 1308100 h 1308100"/>
+                <a:gd name="connsiteX1" fmla="*/ 582862 w 583293"/>
+                <a:gd name="connsiteY1" fmla="*/ 1069975 h 1308100"/>
+                <a:gd name="connsiteX2" fmla="*/ 274887 w 583293"/>
+                <a:gd name="connsiteY2" fmla="*/ 889000 h 1308100"/>
+                <a:gd name="connsiteX3" fmla="*/ 154237 w 583293"/>
+                <a:gd name="connsiteY3" fmla="*/ 571500 h 1308100"/>
+                <a:gd name="connsiteX4" fmla="*/ 19538 w 583293"/>
+                <a:gd name="connsiteY4" fmla="*/ 450850 h 1308100"/>
+                <a:gd name="connsiteX5" fmla="*/ 274887 w 583293"/>
+                <a:gd name="connsiteY5" fmla="*/ 0 h 1308100"/>
+                <a:gd name="connsiteX0" fmla="*/ 200780 w 582206"/>
+                <a:gd name="connsiteY0" fmla="*/ 1308100 h 1308100"/>
+                <a:gd name="connsiteX1" fmla="*/ 581780 w 582206"/>
+                <a:gd name="connsiteY1" fmla="*/ 1069975 h 1308100"/>
+                <a:gd name="connsiteX2" fmla="*/ 273805 w 582206"/>
+                <a:gd name="connsiteY2" fmla="*/ 889000 h 1308100"/>
+                <a:gd name="connsiteX3" fmla="*/ 166493 w 582206"/>
+                <a:gd name="connsiteY3" fmla="*/ 676275 h 1308100"/>
+                <a:gd name="connsiteX4" fmla="*/ 18456 w 582206"/>
+                <a:gd name="connsiteY4" fmla="*/ 450850 h 1308100"/>
+                <a:gd name="connsiteX5" fmla="*/ 273805 w 582206"/>
+                <a:gd name="connsiteY5" fmla="*/ 0 h 1308100"/>
+                <a:gd name="connsiteX0" fmla="*/ 204947 w 586387"/>
+                <a:gd name="connsiteY0" fmla="*/ 1308100 h 1308100"/>
+                <a:gd name="connsiteX1" fmla="*/ 585947 w 586387"/>
+                <a:gd name="connsiteY1" fmla="*/ 1069975 h 1308100"/>
+                <a:gd name="connsiteX2" fmla="*/ 277972 w 586387"/>
+                <a:gd name="connsiteY2" fmla="*/ 889000 h 1308100"/>
+                <a:gd name="connsiteX3" fmla="*/ 126201 w 586387"/>
+                <a:gd name="connsiteY3" fmla="*/ 685800 h 1308100"/>
+                <a:gd name="connsiteX4" fmla="*/ 22623 w 586387"/>
+                <a:gd name="connsiteY4" fmla="*/ 450850 h 1308100"/>
+                <a:gd name="connsiteX5" fmla="*/ 277972 w 586387"/>
+                <a:gd name="connsiteY5" fmla="*/ 0 h 1308100"/>
+                <a:gd name="connsiteX0" fmla="*/ 204947 w 586387"/>
+                <a:gd name="connsiteY0" fmla="*/ 1323975 h 1323975"/>
+                <a:gd name="connsiteX1" fmla="*/ 585947 w 586387"/>
+                <a:gd name="connsiteY1" fmla="*/ 1085850 h 1323975"/>
+                <a:gd name="connsiteX2" fmla="*/ 277972 w 586387"/>
+                <a:gd name="connsiteY2" fmla="*/ 904875 h 1323975"/>
+                <a:gd name="connsiteX3" fmla="*/ 126201 w 586387"/>
+                <a:gd name="connsiteY3" fmla="*/ 701675 h 1323975"/>
+                <a:gd name="connsiteX4" fmla="*/ 22623 w 586387"/>
+                <a:gd name="connsiteY4" fmla="*/ 466725 h 1323975"/>
+                <a:gd name="connsiteX5" fmla="*/ 340214 w 586387"/>
+                <a:gd name="connsiteY5" fmla="*/ 0 h 1323975"/>
+                <a:gd name="connsiteX0" fmla="*/ 126371 w 507811"/>
+                <a:gd name="connsiteY0" fmla="*/ 1323975 h 1323975"/>
+                <a:gd name="connsiteX1" fmla="*/ 507371 w 507811"/>
+                <a:gd name="connsiteY1" fmla="*/ 1085850 h 1323975"/>
+                <a:gd name="connsiteX2" fmla="*/ 199396 w 507811"/>
+                <a:gd name="connsiteY2" fmla="*/ 904875 h 1323975"/>
+                <a:gd name="connsiteX3" fmla="*/ 47625 w 507811"/>
+                <a:gd name="connsiteY3" fmla="*/ 701675 h 1323975"/>
+                <a:gd name="connsiteX4" fmla="*/ 37409 w 507811"/>
+                <a:gd name="connsiteY4" fmla="*/ 482600 h 1323975"/>
+                <a:gd name="connsiteX5" fmla="*/ 261638 w 507811"/>
+                <a:gd name="connsiteY5" fmla="*/ 0 h 1323975"/>
+                <a:gd name="connsiteX0" fmla="*/ 126371 w 507811"/>
+                <a:gd name="connsiteY0" fmla="*/ 1336675 h 1336675"/>
+                <a:gd name="connsiteX1" fmla="*/ 507371 w 507811"/>
+                <a:gd name="connsiteY1" fmla="*/ 1098550 h 1336675"/>
+                <a:gd name="connsiteX2" fmla="*/ 199396 w 507811"/>
+                <a:gd name="connsiteY2" fmla="*/ 917575 h 1336675"/>
+                <a:gd name="connsiteX3" fmla="*/ 47625 w 507811"/>
+                <a:gd name="connsiteY3" fmla="*/ 714375 h 1336675"/>
+                <a:gd name="connsiteX4" fmla="*/ 37409 w 507811"/>
+                <a:gd name="connsiteY4" fmla="*/ 495300 h 1336675"/>
+                <a:gd name="connsiteX5" fmla="*/ 177168 w 507811"/>
+                <a:gd name="connsiteY5" fmla="*/ 0 h 1336675"/>
+                <a:gd name="connsiteX0" fmla="*/ 126371 w 507811"/>
+                <a:gd name="connsiteY0" fmla="*/ 1352550 h 1352550"/>
+                <a:gd name="connsiteX1" fmla="*/ 507371 w 507811"/>
+                <a:gd name="connsiteY1" fmla="*/ 1114425 h 1352550"/>
+                <a:gd name="connsiteX2" fmla="*/ 199396 w 507811"/>
+                <a:gd name="connsiteY2" fmla="*/ 933450 h 1352550"/>
+                <a:gd name="connsiteX3" fmla="*/ 47625 w 507811"/>
+                <a:gd name="connsiteY3" fmla="*/ 730250 h 1352550"/>
+                <a:gd name="connsiteX4" fmla="*/ 37409 w 507811"/>
+                <a:gd name="connsiteY4" fmla="*/ 511175 h 1352550"/>
+                <a:gd name="connsiteX5" fmla="*/ 110480 w 507811"/>
+                <a:gd name="connsiteY5" fmla="*/ 0 h 1352550"/>
+              </a:gdLst>
+              <a:ahLst/>
+              <a:cxnLst>
+                <a:cxn ang="0">
+                  <a:pos x="connsiteX0" y="connsiteY0"/>
+                </a:cxn>
+                <a:cxn ang="0">
+                  <a:pos x="connsiteX1" y="connsiteY1"/>
+                </a:cxn>
+                <a:cxn ang="0">
+                  <a:pos x="connsiteX2" y="connsiteY2"/>
+                </a:cxn>
+                <a:cxn ang="0">
+                  <a:pos x="connsiteX3" y="connsiteY3"/>
+                </a:cxn>
+                <a:cxn ang="0">
+                  <a:pos x="connsiteX4" y="connsiteY4"/>
+                </a:cxn>
+                <a:cxn ang="0">
+                  <a:pos x="connsiteX5" y="connsiteY5"/>
+                </a:cxn>
+              </a:cxnLst>
+              <a:rect l="l" t="t" r="r" b="b"/>
+              <a:pathLst>
+                <a:path w="507811" h="1352550">
+                  <a:moveTo>
+                    <a:pt x="126371" y="1352550"/>
+                  </a:moveTo>
+                  <a:cubicBezTo>
+                    <a:pt x="134275" y="1133475"/>
+                    <a:pt x="495200" y="1184275"/>
+                    <a:pt x="507371" y="1114425"/>
+                  </a:cubicBezTo>
+                  <a:cubicBezTo>
+                    <a:pt x="519542" y="1044575"/>
+                    <a:pt x="276020" y="997479"/>
+                    <a:pt x="199396" y="933450"/>
+                  </a:cubicBezTo>
+                  <a:cubicBezTo>
+                    <a:pt x="122772" y="869421"/>
+                    <a:pt x="74623" y="800629"/>
+                    <a:pt x="47625" y="730250"/>
+                  </a:cubicBezTo>
+                  <a:cubicBezTo>
+                    <a:pt x="20627" y="659871"/>
+                    <a:pt x="-38791" y="568325"/>
+                    <a:pt x="37409" y="511175"/>
+                  </a:cubicBezTo>
+                  <a:cubicBezTo>
+                    <a:pt x="119959" y="428625"/>
+                    <a:pt x="364480" y="285750"/>
+                    <a:pt x="110480" y="0"/>
+                  </a:cubicBezTo>
+                </a:path>
+              </a:pathLst>
+            </a:custGeom>
+            <a:noFill/>
+            <a:ln w="38100" cap="rnd">
+              <a:solidFill>
+                <a:schemeClr val="tx1"/>
+              </a:solidFill>
+            </a:ln>
+          </p:spPr>
+          <p:style>
+            <a:lnRef idx="2">
+              <a:schemeClr val="accent1">
+                <a:shade val="50000"/>
+              </a:schemeClr>
+            </a:lnRef>
+            <a:fillRef idx="1">
+              <a:schemeClr val="accent1"/>
+            </a:fillRef>
+            <a:effectRef idx="0">
+              <a:schemeClr val="accent1"/>
+            </a:effectRef>
+            <a:fontRef idx="minor">
+              <a:schemeClr val="lt1"/>
+            </a:fontRef>
+          </p:style>
+          <p:txBody>
+            <a:bodyPr rtlCol="0" anchor="ctr"/>
+            <a:lstStyle/>
+            <a:p>
+              <a:pPr algn="ctr"/>
+              <a:endParaRPr lang="en-US"/>
+            </a:p>
+          </p:txBody>
+        </p:sp>
+        <p:sp>
+          <p:nvSpPr>
+            <p:cNvPr id="9" name="Freeform: Shape 8">
+              <a:extLst>
+                <a:ext uri="{FF2B5EF4-FFF2-40B4-BE49-F238E27FC236}">
+                  <a16:creationId xmlns:a16="http://schemas.microsoft.com/office/drawing/2014/main" id="{432710D8-84E7-3D2D-7293-2BFBB16ADC27}"/>
+                </a:ext>
+              </a:extLst>
+            </p:cNvPr>
+            <p:cNvSpPr/>
+            <p:nvPr/>
+          </p:nvSpPr>
+          <p:spPr>
+            <a:xfrm flipH="1">
+              <a:off x="4270539" y="3909227"/>
+              <a:ext cx="450292" cy="1216050"/>
+            </a:xfrm>
+            <a:custGeom>
+              <a:avLst/>
+              <a:gdLst>
+                <a:gd name="connsiteX0" fmla="*/ 0 w 428625"/>
+                <a:gd name="connsiteY0" fmla="*/ 1223696 h 1223696"/>
+                <a:gd name="connsiteX1" fmla="*/ 381000 w 428625"/>
+                <a:gd name="connsiteY1" fmla="*/ 985571 h 1223696"/>
+                <a:gd name="connsiteX2" fmla="*/ 57150 w 428625"/>
+                <a:gd name="connsiteY2" fmla="*/ 556946 h 1223696"/>
+                <a:gd name="connsiteX3" fmla="*/ 276225 w 428625"/>
+                <a:gd name="connsiteY3" fmla="*/ 337871 h 1223696"/>
+                <a:gd name="connsiteX4" fmla="*/ 209550 w 428625"/>
+                <a:gd name="connsiteY4" fmla="*/ 4496 h 1223696"/>
+                <a:gd name="connsiteX5" fmla="*/ 428625 w 428625"/>
+                <a:gd name="connsiteY5" fmla="*/ 175946 h 1223696"/>
+                <a:gd name="connsiteX0" fmla="*/ 44727 w 473352"/>
+                <a:gd name="connsiteY0" fmla="*/ 1223696 h 1223696"/>
+                <a:gd name="connsiteX1" fmla="*/ 277 w 473352"/>
+                <a:gd name="connsiteY1" fmla="*/ 820471 h 1223696"/>
+                <a:gd name="connsiteX2" fmla="*/ 101877 w 473352"/>
+                <a:gd name="connsiteY2" fmla="*/ 556946 h 1223696"/>
+                <a:gd name="connsiteX3" fmla="*/ 320952 w 473352"/>
+                <a:gd name="connsiteY3" fmla="*/ 337871 h 1223696"/>
+                <a:gd name="connsiteX4" fmla="*/ 254277 w 473352"/>
+                <a:gd name="connsiteY4" fmla="*/ 4496 h 1223696"/>
+                <a:gd name="connsiteX5" fmla="*/ 473352 w 473352"/>
+                <a:gd name="connsiteY5" fmla="*/ 175946 h 1223696"/>
+                <a:gd name="connsiteX0" fmla="*/ 44727 w 473352"/>
+                <a:gd name="connsiteY0" fmla="*/ 1223696 h 1223696"/>
+                <a:gd name="connsiteX1" fmla="*/ 277 w 473352"/>
+                <a:gd name="connsiteY1" fmla="*/ 820471 h 1223696"/>
+                <a:gd name="connsiteX2" fmla="*/ 101877 w 473352"/>
+                <a:gd name="connsiteY2" fmla="*/ 556946 h 1223696"/>
+                <a:gd name="connsiteX3" fmla="*/ 41552 w 473352"/>
+                <a:gd name="connsiteY3" fmla="*/ 274371 h 1223696"/>
+                <a:gd name="connsiteX4" fmla="*/ 254277 w 473352"/>
+                <a:gd name="connsiteY4" fmla="*/ 4496 h 1223696"/>
+                <a:gd name="connsiteX5" fmla="*/ 473352 w 473352"/>
+                <a:gd name="connsiteY5" fmla="*/ 175946 h 1223696"/>
+                <a:gd name="connsiteX0" fmla="*/ 45610 w 474235"/>
+                <a:gd name="connsiteY0" fmla="*/ 1223696 h 1223696"/>
+                <a:gd name="connsiteX1" fmla="*/ 1160 w 474235"/>
+                <a:gd name="connsiteY1" fmla="*/ 820471 h 1223696"/>
+                <a:gd name="connsiteX2" fmla="*/ 166260 w 474235"/>
+                <a:gd name="connsiteY2" fmla="*/ 563296 h 1223696"/>
+                <a:gd name="connsiteX3" fmla="*/ 42435 w 474235"/>
+                <a:gd name="connsiteY3" fmla="*/ 274371 h 1223696"/>
+                <a:gd name="connsiteX4" fmla="*/ 255160 w 474235"/>
+                <a:gd name="connsiteY4" fmla="*/ 4496 h 1223696"/>
+                <a:gd name="connsiteX5" fmla="*/ 474235 w 474235"/>
+                <a:gd name="connsiteY5" fmla="*/ 175946 h 1223696"/>
+                <a:gd name="connsiteX0" fmla="*/ 45610 w 474235"/>
+                <a:gd name="connsiteY0" fmla="*/ 1199415 h 1199415"/>
+                <a:gd name="connsiteX1" fmla="*/ 1160 w 474235"/>
+                <a:gd name="connsiteY1" fmla="*/ 796190 h 1199415"/>
+                <a:gd name="connsiteX2" fmla="*/ 166260 w 474235"/>
+                <a:gd name="connsiteY2" fmla="*/ 539015 h 1199415"/>
+                <a:gd name="connsiteX3" fmla="*/ 42435 w 474235"/>
+                <a:gd name="connsiteY3" fmla="*/ 250090 h 1199415"/>
+                <a:gd name="connsiteX4" fmla="*/ 204360 w 474235"/>
+                <a:gd name="connsiteY4" fmla="*/ 5615 h 1199415"/>
+                <a:gd name="connsiteX5" fmla="*/ 474235 w 474235"/>
+                <a:gd name="connsiteY5" fmla="*/ 151665 h 1199415"/>
+                <a:gd name="connsiteX0" fmla="*/ 45610 w 474235"/>
+                <a:gd name="connsiteY0" fmla="*/ 1205932 h 1205932"/>
+                <a:gd name="connsiteX1" fmla="*/ 1160 w 474235"/>
+                <a:gd name="connsiteY1" fmla="*/ 802707 h 1205932"/>
+                <a:gd name="connsiteX2" fmla="*/ 166260 w 474235"/>
+                <a:gd name="connsiteY2" fmla="*/ 545532 h 1205932"/>
+                <a:gd name="connsiteX3" fmla="*/ 42435 w 474235"/>
+                <a:gd name="connsiteY3" fmla="*/ 256607 h 1205932"/>
+                <a:gd name="connsiteX4" fmla="*/ 204360 w 474235"/>
+                <a:gd name="connsiteY4" fmla="*/ 12132 h 1205932"/>
+                <a:gd name="connsiteX5" fmla="*/ 474235 w 474235"/>
+                <a:gd name="connsiteY5" fmla="*/ 158182 h 1205932"/>
+                <a:gd name="connsiteX0" fmla="*/ 45610 w 474235"/>
+                <a:gd name="connsiteY0" fmla="*/ 1223516 h 1223516"/>
+                <a:gd name="connsiteX1" fmla="*/ 1160 w 474235"/>
+                <a:gd name="connsiteY1" fmla="*/ 820291 h 1223516"/>
+                <a:gd name="connsiteX2" fmla="*/ 166260 w 474235"/>
+                <a:gd name="connsiteY2" fmla="*/ 563116 h 1223516"/>
+                <a:gd name="connsiteX3" fmla="*/ 42435 w 474235"/>
+                <a:gd name="connsiteY3" fmla="*/ 274191 h 1223516"/>
+                <a:gd name="connsiteX4" fmla="*/ 115460 w 474235"/>
+                <a:gd name="connsiteY4" fmla="*/ 10666 h 1223516"/>
+                <a:gd name="connsiteX5" fmla="*/ 474235 w 474235"/>
+                <a:gd name="connsiteY5" fmla="*/ 175766 h 1223516"/>
+                <a:gd name="connsiteX0" fmla="*/ 45610 w 474235"/>
+                <a:gd name="connsiteY0" fmla="*/ 1223516 h 1223516"/>
+                <a:gd name="connsiteX1" fmla="*/ 1160 w 474235"/>
+                <a:gd name="connsiteY1" fmla="*/ 820291 h 1223516"/>
+                <a:gd name="connsiteX2" fmla="*/ 166260 w 474235"/>
+                <a:gd name="connsiteY2" fmla="*/ 563116 h 1223516"/>
+                <a:gd name="connsiteX3" fmla="*/ 42435 w 474235"/>
+                <a:gd name="connsiteY3" fmla="*/ 274191 h 1223516"/>
+                <a:gd name="connsiteX4" fmla="*/ 115460 w 474235"/>
+                <a:gd name="connsiteY4" fmla="*/ 10666 h 1223516"/>
+                <a:gd name="connsiteX5" fmla="*/ 474235 w 474235"/>
+                <a:gd name="connsiteY5" fmla="*/ 175766 h 1223516"/>
+                <a:gd name="connsiteX0" fmla="*/ 163645 w 592270"/>
+                <a:gd name="connsiteY0" fmla="*/ 1223516 h 1223516"/>
+                <a:gd name="connsiteX1" fmla="*/ 119195 w 592270"/>
+                <a:gd name="connsiteY1" fmla="*/ 820291 h 1223516"/>
+                <a:gd name="connsiteX2" fmla="*/ 284295 w 592270"/>
+                <a:gd name="connsiteY2" fmla="*/ 563116 h 1223516"/>
+                <a:gd name="connsiteX3" fmla="*/ 420 w 592270"/>
+                <a:gd name="connsiteY3" fmla="*/ 292460 h 1223516"/>
+                <a:gd name="connsiteX4" fmla="*/ 233495 w 592270"/>
+                <a:gd name="connsiteY4" fmla="*/ 10666 h 1223516"/>
+                <a:gd name="connsiteX5" fmla="*/ 592270 w 592270"/>
+                <a:gd name="connsiteY5" fmla="*/ 175766 h 1223516"/>
+                <a:gd name="connsiteX0" fmla="*/ 163308 w 591933"/>
+                <a:gd name="connsiteY0" fmla="*/ 1174212 h 1174212"/>
+                <a:gd name="connsiteX1" fmla="*/ 118858 w 591933"/>
+                <a:gd name="connsiteY1" fmla="*/ 770987 h 1174212"/>
+                <a:gd name="connsiteX2" fmla="*/ 283958 w 591933"/>
+                <a:gd name="connsiteY2" fmla="*/ 513812 h 1174212"/>
+                <a:gd name="connsiteX3" fmla="*/ 83 w 591933"/>
+                <a:gd name="connsiteY3" fmla="*/ 243156 h 1174212"/>
+                <a:gd name="connsiteX4" fmla="*/ 259833 w 591933"/>
+                <a:gd name="connsiteY4" fmla="*/ 16167 h 1174212"/>
+                <a:gd name="connsiteX5" fmla="*/ 591933 w 591933"/>
+                <a:gd name="connsiteY5" fmla="*/ 126462 h 1174212"/>
+                <a:gd name="connsiteX0" fmla="*/ 163308 w 698633"/>
+                <a:gd name="connsiteY0" fmla="*/ 1166155 h 1166155"/>
+                <a:gd name="connsiteX1" fmla="*/ 118858 w 698633"/>
+                <a:gd name="connsiteY1" fmla="*/ 762930 h 1166155"/>
+                <a:gd name="connsiteX2" fmla="*/ 283958 w 698633"/>
+                <a:gd name="connsiteY2" fmla="*/ 505755 h 1166155"/>
+                <a:gd name="connsiteX3" fmla="*/ 83 w 698633"/>
+                <a:gd name="connsiteY3" fmla="*/ 235099 h 1166155"/>
+                <a:gd name="connsiteX4" fmla="*/ 259833 w 698633"/>
+                <a:gd name="connsiteY4" fmla="*/ 8110 h 1166155"/>
+                <a:gd name="connsiteX5" fmla="*/ 698633 w 698633"/>
+                <a:gd name="connsiteY5" fmla="*/ 221926 h 1166155"/>
+                <a:gd name="connsiteX0" fmla="*/ 163308 w 698633"/>
+                <a:gd name="connsiteY0" fmla="*/ 1166155 h 1166155"/>
+                <a:gd name="connsiteX1" fmla="*/ 118858 w 698633"/>
+                <a:gd name="connsiteY1" fmla="*/ 762930 h 1166155"/>
+                <a:gd name="connsiteX2" fmla="*/ 283958 w 698633"/>
+                <a:gd name="connsiteY2" fmla="*/ 505755 h 1166155"/>
+                <a:gd name="connsiteX3" fmla="*/ 83 w 698633"/>
+                <a:gd name="connsiteY3" fmla="*/ 235099 h 1166155"/>
+                <a:gd name="connsiteX4" fmla="*/ 259833 w 698633"/>
+                <a:gd name="connsiteY4" fmla="*/ 8110 h 1166155"/>
+                <a:gd name="connsiteX5" fmla="*/ 698633 w 698633"/>
+                <a:gd name="connsiteY5" fmla="*/ 221926 h 1166155"/>
+                <a:gd name="connsiteX0" fmla="*/ 163308 w 698633"/>
+                <a:gd name="connsiteY0" fmla="*/ 1166155 h 1166155"/>
+                <a:gd name="connsiteX1" fmla="*/ 64672 w 698633"/>
+                <a:gd name="connsiteY1" fmla="*/ 811646 h 1166155"/>
+                <a:gd name="connsiteX2" fmla="*/ 283958 w 698633"/>
+                <a:gd name="connsiteY2" fmla="*/ 505755 h 1166155"/>
+                <a:gd name="connsiteX3" fmla="*/ 83 w 698633"/>
+                <a:gd name="connsiteY3" fmla="*/ 235099 h 1166155"/>
+                <a:gd name="connsiteX4" fmla="*/ 259833 w 698633"/>
+                <a:gd name="connsiteY4" fmla="*/ 8110 h 1166155"/>
+                <a:gd name="connsiteX5" fmla="*/ 698633 w 698633"/>
+                <a:gd name="connsiteY5" fmla="*/ 221926 h 1166155"/>
+              </a:gdLst>
+              <a:ahLst/>
+              <a:cxnLst>
+                <a:cxn ang="0">
+                  <a:pos x="connsiteX0" y="connsiteY0"/>
+                </a:cxn>
+                <a:cxn ang="0">
+                  <a:pos x="connsiteX1" y="connsiteY1"/>
+                </a:cxn>
+                <a:cxn ang="0">
+                  <a:pos x="connsiteX2" y="connsiteY2"/>
+                </a:cxn>
+                <a:cxn ang="0">
+                  <a:pos x="connsiteX3" y="connsiteY3"/>
+                </a:cxn>
+                <a:cxn ang="0">
+                  <a:pos x="connsiteX4" y="connsiteY4"/>
+                </a:cxn>
+                <a:cxn ang="0">
+                  <a:pos x="connsiteX5" y="connsiteY5"/>
+                </a:cxn>
+              </a:cxnLst>
+              <a:rect l="l" t="t" r="r" b="b"/>
+              <a:pathLst>
+                <a:path w="698633" h="1166155">
+                  <a:moveTo>
+                    <a:pt x="163308" y="1166155"/>
+                  </a:moveTo>
+                  <a:cubicBezTo>
+                    <a:pt x="166781" y="1026537"/>
+                    <a:pt x="44564" y="921713"/>
+                    <a:pt x="64672" y="811646"/>
+                  </a:cubicBezTo>
+                  <a:cubicBezTo>
+                    <a:pt x="84780" y="701579"/>
+                    <a:pt x="294723" y="601846"/>
+                    <a:pt x="283958" y="505755"/>
+                  </a:cubicBezTo>
+                  <a:cubicBezTo>
+                    <a:pt x="273193" y="409664"/>
+                    <a:pt x="4104" y="318040"/>
+                    <a:pt x="83" y="235099"/>
+                  </a:cubicBezTo>
+                  <a:cubicBezTo>
+                    <a:pt x="-3938" y="152158"/>
+                    <a:pt x="139183" y="47797"/>
+                    <a:pt x="259833" y="8110"/>
+                  </a:cubicBezTo>
+                  <a:cubicBezTo>
+                    <a:pt x="424933" y="-37928"/>
+                    <a:pt x="601795" y="122707"/>
+                    <a:pt x="698633" y="221926"/>
+                  </a:cubicBezTo>
+                </a:path>
+              </a:pathLst>
+            </a:custGeom>
+            <a:noFill/>
+            <a:ln w="38100" cap="rnd">
+              <a:solidFill>
+                <a:schemeClr val="tx1"/>
+              </a:solidFill>
+            </a:ln>
+          </p:spPr>
+          <p:style>
+            <a:lnRef idx="2">
+              <a:schemeClr val="accent1">
+                <a:shade val="50000"/>
+              </a:schemeClr>
+            </a:lnRef>
+            <a:fillRef idx="1">
+              <a:schemeClr val="accent1"/>
+            </a:fillRef>
+            <a:effectRef idx="0">
+              <a:schemeClr val="accent1"/>
+            </a:effectRef>
+            <a:fontRef idx="minor">
+              <a:schemeClr val="lt1"/>
+            </a:fontRef>
+          </p:style>
+          <p:txBody>
+            <a:bodyPr rtlCol="0" anchor="ctr"/>
+            <a:lstStyle/>
+            <a:p>
+              <a:pPr algn="ctr"/>
+              <a:endParaRPr lang="en-US"/>
+            </a:p>
+          </p:txBody>
+        </p:sp>
+        <p:sp>
+          <p:nvSpPr>
+            <p:cNvPr id="13" name="Freeform: Shape 12">
+              <a:extLst>
+                <a:ext uri="{FF2B5EF4-FFF2-40B4-BE49-F238E27FC236}">
+                  <a16:creationId xmlns:a16="http://schemas.microsoft.com/office/drawing/2014/main" id="{665837D0-E57B-8C83-DC36-185E00C07236}"/>
+                </a:ext>
+              </a:extLst>
+            </p:cNvPr>
+            <p:cNvSpPr/>
+            <p:nvPr/>
+          </p:nvSpPr>
+          <p:spPr>
+            <a:xfrm rot="10477160">
+              <a:off x="3889915" y="3691348"/>
+              <a:ext cx="399080" cy="1429847"/>
+            </a:xfrm>
+            <a:custGeom>
+              <a:avLst/>
+              <a:gdLst>
+                <a:gd name="connsiteX0" fmla="*/ 215975 w 613411"/>
+                <a:gd name="connsiteY0" fmla="*/ 958850 h 980984"/>
+                <a:gd name="connsiteX1" fmla="*/ 431875 w 613411"/>
+                <a:gd name="connsiteY1" fmla="*/ 977900 h 980984"/>
+                <a:gd name="connsiteX2" fmla="*/ 596975 w 613411"/>
+                <a:gd name="connsiteY2" fmla="*/ 901700 h 980984"/>
+                <a:gd name="connsiteX3" fmla="*/ 12775 w 613411"/>
+                <a:gd name="connsiteY3" fmla="*/ 819150 h 980984"/>
+                <a:gd name="connsiteX4" fmla="*/ 209625 w 613411"/>
+                <a:gd name="connsiteY4" fmla="*/ 908050 h 980984"/>
+                <a:gd name="connsiteX5" fmla="*/ 393775 w 613411"/>
+                <a:gd name="connsiteY5" fmla="*/ 736600 h 980984"/>
+                <a:gd name="connsiteX6" fmla="*/ 285825 w 613411"/>
+                <a:gd name="connsiteY6" fmla="*/ 514350 h 980984"/>
+                <a:gd name="connsiteX7" fmla="*/ 273125 w 613411"/>
+                <a:gd name="connsiteY7" fmla="*/ 361950 h 980984"/>
+                <a:gd name="connsiteX8" fmla="*/ 438225 w 613411"/>
+                <a:gd name="connsiteY8" fmla="*/ 114300 h 980984"/>
+                <a:gd name="connsiteX9" fmla="*/ 330275 w 613411"/>
+                <a:gd name="connsiteY9" fmla="*/ 0 h 980984"/>
+                <a:gd name="connsiteX0" fmla="*/ 191775 w 587767"/>
+                <a:gd name="connsiteY0" fmla="*/ 958850 h 980984"/>
+                <a:gd name="connsiteX1" fmla="*/ 407675 w 587767"/>
+                <a:gd name="connsiteY1" fmla="*/ 977900 h 980984"/>
+                <a:gd name="connsiteX2" fmla="*/ 572775 w 587767"/>
+                <a:gd name="connsiteY2" fmla="*/ 901700 h 980984"/>
+                <a:gd name="connsiteX3" fmla="*/ 13975 w 587767"/>
+                <a:gd name="connsiteY3" fmla="*/ 538491 h 980984"/>
+                <a:gd name="connsiteX4" fmla="*/ 185425 w 587767"/>
+                <a:gd name="connsiteY4" fmla="*/ 908050 h 980984"/>
+                <a:gd name="connsiteX5" fmla="*/ 369575 w 587767"/>
+                <a:gd name="connsiteY5" fmla="*/ 736600 h 980984"/>
+                <a:gd name="connsiteX6" fmla="*/ 261625 w 587767"/>
+                <a:gd name="connsiteY6" fmla="*/ 514350 h 980984"/>
+                <a:gd name="connsiteX7" fmla="*/ 248925 w 587767"/>
+                <a:gd name="connsiteY7" fmla="*/ 361950 h 980984"/>
+                <a:gd name="connsiteX8" fmla="*/ 414025 w 587767"/>
+                <a:gd name="connsiteY8" fmla="*/ 114300 h 980984"/>
+                <a:gd name="connsiteX9" fmla="*/ 306075 w 587767"/>
+                <a:gd name="connsiteY9" fmla="*/ 0 h 980984"/>
+                <a:gd name="connsiteX0" fmla="*/ 177816 w 573808"/>
+                <a:gd name="connsiteY0" fmla="*/ 958850 h 980984"/>
+                <a:gd name="connsiteX1" fmla="*/ 393716 w 573808"/>
+                <a:gd name="connsiteY1" fmla="*/ 977900 h 980984"/>
+                <a:gd name="connsiteX2" fmla="*/ 558816 w 573808"/>
+                <a:gd name="connsiteY2" fmla="*/ 901700 h 980984"/>
+                <a:gd name="connsiteX3" fmla="*/ 16 w 573808"/>
+                <a:gd name="connsiteY3" fmla="*/ 538491 h 980984"/>
+                <a:gd name="connsiteX4" fmla="*/ 539766 w 573808"/>
+                <a:gd name="connsiteY4" fmla="*/ 484903 h 980984"/>
+                <a:gd name="connsiteX5" fmla="*/ 355616 w 573808"/>
+                <a:gd name="connsiteY5" fmla="*/ 736600 h 980984"/>
+                <a:gd name="connsiteX6" fmla="*/ 247666 w 573808"/>
+                <a:gd name="connsiteY6" fmla="*/ 514350 h 980984"/>
+                <a:gd name="connsiteX7" fmla="*/ 234966 w 573808"/>
+                <a:gd name="connsiteY7" fmla="*/ 361950 h 980984"/>
+                <a:gd name="connsiteX8" fmla="*/ 400066 w 573808"/>
+                <a:gd name="connsiteY8" fmla="*/ 114300 h 980984"/>
+                <a:gd name="connsiteX9" fmla="*/ 292116 w 573808"/>
+                <a:gd name="connsiteY9" fmla="*/ 0 h 980984"/>
+                <a:gd name="connsiteX0" fmla="*/ 177816 w 573808"/>
+                <a:gd name="connsiteY0" fmla="*/ 958850 h 980984"/>
+                <a:gd name="connsiteX1" fmla="*/ 393716 w 573808"/>
+                <a:gd name="connsiteY1" fmla="*/ 977900 h 980984"/>
+                <a:gd name="connsiteX2" fmla="*/ 558816 w 573808"/>
+                <a:gd name="connsiteY2" fmla="*/ 901700 h 980984"/>
+                <a:gd name="connsiteX3" fmla="*/ 16 w 573808"/>
+                <a:gd name="connsiteY3" fmla="*/ 538491 h 980984"/>
+                <a:gd name="connsiteX4" fmla="*/ 539766 w 573808"/>
+                <a:gd name="connsiteY4" fmla="*/ 484903 h 980984"/>
+                <a:gd name="connsiteX5" fmla="*/ 400066 w 573808"/>
+                <a:gd name="connsiteY5" fmla="*/ 693422 h 980984"/>
+                <a:gd name="connsiteX6" fmla="*/ 247666 w 573808"/>
+                <a:gd name="connsiteY6" fmla="*/ 514350 h 980984"/>
+                <a:gd name="connsiteX7" fmla="*/ 234966 w 573808"/>
+                <a:gd name="connsiteY7" fmla="*/ 361950 h 980984"/>
+                <a:gd name="connsiteX8" fmla="*/ 400066 w 573808"/>
+                <a:gd name="connsiteY8" fmla="*/ 114300 h 980984"/>
+                <a:gd name="connsiteX9" fmla="*/ 292116 w 573808"/>
+                <a:gd name="connsiteY9" fmla="*/ 0 h 980984"/>
+                <a:gd name="connsiteX0" fmla="*/ 177816 w 579339"/>
+                <a:gd name="connsiteY0" fmla="*/ 958850 h 996932"/>
+                <a:gd name="connsiteX1" fmla="*/ 431816 w 579339"/>
+                <a:gd name="connsiteY1" fmla="*/ 995172 h 996932"/>
+                <a:gd name="connsiteX2" fmla="*/ 558816 w 579339"/>
+                <a:gd name="connsiteY2" fmla="*/ 901700 h 996932"/>
+                <a:gd name="connsiteX3" fmla="*/ 16 w 579339"/>
+                <a:gd name="connsiteY3" fmla="*/ 538491 h 996932"/>
+                <a:gd name="connsiteX4" fmla="*/ 539766 w 579339"/>
+                <a:gd name="connsiteY4" fmla="*/ 484903 h 996932"/>
+                <a:gd name="connsiteX5" fmla="*/ 400066 w 579339"/>
+                <a:gd name="connsiteY5" fmla="*/ 693422 h 996932"/>
+                <a:gd name="connsiteX6" fmla="*/ 247666 w 579339"/>
+                <a:gd name="connsiteY6" fmla="*/ 514350 h 996932"/>
+                <a:gd name="connsiteX7" fmla="*/ 234966 w 579339"/>
+                <a:gd name="connsiteY7" fmla="*/ 361950 h 996932"/>
+                <a:gd name="connsiteX8" fmla="*/ 400066 w 579339"/>
+                <a:gd name="connsiteY8" fmla="*/ 114300 h 996932"/>
+                <a:gd name="connsiteX9" fmla="*/ 292116 w 579339"/>
+                <a:gd name="connsiteY9" fmla="*/ 0 h 996932"/>
+                <a:gd name="connsiteX0" fmla="*/ 177816 w 583653"/>
+                <a:gd name="connsiteY0" fmla="*/ 958850 h 995824"/>
+                <a:gd name="connsiteX1" fmla="*/ 431816 w 583653"/>
+                <a:gd name="connsiteY1" fmla="*/ 995172 h 995824"/>
+                <a:gd name="connsiteX2" fmla="*/ 558816 w 583653"/>
+                <a:gd name="connsiteY2" fmla="*/ 901700 h 995824"/>
+                <a:gd name="connsiteX3" fmla="*/ 16 w 583653"/>
+                <a:gd name="connsiteY3" fmla="*/ 538491 h 995824"/>
+                <a:gd name="connsiteX4" fmla="*/ 539766 w 583653"/>
+                <a:gd name="connsiteY4" fmla="*/ 484903 h 995824"/>
+                <a:gd name="connsiteX5" fmla="*/ 400066 w 583653"/>
+                <a:gd name="connsiteY5" fmla="*/ 693422 h 995824"/>
+                <a:gd name="connsiteX6" fmla="*/ 247666 w 583653"/>
+                <a:gd name="connsiteY6" fmla="*/ 514350 h 995824"/>
+                <a:gd name="connsiteX7" fmla="*/ 234966 w 583653"/>
+                <a:gd name="connsiteY7" fmla="*/ 361950 h 995824"/>
+                <a:gd name="connsiteX8" fmla="*/ 400066 w 583653"/>
+                <a:gd name="connsiteY8" fmla="*/ 114300 h 995824"/>
+                <a:gd name="connsiteX9" fmla="*/ 292116 w 583653"/>
+                <a:gd name="connsiteY9" fmla="*/ 0 h 995824"/>
+                <a:gd name="connsiteX0" fmla="*/ 177816 w 583653"/>
+                <a:gd name="connsiteY0" fmla="*/ 958850 h 995824"/>
+                <a:gd name="connsiteX1" fmla="*/ 431816 w 583653"/>
+                <a:gd name="connsiteY1" fmla="*/ 995172 h 995824"/>
+                <a:gd name="connsiteX2" fmla="*/ 558816 w 583653"/>
+                <a:gd name="connsiteY2" fmla="*/ 901700 h 995824"/>
+                <a:gd name="connsiteX3" fmla="*/ 16 w 583653"/>
+                <a:gd name="connsiteY3" fmla="*/ 538491 h 995824"/>
+                <a:gd name="connsiteX4" fmla="*/ 539766 w 583653"/>
+                <a:gd name="connsiteY4" fmla="*/ 484903 h 995824"/>
+                <a:gd name="connsiteX5" fmla="*/ 400066 w 583653"/>
+                <a:gd name="connsiteY5" fmla="*/ 693422 h 995824"/>
+                <a:gd name="connsiteX6" fmla="*/ 247666 w 583653"/>
+                <a:gd name="connsiteY6" fmla="*/ 514350 h 995824"/>
+                <a:gd name="connsiteX7" fmla="*/ 234966 w 583653"/>
+                <a:gd name="connsiteY7" fmla="*/ 361950 h 995824"/>
+                <a:gd name="connsiteX8" fmla="*/ 400066 w 583653"/>
+                <a:gd name="connsiteY8" fmla="*/ 114300 h 995824"/>
+                <a:gd name="connsiteX9" fmla="*/ 292116 w 583653"/>
+                <a:gd name="connsiteY9" fmla="*/ 0 h 995824"/>
+                <a:gd name="connsiteX0" fmla="*/ 177816 w 583653"/>
+                <a:gd name="connsiteY0" fmla="*/ 958850 h 995824"/>
+                <a:gd name="connsiteX1" fmla="*/ 431816 w 583653"/>
+                <a:gd name="connsiteY1" fmla="*/ 995172 h 995824"/>
+                <a:gd name="connsiteX2" fmla="*/ 558816 w 583653"/>
+                <a:gd name="connsiteY2" fmla="*/ 901700 h 995824"/>
+                <a:gd name="connsiteX3" fmla="*/ 16 w 583653"/>
+                <a:gd name="connsiteY3" fmla="*/ 538491 h 995824"/>
+                <a:gd name="connsiteX4" fmla="*/ 539766 w 583653"/>
+                <a:gd name="connsiteY4" fmla="*/ 484903 h 995824"/>
+                <a:gd name="connsiteX5" fmla="*/ 400066 w 583653"/>
+                <a:gd name="connsiteY5" fmla="*/ 693422 h 995824"/>
+                <a:gd name="connsiteX6" fmla="*/ 247666 w 583653"/>
+                <a:gd name="connsiteY6" fmla="*/ 514350 h 995824"/>
+                <a:gd name="connsiteX7" fmla="*/ 234966 w 583653"/>
+                <a:gd name="connsiteY7" fmla="*/ 361950 h 995824"/>
+                <a:gd name="connsiteX8" fmla="*/ 466912 w 583653"/>
+                <a:gd name="connsiteY8" fmla="*/ 221713 h 995824"/>
+                <a:gd name="connsiteX9" fmla="*/ 292116 w 583653"/>
+                <a:gd name="connsiteY9" fmla="*/ 0 h 995824"/>
+                <a:gd name="connsiteX0" fmla="*/ 431816 w 583653"/>
+                <a:gd name="connsiteY0" fmla="*/ 995172 h 995172"/>
+                <a:gd name="connsiteX1" fmla="*/ 558816 w 583653"/>
+                <a:gd name="connsiteY1" fmla="*/ 901700 h 995172"/>
+                <a:gd name="connsiteX2" fmla="*/ 16 w 583653"/>
+                <a:gd name="connsiteY2" fmla="*/ 538491 h 995172"/>
+                <a:gd name="connsiteX3" fmla="*/ 539766 w 583653"/>
+                <a:gd name="connsiteY3" fmla="*/ 484903 h 995172"/>
+                <a:gd name="connsiteX4" fmla="*/ 400066 w 583653"/>
+                <a:gd name="connsiteY4" fmla="*/ 693422 h 995172"/>
+                <a:gd name="connsiteX5" fmla="*/ 247666 w 583653"/>
+                <a:gd name="connsiteY5" fmla="*/ 514350 h 995172"/>
+                <a:gd name="connsiteX6" fmla="*/ 234966 w 583653"/>
+                <a:gd name="connsiteY6" fmla="*/ 361950 h 995172"/>
+                <a:gd name="connsiteX7" fmla="*/ 466912 w 583653"/>
+                <a:gd name="connsiteY7" fmla="*/ 221713 h 995172"/>
+                <a:gd name="connsiteX8" fmla="*/ 292116 w 583653"/>
+                <a:gd name="connsiteY8" fmla="*/ 0 h 995172"/>
+                <a:gd name="connsiteX0" fmla="*/ 558816 w 558817"/>
+                <a:gd name="connsiteY0" fmla="*/ 901700 h 901700"/>
+                <a:gd name="connsiteX1" fmla="*/ 16 w 558817"/>
+                <a:gd name="connsiteY1" fmla="*/ 538491 h 901700"/>
+                <a:gd name="connsiteX2" fmla="*/ 539766 w 558817"/>
+                <a:gd name="connsiteY2" fmla="*/ 484903 h 901700"/>
+                <a:gd name="connsiteX3" fmla="*/ 400066 w 558817"/>
+                <a:gd name="connsiteY3" fmla="*/ 693422 h 901700"/>
+                <a:gd name="connsiteX4" fmla="*/ 247666 w 558817"/>
+                <a:gd name="connsiteY4" fmla="*/ 514350 h 901700"/>
+                <a:gd name="connsiteX5" fmla="*/ 234966 w 558817"/>
+                <a:gd name="connsiteY5" fmla="*/ 361950 h 901700"/>
+                <a:gd name="connsiteX6" fmla="*/ 466912 w 558817"/>
+                <a:gd name="connsiteY6" fmla="*/ 221713 h 901700"/>
+                <a:gd name="connsiteX7" fmla="*/ 292116 w 558817"/>
+                <a:gd name="connsiteY7" fmla="*/ 0 h 901700"/>
+              </a:gdLst>
+              <a:ahLst/>
+              <a:cxnLst>
+                <a:cxn ang="0">
+                  <a:pos x="connsiteX0" y="connsiteY0"/>
+                </a:cxn>
+                <a:cxn ang="0">
+                  <a:pos x="connsiteX1" y="connsiteY1"/>
+                </a:cxn>
+                <a:cxn ang="0">
+                  <a:pos x="connsiteX2" y="connsiteY2"/>
+                </a:cxn>
+                <a:cxn ang="0">
+                  <a:pos x="connsiteX3" y="connsiteY3"/>
+                </a:cxn>
+                <a:cxn ang="0">
+                  <a:pos x="connsiteX4" y="connsiteY4"/>
+                </a:cxn>
+                <a:cxn ang="0">
+                  <a:pos x="connsiteX5" y="connsiteY5"/>
+                </a:cxn>
+                <a:cxn ang="0">
+                  <a:pos x="connsiteX6" y="connsiteY6"/>
+                </a:cxn>
+                <a:cxn ang="0">
+                  <a:pos x="connsiteX7" y="connsiteY7"/>
+                </a:cxn>
+              </a:cxnLst>
+              <a:rect l="l" t="t" r="r" b="b"/>
+              <a:pathLst>
+                <a:path w="558817" h="901700">
+                  <a:moveTo>
+                    <a:pt x="558816" y="901700"/>
+                  </a:moveTo>
+                  <a:cubicBezTo>
+                    <a:pt x="486849" y="825587"/>
+                    <a:pt x="3191" y="607957"/>
+                    <a:pt x="16" y="538491"/>
+                  </a:cubicBezTo>
+                  <a:cubicBezTo>
+                    <a:pt x="-3159" y="469025"/>
+                    <a:pt x="473091" y="459081"/>
+                    <a:pt x="539766" y="484903"/>
+                  </a:cubicBezTo>
+                  <a:cubicBezTo>
+                    <a:pt x="606441" y="510725"/>
+                    <a:pt x="448749" y="688514"/>
+                    <a:pt x="400066" y="693422"/>
+                  </a:cubicBezTo>
+                  <a:cubicBezTo>
+                    <a:pt x="351383" y="698330"/>
+                    <a:pt x="275183" y="569595"/>
+                    <a:pt x="247666" y="514350"/>
+                  </a:cubicBezTo>
+                  <a:cubicBezTo>
+                    <a:pt x="220149" y="459105"/>
+                    <a:pt x="198425" y="410723"/>
+                    <a:pt x="234966" y="361950"/>
+                  </a:cubicBezTo>
+                  <a:cubicBezTo>
+                    <a:pt x="271507" y="313177"/>
+                    <a:pt x="457387" y="282038"/>
+                    <a:pt x="466912" y="221713"/>
+                  </a:cubicBezTo>
+                  <a:cubicBezTo>
+                    <a:pt x="476437" y="161388"/>
+                    <a:pt x="269217" y="120697"/>
+                    <a:pt x="292116" y="0"/>
+                  </a:cubicBezTo>
+                </a:path>
+              </a:pathLst>
+            </a:custGeom>
+            <a:noFill/>
+            <a:ln w="38100" cap="rnd">
+              <a:solidFill>
+                <a:schemeClr val="tx1"/>
+              </a:solidFill>
+            </a:ln>
+          </p:spPr>
+          <p:style>
+            <a:lnRef idx="2">
+              <a:schemeClr val="accent1">
+                <a:shade val="50000"/>
+              </a:schemeClr>
+            </a:lnRef>
+            <a:fillRef idx="1">
+              <a:schemeClr val="accent1"/>
+            </a:fillRef>
+            <a:effectRef idx="0">
+              <a:schemeClr val="accent1"/>
+            </a:effectRef>
+            <a:fontRef idx="minor">
+              <a:schemeClr val="lt1"/>
+            </a:fontRef>
+          </p:style>
+          <p:txBody>
+            <a:bodyPr rtlCol="0" anchor="ctr"/>
+            <a:lstStyle/>
+            <a:p>
+              <a:pPr algn="ctr"/>
+              <a:endParaRPr lang="en-US"/>
+            </a:p>
+          </p:txBody>
+        </p:sp>
+        <p:sp>
+          <p:nvSpPr>
+            <p:cNvPr id="18" name="Freeform: Shape 17">
+              <a:extLst>
+                <a:ext uri="{FF2B5EF4-FFF2-40B4-BE49-F238E27FC236}">
+                  <a16:creationId xmlns:a16="http://schemas.microsoft.com/office/drawing/2014/main" id="{806E9A90-5A9A-CA57-882C-67DB5B5FA0E5}"/>
+                </a:ext>
+              </a:extLst>
+            </p:cNvPr>
+            <p:cNvSpPr/>
+            <p:nvPr/>
+          </p:nvSpPr>
+          <p:spPr>
+            <a:xfrm>
+              <a:off x="4214627" y="3639402"/>
+              <a:ext cx="281058" cy="1476375"/>
+            </a:xfrm>
+            <a:custGeom>
+              <a:avLst/>
+              <a:gdLst>
+                <a:gd name="connsiteX0" fmla="*/ 139700 w 281058"/>
+                <a:gd name="connsiteY0" fmla="*/ 1476375 h 1476375"/>
+                <a:gd name="connsiteX1" fmla="*/ 133350 w 281058"/>
+                <a:gd name="connsiteY1" fmla="*/ 1330325 h 1476375"/>
+                <a:gd name="connsiteX2" fmla="*/ 187325 w 281058"/>
+                <a:gd name="connsiteY2" fmla="*/ 1381125 h 1476375"/>
+                <a:gd name="connsiteX3" fmla="*/ 279400 w 281058"/>
+                <a:gd name="connsiteY3" fmla="*/ 1295400 h 1476375"/>
+                <a:gd name="connsiteX4" fmla="*/ 101600 w 281058"/>
+                <a:gd name="connsiteY4" fmla="*/ 1225550 h 1476375"/>
+                <a:gd name="connsiteX5" fmla="*/ 174625 w 281058"/>
+                <a:gd name="connsiteY5" fmla="*/ 1057275 h 1476375"/>
+                <a:gd name="connsiteX6" fmla="*/ 136525 w 281058"/>
+                <a:gd name="connsiteY6" fmla="*/ 879475 h 1476375"/>
+                <a:gd name="connsiteX7" fmla="*/ 92075 w 281058"/>
+                <a:gd name="connsiteY7" fmla="*/ 730250 h 1476375"/>
+                <a:gd name="connsiteX8" fmla="*/ 152400 w 281058"/>
+                <a:gd name="connsiteY8" fmla="*/ 288925 h 1476375"/>
+                <a:gd name="connsiteX9" fmla="*/ 0 w 281058"/>
+                <a:gd name="connsiteY9" fmla="*/ 0 h 1476375"/>
+                <a:gd name="connsiteX0" fmla="*/ 139700 w 281058"/>
+                <a:gd name="connsiteY0" fmla="*/ 1476375 h 1476375"/>
+                <a:gd name="connsiteX1" fmla="*/ 133350 w 281058"/>
+                <a:gd name="connsiteY1" fmla="*/ 1330325 h 1476375"/>
+                <a:gd name="connsiteX2" fmla="*/ 187325 w 281058"/>
+                <a:gd name="connsiteY2" fmla="*/ 1381125 h 1476375"/>
+                <a:gd name="connsiteX3" fmla="*/ 279400 w 281058"/>
+                <a:gd name="connsiteY3" fmla="*/ 1295400 h 1476375"/>
+                <a:gd name="connsiteX4" fmla="*/ 101600 w 281058"/>
+                <a:gd name="connsiteY4" fmla="*/ 1225550 h 1476375"/>
+                <a:gd name="connsiteX5" fmla="*/ 174625 w 281058"/>
+                <a:gd name="connsiteY5" fmla="*/ 1057275 h 1476375"/>
+                <a:gd name="connsiteX6" fmla="*/ 152400 w 281058"/>
+                <a:gd name="connsiteY6" fmla="*/ 882650 h 1476375"/>
+                <a:gd name="connsiteX7" fmla="*/ 92075 w 281058"/>
+                <a:gd name="connsiteY7" fmla="*/ 730250 h 1476375"/>
+                <a:gd name="connsiteX8" fmla="*/ 152400 w 281058"/>
+                <a:gd name="connsiteY8" fmla="*/ 288925 h 1476375"/>
+                <a:gd name="connsiteX9" fmla="*/ 0 w 281058"/>
+                <a:gd name="connsiteY9" fmla="*/ 0 h 1476375"/>
+                <a:gd name="connsiteX0" fmla="*/ 139700 w 281058"/>
+                <a:gd name="connsiteY0" fmla="*/ 1476375 h 1476375"/>
+                <a:gd name="connsiteX1" fmla="*/ 133350 w 281058"/>
+                <a:gd name="connsiteY1" fmla="*/ 1330325 h 1476375"/>
+                <a:gd name="connsiteX2" fmla="*/ 187325 w 281058"/>
+                <a:gd name="connsiteY2" fmla="*/ 1381125 h 1476375"/>
+                <a:gd name="connsiteX3" fmla="*/ 279400 w 281058"/>
+                <a:gd name="connsiteY3" fmla="*/ 1295400 h 1476375"/>
+                <a:gd name="connsiteX4" fmla="*/ 101600 w 281058"/>
+                <a:gd name="connsiteY4" fmla="*/ 1225550 h 1476375"/>
+                <a:gd name="connsiteX5" fmla="*/ 174625 w 281058"/>
+                <a:gd name="connsiteY5" fmla="*/ 1057275 h 1476375"/>
+                <a:gd name="connsiteX6" fmla="*/ 92075 w 281058"/>
+                <a:gd name="connsiteY6" fmla="*/ 730250 h 1476375"/>
+                <a:gd name="connsiteX7" fmla="*/ 152400 w 281058"/>
+                <a:gd name="connsiteY7" fmla="*/ 288925 h 1476375"/>
+                <a:gd name="connsiteX8" fmla="*/ 0 w 281058"/>
+                <a:gd name="connsiteY8" fmla="*/ 0 h 1476375"/>
+              </a:gdLst>
+              <a:ahLst/>
+              <a:cxnLst>
+                <a:cxn ang="0">
+                  <a:pos x="connsiteX0" y="connsiteY0"/>
+                </a:cxn>
+                <a:cxn ang="0">
+                  <a:pos x="connsiteX1" y="connsiteY1"/>
+                </a:cxn>
+                <a:cxn ang="0">
+                  <a:pos x="connsiteX2" y="connsiteY2"/>
+                </a:cxn>
+                <a:cxn ang="0">
+                  <a:pos x="connsiteX3" y="connsiteY3"/>
+                </a:cxn>
+                <a:cxn ang="0">
+                  <a:pos x="connsiteX4" y="connsiteY4"/>
+                </a:cxn>
+                <a:cxn ang="0">
+                  <a:pos x="connsiteX5" y="connsiteY5"/>
+                </a:cxn>
+                <a:cxn ang="0">
+                  <a:pos x="connsiteX6" y="connsiteY6"/>
+                </a:cxn>
+                <a:cxn ang="0">
+                  <a:pos x="connsiteX7" y="connsiteY7"/>
+                </a:cxn>
+                <a:cxn ang="0">
+                  <a:pos x="connsiteX8" y="connsiteY8"/>
+                </a:cxn>
+              </a:cxnLst>
+              <a:rect l="l" t="t" r="r" b="b"/>
+              <a:pathLst>
+                <a:path w="281058" h="1476375">
+                  <a:moveTo>
+                    <a:pt x="139700" y="1476375"/>
+                  </a:moveTo>
+                  <a:cubicBezTo>
+                    <a:pt x="132556" y="1411287"/>
+                    <a:pt x="125413" y="1346200"/>
+                    <a:pt x="133350" y="1330325"/>
+                  </a:cubicBezTo>
+                  <a:cubicBezTo>
+                    <a:pt x="141287" y="1314450"/>
+                    <a:pt x="162983" y="1386946"/>
+                    <a:pt x="187325" y="1381125"/>
+                  </a:cubicBezTo>
+                  <a:cubicBezTo>
+                    <a:pt x="211667" y="1375304"/>
+                    <a:pt x="293687" y="1321329"/>
+                    <a:pt x="279400" y="1295400"/>
+                  </a:cubicBezTo>
+                  <a:cubicBezTo>
+                    <a:pt x="265113" y="1269471"/>
+                    <a:pt x="119062" y="1265237"/>
+                    <a:pt x="101600" y="1225550"/>
+                  </a:cubicBezTo>
+                  <a:cubicBezTo>
+                    <a:pt x="84137" y="1185862"/>
+                    <a:pt x="176212" y="1139825"/>
+                    <a:pt x="174625" y="1057275"/>
+                  </a:cubicBezTo>
+                  <a:cubicBezTo>
+                    <a:pt x="173038" y="974725"/>
+                    <a:pt x="95779" y="858308"/>
+                    <a:pt x="92075" y="730250"/>
+                  </a:cubicBezTo>
+                  <a:cubicBezTo>
+                    <a:pt x="92075" y="631296"/>
+                    <a:pt x="167746" y="410633"/>
+                    <a:pt x="152400" y="288925"/>
+                  </a:cubicBezTo>
+                  <a:cubicBezTo>
+                    <a:pt x="137054" y="167217"/>
+                    <a:pt x="0" y="0"/>
+                    <a:pt x="0" y="0"/>
+                  </a:cubicBezTo>
+                </a:path>
+              </a:pathLst>
+            </a:custGeom>
+            <a:noFill/>
+            <a:ln w="38100" cap="rnd">
+              <a:solidFill>
+                <a:schemeClr val="tx1"/>
+              </a:solidFill>
+            </a:ln>
+          </p:spPr>
+          <p:style>
+            <a:lnRef idx="2">
+              <a:schemeClr val="accent1">
+                <a:shade val="50000"/>
+              </a:schemeClr>
+            </a:lnRef>
+            <a:fillRef idx="1">
+              <a:schemeClr val="accent1"/>
+            </a:fillRef>
+            <a:effectRef idx="0">
+              <a:schemeClr val="accent1"/>
+            </a:effectRef>
+            <a:fontRef idx="minor">
+              <a:schemeClr val="lt1"/>
+            </a:fontRef>
+          </p:style>
+          <p:txBody>
+            <a:bodyPr rtlCol="0" anchor="ctr"/>
+            <a:lstStyle/>
+            <a:p>
+              <a:pPr algn="ctr"/>
+              <a:endParaRPr lang="en-US"/>
+            </a:p>
+          </p:txBody>
+        </p:sp>
+        <p:sp>
+          <p:nvSpPr>
+            <p:cNvPr id="19" name="Oval 18">
+              <a:extLst>
+                <a:ext uri="{FF2B5EF4-FFF2-40B4-BE49-F238E27FC236}">
+                  <a16:creationId xmlns:a16="http://schemas.microsoft.com/office/drawing/2014/main" id="{C1E94408-2EA7-C7F2-DF6B-E141071A997A}"/>
+                </a:ext>
+              </a:extLst>
+            </p:cNvPr>
+            <p:cNvSpPr/>
+            <p:nvPr/>
+          </p:nvSpPr>
+          <p:spPr>
+            <a:xfrm>
+              <a:off x="3992522" y="3721086"/>
+              <a:ext cx="84280" cy="84280"/>
+            </a:xfrm>
+            <a:prstGeom prst="ellipse">
+              <a:avLst/>
+            </a:prstGeom>
+            <a:solidFill>
+              <a:srgbClr val="52127C"/>
+            </a:solidFill>
+            <a:ln>
+              <a:noFill/>
+            </a:ln>
+          </p:spPr>
+          <p:style>
+            <a:lnRef idx="2">
+              <a:schemeClr val="accent1">
+                <a:shade val="50000"/>
+              </a:schemeClr>
+            </a:lnRef>
+            <a:fillRef idx="1">
+              <a:schemeClr val="accent1"/>
+            </a:fillRef>
+            <a:effectRef idx="0">
+              <a:schemeClr val="accent1"/>
+            </a:effectRef>
+            <a:fontRef idx="minor">
+              <a:schemeClr val="lt1"/>
+            </a:fontRef>
+          </p:style>
+          <p:txBody>
+            <a:bodyPr rtlCol="0" anchor="ctr"/>
+            <a:lstStyle/>
+            <a:p>
+              <a:pPr algn="ctr"/>
+              <a:endParaRPr lang="en-US"/>
+            </a:p>
+          </p:txBody>
+        </p:sp>
+        <p:sp>
+          <p:nvSpPr>
+            <p:cNvPr id="20" name="Oval 19">
+              <a:extLst>
+                <a:ext uri="{FF2B5EF4-FFF2-40B4-BE49-F238E27FC236}">
+                  <a16:creationId xmlns:a16="http://schemas.microsoft.com/office/drawing/2014/main" id="{DBBAA7D0-0611-6A50-E049-7C9814F3F69C}"/>
+                </a:ext>
+              </a:extLst>
+            </p:cNvPr>
+            <p:cNvSpPr/>
+            <p:nvPr/>
+          </p:nvSpPr>
+          <p:spPr>
+            <a:xfrm>
+              <a:off x="3578903" y="4199464"/>
+              <a:ext cx="84280" cy="84280"/>
+            </a:xfrm>
+            <a:prstGeom prst="ellipse">
+              <a:avLst/>
+            </a:prstGeom>
+            <a:solidFill>
+              <a:srgbClr val="F97A5D"/>
+            </a:solidFill>
+            <a:ln>
+              <a:noFill/>
+            </a:ln>
+          </p:spPr>
+          <p:style>
+            <a:lnRef idx="2">
+              <a:schemeClr val="accent1">
+                <a:shade val="50000"/>
+              </a:schemeClr>
+            </a:lnRef>
+            <a:fillRef idx="1">
+              <a:schemeClr val="accent1"/>
+            </a:fillRef>
+            <a:effectRef idx="0">
+              <a:schemeClr val="accent1"/>
+            </a:effectRef>
+            <a:fontRef idx="minor">
+              <a:schemeClr val="lt1"/>
+            </a:fontRef>
+          </p:style>
+          <p:txBody>
+            <a:bodyPr rtlCol="0" anchor="ctr"/>
+            <a:lstStyle/>
+            <a:p>
+              <a:pPr algn="ctr"/>
+              <a:endParaRPr lang="en-US"/>
+            </a:p>
+          </p:txBody>
+        </p:sp>
+        <p:sp>
+          <p:nvSpPr>
+            <p:cNvPr id="21" name="Oval 20">
+              <a:extLst>
+                <a:ext uri="{FF2B5EF4-FFF2-40B4-BE49-F238E27FC236}">
+                  <a16:creationId xmlns:a16="http://schemas.microsoft.com/office/drawing/2014/main" id="{44CC4ADB-F3FF-842F-9401-31EBAA97DC73}"/>
+                </a:ext>
+              </a:extLst>
+            </p:cNvPr>
+            <p:cNvSpPr/>
+            <p:nvPr/>
+          </p:nvSpPr>
+          <p:spPr>
+            <a:xfrm>
+              <a:off x="4118267" y="4707836"/>
+              <a:ext cx="84280" cy="84280"/>
+            </a:xfrm>
+            <a:prstGeom prst="ellipse">
+              <a:avLst/>
+            </a:prstGeom>
+            <a:solidFill>
+              <a:srgbClr val="F97A5D"/>
+            </a:solidFill>
+            <a:ln>
+              <a:noFill/>
+            </a:ln>
+          </p:spPr>
+          <p:style>
+            <a:lnRef idx="2">
+              <a:schemeClr val="accent1">
+                <a:shade val="50000"/>
+              </a:schemeClr>
+            </a:lnRef>
+            <a:fillRef idx="1">
+              <a:schemeClr val="accent1"/>
+            </a:fillRef>
+            <a:effectRef idx="0">
+              <a:schemeClr val="accent1"/>
+            </a:effectRef>
+            <a:fontRef idx="minor">
+              <a:schemeClr val="lt1"/>
+            </a:fontRef>
+          </p:style>
+          <p:txBody>
+            <a:bodyPr rtlCol="0" anchor="ctr"/>
+            <a:lstStyle/>
+            <a:p>
+              <a:pPr algn="ctr"/>
+              <a:endParaRPr lang="en-US"/>
+            </a:p>
+          </p:txBody>
+        </p:sp>
+        <p:sp>
+          <p:nvSpPr>
+            <p:cNvPr id="23" name="Oval 22">
+              <a:extLst>
+                <a:ext uri="{FF2B5EF4-FFF2-40B4-BE49-F238E27FC236}">
+                  <a16:creationId xmlns:a16="http://schemas.microsoft.com/office/drawing/2014/main" id="{C0ADCFF9-BB76-3DA4-E5DB-7C651B90B1D4}"/>
+                </a:ext>
+              </a:extLst>
+            </p:cNvPr>
+            <p:cNvSpPr/>
+            <p:nvPr/>
+          </p:nvSpPr>
+          <p:spPr>
+            <a:xfrm>
+              <a:off x="4606194" y="3729707"/>
+              <a:ext cx="84280" cy="84280"/>
+            </a:xfrm>
+            <a:prstGeom prst="ellipse">
+              <a:avLst/>
+            </a:prstGeom>
+            <a:solidFill>
+              <a:srgbClr val="F97A5D"/>
+            </a:solidFill>
+            <a:ln>
+              <a:noFill/>
+            </a:ln>
+          </p:spPr>
+          <p:style>
+            <a:lnRef idx="2">
+              <a:schemeClr val="accent1">
+                <a:shade val="50000"/>
+              </a:schemeClr>
+            </a:lnRef>
+            <a:fillRef idx="1">
+              <a:schemeClr val="accent1"/>
+            </a:fillRef>
+            <a:effectRef idx="0">
+              <a:schemeClr val="accent1"/>
+            </a:effectRef>
+            <a:fontRef idx="minor">
+              <a:schemeClr val="lt1"/>
+            </a:fontRef>
+          </p:style>
+          <p:txBody>
+            <a:bodyPr rtlCol="0" anchor="ctr"/>
+            <a:lstStyle/>
+            <a:p>
+              <a:pPr algn="ctr"/>
+              <a:endParaRPr lang="en-US"/>
+            </a:p>
+          </p:txBody>
+        </p:sp>
+        <p:sp>
+          <p:nvSpPr>
+            <p:cNvPr id="24" name="Oval 23">
+              <a:extLst>
+                <a:ext uri="{FF2B5EF4-FFF2-40B4-BE49-F238E27FC236}">
+                  <a16:creationId xmlns:a16="http://schemas.microsoft.com/office/drawing/2014/main" id="{D37AF3AA-2DBD-79C7-E53A-22590A5AF335}"/>
+                </a:ext>
+              </a:extLst>
+            </p:cNvPr>
+            <p:cNvSpPr/>
+            <p:nvPr/>
+          </p:nvSpPr>
+          <p:spPr>
+            <a:xfrm>
+              <a:off x="3601291" y="3813987"/>
+              <a:ext cx="84280" cy="84280"/>
+            </a:xfrm>
+            <a:prstGeom prst="ellipse">
+              <a:avLst/>
+            </a:prstGeom>
+            <a:solidFill>
+              <a:srgbClr val="52127C"/>
+            </a:solidFill>
+            <a:ln>
+              <a:noFill/>
+            </a:ln>
+          </p:spPr>
+          <p:style>
+            <a:lnRef idx="2">
+              <a:schemeClr val="accent1">
+                <a:shade val="50000"/>
+              </a:schemeClr>
+            </a:lnRef>
+            <a:fillRef idx="1">
+              <a:schemeClr val="accent1"/>
+            </a:fillRef>
+            <a:effectRef idx="0">
+              <a:schemeClr val="accent1"/>
+            </a:effectRef>
+            <a:fontRef idx="minor">
+              <a:schemeClr val="lt1"/>
+            </a:fontRef>
+          </p:style>
+          <p:txBody>
+            <a:bodyPr rtlCol="0" anchor="ctr"/>
+            <a:lstStyle/>
+            <a:p>
+              <a:pPr algn="ctr"/>
+              <a:endParaRPr lang="en-US"/>
+            </a:p>
+          </p:txBody>
+        </p:sp>
+        <p:sp>
+          <p:nvSpPr>
+            <p:cNvPr id="25" name="Oval 24">
+              <a:extLst>
+                <a:ext uri="{FF2B5EF4-FFF2-40B4-BE49-F238E27FC236}">
+                  <a16:creationId xmlns:a16="http://schemas.microsoft.com/office/drawing/2014/main" id="{28416B52-4F5C-A224-5C0F-E6CBE5D3D370}"/>
+                </a:ext>
+              </a:extLst>
+            </p:cNvPr>
+            <p:cNvSpPr/>
+            <p:nvPr/>
+          </p:nvSpPr>
+          <p:spPr>
+            <a:xfrm>
+              <a:off x="4418164" y="4582761"/>
+              <a:ext cx="84280" cy="84280"/>
+            </a:xfrm>
+            <a:prstGeom prst="ellipse">
+              <a:avLst/>
+            </a:prstGeom>
+            <a:solidFill>
+              <a:srgbClr val="52127C"/>
+            </a:solidFill>
+            <a:ln>
+              <a:noFill/>
+            </a:ln>
+          </p:spPr>
+          <p:style>
+            <a:lnRef idx="2">
+              <a:schemeClr val="accent1">
+                <a:shade val="50000"/>
+              </a:schemeClr>
+            </a:lnRef>
+            <a:fillRef idx="1">
+              <a:schemeClr val="accent1"/>
+            </a:fillRef>
+            <a:effectRef idx="0">
+              <a:schemeClr val="accent1"/>
+            </a:effectRef>
+            <a:fontRef idx="minor">
+              <a:schemeClr val="lt1"/>
+            </a:fontRef>
+          </p:style>
+          <p:txBody>
+            <a:bodyPr rtlCol="0" anchor="ctr"/>
+            <a:lstStyle/>
+            <a:p>
+              <a:pPr algn="ctr"/>
+              <a:endParaRPr lang="en-US"/>
+            </a:p>
+          </p:txBody>
+        </p:sp>
+        <p:sp>
+          <p:nvSpPr>
+            <p:cNvPr id="26" name="Oval 25">
+              <a:extLst>
+                <a:ext uri="{FF2B5EF4-FFF2-40B4-BE49-F238E27FC236}">
+                  <a16:creationId xmlns:a16="http://schemas.microsoft.com/office/drawing/2014/main" id="{57AFDF21-60EF-E9A5-22BA-8840ED7E405A}"/>
+                </a:ext>
+              </a:extLst>
+            </p:cNvPr>
+            <p:cNvSpPr/>
+            <p:nvPr/>
+          </p:nvSpPr>
+          <p:spPr>
+            <a:xfrm>
+              <a:off x="3950778" y="4266780"/>
+              <a:ext cx="84280" cy="84280"/>
+            </a:xfrm>
+            <a:prstGeom prst="ellipse">
+              <a:avLst/>
+            </a:prstGeom>
+            <a:solidFill>
+              <a:srgbClr val="52127C"/>
+            </a:solidFill>
+            <a:ln>
+              <a:noFill/>
+            </a:ln>
+          </p:spPr>
+          <p:style>
+            <a:lnRef idx="2">
+              <a:schemeClr val="accent1">
+                <a:shade val="50000"/>
+              </a:schemeClr>
+            </a:lnRef>
+            <a:fillRef idx="1">
+              <a:schemeClr val="accent1"/>
+            </a:fillRef>
+            <a:effectRef idx="0">
+              <a:schemeClr val="accent1"/>
+            </a:effectRef>
+            <a:fontRef idx="minor">
+              <a:schemeClr val="lt1"/>
+            </a:fontRef>
+          </p:style>
+          <p:txBody>
+            <a:bodyPr rtlCol="0" anchor="ctr"/>
+            <a:lstStyle/>
+            <a:p>
+              <a:pPr algn="ctr"/>
+              <a:endParaRPr lang="en-US"/>
+            </a:p>
+          </p:txBody>
+        </p:sp>
+        <p:sp>
+          <p:nvSpPr>
+            <p:cNvPr id="27" name="Oval 26">
+              <a:extLst>
+                <a:ext uri="{FF2B5EF4-FFF2-40B4-BE49-F238E27FC236}">
+                  <a16:creationId xmlns:a16="http://schemas.microsoft.com/office/drawing/2014/main" id="{CA45183C-9085-4270-7B69-FA9BF9453A24}"/>
+                </a:ext>
+              </a:extLst>
+            </p:cNvPr>
+            <p:cNvSpPr/>
+            <p:nvPr/>
+          </p:nvSpPr>
+          <p:spPr>
+            <a:xfrm>
+              <a:off x="4911898" y="3906102"/>
+              <a:ext cx="84280" cy="84280"/>
+            </a:xfrm>
+            <a:prstGeom prst="ellipse">
+              <a:avLst/>
+            </a:prstGeom>
+            <a:solidFill>
+              <a:srgbClr val="52127C"/>
+            </a:solidFill>
+            <a:ln>
+              <a:noFill/>
+            </a:ln>
+          </p:spPr>
+          <p:style>
+            <a:lnRef idx="2">
+              <a:schemeClr val="accent1">
+                <a:shade val="50000"/>
+              </a:schemeClr>
+            </a:lnRef>
+            <a:fillRef idx="1">
+              <a:schemeClr val="accent1"/>
+            </a:fillRef>
+            <a:effectRef idx="0">
+              <a:schemeClr val="accent1"/>
+            </a:effectRef>
+            <a:fontRef idx="minor">
+              <a:schemeClr val="lt1"/>
+            </a:fontRef>
+          </p:style>
+          <p:txBody>
+            <a:bodyPr rtlCol="0" anchor="ctr"/>
+            <a:lstStyle/>
+            <a:p>
+              <a:pPr algn="ctr"/>
+              <a:endParaRPr lang="en-US"/>
+            </a:p>
+          </p:txBody>
+        </p:sp>
+        <p:sp>
+          <p:nvSpPr>
+            <p:cNvPr id="28" name="Oval 27">
+              <a:extLst>
+                <a:ext uri="{FF2B5EF4-FFF2-40B4-BE49-F238E27FC236}">
+                  <a16:creationId xmlns:a16="http://schemas.microsoft.com/office/drawing/2014/main" id="{59235EC7-10F1-DDC1-4B0D-DD575EFCC1EE}"/>
+                </a:ext>
+              </a:extLst>
+            </p:cNvPr>
+            <p:cNvSpPr/>
+            <p:nvPr/>
+          </p:nvSpPr>
+          <p:spPr>
+            <a:xfrm>
+              <a:off x="3558072" y="4599156"/>
+              <a:ext cx="84280" cy="84280"/>
+            </a:xfrm>
+            <a:prstGeom prst="ellipse">
+              <a:avLst/>
+            </a:prstGeom>
+            <a:solidFill>
+              <a:srgbClr val="52127C"/>
+            </a:solidFill>
+            <a:ln>
+              <a:noFill/>
+            </a:ln>
+          </p:spPr>
+          <p:style>
+            <a:lnRef idx="2">
+              <a:schemeClr val="accent1">
+                <a:shade val="50000"/>
+              </a:schemeClr>
+            </a:lnRef>
+            <a:fillRef idx="1">
+              <a:schemeClr val="accent1"/>
+            </a:fillRef>
+            <a:effectRef idx="0">
+              <a:schemeClr val="accent1"/>
+            </a:effectRef>
+            <a:fontRef idx="minor">
+              <a:schemeClr val="lt1"/>
+            </a:fontRef>
+          </p:style>
+          <p:txBody>
+            <a:bodyPr rtlCol="0" anchor="ctr"/>
+            <a:lstStyle/>
+            <a:p>
+              <a:pPr algn="ctr"/>
+              <a:endParaRPr lang="en-US"/>
+            </a:p>
+          </p:txBody>
+        </p:sp>
+        <p:sp>
+          <p:nvSpPr>
+            <p:cNvPr id="29" name="Rectangle 28">
+              <a:extLst>
+                <a:ext uri="{FF2B5EF4-FFF2-40B4-BE49-F238E27FC236}">
+                  <a16:creationId xmlns:a16="http://schemas.microsoft.com/office/drawing/2014/main" id="{7B682033-4807-E07B-7971-AF565C78CA74}"/>
+                </a:ext>
+              </a:extLst>
+            </p:cNvPr>
+            <p:cNvSpPr/>
+            <p:nvPr/>
+          </p:nvSpPr>
+          <p:spPr>
+            <a:xfrm>
+              <a:off x="3401192" y="5115776"/>
+              <a:ext cx="1706880" cy="102249"/>
+            </a:xfrm>
+            <a:prstGeom prst="rect">
+              <a:avLst/>
+            </a:prstGeom>
+            <a:pattFill prst="wdUpDiag">
+              <a:fgClr>
+                <a:schemeClr val="tx1"/>
+              </a:fgClr>
+              <a:bgClr>
+                <a:schemeClr val="bg1"/>
+              </a:bgClr>
+            </a:pattFill>
+            <a:ln w="28575">
+              <a:solidFill>
+                <a:schemeClr val="tx1"/>
+              </a:solidFill>
+            </a:ln>
+          </p:spPr>
+          <p:style>
+            <a:lnRef idx="2">
+              <a:schemeClr val="accent1">
+                <a:shade val="50000"/>
+              </a:schemeClr>
+            </a:lnRef>
+            <a:fillRef idx="1">
+              <a:schemeClr val="accent1"/>
+            </a:fillRef>
+            <a:effectRef idx="0">
+              <a:schemeClr val="accent1"/>
+            </a:effectRef>
+            <a:fontRef idx="minor">
+              <a:schemeClr val="lt1"/>
+            </a:fontRef>
+          </p:style>
+          <p:txBody>
+            <a:bodyPr rtlCol="0" anchor="ctr"/>
+            <a:lstStyle/>
+            <a:p>
+              <a:pPr algn="ctr"/>
+              <a:endParaRPr lang="en-US"/>
+            </a:p>
+          </p:txBody>
+        </p:sp>
+        <p:sp>
+          <p:nvSpPr>
+            <p:cNvPr id="30" name="Oval 29">
+              <a:extLst>
+                <a:ext uri="{FF2B5EF4-FFF2-40B4-BE49-F238E27FC236}">
+                  <a16:creationId xmlns:a16="http://schemas.microsoft.com/office/drawing/2014/main" id="{E7708E2A-3282-8B2B-C621-C67C0B4863D8}"/>
+                </a:ext>
+              </a:extLst>
+            </p:cNvPr>
+            <p:cNvSpPr/>
+            <p:nvPr/>
+          </p:nvSpPr>
+          <p:spPr>
+            <a:xfrm>
+              <a:off x="4820867" y="4749976"/>
+              <a:ext cx="84280" cy="84280"/>
+            </a:xfrm>
+            <a:prstGeom prst="ellipse">
+              <a:avLst/>
+            </a:prstGeom>
+            <a:solidFill>
+              <a:srgbClr val="F97A5D"/>
+            </a:solidFill>
+            <a:ln>
+              <a:noFill/>
+            </a:ln>
+          </p:spPr>
+          <p:style>
+            <a:lnRef idx="2">
+              <a:schemeClr val="accent1">
+                <a:shade val="50000"/>
+              </a:schemeClr>
+            </a:lnRef>
+            <a:fillRef idx="1">
+              <a:schemeClr val="accent1"/>
+            </a:fillRef>
+            <a:effectRef idx="0">
+              <a:schemeClr val="accent1"/>
+            </a:effectRef>
+            <a:fontRef idx="minor">
+              <a:schemeClr val="lt1"/>
+            </a:fontRef>
+          </p:style>
+          <p:txBody>
+            <a:bodyPr rtlCol="0" anchor="ctr"/>
+            <a:lstStyle/>
+            <a:p>
+              <a:pPr algn="ctr"/>
+              <a:endParaRPr lang="en-US"/>
+            </a:p>
+          </p:txBody>
+        </p:sp>
+        <p:sp>
+          <p:nvSpPr>
+            <p:cNvPr id="32" name="Oval 31">
+              <a:extLst>
+                <a:ext uri="{FF2B5EF4-FFF2-40B4-BE49-F238E27FC236}">
+                  <a16:creationId xmlns:a16="http://schemas.microsoft.com/office/drawing/2014/main" id="{6E6E0397-5C5E-AA66-C713-C6E70A43531B}"/>
+                </a:ext>
+              </a:extLst>
+            </p:cNvPr>
+            <p:cNvSpPr/>
+            <p:nvPr/>
+          </p:nvSpPr>
+          <p:spPr>
+            <a:xfrm>
+              <a:off x="3535903" y="4877056"/>
+              <a:ext cx="86001" cy="86001"/>
+            </a:xfrm>
+            <a:prstGeom prst="ellipse">
+              <a:avLst/>
+            </a:prstGeom>
+            <a:solidFill>
+              <a:schemeClr val="bg1"/>
+            </a:solidFill>
+            <a:ln w="12700">
+              <a:solidFill>
+                <a:schemeClr val="tx1"/>
+              </a:solidFill>
+            </a:ln>
+          </p:spPr>
+          <p:style>
+            <a:lnRef idx="2">
+              <a:schemeClr val="accent1">
+                <a:shade val="50000"/>
+              </a:schemeClr>
+            </a:lnRef>
+            <a:fillRef idx="1">
+              <a:schemeClr val="accent1"/>
+            </a:fillRef>
+            <a:effectRef idx="0">
+              <a:schemeClr val="accent1"/>
+            </a:effectRef>
+            <a:fontRef idx="minor">
+              <a:schemeClr val="lt1"/>
+            </a:fontRef>
+          </p:style>
+          <p:txBody>
+            <a:bodyPr rtlCol="0" anchor="ctr"/>
+            <a:lstStyle/>
+            <a:p>
+              <a:pPr algn="ctr"/>
+              <a:endParaRPr lang="en-US"/>
+            </a:p>
+          </p:txBody>
+        </p:sp>
+        <p:sp>
+          <p:nvSpPr>
+            <p:cNvPr id="42" name="Oval 41">
+              <a:extLst>
+                <a:ext uri="{FF2B5EF4-FFF2-40B4-BE49-F238E27FC236}">
+                  <a16:creationId xmlns:a16="http://schemas.microsoft.com/office/drawing/2014/main" id="{442EBD7F-256A-AB8A-91F5-E5187A500976}"/>
+                </a:ext>
+              </a:extLst>
+            </p:cNvPr>
+            <p:cNvSpPr/>
+            <p:nvPr/>
+          </p:nvSpPr>
+          <p:spPr>
+            <a:xfrm>
+              <a:off x="3864777" y="4578522"/>
+              <a:ext cx="86001" cy="86001"/>
+            </a:xfrm>
+            <a:prstGeom prst="ellipse">
+              <a:avLst/>
+            </a:prstGeom>
+            <a:solidFill>
+              <a:schemeClr val="bg1"/>
+            </a:solidFill>
+            <a:ln w="12700">
+              <a:solidFill>
+                <a:schemeClr val="tx1"/>
+              </a:solidFill>
+            </a:ln>
+          </p:spPr>
+          <p:style>
+            <a:lnRef idx="2">
+              <a:schemeClr val="accent1">
+                <a:shade val="50000"/>
+              </a:schemeClr>
+            </a:lnRef>
+            <a:fillRef idx="1">
+              <a:schemeClr val="accent1"/>
+            </a:fillRef>
+            <a:effectRef idx="0">
+              <a:schemeClr val="accent1"/>
+            </a:effectRef>
+            <a:fontRef idx="minor">
+              <a:schemeClr val="lt1"/>
+            </a:fontRef>
+          </p:style>
+          <p:txBody>
+            <a:bodyPr rtlCol="0" anchor="ctr"/>
+            <a:lstStyle/>
+            <a:p>
+              <a:pPr algn="ctr"/>
+              <a:endParaRPr lang="en-US"/>
+            </a:p>
+          </p:txBody>
+        </p:sp>
+        <p:sp>
+          <p:nvSpPr>
+            <p:cNvPr id="43" name="Oval 42">
+              <a:extLst>
+                <a:ext uri="{FF2B5EF4-FFF2-40B4-BE49-F238E27FC236}">
+                  <a16:creationId xmlns:a16="http://schemas.microsoft.com/office/drawing/2014/main" id="{4DEC9A78-3648-3F83-BB6E-F7AAC230ED55}"/>
+                </a:ext>
+              </a:extLst>
+            </p:cNvPr>
+            <p:cNvSpPr/>
+            <p:nvPr/>
+          </p:nvSpPr>
+          <p:spPr>
+            <a:xfrm>
+              <a:off x="4374126" y="4266780"/>
+              <a:ext cx="86001" cy="86001"/>
+            </a:xfrm>
+            <a:prstGeom prst="ellipse">
+              <a:avLst/>
+            </a:prstGeom>
+            <a:solidFill>
+              <a:schemeClr val="bg1"/>
+            </a:solidFill>
+            <a:ln w="12700">
+              <a:solidFill>
+                <a:schemeClr val="tx1"/>
+              </a:solidFill>
+            </a:ln>
+          </p:spPr>
+          <p:style>
+            <a:lnRef idx="2">
+              <a:schemeClr val="accent1">
+                <a:shade val="50000"/>
+              </a:schemeClr>
+            </a:lnRef>
+            <a:fillRef idx="1">
+              <a:schemeClr val="accent1"/>
+            </a:fillRef>
+            <a:effectRef idx="0">
+              <a:schemeClr val="accent1"/>
+            </a:effectRef>
+            <a:fontRef idx="minor">
+              <a:schemeClr val="lt1"/>
+            </a:fontRef>
+          </p:style>
+          <p:txBody>
+            <a:bodyPr rtlCol="0" anchor="ctr"/>
+            <a:lstStyle/>
+            <a:p>
+              <a:pPr algn="ctr"/>
+              <a:endParaRPr lang="en-US"/>
+            </a:p>
+          </p:txBody>
+        </p:sp>
+        <p:sp>
+          <p:nvSpPr>
+            <p:cNvPr id="44" name="Oval 43">
+              <a:extLst>
+                <a:ext uri="{FF2B5EF4-FFF2-40B4-BE49-F238E27FC236}">
+                  <a16:creationId xmlns:a16="http://schemas.microsoft.com/office/drawing/2014/main" id="{E1F475A9-8F4F-805E-C443-3CB76BBD58FE}"/>
+                </a:ext>
+              </a:extLst>
+            </p:cNvPr>
+            <p:cNvSpPr/>
+            <p:nvPr/>
+          </p:nvSpPr>
+          <p:spPr>
+            <a:xfrm>
+              <a:off x="4118267" y="4871439"/>
+              <a:ext cx="86001" cy="86001"/>
+            </a:xfrm>
+            <a:prstGeom prst="ellipse">
+              <a:avLst/>
+            </a:prstGeom>
+            <a:solidFill>
+              <a:schemeClr val="bg1"/>
+            </a:solidFill>
+            <a:ln w="12700">
+              <a:solidFill>
+                <a:schemeClr val="tx1"/>
+              </a:solidFill>
+            </a:ln>
+          </p:spPr>
+          <p:style>
+            <a:lnRef idx="2">
+              <a:schemeClr val="accent1">
+                <a:shade val="50000"/>
+              </a:schemeClr>
+            </a:lnRef>
+            <a:fillRef idx="1">
+              <a:schemeClr val="accent1"/>
+            </a:fillRef>
+            <a:effectRef idx="0">
+              <a:schemeClr val="accent1"/>
+            </a:effectRef>
+            <a:fontRef idx="minor">
+              <a:schemeClr val="lt1"/>
+            </a:fontRef>
+          </p:style>
+          <p:txBody>
+            <a:bodyPr rtlCol="0" anchor="ctr"/>
+            <a:lstStyle/>
+            <a:p>
+              <a:pPr algn="ctr"/>
+              <a:endParaRPr lang="en-US"/>
+            </a:p>
+          </p:txBody>
+        </p:sp>
+        <p:sp>
+          <p:nvSpPr>
+            <p:cNvPr id="45" name="Oval 44">
+              <a:extLst>
+                <a:ext uri="{FF2B5EF4-FFF2-40B4-BE49-F238E27FC236}">
+                  <a16:creationId xmlns:a16="http://schemas.microsoft.com/office/drawing/2014/main" id="{756BCE6D-6EDF-566B-DFCE-253BF9CDEB5C}"/>
+                </a:ext>
+              </a:extLst>
+            </p:cNvPr>
+            <p:cNvSpPr/>
+            <p:nvPr/>
+          </p:nvSpPr>
+          <p:spPr>
+            <a:xfrm>
+              <a:off x="4606707" y="4414065"/>
+              <a:ext cx="86001" cy="86001"/>
+            </a:xfrm>
+            <a:prstGeom prst="ellipse">
+              <a:avLst/>
+            </a:prstGeom>
+            <a:solidFill>
+              <a:schemeClr val="bg1"/>
+            </a:solidFill>
+            <a:ln w="12700">
+              <a:solidFill>
+                <a:schemeClr val="tx1"/>
+              </a:solidFill>
+            </a:ln>
+          </p:spPr>
+          <p:style>
+            <a:lnRef idx="2">
+              <a:schemeClr val="accent1">
+                <a:shade val="50000"/>
+              </a:schemeClr>
+            </a:lnRef>
+            <a:fillRef idx="1">
+              <a:schemeClr val="accent1"/>
+            </a:fillRef>
+            <a:effectRef idx="0">
+              <a:schemeClr val="accent1"/>
+            </a:effectRef>
+            <a:fontRef idx="minor">
+              <a:schemeClr val="lt1"/>
+            </a:fontRef>
+          </p:style>
+          <p:txBody>
+            <a:bodyPr rtlCol="0" anchor="ctr"/>
+            <a:lstStyle/>
+            <a:p>
+              <a:pPr algn="ctr"/>
+              <a:endParaRPr lang="en-US"/>
+            </a:p>
+          </p:txBody>
+        </p:sp>
+        <p:sp>
+          <p:nvSpPr>
+            <p:cNvPr id="46" name="Oval 45">
+              <a:extLst>
+                <a:ext uri="{FF2B5EF4-FFF2-40B4-BE49-F238E27FC236}">
+                  <a16:creationId xmlns:a16="http://schemas.microsoft.com/office/drawing/2014/main" id="{EE5D0484-6797-C39D-0BE5-F65CA2B2CB57}"/>
+                </a:ext>
+              </a:extLst>
+            </p:cNvPr>
+            <p:cNvSpPr/>
+            <p:nvPr/>
+          </p:nvSpPr>
+          <p:spPr>
+            <a:xfrm>
+              <a:off x="4177779" y="3852254"/>
+              <a:ext cx="86001" cy="86001"/>
+            </a:xfrm>
+            <a:prstGeom prst="ellipse">
+              <a:avLst/>
+            </a:prstGeom>
+            <a:solidFill>
+              <a:schemeClr val="bg1"/>
+            </a:solidFill>
+            <a:ln w="12700">
+              <a:solidFill>
+                <a:schemeClr val="tx1"/>
+              </a:solidFill>
+            </a:ln>
+          </p:spPr>
+          <p:style>
+            <a:lnRef idx="2">
+              <a:schemeClr val="accent1">
+                <a:shade val="50000"/>
+              </a:schemeClr>
+            </a:lnRef>
+            <a:fillRef idx="1">
+              <a:schemeClr val="accent1"/>
+            </a:fillRef>
+            <a:effectRef idx="0">
+              <a:schemeClr val="accent1"/>
+            </a:effectRef>
+            <a:fontRef idx="minor">
+              <a:schemeClr val="lt1"/>
+            </a:fontRef>
+          </p:style>
+          <p:txBody>
+            <a:bodyPr rtlCol="0" anchor="ctr"/>
+            <a:lstStyle/>
+            <a:p>
+              <a:pPr algn="ctr"/>
+              <a:endParaRPr lang="en-US"/>
+            </a:p>
+          </p:txBody>
+        </p:sp>
+        <p:sp>
+          <p:nvSpPr>
+            <p:cNvPr id="47" name="Oval 46">
+              <a:extLst>
+                <a:ext uri="{FF2B5EF4-FFF2-40B4-BE49-F238E27FC236}">
+                  <a16:creationId xmlns:a16="http://schemas.microsoft.com/office/drawing/2014/main" id="{32D55966-6E3A-3343-ED49-FD2199C990C5}"/>
+                </a:ext>
+              </a:extLst>
+            </p:cNvPr>
+            <p:cNvSpPr/>
+            <p:nvPr/>
+          </p:nvSpPr>
+          <p:spPr>
+            <a:xfrm>
+              <a:off x="4918519" y="4118193"/>
+              <a:ext cx="86001" cy="86001"/>
+            </a:xfrm>
+            <a:prstGeom prst="ellipse">
+              <a:avLst/>
+            </a:prstGeom>
+            <a:solidFill>
+              <a:schemeClr val="bg1"/>
+            </a:solidFill>
+            <a:ln w="12700">
+              <a:solidFill>
+                <a:schemeClr val="tx1"/>
+              </a:solidFill>
+            </a:ln>
+          </p:spPr>
+          <p:style>
+            <a:lnRef idx="2">
+              <a:schemeClr val="accent1">
+                <a:shade val="50000"/>
+              </a:schemeClr>
+            </a:lnRef>
+            <a:fillRef idx="1">
+              <a:schemeClr val="accent1"/>
+            </a:fillRef>
+            <a:effectRef idx="0">
+              <a:schemeClr val="accent1"/>
+            </a:effectRef>
+            <a:fontRef idx="minor">
+              <a:schemeClr val="lt1"/>
+            </a:fontRef>
+          </p:style>
+          <p:txBody>
+            <a:bodyPr rtlCol="0" anchor="ctr"/>
+            <a:lstStyle/>
+            <a:p>
+              <a:pPr algn="ctr"/>
+              <a:endParaRPr lang="en-US"/>
+            </a:p>
+          </p:txBody>
+        </p:sp>
+        <p:sp>
+          <p:nvSpPr>
+            <p:cNvPr id="48" name="Oval 47">
+              <a:extLst>
+                <a:ext uri="{FF2B5EF4-FFF2-40B4-BE49-F238E27FC236}">
+                  <a16:creationId xmlns:a16="http://schemas.microsoft.com/office/drawing/2014/main" id="{B54A43E8-2C2A-AB16-A78E-860064862285}"/>
+                </a:ext>
+              </a:extLst>
+            </p:cNvPr>
+            <p:cNvSpPr/>
+            <p:nvPr/>
+          </p:nvSpPr>
+          <p:spPr>
+            <a:xfrm>
+              <a:off x="3762148" y="4373692"/>
+              <a:ext cx="86001" cy="86001"/>
+            </a:xfrm>
+            <a:prstGeom prst="ellipse">
+              <a:avLst/>
+            </a:prstGeom>
+            <a:solidFill>
+              <a:schemeClr val="bg1"/>
+            </a:solidFill>
+            <a:ln w="12700">
+              <a:solidFill>
+                <a:schemeClr val="tx1"/>
+              </a:solidFill>
+            </a:ln>
+          </p:spPr>
+          <p:style>
+            <a:lnRef idx="2">
+              <a:schemeClr val="accent1">
+                <a:shade val="50000"/>
+              </a:schemeClr>
+            </a:lnRef>
+            <a:fillRef idx="1">
+              <a:schemeClr val="accent1"/>
+            </a:fillRef>
+            <a:effectRef idx="0">
+              <a:schemeClr val="accent1"/>
+            </a:effectRef>
+            <a:fontRef idx="minor">
+              <a:schemeClr val="lt1"/>
+            </a:fontRef>
+          </p:style>
+          <p:txBody>
+            <a:bodyPr rtlCol="0" anchor="ctr"/>
+            <a:lstStyle/>
+            <a:p>
+              <a:pPr algn="ctr"/>
+              <a:endParaRPr lang="en-US"/>
+            </a:p>
+          </p:txBody>
+        </p:sp>
+        <p:sp>
+          <p:nvSpPr>
+            <p:cNvPr id="49" name="Oval 48">
+              <a:extLst>
+                <a:ext uri="{FF2B5EF4-FFF2-40B4-BE49-F238E27FC236}">
+                  <a16:creationId xmlns:a16="http://schemas.microsoft.com/office/drawing/2014/main" id="{D3E2B047-F6DD-7A62-F836-0BFCDFC92C65}"/>
+                </a:ext>
+              </a:extLst>
+            </p:cNvPr>
+            <p:cNvSpPr/>
+            <p:nvPr/>
+          </p:nvSpPr>
+          <p:spPr>
+            <a:xfrm>
+              <a:off x="4856167" y="4385114"/>
+              <a:ext cx="86001" cy="86001"/>
+            </a:xfrm>
+            <a:prstGeom prst="ellipse">
+              <a:avLst/>
+            </a:prstGeom>
+            <a:solidFill>
+              <a:schemeClr val="bg1"/>
+            </a:solidFill>
+            <a:ln w="12700">
+              <a:solidFill>
+                <a:schemeClr val="tx1"/>
+              </a:solidFill>
+            </a:ln>
+          </p:spPr>
+          <p:style>
+            <a:lnRef idx="2">
+              <a:schemeClr val="accent1">
+                <a:shade val="50000"/>
+              </a:schemeClr>
+            </a:lnRef>
+            <a:fillRef idx="1">
+              <a:schemeClr val="accent1"/>
+            </a:fillRef>
+            <a:effectRef idx="0">
+              <a:schemeClr val="accent1"/>
+            </a:effectRef>
+            <a:fontRef idx="minor">
+              <a:schemeClr val="lt1"/>
+            </a:fontRef>
+          </p:style>
+          <p:txBody>
+            <a:bodyPr rtlCol="0" anchor="ctr"/>
+            <a:lstStyle/>
+            <a:p>
+              <a:pPr algn="ctr"/>
+              <a:endParaRPr lang="en-US"/>
+            </a:p>
+          </p:txBody>
+        </p:sp>
+        <p:sp>
+          <p:nvSpPr>
+            <p:cNvPr id="50" name="Oval 49">
+              <a:extLst>
+                <a:ext uri="{FF2B5EF4-FFF2-40B4-BE49-F238E27FC236}">
+                  <a16:creationId xmlns:a16="http://schemas.microsoft.com/office/drawing/2014/main" id="{0C6F5864-16EA-ABDE-A22B-F9ABF4A9145A}"/>
+                </a:ext>
+              </a:extLst>
+            </p:cNvPr>
+            <p:cNvSpPr/>
+            <p:nvPr/>
+          </p:nvSpPr>
+          <p:spPr>
+            <a:xfrm>
+              <a:off x="3720928" y="4991507"/>
+              <a:ext cx="86001" cy="86001"/>
+            </a:xfrm>
+            <a:prstGeom prst="ellipse">
+              <a:avLst/>
+            </a:prstGeom>
+            <a:solidFill>
+              <a:schemeClr val="bg1"/>
+            </a:solidFill>
+            <a:ln w="12700">
+              <a:solidFill>
+                <a:schemeClr val="tx1"/>
+              </a:solidFill>
+            </a:ln>
+          </p:spPr>
+          <p:style>
+            <a:lnRef idx="2">
+              <a:schemeClr val="accent1">
+                <a:shade val="50000"/>
+              </a:schemeClr>
+            </a:lnRef>
+            <a:fillRef idx="1">
+              <a:schemeClr val="accent1"/>
+            </a:fillRef>
+            <a:effectRef idx="0">
+              <a:schemeClr val="accent1"/>
+            </a:effectRef>
+            <a:fontRef idx="minor">
+              <a:schemeClr val="lt1"/>
+            </a:fontRef>
+          </p:style>
+          <p:txBody>
+            <a:bodyPr rtlCol="0" anchor="ctr"/>
+            <a:lstStyle/>
+            <a:p>
+              <a:pPr algn="ctr"/>
+              <a:endParaRPr lang="en-US"/>
+            </a:p>
+          </p:txBody>
+        </p:sp>
+        <p:sp>
+          <p:nvSpPr>
+            <p:cNvPr id="51" name="Oval 50">
+              <a:extLst>
+                <a:ext uri="{FF2B5EF4-FFF2-40B4-BE49-F238E27FC236}">
+                  <a16:creationId xmlns:a16="http://schemas.microsoft.com/office/drawing/2014/main" id="{1A427030-094C-5B0D-17BB-96BB49BAB6B5}"/>
+                </a:ext>
+              </a:extLst>
+            </p:cNvPr>
+            <p:cNvSpPr/>
+            <p:nvPr/>
+          </p:nvSpPr>
+          <p:spPr>
+            <a:xfrm>
+              <a:off x="4227538" y="4552972"/>
+              <a:ext cx="86001" cy="86001"/>
+            </a:xfrm>
+            <a:prstGeom prst="ellipse">
+              <a:avLst/>
+            </a:prstGeom>
+            <a:solidFill>
+              <a:schemeClr val="bg1"/>
+            </a:solidFill>
+            <a:ln w="12700">
+              <a:solidFill>
+                <a:schemeClr val="tx1"/>
+              </a:solidFill>
+            </a:ln>
+          </p:spPr>
+          <p:style>
+            <a:lnRef idx="2">
+              <a:schemeClr val="accent1">
+                <a:shade val="50000"/>
+              </a:schemeClr>
+            </a:lnRef>
+            <a:fillRef idx="1">
+              <a:schemeClr val="accent1"/>
+            </a:fillRef>
+            <a:effectRef idx="0">
+              <a:schemeClr val="accent1"/>
+            </a:effectRef>
+            <a:fontRef idx="minor">
+              <a:schemeClr val="lt1"/>
+            </a:fontRef>
+          </p:style>
+          <p:txBody>
+            <a:bodyPr rtlCol="0" anchor="ctr"/>
+            <a:lstStyle/>
+            <a:p>
+              <a:pPr algn="ctr"/>
+              <a:endParaRPr lang="en-US"/>
+            </a:p>
+          </p:txBody>
+        </p:sp>
+        <p:sp>
+          <p:nvSpPr>
+            <p:cNvPr id="52" name="Oval 51">
+              <a:extLst>
+                <a:ext uri="{FF2B5EF4-FFF2-40B4-BE49-F238E27FC236}">
+                  <a16:creationId xmlns:a16="http://schemas.microsoft.com/office/drawing/2014/main" id="{A63E2E4D-BABB-ABA4-14A4-E5EB563C760A}"/>
+                </a:ext>
+              </a:extLst>
+            </p:cNvPr>
+            <p:cNvSpPr/>
+            <p:nvPr/>
+          </p:nvSpPr>
+          <p:spPr>
+            <a:xfrm>
+              <a:off x="3495136" y="4030188"/>
+              <a:ext cx="86001" cy="86001"/>
+            </a:xfrm>
+            <a:prstGeom prst="ellipse">
+              <a:avLst/>
+            </a:prstGeom>
+            <a:solidFill>
+              <a:schemeClr val="bg1"/>
+            </a:solidFill>
+            <a:ln w="12700">
+              <a:solidFill>
+                <a:schemeClr val="tx1"/>
+              </a:solidFill>
+            </a:ln>
+          </p:spPr>
+          <p:style>
+            <a:lnRef idx="2">
+              <a:schemeClr val="accent1">
+                <a:shade val="50000"/>
+              </a:schemeClr>
+            </a:lnRef>
+            <a:fillRef idx="1">
+              <a:schemeClr val="accent1"/>
+            </a:fillRef>
+            <a:effectRef idx="0">
+              <a:schemeClr val="accent1"/>
+            </a:effectRef>
+            <a:fontRef idx="minor">
+              <a:schemeClr val="lt1"/>
+            </a:fontRef>
+          </p:style>
+          <p:txBody>
+            <a:bodyPr rtlCol="0" anchor="ctr"/>
+            <a:lstStyle/>
+            <a:p>
+              <a:pPr algn="ctr"/>
+              <a:endParaRPr lang="en-US"/>
+            </a:p>
+          </p:txBody>
+        </p:sp>
+        <p:sp>
+          <p:nvSpPr>
+            <p:cNvPr id="55" name="Oval 54">
+              <a:extLst>
+                <a:ext uri="{FF2B5EF4-FFF2-40B4-BE49-F238E27FC236}">
+                  <a16:creationId xmlns:a16="http://schemas.microsoft.com/office/drawing/2014/main" id="{49043AC4-F9CA-A6D0-8DFB-A60A76D9AA7B}"/>
+                </a:ext>
+              </a:extLst>
+            </p:cNvPr>
+            <p:cNvSpPr/>
+            <p:nvPr/>
+          </p:nvSpPr>
+          <p:spPr>
+            <a:xfrm>
+              <a:off x="4450969" y="4031048"/>
+              <a:ext cx="84280" cy="84280"/>
+            </a:xfrm>
+            <a:prstGeom prst="ellipse">
+              <a:avLst/>
+            </a:prstGeom>
+            <a:solidFill>
+              <a:srgbClr val="F97A5D"/>
+            </a:solidFill>
+            <a:ln>
+              <a:noFill/>
+            </a:ln>
+          </p:spPr>
+          <p:style>
+            <a:lnRef idx="2">
+              <a:schemeClr val="accent1">
+                <a:shade val="50000"/>
+              </a:schemeClr>
+            </a:lnRef>
+            <a:fillRef idx="1">
+              <a:schemeClr val="accent1"/>
+            </a:fillRef>
+            <a:effectRef idx="0">
+              <a:schemeClr val="accent1"/>
+            </a:effectRef>
+            <a:fontRef idx="minor">
+              <a:schemeClr val="lt1"/>
+            </a:fontRef>
+          </p:style>
+          <p:txBody>
+            <a:bodyPr rtlCol="0" anchor="ctr"/>
+            <a:lstStyle/>
+            <a:p>
+              <a:pPr algn="ctr"/>
+              <a:endParaRPr lang="en-US"/>
+            </a:p>
+          </p:txBody>
+        </p:sp>
+        <p:sp>
+          <p:nvSpPr>
+            <p:cNvPr id="56" name="Oval 55">
+              <a:extLst>
+                <a:ext uri="{FF2B5EF4-FFF2-40B4-BE49-F238E27FC236}">
+                  <a16:creationId xmlns:a16="http://schemas.microsoft.com/office/drawing/2014/main" id="{DDF2CBD5-2976-43DC-C8C7-3CABDB9ECFB6}"/>
+                </a:ext>
+              </a:extLst>
+            </p:cNvPr>
+            <p:cNvSpPr/>
+            <p:nvPr/>
+          </p:nvSpPr>
+          <p:spPr>
+            <a:xfrm>
+              <a:off x="4723052" y="4247692"/>
+              <a:ext cx="84280" cy="84280"/>
+            </a:xfrm>
+            <a:prstGeom prst="ellipse">
+              <a:avLst/>
+            </a:prstGeom>
+            <a:solidFill>
+              <a:srgbClr val="F97A5D"/>
+            </a:solidFill>
+            <a:ln>
+              <a:noFill/>
+            </a:ln>
+          </p:spPr>
+          <p:style>
+            <a:lnRef idx="2">
+              <a:schemeClr val="accent1">
+                <a:shade val="50000"/>
+              </a:schemeClr>
+            </a:lnRef>
+            <a:fillRef idx="1">
+              <a:schemeClr val="accent1"/>
+            </a:fillRef>
+            <a:effectRef idx="0">
+              <a:schemeClr val="accent1"/>
+            </a:effectRef>
+            <a:fontRef idx="minor">
+              <a:schemeClr val="lt1"/>
+            </a:fontRef>
+          </p:style>
+          <p:txBody>
+            <a:bodyPr rtlCol="0" anchor="ctr"/>
+            <a:lstStyle/>
+            <a:p>
+              <a:pPr algn="ctr"/>
+              <a:endParaRPr lang="en-US"/>
+            </a:p>
+          </p:txBody>
+        </p:sp>
+        <p:sp>
+          <p:nvSpPr>
+            <p:cNvPr id="57" name="Oval 56">
+              <a:extLst>
+                <a:ext uri="{FF2B5EF4-FFF2-40B4-BE49-F238E27FC236}">
+                  <a16:creationId xmlns:a16="http://schemas.microsoft.com/office/drawing/2014/main" id="{FB85D3D1-1E36-E1AE-761C-0CBFC5F0E1EB}"/>
+                </a:ext>
+              </a:extLst>
+            </p:cNvPr>
+            <p:cNvSpPr/>
+            <p:nvPr/>
+          </p:nvSpPr>
+          <p:spPr>
+            <a:xfrm>
+              <a:off x="4748458" y="4547197"/>
+              <a:ext cx="84280" cy="84280"/>
+            </a:xfrm>
+            <a:prstGeom prst="ellipse">
+              <a:avLst/>
+            </a:prstGeom>
+            <a:solidFill>
+              <a:srgbClr val="52127C"/>
+            </a:solidFill>
+            <a:ln>
+              <a:noFill/>
+            </a:ln>
+          </p:spPr>
+          <p:style>
+            <a:lnRef idx="2">
+              <a:schemeClr val="accent1">
+                <a:shade val="50000"/>
+              </a:schemeClr>
+            </a:lnRef>
+            <a:fillRef idx="1">
+              <a:schemeClr val="accent1"/>
+            </a:fillRef>
+            <a:effectRef idx="0">
+              <a:schemeClr val="accent1"/>
+            </a:effectRef>
+            <a:fontRef idx="minor">
+              <a:schemeClr val="lt1"/>
+            </a:fontRef>
+          </p:style>
+          <p:txBody>
+            <a:bodyPr rtlCol="0" anchor="ctr"/>
+            <a:lstStyle/>
+            <a:p>
+              <a:pPr algn="ctr"/>
+              <a:endParaRPr lang="en-US"/>
+            </a:p>
+          </p:txBody>
+        </p:sp>
+      </p:grpSp>
+      <p:pic>
+        <p:nvPicPr>
+          <p:cNvPr id="1028" name="Picture 4">
+            <a:extLst>
+              <a:ext uri="{FF2B5EF4-FFF2-40B4-BE49-F238E27FC236}">
+                <a16:creationId xmlns:a16="http://schemas.microsoft.com/office/drawing/2014/main" id="{837DA169-DDC9-A670-9DC4-203407941023}"/>
+              </a:ext>
+            </a:extLst>
+          </p:cNvPr>
+          <p:cNvPicPr>
+            <a:picLocks noChangeAspect="1" noChangeArrowheads="1"/>
+          </p:cNvPicPr>
+          <p:nvPr/>
+        </p:nvPicPr>
+        <p:blipFill>
+          <a:blip r:embed="rId3">
+            <a:extLst>
+              <a:ext uri="{28A0092B-C50C-407E-A947-70E740481C1C}">
+                <a14:useLocalDpi xmlns:a14="http://schemas.microsoft.com/office/drawing/2010/main" val="0"/>
+              </a:ext>
+            </a:extLst>
+          </a:blip>
+          <a:srcRect/>
+          <a:stretch>
+            <a:fillRect/>
+          </a:stretch>
+        </p:blipFill>
+        <p:spPr bwMode="auto">
+          <a:xfrm>
+            <a:off x="4764309" y="4407294"/>
+            <a:ext cx="2577600" cy="2027875"/>
           </a:xfrm>
           <a:prstGeom prst="rect">
             <a:avLst/>
@@ -4707,10 +6459,10 @@
       </p:pic>
       <p:sp>
         <p:nvSpPr>
-          <p:cNvPr id="20" name="Oval 19">
+          <p:cNvPr id="58" name="Rectangle 57">
             <a:extLst>
               <a:ext uri="{FF2B5EF4-FFF2-40B4-BE49-F238E27FC236}">
-                <a16:creationId xmlns:a16="http://schemas.microsoft.com/office/drawing/2014/main" id="{DBBAA7D0-0611-6A50-E049-7C9814F3F69C}"/>
+                <a16:creationId xmlns:a16="http://schemas.microsoft.com/office/drawing/2014/main" id="{064F8947-0C03-B735-6318-A9CA29B54DDD}"/>
               </a:ext>
             </a:extLst>
           </p:cNvPr>
@@ -4719,17 +6471,17 @@
         </p:nvSpPr>
         <p:spPr>
           <a:xfrm>
-            <a:off x="3721011" y="4247089"/>
-            <a:ext cx="84280" cy="84280"/>
+            <a:off x="4686372" y="4281357"/>
+            <a:ext cx="2727230" cy="2211507"/>
           </a:xfrm>
-          <a:prstGeom prst="ellipse">
+          <a:prstGeom prst="rect">
             <a:avLst/>
           </a:prstGeom>
-          <a:solidFill>
-            <a:srgbClr val="F97A5D"/>
-          </a:solidFill>
-          <a:ln>
-            <a:noFill/>
+          <a:noFill/>
+          <a:ln w="19050">
+            <a:solidFill>
+              <a:schemeClr val="tx1"/>
+            </a:solidFill>
           </a:ln>
         </p:spPr>
         <p:style>
@@ -4759,10 +6511,10 @@
       </p:sp>
       <p:sp>
         <p:nvSpPr>
-          <p:cNvPr id="21" name="Oval 20">
+          <p:cNvPr id="1025" name="Rectangle 1024">
             <a:extLst>
               <a:ext uri="{FF2B5EF4-FFF2-40B4-BE49-F238E27FC236}">
-                <a16:creationId xmlns:a16="http://schemas.microsoft.com/office/drawing/2014/main" id="{44CC4ADB-F3FF-842F-9401-31EBAA97DC73}"/>
+                <a16:creationId xmlns:a16="http://schemas.microsoft.com/office/drawing/2014/main" id="{7CF78CAA-A0DA-9EE1-AAEC-C6C4AA1BD658}"/>
               </a:ext>
             </a:extLst>
           </p:cNvPr>
@@ -4771,17 +6523,17 @@
         </p:nvSpPr>
         <p:spPr>
           <a:xfrm>
-            <a:off x="4260375" y="4755461"/>
-            <a:ext cx="84280" cy="84280"/>
+            <a:off x="3323050" y="2069472"/>
+            <a:ext cx="2727230" cy="2211507"/>
           </a:xfrm>
-          <a:prstGeom prst="ellipse">
+          <a:prstGeom prst="rect">
             <a:avLst/>
           </a:prstGeom>
-          <a:solidFill>
-            <a:srgbClr val="F97A5D"/>
-          </a:solidFill>
-          <a:ln>
-            <a:noFill/>
+          <a:noFill/>
+          <a:ln w="19050">
+            <a:solidFill>
+              <a:schemeClr val="tx1"/>
+            </a:solidFill>
           </a:ln>
         </p:spPr>
         <p:style>
@@ -4811,10 +6563,10 @@
       </p:sp>
       <p:sp>
         <p:nvSpPr>
-          <p:cNvPr id="23" name="Oval 22">
+          <p:cNvPr id="1027" name="Rectangle 1026">
             <a:extLst>
               <a:ext uri="{FF2B5EF4-FFF2-40B4-BE49-F238E27FC236}">
-                <a16:creationId xmlns:a16="http://schemas.microsoft.com/office/drawing/2014/main" id="{C0ADCFF9-BB76-3DA4-E5DB-7C651B90B1D4}"/>
+                <a16:creationId xmlns:a16="http://schemas.microsoft.com/office/drawing/2014/main" id="{1FAA5F4F-8604-8ADF-883D-F9B7BA249E7B}"/>
               </a:ext>
             </a:extLst>
           </p:cNvPr>
@@ -4823,17 +6575,17 @@
         </p:nvSpPr>
         <p:spPr>
           <a:xfrm>
-            <a:off x="4748302" y="3777332"/>
-            <a:ext cx="84280" cy="84280"/>
+            <a:off x="6043978" y="2071666"/>
+            <a:ext cx="2727230" cy="2211507"/>
           </a:xfrm>
-          <a:prstGeom prst="ellipse">
+          <a:prstGeom prst="rect">
             <a:avLst/>
           </a:prstGeom>
-          <a:solidFill>
-            <a:srgbClr val="F97A5D"/>
-          </a:solidFill>
-          <a:ln>
-            <a:noFill/>
+          <a:noFill/>
+          <a:ln w="19050">
+            <a:solidFill>
+              <a:schemeClr val="tx1"/>
+            </a:solidFill>
           </a:ln>
         </p:spPr>
         <p:style>
@@ -4863,10 +6615,10 @@
       </p:sp>
       <p:sp>
         <p:nvSpPr>
-          <p:cNvPr id="24" name="Oval 23">
+          <p:cNvPr id="1029" name="Rectangle 1028">
             <a:extLst>
               <a:ext uri="{FF2B5EF4-FFF2-40B4-BE49-F238E27FC236}">
-                <a16:creationId xmlns:a16="http://schemas.microsoft.com/office/drawing/2014/main" id="{D37AF3AA-2DBD-79C7-E53A-22590A5AF335}"/>
+                <a16:creationId xmlns:a16="http://schemas.microsoft.com/office/drawing/2014/main" id="{F9043DB1-20A1-EE61-4A49-B1DBCAF5F6A7}"/>
               </a:ext>
             </a:extLst>
           </p:cNvPr>
@@ -4875,280 +6627,13 @@
         </p:nvSpPr>
         <p:spPr>
           <a:xfrm>
-            <a:off x="3743399" y="3861612"/>
-            <a:ext cx="84280" cy="84280"/>
-          </a:xfrm>
-          <a:prstGeom prst="ellipse">
-            <a:avLst/>
-          </a:prstGeom>
-          <a:solidFill>
-            <a:srgbClr val="52127C"/>
-          </a:solidFill>
-          <a:ln>
-            <a:noFill/>
-          </a:ln>
-        </p:spPr>
-        <p:style>
-          <a:lnRef idx="2">
-            <a:schemeClr val="accent1">
-              <a:shade val="50000"/>
-            </a:schemeClr>
-          </a:lnRef>
-          <a:fillRef idx="1">
-            <a:schemeClr val="accent1"/>
-          </a:fillRef>
-          <a:effectRef idx="0">
-            <a:schemeClr val="accent1"/>
-          </a:effectRef>
-          <a:fontRef idx="minor">
-            <a:schemeClr val="lt1"/>
-          </a:fontRef>
-        </p:style>
-        <p:txBody>
-          <a:bodyPr rtlCol="0" anchor="ctr"/>
-          <a:lstStyle/>
-          <a:p>
-            <a:pPr algn="ctr"/>
-            <a:endParaRPr lang="en-US"/>
-          </a:p>
-        </p:txBody>
-      </p:sp>
-      <p:sp>
-        <p:nvSpPr>
-          <p:cNvPr id="25" name="Oval 24">
-            <a:extLst>
-              <a:ext uri="{FF2B5EF4-FFF2-40B4-BE49-F238E27FC236}">
-                <a16:creationId xmlns:a16="http://schemas.microsoft.com/office/drawing/2014/main" id="{28416B52-4F5C-A224-5C0F-E6CBE5D3D370}"/>
-              </a:ext>
-            </a:extLst>
-          </p:cNvPr>
-          <p:cNvSpPr/>
-          <p:nvPr/>
-        </p:nvSpPr>
-        <p:spPr>
-          <a:xfrm>
-            <a:off x="4560272" y="4630386"/>
-            <a:ext cx="84280" cy="84280"/>
-          </a:xfrm>
-          <a:prstGeom prst="ellipse">
-            <a:avLst/>
-          </a:prstGeom>
-          <a:solidFill>
-            <a:srgbClr val="52127C"/>
-          </a:solidFill>
-          <a:ln>
-            <a:noFill/>
-          </a:ln>
-        </p:spPr>
-        <p:style>
-          <a:lnRef idx="2">
-            <a:schemeClr val="accent1">
-              <a:shade val="50000"/>
-            </a:schemeClr>
-          </a:lnRef>
-          <a:fillRef idx="1">
-            <a:schemeClr val="accent1"/>
-          </a:fillRef>
-          <a:effectRef idx="0">
-            <a:schemeClr val="accent1"/>
-          </a:effectRef>
-          <a:fontRef idx="minor">
-            <a:schemeClr val="lt1"/>
-          </a:fontRef>
-        </p:style>
-        <p:txBody>
-          <a:bodyPr rtlCol="0" anchor="ctr"/>
-          <a:lstStyle/>
-          <a:p>
-            <a:pPr algn="ctr"/>
-            <a:endParaRPr lang="en-US"/>
-          </a:p>
-        </p:txBody>
-      </p:sp>
-      <p:sp>
-        <p:nvSpPr>
-          <p:cNvPr id="26" name="Oval 25">
-            <a:extLst>
-              <a:ext uri="{FF2B5EF4-FFF2-40B4-BE49-F238E27FC236}">
-                <a16:creationId xmlns:a16="http://schemas.microsoft.com/office/drawing/2014/main" id="{57AFDF21-60EF-E9A5-22BA-8840ED7E405A}"/>
-              </a:ext>
-            </a:extLst>
-          </p:cNvPr>
-          <p:cNvSpPr/>
-          <p:nvPr/>
-        </p:nvSpPr>
-        <p:spPr>
-          <a:xfrm>
-            <a:off x="4092886" y="4314405"/>
-            <a:ext cx="84280" cy="84280"/>
-          </a:xfrm>
-          <a:prstGeom prst="ellipse">
-            <a:avLst/>
-          </a:prstGeom>
-          <a:solidFill>
-            <a:srgbClr val="52127C"/>
-          </a:solidFill>
-          <a:ln>
-            <a:noFill/>
-          </a:ln>
-        </p:spPr>
-        <p:style>
-          <a:lnRef idx="2">
-            <a:schemeClr val="accent1">
-              <a:shade val="50000"/>
-            </a:schemeClr>
-          </a:lnRef>
-          <a:fillRef idx="1">
-            <a:schemeClr val="accent1"/>
-          </a:fillRef>
-          <a:effectRef idx="0">
-            <a:schemeClr val="accent1"/>
-          </a:effectRef>
-          <a:fontRef idx="minor">
-            <a:schemeClr val="lt1"/>
-          </a:fontRef>
-        </p:style>
-        <p:txBody>
-          <a:bodyPr rtlCol="0" anchor="ctr"/>
-          <a:lstStyle/>
-          <a:p>
-            <a:pPr algn="ctr"/>
-            <a:endParaRPr lang="en-US"/>
-          </a:p>
-        </p:txBody>
-      </p:sp>
-      <p:sp>
-        <p:nvSpPr>
-          <p:cNvPr id="27" name="Oval 26">
-            <a:extLst>
-              <a:ext uri="{FF2B5EF4-FFF2-40B4-BE49-F238E27FC236}">
-                <a16:creationId xmlns:a16="http://schemas.microsoft.com/office/drawing/2014/main" id="{CA45183C-9085-4270-7B69-FA9BF9453A24}"/>
-              </a:ext>
-            </a:extLst>
-          </p:cNvPr>
-          <p:cNvSpPr/>
-          <p:nvPr/>
-        </p:nvSpPr>
-        <p:spPr>
-          <a:xfrm>
-            <a:off x="5054006" y="3953727"/>
-            <a:ext cx="84280" cy="84280"/>
-          </a:xfrm>
-          <a:prstGeom prst="ellipse">
-            <a:avLst/>
-          </a:prstGeom>
-          <a:solidFill>
-            <a:srgbClr val="52127C"/>
-          </a:solidFill>
-          <a:ln>
-            <a:noFill/>
-          </a:ln>
-        </p:spPr>
-        <p:style>
-          <a:lnRef idx="2">
-            <a:schemeClr val="accent1">
-              <a:shade val="50000"/>
-            </a:schemeClr>
-          </a:lnRef>
-          <a:fillRef idx="1">
-            <a:schemeClr val="accent1"/>
-          </a:fillRef>
-          <a:effectRef idx="0">
-            <a:schemeClr val="accent1"/>
-          </a:effectRef>
-          <a:fontRef idx="minor">
-            <a:schemeClr val="lt1"/>
-          </a:fontRef>
-        </p:style>
-        <p:txBody>
-          <a:bodyPr rtlCol="0" anchor="ctr"/>
-          <a:lstStyle/>
-          <a:p>
-            <a:pPr algn="ctr"/>
-            <a:endParaRPr lang="en-US"/>
-          </a:p>
-        </p:txBody>
-      </p:sp>
-      <p:sp>
-        <p:nvSpPr>
-          <p:cNvPr id="28" name="Oval 27">
-            <a:extLst>
-              <a:ext uri="{FF2B5EF4-FFF2-40B4-BE49-F238E27FC236}">
-                <a16:creationId xmlns:a16="http://schemas.microsoft.com/office/drawing/2014/main" id="{59235EC7-10F1-DDC1-4B0D-DD575EFCC1EE}"/>
-              </a:ext>
-            </a:extLst>
-          </p:cNvPr>
-          <p:cNvSpPr/>
-          <p:nvPr/>
-        </p:nvSpPr>
-        <p:spPr>
-          <a:xfrm>
-            <a:off x="3700180" y="4646781"/>
-            <a:ext cx="84280" cy="84280"/>
-          </a:xfrm>
-          <a:prstGeom prst="ellipse">
-            <a:avLst/>
-          </a:prstGeom>
-          <a:solidFill>
-            <a:srgbClr val="52127C"/>
-          </a:solidFill>
-          <a:ln>
-            <a:noFill/>
-          </a:ln>
-        </p:spPr>
-        <p:style>
-          <a:lnRef idx="2">
-            <a:schemeClr val="accent1">
-              <a:shade val="50000"/>
-            </a:schemeClr>
-          </a:lnRef>
-          <a:fillRef idx="1">
-            <a:schemeClr val="accent1"/>
-          </a:fillRef>
-          <a:effectRef idx="0">
-            <a:schemeClr val="accent1"/>
-          </a:effectRef>
-          <a:fontRef idx="minor">
-            <a:schemeClr val="lt1"/>
-          </a:fontRef>
-        </p:style>
-        <p:txBody>
-          <a:bodyPr rtlCol="0" anchor="ctr"/>
-          <a:lstStyle/>
-          <a:p>
-            <a:pPr algn="ctr"/>
-            <a:endParaRPr lang="en-US"/>
-          </a:p>
-        </p:txBody>
-      </p:sp>
-      <p:sp>
-        <p:nvSpPr>
-          <p:cNvPr id="29" name="Rectangle 28">
-            <a:extLst>
-              <a:ext uri="{FF2B5EF4-FFF2-40B4-BE49-F238E27FC236}">
-                <a16:creationId xmlns:a16="http://schemas.microsoft.com/office/drawing/2014/main" id="{7B682033-4807-E07B-7971-AF565C78CA74}"/>
-              </a:ext>
-            </a:extLst>
-          </p:cNvPr>
-          <p:cNvSpPr/>
-          <p:nvPr/>
-        </p:nvSpPr>
-        <p:spPr>
-          <a:xfrm>
-            <a:off x="3543300" y="5163401"/>
-            <a:ext cx="1706880" cy="102249"/>
+            <a:off x="284615" y="2629849"/>
+            <a:ext cx="2727230" cy="2211507"/>
           </a:xfrm>
           <a:prstGeom prst="rect">
             <a:avLst/>
           </a:prstGeom>
-          <a:pattFill prst="wdUpDiag">
-            <a:fgClr>
-              <a:schemeClr val="tx1"/>
-            </a:fgClr>
-            <a:bgClr>
-              <a:schemeClr val="bg1"/>
-            </a:bgClr>
-          </a:pattFill>
+          <a:noFill/>
           <a:ln w="28575">
             <a:solidFill>
               <a:schemeClr val="tx1"/>
@@ -5180,81 +6665,2424 @@
           </a:p>
         </p:txBody>
       </p:sp>
-      <p:sp>
-        <p:nvSpPr>
-          <p:cNvPr id="30" name="Oval 29">
+      <p:grpSp>
+        <p:nvGrpSpPr>
+          <p:cNvPr id="1036" name="Group 1035">
             <a:extLst>
               <a:ext uri="{FF2B5EF4-FFF2-40B4-BE49-F238E27FC236}">
-                <a16:creationId xmlns:a16="http://schemas.microsoft.com/office/drawing/2014/main" id="{E7708E2A-3282-8B2B-C621-C67C0B4863D8}"/>
+                <a16:creationId xmlns:a16="http://schemas.microsoft.com/office/drawing/2014/main" id="{A88B9CA5-8C56-08E9-1B3B-E4887D28A5DD}"/>
               </a:ext>
             </a:extLst>
           </p:cNvPr>
-          <p:cNvSpPr/>
+          <p:cNvGrpSpPr/>
+          <p:nvPr/>
+        </p:nvGrpSpPr>
+        <p:grpSpPr>
+          <a:xfrm>
+            <a:off x="4022720" y="3907049"/>
+            <a:ext cx="1434156" cy="314834"/>
+            <a:chOff x="4004884" y="2100767"/>
+            <a:chExt cx="1434156" cy="314834"/>
+          </a:xfrm>
+        </p:grpSpPr>
+        <p:grpSp>
+          <p:nvGrpSpPr>
+            <p:cNvPr id="1033" name="Group 1032">
+              <a:extLst>
+                <a:ext uri="{FF2B5EF4-FFF2-40B4-BE49-F238E27FC236}">
+                  <a16:creationId xmlns:a16="http://schemas.microsoft.com/office/drawing/2014/main" id="{39DB43D0-3613-A4D5-BA08-81AD24D306A8}"/>
+                </a:ext>
+              </a:extLst>
+            </p:cNvPr>
+            <p:cNvGrpSpPr/>
+            <p:nvPr/>
+          </p:nvGrpSpPr>
+          <p:grpSpPr>
+            <a:xfrm>
+              <a:off x="4004884" y="2107824"/>
+              <a:ext cx="362643" cy="307777"/>
+              <a:chOff x="4091269" y="2128555"/>
+              <a:chExt cx="362643" cy="307777"/>
+            </a:xfrm>
+          </p:grpSpPr>
+          <p:sp>
+            <p:nvSpPr>
+              <p:cNvPr id="62" name="Oval 61">
+                <a:extLst>
+                  <a:ext uri="{FF2B5EF4-FFF2-40B4-BE49-F238E27FC236}">
+                    <a16:creationId xmlns:a16="http://schemas.microsoft.com/office/drawing/2014/main" id="{96F1157D-FAB0-401B-C097-A70C6FDDD1DC}"/>
+                  </a:ext>
+                </a:extLst>
+              </p:cNvPr>
+              <p:cNvSpPr/>
+              <p:nvPr/>
+            </p:nvSpPr>
+            <p:spPr>
+              <a:xfrm>
+                <a:off x="4091269" y="2255086"/>
+                <a:ext cx="86001" cy="86001"/>
+              </a:xfrm>
+              <a:prstGeom prst="ellipse">
+                <a:avLst/>
+              </a:prstGeom>
+              <a:solidFill>
+                <a:schemeClr val="bg1"/>
+              </a:solidFill>
+              <a:ln w="12700">
+                <a:solidFill>
+                  <a:schemeClr val="tx1"/>
+                </a:solidFill>
+              </a:ln>
+            </p:spPr>
+            <p:style>
+              <a:lnRef idx="2">
+                <a:schemeClr val="accent1">
+                  <a:shade val="50000"/>
+                </a:schemeClr>
+              </a:lnRef>
+              <a:fillRef idx="1">
+                <a:schemeClr val="accent1"/>
+              </a:fillRef>
+              <a:effectRef idx="0">
+                <a:schemeClr val="accent1"/>
+              </a:effectRef>
+              <a:fontRef idx="minor">
+                <a:schemeClr val="lt1"/>
+              </a:fontRef>
+            </p:style>
+            <p:txBody>
+              <a:bodyPr rtlCol="0" anchor="ctr"/>
+              <a:lstStyle/>
+              <a:p>
+                <a:pPr algn="ctr"/>
+                <a:endParaRPr lang="en-US"/>
+              </a:p>
+            </p:txBody>
+          </p:sp>
+          <p:sp>
+            <p:nvSpPr>
+              <p:cNvPr id="1030" name="TextBox 1029">
+                <a:extLst>
+                  <a:ext uri="{FF2B5EF4-FFF2-40B4-BE49-F238E27FC236}">
+                    <a16:creationId xmlns:a16="http://schemas.microsoft.com/office/drawing/2014/main" id="{C79C1027-1283-504C-2BC7-809716DCB4DE}"/>
+                  </a:ext>
+                </a:extLst>
+              </p:cNvPr>
+              <p:cNvSpPr txBox="1"/>
+              <p:nvPr/>
+            </p:nvSpPr>
+            <p:spPr>
+              <a:xfrm>
+                <a:off x="4110548" y="2128555"/>
+                <a:ext cx="343364" cy="307777"/>
+              </a:xfrm>
+              <a:prstGeom prst="rect">
+                <a:avLst/>
+              </a:prstGeom>
+              <a:noFill/>
+            </p:spPr>
+            <p:txBody>
+              <a:bodyPr wrap="none" rtlCol="0">
+                <a:spAutoFit/>
+              </a:bodyPr>
+              <a:lstStyle/>
+              <a:p>
+                <a:r>
+                  <a:rPr lang="en-US" sz="1400" dirty="0"/>
+                  <a:t>: s</a:t>
+                </a:r>
+              </a:p>
+            </p:txBody>
+          </p:sp>
+        </p:grpSp>
+        <p:grpSp>
+          <p:nvGrpSpPr>
+            <p:cNvPr id="1034" name="Group 1033">
+              <a:extLst>
+                <a:ext uri="{FF2B5EF4-FFF2-40B4-BE49-F238E27FC236}">
+                  <a16:creationId xmlns:a16="http://schemas.microsoft.com/office/drawing/2014/main" id="{AFB1A3FF-B5DC-3088-B375-1C6CA4AA12DB}"/>
+                </a:ext>
+              </a:extLst>
+            </p:cNvPr>
+            <p:cNvGrpSpPr/>
+            <p:nvPr/>
+          </p:nvGrpSpPr>
+          <p:grpSpPr>
+            <a:xfrm>
+              <a:off x="4542356" y="2105873"/>
+              <a:ext cx="377719" cy="307777"/>
+              <a:chOff x="4504959" y="2120907"/>
+              <a:chExt cx="377719" cy="307777"/>
+            </a:xfrm>
+          </p:grpSpPr>
+          <p:sp>
+            <p:nvSpPr>
+              <p:cNvPr id="61" name="Oval 60">
+                <a:extLst>
+                  <a:ext uri="{FF2B5EF4-FFF2-40B4-BE49-F238E27FC236}">
+                    <a16:creationId xmlns:a16="http://schemas.microsoft.com/office/drawing/2014/main" id="{14086D8F-1A25-64CF-2B9D-759F57CE7DA4}"/>
+                  </a:ext>
+                </a:extLst>
+              </p:cNvPr>
+              <p:cNvSpPr/>
+              <p:nvPr/>
+            </p:nvSpPr>
+            <p:spPr>
+              <a:xfrm>
+                <a:off x="4504959" y="2251779"/>
+                <a:ext cx="84280" cy="84280"/>
+              </a:xfrm>
+              <a:prstGeom prst="ellipse">
+                <a:avLst/>
+              </a:prstGeom>
+              <a:solidFill>
+                <a:srgbClr val="52127C"/>
+              </a:solidFill>
+              <a:ln>
+                <a:noFill/>
+              </a:ln>
+            </p:spPr>
+            <p:style>
+              <a:lnRef idx="2">
+                <a:schemeClr val="accent1">
+                  <a:shade val="50000"/>
+                </a:schemeClr>
+              </a:lnRef>
+              <a:fillRef idx="1">
+                <a:schemeClr val="accent1"/>
+              </a:fillRef>
+              <a:effectRef idx="0">
+                <a:schemeClr val="accent1"/>
+              </a:effectRef>
+              <a:fontRef idx="minor">
+                <a:schemeClr val="lt1"/>
+              </a:fontRef>
+            </p:style>
+            <p:txBody>
+              <a:bodyPr rtlCol="0" anchor="ctr"/>
+              <a:lstStyle/>
+              <a:p>
+                <a:pPr algn="ctr"/>
+                <a:endParaRPr lang="en-US"/>
+              </a:p>
+            </p:txBody>
+          </p:sp>
+          <p:sp>
+            <p:nvSpPr>
+              <p:cNvPr id="1031" name="TextBox 1030">
+                <a:extLst>
+                  <a:ext uri="{FF2B5EF4-FFF2-40B4-BE49-F238E27FC236}">
+                    <a16:creationId xmlns:a16="http://schemas.microsoft.com/office/drawing/2014/main" id="{17DE7DB5-30F8-BE5A-38B1-E25EE4B0E03F}"/>
+                  </a:ext>
+                </a:extLst>
+              </p:cNvPr>
+              <p:cNvSpPr txBox="1"/>
+              <p:nvPr/>
+            </p:nvSpPr>
+            <p:spPr>
+              <a:xfrm>
+                <a:off x="4520078" y="2120907"/>
+                <a:ext cx="362600" cy="307777"/>
+              </a:xfrm>
+              <a:prstGeom prst="rect">
+                <a:avLst/>
+              </a:prstGeom>
+              <a:noFill/>
+            </p:spPr>
+            <p:txBody>
+              <a:bodyPr wrap="none" rtlCol="0">
+                <a:spAutoFit/>
+              </a:bodyPr>
+              <a:lstStyle/>
+              <a:p>
+                <a:r>
+                  <a:rPr lang="en-US" sz="1400" dirty="0"/>
+                  <a:t>: +</a:t>
+                </a:r>
+              </a:p>
+            </p:txBody>
+          </p:sp>
+        </p:grpSp>
+        <p:grpSp>
+          <p:nvGrpSpPr>
+            <p:cNvPr id="1035" name="Group 1034">
+              <a:extLst>
+                <a:ext uri="{FF2B5EF4-FFF2-40B4-BE49-F238E27FC236}">
+                  <a16:creationId xmlns:a16="http://schemas.microsoft.com/office/drawing/2014/main" id="{879A032F-6131-C5A6-246A-EF36C725DDBB}"/>
+                </a:ext>
+              </a:extLst>
+            </p:cNvPr>
+            <p:cNvGrpSpPr/>
+            <p:nvPr/>
+          </p:nvGrpSpPr>
+          <p:grpSpPr>
+            <a:xfrm>
+              <a:off x="5063459" y="2100767"/>
+              <a:ext cx="375581" cy="307777"/>
+              <a:chOff x="4835818" y="2132665"/>
+              <a:chExt cx="375581" cy="307777"/>
+            </a:xfrm>
+          </p:grpSpPr>
+          <p:sp>
+            <p:nvSpPr>
+              <p:cNvPr id="60" name="Oval 59">
+                <a:extLst>
+                  <a:ext uri="{FF2B5EF4-FFF2-40B4-BE49-F238E27FC236}">
+                    <a16:creationId xmlns:a16="http://schemas.microsoft.com/office/drawing/2014/main" id="{5B373A48-4084-FA44-253A-718B32993DB0}"/>
+                  </a:ext>
+                </a:extLst>
+              </p:cNvPr>
+              <p:cNvSpPr/>
+              <p:nvPr/>
+            </p:nvSpPr>
+            <p:spPr>
+              <a:xfrm>
+                <a:off x="4835818" y="2260342"/>
+                <a:ext cx="84280" cy="84280"/>
+              </a:xfrm>
+              <a:prstGeom prst="ellipse">
+                <a:avLst/>
+              </a:prstGeom>
+              <a:solidFill>
+                <a:srgbClr val="F97A5D"/>
+              </a:solidFill>
+              <a:ln>
+                <a:noFill/>
+              </a:ln>
+            </p:spPr>
+            <p:style>
+              <a:lnRef idx="2">
+                <a:schemeClr val="accent1">
+                  <a:shade val="50000"/>
+                </a:schemeClr>
+              </a:lnRef>
+              <a:fillRef idx="1">
+                <a:schemeClr val="accent1"/>
+              </a:fillRef>
+              <a:effectRef idx="0">
+                <a:schemeClr val="accent1"/>
+              </a:effectRef>
+              <a:fontRef idx="minor">
+                <a:schemeClr val="lt1"/>
+              </a:fontRef>
+            </p:style>
+            <p:txBody>
+              <a:bodyPr rtlCol="0" anchor="ctr"/>
+              <a:lstStyle/>
+              <a:p>
+                <a:pPr algn="ctr"/>
+                <a:endParaRPr lang="en-US"/>
+              </a:p>
+            </p:txBody>
+          </p:sp>
+          <p:sp>
+            <p:nvSpPr>
+              <p:cNvPr id="1032" name="TextBox 1031">
+                <a:extLst>
+                  <a:ext uri="{FF2B5EF4-FFF2-40B4-BE49-F238E27FC236}">
+                    <a16:creationId xmlns:a16="http://schemas.microsoft.com/office/drawing/2014/main" id="{89CF1436-7F28-084F-D19E-2D595027DEBF}"/>
+                  </a:ext>
+                </a:extLst>
+              </p:cNvPr>
+              <p:cNvSpPr txBox="1"/>
+              <p:nvPr/>
+            </p:nvSpPr>
+            <p:spPr>
+              <a:xfrm>
+                <a:off x="4848799" y="2132665"/>
+                <a:ext cx="362600" cy="307777"/>
+              </a:xfrm>
+              <a:prstGeom prst="rect">
+                <a:avLst/>
+              </a:prstGeom>
+              <a:noFill/>
+            </p:spPr>
+            <p:txBody>
+              <a:bodyPr wrap="none" rtlCol="0">
+                <a:spAutoFit/>
+              </a:bodyPr>
+              <a:lstStyle/>
+              <a:p>
+                <a:r>
+                  <a:rPr lang="en-US" sz="1400" dirty="0"/>
+                  <a:t>: −</a:t>
+                </a:r>
+              </a:p>
+            </p:txBody>
+          </p:sp>
+        </p:grpSp>
+      </p:grpSp>
+      <p:sp>
+        <p:nvSpPr>
+          <p:cNvPr id="1037" name="TextBox 1036">
+            <a:extLst>
+              <a:ext uri="{FF2B5EF4-FFF2-40B4-BE49-F238E27FC236}">
+                <a16:creationId xmlns:a16="http://schemas.microsoft.com/office/drawing/2014/main" id="{C25E69C8-4B9D-E1D9-B40F-5262428977EA}"/>
+              </a:ext>
+            </a:extLst>
+          </p:cNvPr>
+          <p:cNvSpPr txBox="1"/>
           <p:nvPr/>
         </p:nvSpPr>
         <p:spPr>
           <a:xfrm>
-            <a:off x="4962975" y="4797601"/>
-            <a:ext cx="84280" cy="84280"/>
+            <a:off x="3365333" y="2061259"/>
+            <a:ext cx="298480" cy="369332"/>
           </a:xfrm>
-          <a:prstGeom prst="ellipse">
+          <a:prstGeom prst="rect">
             <a:avLst/>
           </a:prstGeom>
-          <a:solidFill>
-            <a:srgbClr val="F97A5D"/>
-          </a:solidFill>
-          <a:ln>
-            <a:noFill/>
-          </a:ln>
+          <a:noFill/>
         </p:spPr>
-        <p:style>
-          <a:lnRef idx="2">
-            <a:schemeClr val="accent1">
-              <a:shade val="50000"/>
-            </a:schemeClr>
-          </a:lnRef>
-          <a:fillRef idx="1">
-            <a:schemeClr val="accent1"/>
-          </a:fillRef>
-          <a:effectRef idx="0">
-            <a:schemeClr val="accent1"/>
-          </a:effectRef>
-          <a:fontRef idx="minor">
-            <a:schemeClr val="lt1"/>
-          </a:fontRef>
-        </p:style>
         <p:txBody>
-          <a:bodyPr rtlCol="0" anchor="ctr"/>
+          <a:bodyPr wrap="none" rtlCol="0">
+            <a:spAutoFit/>
+          </a:bodyPr>
           <a:lstStyle/>
           <a:p>
-            <a:pPr algn="ctr"/>
-            <a:endParaRPr lang="en-US"/>
+            <a:r>
+              <a:rPr lang="en-US" b="1" dirty="0"/>
+              <a:t>a</a:t>
+            </a:r>
           </a:p>
         </p:txBody>
       </p:sp>
       <p:sp>
         <p:nvSpPr>
-          <p:cNvPr id="32" name="Oval 31">
+          <p:cNvPr id="1038" name="TextBox 1037">
             <a:extLst>
               <a:ext uri="{FF2B5EF4-FFF2-40B4-BE49-F238E27FC236}">
-                <a16:creationId xmlns:a16="http://schemas.microsoft.com/office/drawing/2014/main" id="{6E6E0397-5C5E-AA66-C713-C6E70A43531B}"/>
+                <a16:creationId xmlns:a16="http://schemas.microsoft.com/office/drawing/2014/main" id="{4E86D66A-8A84-0EE8-5120-57A79B0E6534}"/>
               </a:ext>
             </a:extLst>
           </p:cNvPr>
-          <p:cNvSpPr/>
+          <p:cNvSpPr txBox="1"/>
           <p:nvPr/>
         </p:nvSpPr>
         <p:spPr>
           <a:xfrm>
-            <a:off x="3678011" y="4924681"/>
-            <a:ext cx="86001" cy="86001"/>
+            <a:off x="6102361" y="2050266"/>
+            <a:ext cx="308098" cy="369332"/>
           </a:xfrm>
-          <a:prstGeom prst="ellipse">
+          <a:prstGeom prst="rect">
             <a:avLst/>
           </a:prstGeom>
-          <a:solidFill>
-            <a:schemeClr val="bg1"/>
-          </a:solidFill>
+          <a:noFill/>
+        </p:spPr>
+        <p:txBody>
+          <a:bodyPr wrap="none" rtlCol="0">
+            <a:spAutoFit/>
+          </a:bodyPr>
+          <a:lstStyle/>
+          <a:p>
+            <a:r>
+              <a:rPr lang="en-US" b="1" dirty="0"/>
+              <a:t>b</a:t>
+            </a:r>
+          </a:p>
+        </p:txBody>
+      </p:sp>
+      <p:sp>
+        <p:nvSpPr>
+          <p:cNvPr id="1039" name="TextBox 1038">
+            <a:extLst>
+              <a:ext uri="{FF2B5EF4-FFF2-40B4-BE49-F238E27FC236}">
+                <a16:creationId xmlns:a16="http://schemas.microsoft.com/office/drawing/2014/main" id="{48DF20DD-F187-969D-4C46-846B6E0BA962}"/>
+              </a:ext>
+            </a:extLst>
+          </p:cNvPr>
+          <p:cNvSpPr txBox="1"/>
+          <p:nvPr/>
+        </p:nvSpPr>
+        <p:spPr>
+          <a:xfrm>
+            <a:off x="4733054" y="4284455"/>
+            <a:ext cx="280846" cy="369332"/>
+          </a:xfrm>
+          <a:prstGeom prst="rect">
+            <a:avLst/>
+          </a:prstGeom>
+          <a:noFill/>
+        </p:spPr>
+        <p:txBody>
+          <a:bodyPr wrap="none" rtlCol="0">
+            <a:spAutoFit/>
+          </a:bodyPr>
+          <a:lstStyle/>
+          <a:p>
+            <a:r>
+              <a:rPr lang="en-US" b="1" dirty="0"/>
+              <a:t>c</a:t>
+            </a:r>
+          </a:p>
+        </p:txBody>
+      </p:sp>
+      <p:sp>
+        <p:nvSpPr>
+          <p:cNvPr id="1046" name="TextBox 1045">
+            <a:extLst>
+              <a:ext uri="{FF2B5EF4-FFF2-40B4-BE49-F238E27FC236}">
+                <a16:creationId xmlns:a16="http://schemas.microsoft.com/office/drawing/2014/main" id="{50CBAB9B-EA02-5686-B4AC-A3043F46EC90}"/>
+              </a:ext>
+            </a:extLst>
+          </p:cNvPr>
+          <p:cNvSpPr txBox="1"/>
+          <p:nvPr/>
+        </p:nvSpPr>
+        <p:spPr>
+          <a:xfrm>
+            <a:off x="6007500" y="2339983"/>
+            <a:ext cx="2727230" cy="261610"/>
+          </a:xfrm>
+          <a:prstGeom prst="rect">
+            <a:avLst/>
+          </a:prstGeom>
+          <a:noFill/>
+        </p:spPr>
+        <p:txBody>
+          <a:bodyPr wrap="square">
+            <a:spAutoFit/>
+          </a:bodyPr>
+          <a:lstStyle/>
+          <a:p>
+            <a:pPr algn="ctr"/>
+            <a:r>
+              <a:rPr lang="en-US" sz="1100" cap="all" dirty="0" err="1"/>
+              <a:t>KAKsPVKEEIKPPAEVKsP</a:t>
+            </a:r>
+            <a:endParaRPr lang="en-US" sz="1100" cap="all" dirty="0"/>
+          </a:p>
+        </p:txBody>
+      </p:sp>
+      <p:grpSp>
+        <p:nvGrpSpPr>
+          <p:cNvPr id="1071" name="Group 1070">
+            <a:extLst>
+              <a:ext uri="{FF2B5EF4-FFF2-40B4-BE49-F238E27FC236}">
+                <a16:creationId xmlns:a16="http://schemas.microsoft.com/office/drawing/2014/main" id="{D6057AE8-F453-3B5D-AE9B-8C38FD16FB22}"/>
+              </a:ext>
+            </a:extLst>
+          </p:cNvPr>
+          <p:cNvGrpSpPr/>
+          <p:nvPr/>
+        </p:nvGrpSpPr>
+        <p:grpSpPr>
+          <a:xfrm>
+            <a:off x="6198703" y="2845267"/>
+            <a:ext cx="2449686" cy="408800"/>
+            <a:chOff x="6169497" y="2384627"/>
+            <a:chExt cx="2449686" cy="408800"/>
+          </a:xfrm>
+        </p:grpSpPr>
+        <p:sp>
+          <p:nvSpPr>
+            <p:cNvPr id="1047" name="Freeform: Shape 1046">
+              <a:extLst>
+                <a:ext uri="{FF2B5EF4-FFF2-40B4-BE49-F238E27FC236}">
+                  <a16:creationId xmlns:a16="http://schemas.microsoft.com/office/drawing/2014/main" id="{356F6852-2E5E-39C2-1145-6DE0EA7778EE}"/>
+                </a:ext>
+              </a:extLst>
+            </p:cNvPr>
+            <p:cNvSpPr/>
+            <p:nvPr/>
+          </p:nvSpPr>
+          <p:spPr>
+            <a:xfrm rot="5400000" flipH="1">
+              <a:off x="7234407" y="1405705"/>
+              <a:ext cx="319866" cy="2369635"/>
+            </a:xfrm>
+            <a:custGeom>
+              <a:avLst/>
+              <a:gdLst>
+                <a:gd name="connsiteX0" fmla="*/ 0 w 428625"/>
+                <a:gd name="connsiteY0" fmla="*/ 1223696 h 1223696"/>
+                <a:gd name="connsiteX1" fmla="*/ 381000 w 428625"/>
+                <a:gd name="connsiteY1" fmla="*/ 985571 h 1223696"/>
+                <a:gd name="connsiteX2" fmla="*/ 57150 w 428625"/>
+                <a:gd name="connsiteY2" fmla="*/ 556946 h 1223696"/>
+                <a:gd name="connsiteX3" fmla="*/ 276225 w 428625"/>
+                <a:gd name="connsiteY3" fmla="*/ 337871 h 1223696"/>
+                <a:gd name="connsiteX4" fmla="*/ 209550 w 428625"/>
+                <a:gd name="connsiteY4" fmla="*/ 4496 h 1223696"/>
+                <a:gd name="connsiteX5" fmla="*/ 428625 w 428625"/>
+                <a:gd name="connsiteY5" fmla="*/ 175946 h 1223696"/>
+                <a:gd name="connsiteX0" fmla="*/ 0 w 428625"/>
+                <a:gd name="connsiteY0" fmla="*/ 1223696 h 1223696"/>
+                <a:gd name="connsiteX1" fmla="*/ 381000 w 428625"/>
+                <a:gd name="connsiteY1" fmla="*/ 985571 h 1223696"/>
+                <a:gd name="connsiteX2" fmla="*/ 73025 w 428625"/>
+                <a:gd name="connsiteY2" fmla="*/ 804596 h 1223696"/>
+                <a:gd name="connsiteX3" fmla="*/ 276225 w 428625"/>
+                <a:gd name="connsiteY3" fmla="*/ 337871 h 1223696"/>
+                <a:gd name="connsiteX4" fmla="*/ 209550 w 428625"/>
+                <a:gd name="connsiteY4" fmla="*/ 4496 h 1223696"/>
+                <a:gd name="connsiteX5" fmla="*/ 428625 w 428625"/>
+                <a:gd name="connsiteY5" fmla="*/ 175946 h 1223696"/>
+                <a:gd name="connsiteX0" fmla="*/ 51906 w 480531"/>
+                <a:gd name="connsiteY0" fmla="*/ 1223696 h 1223696"/>
+                <a:gd name="connsiteX1" fmla="*/ 432906 w 480531"/>
+                <a:gd name="connsiteY1" fmla="*/ 985571 h 1223696"/>
+                <a:gd name="connsiteX2" fmla="*/ 124931 w 480531"/>
+                <a:gd name="connsiteY2" fmla="*/ 804596 h 1223696"/>
+                <a:gd name="connsiteX3" fmla="*/ 4281 w 480531"/>
+                <a:gd name="connsiteY3" fmla="*/ 487096 h 1223696"/>
+                <a:gd name="connsiteX4" fmla="*/ 261456 w 480531"/>
+                <a:gd name="connsiteY4" fmla="*/ 4496 h 1223696"/>
+                <a:gd name="connsiteX5" fmla="*/ 480531 w 480531"/>
+                <a:gd name="connsiteY5" fmla="*/ 175946 h 1223696"/>
+                <a:gd name="connsiteX0" fmla="*/ 53689 w 482314"/>
+                <a:gd name="connsiteY0" fmla="*/ 1060814 h 1060814"/>
+                <a:gd name="connsiteX1" fmla="*/ 434689 w 482314"/>
+                <a:gd name="connsiteY1" fmla="*/ 822689 h 1060814"/>
+                <a:gd name="connsiteX2" fmla="*/ 126714 w 482314"/>
+                <a:gd name="connsiteY2" fmla="*/ 641714 h 1060814"/>
+                <a:gd name="connsiteX3" fmla="*/ 6064 w 482314"/>
+                <a:gd name="connsiteY3" fmla="*/ 324214 h 1060814"/>
+                <a:gd name="connsiteX4" fmla="*/ 298164 w 482314"/>
+                <a:gd name="connsiteY4" fmla="*/ 438514 h 1060814"/>
+                <a:gd name="connsiteX5" fmla="*/ 482314 w 482314"/>
+                <a:gd name="connsiteY5" fmla="*/ 13064 h 1060814"/>
+                <a:gd name="connsiteX0" fmla="*/ 53689 w 435120"/>
+                <a:gd name="connsiteY0" fmla="*/ 1185420 h 1185420"/>
+                <a:gd name="connsiteX1" fmla="*/ 434689 w 435120"/>
+                <a:gd name="connsiteY1" fmla="*/ 947295 h 1185420"/>
+                <a:gd name="connsiteX2" fmla="*/ 126714 w 435120"/>
+                <a:gd name="connsiteY2" fmla="*/ 766320 h 1185420"/>
+                <a:gd name="connsiteX3" fmla="*/ 6064 w 435120"/>
+                <a:gd name="connsiteY3" fmla="*/ 448820 h 1185420"/>
+                <a:gd name="connsiteX4" fmla="*/ 298164 w 435120"/>
+                <a:gd name="connsiteY4" fmla="*/ 563120 h 1185420"/>
+                <a:gd name="connsiteX5" fmla="*/ 234664 w 435120"/>
+                <a:gd name="connsiteY5" fmla="*/ 10670 h 1185420"/>
+                <a:gd name="connsiteX0" fmla="*/ 53689 w 435120"/>
+                <a:gd name="connsiteY0" fmla="*/ 1174750 h 1174750"/>
+                <a:gd name="connsiteX1" fmla="*/ 434689 w 435120"/>
+                <a:gd name="connsiteY1" fmla="*/ 936625 h 1174750"/>
+                <a:gd name="connsiteX2" fmla="*/ 126714 w 435120"/>
+                <a:gd name="connsiteY2" fmla="*/ 755650 h 1174750"/>
+                <a:gd name="connsiteX3" fmla="*/ 6064 w 435120"/>
+                <a:gd name="connsiteY3" fmla="*/ 438150 h 1174750"/>
+                <a:gd name="connsiteX4" fmla="*/ 298164 w 435120"/>
+                <a:gd name="connsiteY4" fmla="*/ 552450 h 1174750"/>
+                <a:gd name="connsiteX5" fmla="*/ 234664 w 435120"/>
+                <a:gd name="connsiteY5" fmla="*/ 0 h 1174750"/>
+                <a:gd name="connsiteX0" fmla="*/ 53689 w 435120"/>
+                <a:gd name="connsiteY0" fmla="*/ 1308100 h 1308100"/>
+                <a:gd name="connsiteX1" fmla="*/ 434689 w 435120"/>
+                <a:gd name="connsiteY1" fmla="*/ 1069975 h 1308100"/>
+                <a:gd name="connsiteX2" fmla="*/ 126714 w 435120"/>
+                <a:gd name="connsiteY2" fmla="*/ 889000 h 1308100"/>
+                <a:gd name="connsiteX3" fmla="*/ 6064 w 435120"/>
+                <a:gd name="connsiteY3" fmla="*/ 571500 h 1308100"/>
+                <a:gd name="connsiteX4" fmla="*/ 298164 w 435120"/>
+                <a:gd name="connsiteY4" fmla="*/ 685800 h 1308100"/>
+                <a:gd name="connsiteX5" fmla="*/ 126714 w 435120"/>
+                <a:gd name="connsiteY5" fmla="*/ 0 h 1308100"/>
+                <a:gd name="connsiteX0" fmla="*/ 53689 w 435120"/>
+                <a:gd name="connsiteY0" fmla="*/ 1308100 h 1308100"/>
+                <a:gd name="connsiteX1" fmla="*/ 434689 w 435120"/>
+                <a:gd name="connsiteY1" fmla="*/ 1069975 h 1308100"/>
+                <a:gd name="connsiteX2" fmla="*/ 126714 w 435120"/>
+                <a:gd name="connsiteY2" fmla="*/ 889000 h 1308100"/>
+                <a:gd name="connsiteX3" fmla="*/ 6064 w 435120"/>
+                <a:gd name="connsiteY3" fmla="*/ 571500 h 1308100"/>
+                <a:gd name="connsiteX4" fmla="*/ 298164 w 435120"/>
+                <a:gd name="connsiteY4" fmla="*/ 577850 h 1308100"/>
+                <a:gd name="connsiteX5" fmla="*/ 126714 w 435120"/>
+                <a:gd name="connsiteY5" fmla="*/ 0 h 1308100"/>
+                <a:gd name="connsiteX0" fmla="*/ 53689 w 435120"/>
+                <a:gd name="connsiteY0" fmla="*/ 1308100 h 1308100"/>
+                <a:gd name="connsiteX1" fmla="*/ 434689 w 435120"/>
+                <a:gd name="connsiteY1" fmla="*/ 1069975 h 1308100"/>
+                <a:gd name="connsiteX2" fmla="*/ 126714 w 435120"/>
+                <a:gd name="connsiteY2" fmla="*/ 889000 h 1308100"/>
+                <a:gd name="connsiteX3" fmla="*/ 6064 w 435120"/>
+                <a:gd name="connsiteY3" fmla="*/ 571500 h 1308100"/>
+                <a:gd name="connsiteX4" fmla="*/ 298164 w 435120"/>
+                <a:gd name="connsiteY4" fmla="*/ 577850 h 1308100"/>
+                <a:gd name="connsiteX5" fmla="*/ 126714 w 435120"/>
+                <a:gd name="connsiteY5" fmla="*/ 0 h 1308100"/>
+                <a:gd name="connsiteX0" fmla="*/ 53689 w 435120"/>
+                <a:gd name="connsiteY0" fmla="*/ 1308100 h 1308100"/>
+                <a:gd name="connsiteX1" fmla="*/ 434689 w 435120"/>
+                <a:gd name="connsiteY1" fmla="*/ 1069975 h 1308100"/>
+                <a:gd name="connsiteX2" fmla="*/ 126714 w 435120"/>
+                <a:gd name="connsiteY2" fmla="*/ 889000 h 1308100"/>
+                <a:gd name="connsiteX3" fmla="*/ 6064 w 435120"/>
+                <a:gd name="connsiteY3" fmla="*/ 571500 h 1308100"/>
+                <a:gd name="connsiteX4" fmla="*/ 298164 w 435120"/>
+                <a:gd name="connsiteY4" fmla="*/ 577850 h 1308100"/>
+                <a:gd name="connsiteX5" fmla="*/ 126714 w 435120"/>
+                <a:gd name="connsiteY5" fmla="*/ 0 h 1308100"/>
+                <a:gd name="connsiteX0" fmla="*/ 53689 w 435120"/>
+                <a:gd name="connsiteY0" fmla="*/ 1308100 h 1308100"/>
+                <a:gd name="connsiteX1" fmla="*/ 434689 w 435120"/>
+                <a:gd name="connsiteY1" fmla="*/ 1069975 h 1308100"/>
+                <a:gd name="connsiteX2" fmla="*/ 126714 w 435120"/>
+                <a:gd name="connsiteY2" fmla="*/ 889000 h 1308100"/>
+                <a:gd name="connsiteX3" fmla="*/ 6064 w 435120"/>
+                <a:gd name="connsiteY3" fmla="*/ 571500 h 1308100"/>
+                <a:gd name="connsiteX4" fmla="*/ 298164 w 435120"/>
+                <a:gd name="connsiteY4" fmla="*/ 577850 h 1308100"/>
+                <a:gd name="connsiteX5" fmla="*/ 126714 w 435120"/>
+                <a:gd name="connsiteY5" fmla="*/ 0 h 1308100"/>
+                <a:gd name="connsiteX0" fmla="*/ 201862 w 583293"/>
+                <a:gd name="connsiteY0" fmla="*/ 1308100 h 1308100"/>
+                <a:gd name="connsiteX1" fmla="*/ 582862 w 583293"/>
+                <a:gd name="connsiteY1" fmla="*/ 1069975 h 1308100"/>
+                <a:gd name="connsiteX2" fmla="*/ 274887 w 583293"/>
+                <a:gd name="connsiteY2" fmla="*/ 889000 h 1308100"/>
+                <a:gd name="connsiteX3" fmla="*/ 154237 w 583293"/>
+                <a:gd name="connsiteY3" fmla="*/ 571500 h 1308100"/>
+                <a:gd name="connsiteX4" fmla="*/ 19538 w 583293"/>
+                <a:gd name="connsiteY4" fmla="*/ 450850 h 1308100"/>
+                <a:gd name="connsiteX5" fmla="*/ 274887 w 583293"/>
+                <a:gd name="connsiteY5" fmla="*/ 0 h 1308100"/>
+                <a:gd name="connsiteX0" fmla="*/ 200780 w 582206"/>
+                <a:gd name="connsiteY0" fmla="*/ 1308100 h 1308100"/>
+                <a:gd name="connsiteX1" fmla="*/ 581780 w 582206"/>
+                <a:gd name="connsiteY1" fmla="*/ 1069975 h 1308100"/>
+                <a:gd name="connsiteX2" fmla="*/ 273805 w 582206"/>
+                <a:gd name="connsiteY2" fmla="*/ 889000 h 1308100"/>
+                <a:gd name="connsiteX3" fmla="*/ 166493 w 582206"/>
+                <a:gd name="connsiteY3" fmla="*/ 676275 h 1308100"/>
+                <a:gd name="connsiteX4" fmla="*/ 18456 w 582206"/>
+                <a:gd name="connsiteY4" fmla="*/ 450850 h 1308100"/>
+                <a:gd name="connsiteX5" fmla="*/ 273805 w 582206"/>
+                <a:gd name="connsiteY5" fmla="*/ 0 h 1308100"/>
+                <a:gd name="connsiteX0" fmla="*/ 204947 w 586387"/>
+                <a:gd name="connsiteY0" fmla="*/ 1308100 h 1308100"/>
+                <a:gd name="connsiteX1" fmla="*/ 585947 w 586387"/>
+                <a:gd name="connsiteY1" fmla="*/ 1069975 h 1308100"/>
+                <a:gd name="connsiteX2" fmla="*/ 277972 w 586387"/>
+                <a:gd name="connsiteY2" fmla="*/ 889000 h 1308100"/>
+                <a:gd name="connsiteX3" fmla="*/ 126201 w 586387"/>
+                <a:gd name="connsiteY3" fmla="*/ 685800 h 1308100"/>
+                <a:gd name="connsiteX4" fmla="*/ 22623 w 586387"/>
+                <a:gd name="connsiteY4" fmla="*/ 450850 h 1308100"/>
+                <a:gd name="connsiteX5" fmla="*/ 277972 w 586387"/>
+                <a:gd name="connsiteY5" fmla="*/ 0 h 1308100"/>
+                <a:gd name="connsiteX0" fmla="*/ 204947 w 586387"/>
+                <a:gd name="connsiteY0" fmla="*/ 1323975 h 1323975"/>
+                <a:gd name="connsiteX1" fmla="*/ 585947 w 586387"/>
+                <a:gd name="connsiteY1" fmla="*/ 1085850 h 1323975"/>
+                <a:gd name="connsiteX2" fmla="*/ 277972 w 586387"/>
+                <a:gd name="connsiteY2" fmla="*/ 904875 h 1323975"/>
+                <a:gd name="connsiteX3" fmla="*/ 126201 w 586387"/>
+                <a:gd name="connsiteY3" fmla="*/ 701675 h 1323975"/>
+                <a:gd name="connsiteX4" fmla="*/ 22623 w 586387"/>
+                <a:gd name="connsiteY4" fmla="*/ 466725 h 1323975"/>
+                <a:gd name="connsiteX5" fmla="*/ 340214 w 586387"/>
+                <a:gd name="connsiteY5" fmla="*/ 0 h 1323975"/>
+                <a:gd name="connsiteX0" fmla="*/ 126371 w 507811"/>
+                <a:gd name="connsiteY0" fmla="*/ 1323975 h 1323975"/>
+                <a:gd name="connsiteX1" fmla="*/ 507371 w 507811"/>
+                <a:gd name="connsiteY1" fmla="*/ 1085850 h 1323975"/>
+                <a:gd name="connsiteX2" fmla="*/ 199396 w 507811"/>
+                <a:gd name="connsiteY2" fmla="*/ 904875 h 1323975"/>
+                <a:gd name="connsiteX3" fmla="*/ 47625 w 507811"/>
+                <a:gd name="connsiteY3" fmla="*/ 701675 h 1323975"/>
+                <a:gd name="connsiteX4" fmla="*/ 37409 w 507811"/>
+                <a:gd name="connsiteY4" fmla="*/ 482600 h 1323975"/>
+                <a:gd name="connsiteX5" fmla="*/ 261638 w 507811"/>
+                <a:gd name="connsiteY5" fmla="*/ 0 h 1323975"/>
+                <a:gd name="connsiteX0" fmla="*/ 126371 w 507811"/>
+                <a:gd name="connsiteY0" fmla="*/ 1336675 h 1336675"/>
+                <a:gd name="connsiteX1" fmla="*/ 507371 w 507811"/>
+                <a:gd name="connsiteY1" fmla="*/ 1098550 h 1336675"/>
+                <a:gd name="connsiteX2" fmla="*/ 199396 w 507811"/>
+                <a:gd name="connsiteY2" fmla="*/ 917575 h 1336675"/>
+                <a:gd name="connsiteX3" fmla="*/ 47625 w 507811"/>
+                <a:gd name="connsiteY3" fmla="*/ 714375 h 1336675"/>
+                <a:gd name="connsiteX4" fmla="*/ 37409 w 507811"/>
+                <a:gd name="connsiteY4" fmla="*/ 495300 h 1336675"/>
+                <a:gd name="connsiteX5" fmla="*/ 177168 w 507811"/>
+                <a:gd name="connsiteY5" fmla="*/ 0 h 1336675"/>
+                <a:gd name="connsiteX0" fmla="*/ 126371 w 507811"/>
+                <a:gd name="connsiteY0" fmla="*/ 1352550 h 1352550"/>
+                <a:gd name="connsiteX1" fmla="*/ 507371 w 507811"/>
+                <a:gd name="connsiteY1" fmla="*/ 1114425 h 1352550"/>
+                <a:gd name="connsiteX2" fmla="*/ 199396 w 507811"/>
+                <a:gd name="connsiteY2" fmla="*/ 933450 h 1352550"/>
+                <a:gd name="connsiteX3" fmla="*/ 47625 w 507811"/>
+                <a:gd name="connsiteY3" fmla="*/ 730250 h 1352550"/>
+                <a:gd name="connsiteX4" fmla="*/ 37409 w 507811"/>
+                <a:gd name="connsiteY4" fmla="*/ 511175 h 1352550"/>
+                <a:gd name="connsiteX5" fmla="*/ 110480 w 507811"/>
+                <a:gd name="connsiteY5" fmla="*/ 0 h 1352550"/>
+              </a:gdLst>
+              <a:ahLst/>
+              <a:cxnLst>
+                <a:cxn ang="0">
+                  <a:pos x="connsiteX0" y="connsiteY0"/>
+                </a:cxn>
+                <a:cxn ang="0">
+                  <a:pos x="connsiteX1" y="connsiteY1"/>
+                </a:cxn>
+                <a:cxn ang="0">
+                  <a:pos x="connsiteX2" y="connsiteY2"/>
+                </a:cxn>
+                <a:cxn ang="0">
+                  <a:pos x="connsiteX3" y="connsiteY3"/>
+                </a:cxn>
+                <a:cxn ang="0">
+                  <a:pos x="connsiteX4" y="connsiteY4"/>
+                </a:cxn>
+                <a:cxn ang="0">
+                  <a:pos x="connsiteX5" y="connsiteY5"/>
+                </a:cxn>
+              </a:cxnLst>
+              <a:rect l="l" t="t" r="r" b="b"/>
+              <a:pathLst>
+                <a:path w="507811" h="1352550">
+                  <a:moveTo>
+                    <a:pt x="126371" y="1352550"/>
+                  </a:moveTo>
+                  <a:cubicBezTo>
+                    <a:pt x="134275" y="1133475"/>
+                    <a:pt x="495200" y="1184275"/>
+                    <a:pt x="507371" y="1114425"/>
+                  </a:cubicBezTo>
+                  <a:cubicBezTo>
+                    <a:pt x="519542" y="1044575"/>
+                    <a:pt x="276020" y="997479"/>
+                    <a:pt x="199396" y="933450"/>
+                  </a:cubicBezTo>
+                  <a:cubicBezTo>
+                    <a:pt x="122772" y="869421"/>
+                    <a:pt x="74623" y="800629"/>
+                    <a:pt x="47625" y="730250"/>
+                  </a:cubicBezTo>
+                  <a:cubicBezTo>
+                    <a:pt x="20627" y="659871"/>
+                    <a:pt x="-38791" y="568325"/>
+                    <a:pt x="37409" y="511175"/>
+                  </a:cubicBezTo>
+                  <a:cubicBezTo>
+                    <a:pt x="119959" y="428625"/>
+                    <a:pt x="364480" y="285750"/>
+                    <a:pt x="110480" y="0"/>
+                  </a:cubicBezTo>
+                </a:path>
+              </a:pathLst>
+            </a:custGeom>
+            <a:noFill/>
+            <a:ln w="28575" cap="rnd">
+              <a:solidFill>
+                <a:schemeClr val="tx1"/>
+              </a:solidFill>
+            </a:ln>
+          </p:spPr>
+          <p:style>
+            <a:lnRef idx="2">
+              <a:schemeClr val="accent1">
+                <a:shade val="50000"/>
+              </a:schemeClr>
+            </a:lnRef>
+            <a:fillRef idx="1">
+              <a:schemeClr val="accent1"/>
+            </a:fillRef>
+            <a:effectRef idx="0">
+              <a:schemeClr val="accent1"/>
+            </a:effectRef>
+            <a:fontRef idx="minor">
+              <a:schemeClr val="lt1"/>
+            </a:fontRef>
+          </p:style>
+          <p:txBody>
+            <a:bodyPr rtlCol="0" anchor="ctr"/>
+            <a:lstStyle/>
+            <a:p>
+              <a:pPr algn="ctr"/>
+              <a:endParaRPr lang="en-US"/>
+            </a:p>
+          </p:txBody>
+        </p:sp>
+        <p:sp>
+          <p:nvSpPr>
+            <p:cNvPr id="1049" name="Rectangle 1048">
+              <a:extLst>
+                <a:ext uri="{FF2B5EF4-FFF2-40B4-BE49-F238E27FC236}">
+                  <a16:creationId xmlns:a16="http://schemas.microsoft.com/office/drawing/2014/main" id="{AA9E901B-9E78-5953-0E77-F04159928FFA}"/>
+                </a:ext>
+              </a:extLst>
+            </p:cNvPr>
+            <p:cNvSpPr/>
+            <p:nvPr/>
+          </p:nvSpPr>
+          <p:spPr>
+            <a:xfrm>
+              <a:off x="6169497" y="2629849"/>
+              <a:ext cx="80049" cy="80049"/>
+            </a:xfrm>
+            <a:prstGeom prst="rect">
+              <a:avLst/>
+            </a:prstGeom>
+            <a:solidFill>
+              <a:srgbClr val="F97A5D"/>
+            </a:solidFill>
+            <a:ln>
+              <a:noFill/>
+            </a:ln>
+          </p:spPr>
+          <p:style>
+            <a:lnRef idx="2">
+              <a:schemeClr val="accent1">
+                <a:shade val="50000"/>
+              </a:schemeClr>
+            </a:lnRef>
+            <a:fillRef idx="1">
+              <a:schemeClr val="accent1"/>
+            </a:fillRef>
+            <a:effectRef idx="0">
+              <a:schemeClr val="accent1"/>
+            </a:effectRef>
+            <a:fontRef idx="minor">
+              <a:schemeClr val="lt1"/>
+            </a:fontRef>
+          </p:style>
+          <p:txBody>
+            <a:bodyPr rtlCol="0" anchor="ctr"/>
+            <a:lstStyle/>
+            <a:p>
+              <a:pPr algn="ctr"/>
+              <a:endParaRPr lang="en-US"/>
+            </a:p>
+          </p:txBody>
+        </p:sp>
+        <p:sp>
+          <p:nvSpPr>
+            <p:cNvPr id="1051" name="Rectangle 1050">
+              <a:extLst>
+                <a:ext uri="{FF2B5EF4-FFF2-40B4-BE49-F238E27FC236}">
+                  <a16:creationId xmlns:a16="http://schemas.microsoft.com/office/drawing/2014/main" id="{65E439B9-F123-18D3-377F-61342D2D9D66}"/>
+                </a:ext>
+              </a:extLst>
+            </p:cNvPr>
+            <p:cNvSpPr/>
+            <p:nvPr/>
+          </p:nvSpPr>
+          <p:spPr>
+            <a:xfrm>
+              <a:off x="6315294" y="2617192"/>
+              <a:ext cx="80049" cy="80049"/>
+            </a:xfrm>
+            <a:prstGeom prst="rect">
+              <a:avLst/>
+            </a:prstGeom>
+            <a:solidFill>
+              <a:srgbClr val="F97A5D"/>
+            </a:solidFill>
+            <a:ln>
+              <a:noFill/>
+            </a:ln>
+          </p:spPr>
+          <p:style>
+            <a:lnRef idx="2">
+              <a:schemeClr val="accent1">
+                <a:shade val="50000"/>
+              </a:schemeClr>
+            </a:lnRef>
+            <a:fillRef idx="1">
+              <a:schemeClr val="accent1"/>
+            </a:fillRef>
+            <a:effectRef idx="0">
+              <a:schemeClr val="accent1"/>
+            </a:effectRef>
+            <a:fontRef idx="minor">
+              <a:schemeClr val="lt1"/>
+            </a:fontRef>
+          </p:style>
+          <p:txBody>
+            <a:bodyPr rtlCol="0" anchor="ctr"/>
+            <a:lstStyle/>
+            <a:p>
+              <a:pPr algn="ctr"/>
+              <a:endParaRPr lang="en-US"/>
+            </a:p>
+          </p:txBody>
+        </p:sp>
+        <p:sp>
+          <p:nvSpPr>
+            <p:cNvPr id="1052" name="Rectangle 1051">
+              <a:extLst>
+                <a:ext uri="{FF2B5EF4-FFF2-40B4-BE49-F238E27FC236}">
+                  <a16:creationId xmlns:a16="http://schemas.microsoft.com/office/drawing/2014/main" id="{AD341892-8BC6-D96F-5CCC-6D3BF80A0997}"/>
+                </a:ext>
+              </a:extLst>
+            </p:cNvPr>
+            <p:cNvSpPr/>
+            <p:nvPr/>
+          </p:nvSpPr>
+          <p:spPr>
+            <a:xfrm>
+              <a:off x="6445533" y="2546669"/>
+              <a:ext cx="80049" cy="80049"/>
+            </a:xfrm>
+            <a:prstGeom prst="rect">
+              <a:avLst/>
+            </a:prstGeom>
+            <a:solidFill>
+              <a:srgbClr val="F97A5D"/>
+            </a:solidFill>
+            <a:ln>
+              <a:noFill/>
+            </a:ln>
+          </p:spPr>
+          <p:style>
+            <a:lnRef idx="2">
+              <a:schemeClr val="accent1">
+                <a:shade val="50000"/>
+              </a:schemeClr>
+            </a:lnRef>
+            <a:fillRef idx="1">
+              <a:schemeClr val="accent1"/>
+            </a:fillRef>
+            <a:effectRef idx="0">
+              <a:schemeClr val="accent1"/>
+            </a:effectRef>
+            <a:fontRef idx="minor">
+              <a:schemeClr val="lt1"/>
+            </a:fontRef>
+          </p:style>
+          <p:txBody>
+            <a:bodyPr rtlCol="0" anchor="ctr"/>
+            <a:lstStyle/>
+            <a:p>
+              <a:pPr algn="ctr"/>
+              <a:endParaRPr lang="en-US"/>
+            </a:p>
+          </p:txBody>
+        </p:sp>
+        <p:sp>
+          <p:nvSpPr>
+            <p:cNvPr id="1053" name="Rectangle 1052">
+              <a:extLst>
+                <a:ext uri="{FF2B5EF4-FFF2-40B4-BE49-F238E27FC236}">
+                  <a16:creationId xmlns:a16="http://schemas.microsoft.com/office/drawing/2014/main" id="{73E6F4E3-E500-D569-5DB0-A538A77857A4}"/>
+                </a:ext>
+              </a:extLst>
+            </p:cNvPr>
+            <p:cNvSpPr/>
+            <p:nvPr/>
+          </p:nvSpPr>
+          <p:spPr>
+            <a:xfrm>
+              <a:off x="6623059" y="2384627"/>
+              <a:ext cx="80049" cy="80049"/>
+            </a:xfrm>
+            <a:prstGeom prst="rect">
+              <a:avLst/>
+            </a:prstGeom>
+            <a:solidFill>
+              <a:srgbClr val="F97A5D"/>
+            </a:solidFill>
+            <a:ln>
+              <a:noFill/>
+            </a:ln>
+          </p:spPr>
+          <p:style>
+            <a:lnRef idx="2">
+              <a:schemeClr val="accent1">
+                <a:shade val="50000"/>
+              </a:schemeClr>
+            </a:lnRef>
+            <a:fillRef idx="1">
+              <a:schemeClr val="accent1"/>
+            </a:fillRef>
+            <a:effectRef idx="0">
+              <a:schemeClr val="accent1"/>
+            </a:effectRef>
+            <a:fontRef idx="minor">
+              <a:schemeClr val="lt1"/>
+            </a:fontRef>
+          </p:style>
+          <p:txBody>
+            <a:bodyPr rtlCol="0" anchor="ctr"/>
+            <a:lstStyle/>
+            <a:p>
+              <a:pPr algn="ctr"/>
+              <a:endParaRPr lang="en-US"/>
+            </a:p>
+          </p:txBody>
+        </p:sp>
+        <p:sp>
+          <p:nvSpPr>
+            <p:cNvPr id="1054" name="Rectangle 1053">
+              <a:extLst>
+                <a:ext uri="{FF2B5EF4-FFF2-40B4-BE49-F238E27FC236}">
+                  <a16:creationId xmlns:a16="http://schemas.microsoft.com/office/drawing/2014/main" id="{5C3846F0-92E2-CB4B-CF2C-7B4EEA78ABC2}"/>
+                </a:ext>
+              </a:extLst>
+            </p:cNvPr>
+            <p:cNvSpPr/>
+            <p:nvPr/>
+          </p:nvSpPr>
+          <p:spPr>
+            <a:xfrm>
+              <a:off x="6739351" y="2467297"/>
+              <a:ext cx="80049" cy="80049"/>
+            </a:xfrm>
+            <a:prstGeom prst="rect">
+              <a:avLst/>
+            </a:prstGeom>
+            <a:solidFill>
+              <a:srgbClr val="F97A5D"/>
+            </a:solidFill>
+            <a:ln>
+              <a:noFill/>
+            </a:ln>
+          </p:spPr>
+          <p:style>
+            <a:lnRef idx="2">
+              <a:schemeClr val="accent1">
+                <a:shade val="50000"/>
+              </a:schemeClr>
+            </a:lnRef>
+            <a:fillRef idx="1">
+              <a:schemeClr val="accent1"/>
+            </a:fillRef>
+            <a:effectRef idx="0">
+              <a:schemeClr val="accent1"/>
+            </a:effectRef>
+            <a:fontRef idx="minor">
+              <a:schemeClr val="lt1"/>
+            </a:fontRef>
+          </p:style>
+          <p:txBody>
+            <a:bodyPr rtlCol="0" anchor="ctr"/>
+            <a:lstStyle/>
+            <a:p>
+              <a:pPr algn="ctr"/>
+              <a:endParaRPr lang="en-US"/>
+            </a:p>
+          </p:txBody>
+        </p:sp>
+        <p:sp>
+          <p:nvSpPr>
+            <p:cNvPr id="1055" name="Rectangle 1054">
+              <a:extLst>
+                <a:ext uri="{FF2B5EF4-FFF2-40B4-BE49-F238E27FC236}">
+                  <a16:creationId xmlns:a16="http://schemas.microsoft.com/office/drawing/2014/main" id="{FFE64796-0427-BB2C-D685-0C5AB966FFD4}"/>
+                </a:ext>
+              </a:extLst>
+            </p:cNvPr>
+            <p:cNvSpPr/>
+            <p:nvPr/>
+          </p:nvSpPr>
+          <p:spPr>
+            <a:xfrm>
+              <a:off x="6851941" y="2547346"/>
+              <a:ext cx="80049" cy="80049"/>
+            </a:xfrm>
+            <a:prstGeom prst="rect">
+              <a:avLst/>
+            </a:prstGeom>
+            <a:solidFill>
+              <a:srgbClr val="F97A5D"/>
+            </a:solidFill>
+            <a:ln>
+              <a:noFill/>
+            </a:ln>
+          </p:spPr>
+          <p:style>
+            <a:lnRef idx="2">
+              <a:schemeClr val="accent1">
+                <a:shade val="50000"/>
+              </a:schemeClr>
+            </a:lnRef>
+            <a:fillRef idx="1">
+              <a:schemeClr val="accent1"/>
+            </a:fillRef>
+            <a:effectRef idx="0">
+              <a:schemeClr val="accent1"/>
+            </a:effectRef>
+            <a:fontRef idx="minor">
+              <a:schemeClr val="lt1"/>
+            </a:fontRef>
+          </p:style>
+          <p:txBody>
+            <a:bodyPr rtlCol="0" anchor="ctr"/>
+            <a:lstStyle/>
+            <a:p>
+              <a:pPr algn="ctr"/>
+              <a:endParaRPr lang="en-US"/>
+            </a:p>
+          </p:txBody>
+        </p:sp>
+        <p:sp>
+          <p:nvSpPr>
+            <p:cNvPr id="1056" name="Rectangle 1055">
+              <a:extLst>
+                <a:ext uri="{FF2B5EF4-FFF2-40B4-BE49-F238E27FC236}">
+                  <a16:creationId xmlns:a16="http://schemas.microsoft.com/office/drawing/2014/main" id="{9A6F9F60-8674-0075-EFC4-527BB30F6D5B}"/>
+                </a:ext>
+              </a:extLst>
+            </p:cNvPr>
+            <p:cNvSpPr/>
+            <p:nvPr/>
+          </p:nvSpPr>
+          <p:spPr>
+            <a:xfrm>
+              <a:off x="6985274" y="2617951"/>
+              <a:ext cx="80049" cy="80049"/>
+            </a:xfrm>
+            <a:prstGeom prst="rect">
+              <a:avLst/>
+            </a:prstGeom>
+            <a:solidFill>
+              <a:srgbClr val="F97A5D"/>
+            </a:solidFill>
+            <a:ln>
+              <a:noFill/>
+            </a:ln>
+          </p:spPr>
+          <p:style>
+            <a:lnRef idx="2">
+              <a:schemeClr val="accent1">
+                <a:shade val="50000"/>
+              </a:schemeClr>
+            </a:lnRef>
+            <a:fillRef idx="1">
+              <a:schemeClr val="accent1"/>
+            </a:fillRef>
+            <a:effectRef idx="0">
+              <a:schemeClr val="accent1"/>
+            </a:effectRef>
+            <a:fontRef idx="minor">
+              <a:schemeClr val="lt1"/>
+            </a:fontRef>
+          </p:style>
+          <p:txBody>
+            <a:bodyPr rtlCol="0" anchor="ctr"/>
+            <a:lstStyle/>
+            <a:p>
+              <a:pPr algn="ctr"/>
+              <a:endParaRPr lang="en-US"/>
+            </a:p>
+          </p:txBody>
+        </p:sp>
+        <p:sp>
+          <p:nvSpPr>
+            <p:cNvPr id="1057" name="Rectangle 1056">
+              <a:extLst>
+                <a:ext uri="{FF2B5EF4-FFF2-40B4-BE49-F238E27FC236}">
+                  <a16:creationId xmlns:a16="http://schemas.microsoft.com/office/drawing/2014/main" id="{7B00664D-EDEC-95C0-E6AE-0552CC12CBAB}"/>
+                </a:ext>
+              </a:extLst>
+            </p:cNvPr>
+            <p:cNvSpPr/>
+            <p:nvPr/>
+          </p:nvSpPr>
+          <p:spPr>
+            <a:xfrm>
+              <a:off x="7118607" y="2661741"/>
+              <a:ext cx="80049" cy="80049"/>
+            </a:xfrm>
+            <a:prstGeom prst="rect">
+              <a:avLst/>
+            </a:prstGeom>
+            <a:solidFill>
+              <a:srgbClr val="F97A5D"/>
+            </a:solidFill>
+            <a:ln>
+              <a:noFill/>
+            </a:ln>
+          </p:spPr>
+          <p:style>
+            <a:lnRef idx="2">
+              <a:schemeClr val="accent1">
+                <a:shade val="50000"/>
+              </a:schemeClr>
+            </a:lnRef>
+            <a:fillRef idx="1">
+              <a:schemeClr val="accent1"/>
+            </a:fillRef>
+            <a:effectRef idx="0">
+              <a:schemeClr val="accent1"/>
+            </a:effectRef>
+            <a:fontRef idx="minor">
+              <a:schemeClr val="lt1"/>
+            </a:fontRef>
+          </p:style>
+          <p:txBody>
+            <a:bodyPr rtlCol="0" anchor="ctr"/>
+            <a:lstStyle/>
+            <a:p>
+              <a:pPr algn="ctr"/>
+              <a:endParaRPr lang="en-US"/>
+            </a:p>
+          </p:txBody>
+        </p:sp>
+        <p:sp>
+          <p:nvSpPr>
+            <p:cNvPr id="1058" name="Rectangle 1057">
+              <a:extLst>
+                <a:ext uri="{FF2B5EF4-FFF2-40B4-BE49-F238E27FC236}">
+                  <a16:creationId xmlns:a16="http://schemas.microsoft.com/office/drawing/2014/main" id="{A50C1BF2-9588-21FB-E6D4-238571CCBCA9}"/>
+                </a:ext>
+              </a:extLst>
+            </p:cNvPr>
+            <p:cNvSpPr/>
+            <p:nvPr/>
+          </p:nvSpPr>
+          <p:spPr>
+            <a:xfrm>
+              <a:off x="7261860" y="2687371"/>
+              <a:ext cx="80049" cy="80049"/>
+            </a:xfrm>
+            <a:prstGeom prst="rect">
+              <a:avLst/>
+            </a:prstGeom>
+            <a:solidFill>
+              <a:srgbClr val="F97A5D"/>
+            </a:solidFill>
+            <a:ln>
+              <a:noFill/>
+            </a:ln>
+          </p:spPr>
+          <p:style>
+            <a:lnRef idx="2">
+              <a:schemeClr val="accent1">
+                <a:shade val="50000"/>
+              </a:schemeClr>
+            </a:lnRef>
+            <a:fillRef idx="1">
+              <a:schemeClr val="accent1"/>
+            </a:fillRef>
+            <a:effectRef idx="0">
+              <a:schemeClr val="accent1"/>
+            </a:effectRef>
+            <a:fontRef idx="minor">
+              <a:schemeClr val="lt1"/>
+            </a:fontRef>
+          </p:style>
+          <p:txBody>
+            <a:bodyPr rtlCol="0" anchor="ctr"/>
+            <a:lstStyle/>
+            <a:p>
+              <a:pPr algn="ctr"/>
+              <a:endParaRPr lang="en-US"/>
+            </a:p>
+          </p:txBody>
+        </p:sp>
+        <p:sp>
+          <p:nvSpPr>
+            <p:cNvPr id="1059" name="Rectangle 1058">
+              <a:extLst>
+                <a:ext uri="{FF2B5EF4-FFF2-40B4-BE49-F238E27FC236}">
+                  <a16:creationId xmlns:a16="http://schemas.microsoft.com/office/drawing/2014/main" id="{4EB929C6-E6D7-A2E6-5EAD-562F633E659C}"/>
+                </a:ext>
+              </a:extLst>
+            </p:cNvPr>
+            <p:cNvSpPr/>
+            <p:nvPr/>
+          </p:nvSpPr>
+          <p:spPr>
+            <a:xfrm>
+              <a:off x="7413602" y="2713378"/>
+              <a:ext cx="80049" cy="80049"/>
+            </a:xfrm>
+            <a:prstGeom prst="rect">
+              <a:avLst/>
+            </a:prstGeom>
+            <a:solidFill>
+              <a:srgbClr val="F97A5D"/>
+            </a:solidFill>
+            <a:ln>
+              <a:noFill/>
+            </a:ln>
+          </p:spPr>
+          <p:style>
+            <a:lnRef idx="2">
+              <a:schemeClr val="accent1">
+                <a:shade val="50000"/>
+              </a:schemeClr>
+            </a:lnRef>
+            <a:fillRef idx="1">
+              <a:schemeClr val="accent1"/>
+            </a:fillRef>
+            <a:effectRef idx="0">
+              <a:schemeClr val="accent1"/>
+            </a:effectRef>
+            <a:fontRef idx="minor">
+              <a:schemeClr val="lt1"/>
+            </a:fontRef>
+          </p:style>
+          <p:txBody>
+            <a:bodyPr rtlCol="0" anchor="ctr"/>
+            <a:lstStyle/>
+            <a:p>
+              <a:pPr algn="ctr"/>
+              <a:endParaRPr lang="en-US"/>
+            </a:p>
+          </p:txBody>
+        </p:sp>
+        <p:sp>
+          <p:nvSpPr>
+            <p:cNvPr id="1060" name="Rectangle 1059">
+              <a:extLst>
+                <a:ext uri="{FF2B5EF4-FFF2-40B4-BE49-F238E27FC236}">
+                  <a16:creationId xmlns:a16="http://schemas.microsoft.com/office/drawing/2014/main" id="{A4810F65-78D9-EA08-9C5A-891F96723FB9}"/>
+                </a:ext>
+              </a:extLst>
+            </p:cNvPr>
+            <p:cNvSpPr/>
+            <p:nvPr/>
+          </p:nvSpPr>
+          <p:spPr>
+            <a:xfrm>
+              <a:off x="7565344" y="2708148"/>
+              <a:ext cx="80049" cy="80049"/>
+            </a:xfrm>
+            <a:prstGeom prst="rect">
+              <a:avLst/>
+            </a:prstGeom>
+            <a:solidFill>
+              <a:srgbClr val="F97A5D"/>
+            </a:solidFill>
+            <a:ln>
+              <a:noFill/>
+            </a:ln>
+          </p:spPr>
+          <p:style>
+            <a:lnRef idx="2">
+              <a:schemeClr val="accent1">
+                <a:shade val="50000"/>
+              </a:schemeClr>
+            </a:lnRef>
+            <a:fillRef idx="1">
+              <a:schemeClr val="accent1"/>
+            </a:fillRef>
+            <a:effectRef idx="0">
+              <a:schemeClr val="accent1"/>
+            </a:effectRef>
+            <a:fontRef idx="minor">
+              <a:schemeClr val="lt1"/>
+            </a:fontRef>
+          </p:style>
+          <p:txBody>
+            <a:bodyPr rtlCol="0" anchor="ctr"/>
+            <a:lstStyle/>
+            <a:p>
+              <a:pPr algn="ctr"/>
+              <a:endParaRPr lang="en-US"/>
+            </a:p>
+          </p:txBody>
+        </p:sp>
+        <p:sp>
+          <p:nvSpPr>
+            <p:cNvPr id="1061" name="Rectangle 1060">
+              <a:extLst>
+                <a:ext uri="{FF2B5EF4-FFF2-40B4-BE49-F238E27FC236}">
+                  <a16:creationId xmlns:a16="http://schemas.microsoft.com/office/drawing/2014/main" id="{0814D4EA-79E6-EA19-9763-0E11B34B07D4}"/>
+                </a:ext>
+              </a:extLst>
+            </p:cNvPr>
+            <p:cNvSpPr/>
+            <p:nvPr/>
+          </p:nvSpPr>
+          <p:spPr>
+            <a:xfrm>
+              <a:off x="7701393" y="2665110"/>
+              <a:ext cx="80049" cy="80049"/>
+            </a:xfrm>
+            <a:prstGeom prst="rect">
+              <a:avLst/>
+            </a:prstGeom>
+            <a:solidFill>
+              <a:srgbClr val="F97A5D"/>
+            </a:solidFill>
+            <a:ln>
+              <a:noFill/>
+            </a:ln>
+          </p:spPr>
+          <p:style>
+            <a:lnRef idx="2">
+              <a:schemeClr val="accent1">
+                <a:shade val="50000"/>
+              </a:schemeClr>
+            </a:lnRef>
+            <a:fillRef idx="1">
+              <a:schemeClr val="accent1"/>
+            </a:fillRef>
+            <a:effectRef idx="0">
+              <a:schemeClr val="accent1"/>
+            </a:effectRef>
+            <a:fontRef idx="minor">
+              <a:schemeClr val="lt1"/>
+            </a:fontRef>
+          </p:style>
+          <p:txBody>
+            <a:bodyPr rtlCol="0" anchor="ctr"/>
+            <a:lstStyle/>
+            <a:p>
+              <a:pPr algn="ctr"/>
+              <a:endParaRPr lang="en-US"/>
+            </a:p>
+          </p:txBody>
+        </p:sp>
+        <p:sp>
+          <p:nvSpPr>
+            <p:cNvPr id="1062" name="Rectangle 1061">
+              <a:extLst>
+                <a:ext uri="{FF2B5EF4-FFF2-40B4-BE49-F238E27FC236}">
+                  <a16:creationId xmlns:a16="http://schemas.microsoft.com/office/drawing/2014/main" id="{8905F130-09C4-A5FE-4BCC-88C071B8EA98}"/>
+                </a:ext>
+              </a:extLst>
+            </p:cNvPr>
+            <p:cNvSpPr/>
+            <p:nvPr/>
+          </p:nvSpPr>
+          <p:spPr>
+            <a:xfrm>
+              <a:off x="7834653" y="2617951"/>
+              <a:ext cx="80049" cy="80049"/>
+            </a:xfrm>
+            <a:prstGeom prst="rect">
+              <a:avLst/>
+            </a:prstGeom>
+            <a:solidFill>
+              <a:srgbClr val="F97A5D"/>
+            </a:solidFill>
+            <a:ln>
+              <a:noFill/>
+            </a:ln>
+          </p:spPr>
+          <p:style>
+            <a:lnRef idx="2">
+              <a:schemeClr val="accent1">
+                <a:shade val="50000"/>
+              </a:schemeClr>
+            </a:lnRef>
+            <a:fillRef idx="1">
+              <a:schemeClr val="accent1"/>
+            </a:fillRef>
+            <a:effectRef idx="0">
+              <a:schemeClr val="accent1"/>
+            </a:effectRef>
+            <a:fontRef idx="minor">
+              <a:schemeClr val="lt1"/>
+            </a:fontRef>
+          </p:style>
+          <p:txBody>
+            <a:bodyPr rtlCol="0" anchor="ctr"/>
+            <a:lstStyle/>
+            <a:p>
+              <a:pPr algn="ctr"/>
+              <a:endParaRPr lang="en-US"/>
+            </a:p>
+          </p:txBody>
+        </p:sp>
+        <p:sp>
+          <p:nvSpPr>
+            <p:cNvPr id="1063" name="Rectangle 1062">
+              <a:extLst>
+                <a:ext uri="{FF2B5EF4-FFF2-40B4-BE49-F238E27FC236}">
+                  <a16:creationId xmlns:a16="http://schemas.microsoft.com/office/drawing/2014/main" id="{930C7171-5702-5B03-1355-334EB7D16ACC}"/>
+                </a:ext>
+              </a:extLst>
+            </p:cNvPr>
+            <p:cNvSpPr/>
+            <p:nvPr/>
+          </p:nvSpPr>
+          <p:spPr>
+            <a:xfrm>
+              <a:off x="7967913" y="2583624"/>
+              <a:ext cx="80049" cy="80049"/>
+            </a:xfrm>
+            <a:prstGeom prst="rect">
+              <a:avLst/>
+            </a:prstGeom>
+            <a:solidFill>
+              <a:srgbClr val="F97A5D"/>
+            </a:solidFill>
+            <a:ln>
+              <a:noFill/>
+            </a:ln>
+          </p:spPr>
+          <p:style>
+            <a:lnRef idx="2">
+              <a:schemeClr val="accent1">
+                <a:shade val="50000"/>
+              </a:schemeClr>
+            </a:lnRef>
+            <a:fillRef idx="1">
+              <a:schemeClr val="accent1"/>
+            </a:fillRef>
+            <a:effectRef idx="0">
+              <a:schemeClr val="accent1"/>
+            </a:effectRef>
+            <a:fontRef idx="minor">
+              <a:schemeClr val="lt1"/>
+            </a:fontRef>
+          </p:style>
+          <p:txBody>
+            <a:bodyPr rtlCol="0" anchor="ctr"/>
+            <a:lstStyle/>
+            <a:p>
+              <a:pPr algn="ctr"/>
+              <a:endParaRPr lang="en-US"/>
+            </a:p>
+          </p:txBody>
+        </p:sp>
+        <p:sp>
+          <p:nvSpPr>
+            <p:cNvPr id="1064" name="Rectangle 1063">
+              <a:extLst>
+                <a:ext uri="{FF2B5EF4-FFF2-40B4-BE49-F238E27FC236}">
+                  <a16:creationId xmlns:a16="http://schemas.microsoft.com/office/drawing/2014/main" id="{6EAD11FF-7827-69CA-110B-11352A6FB4D4}"/>
+                </a:ext>
+              </a:extLst>
+            </p:cNvPr>
+            <p:cNvSpPr/>
+            <p:nvPr/>
+          </p:nvSpPr>
+          <p:spPr>
+            <a:xfrm>
+              <a:off x="8100250" y="2566312"/>
+              <a:ext cx="80049" cy="80049"/>
+            </a:xfrm>
+            <a:prstGeom prst="rect">
+              <a:avLst/>
+            </a:prstGeom>
+            <a:solidFill>
+              <a:srgbClr val="F97A5D"/>
+            </a:solidFill>
+            <a:ln>
+              <a:noFill/>
+            </a:ln>
+          </p:spPr>
+          <p:style>
+            <a:lnRef idx="2">
+              <a:schemeClr val="accent1">
+                <a:shade val="50000"/>
+              </a:schemeClr>
+            </a:lnRef>
+            <a:fillRef idx="1">
+              <a:schemeClr val="accent1"/>
+            </a:fillRef>
+            <a:effectRef idx="0">
+              <a:schemeClr val="accent1"/>
+            </a:effectRef>
+            <a:fontRef idx="minor">
+              <a:schemeClr val="lt1"/>
+            </a:fontRef>
+          </p:style>
+          <p:txBody>
+            <a:bodyPr rtlCol="0" anchor="ctr"/>
+            <a:lstStyle/>
+            <a:p>
+              <a:pPr algn="ctr"/>
+              <a:endParaRPr lang="en-US"/>
+            </a:p>
+          </p:txBody>
+        </p:sp>
+        <p:sp>
+          <p:nvSpPr>
+            <p:cNvPr id="1065" name="Rectangle 1064">
+              <a:extLst>
+                <a:ext uri="{FF2B5EF4-FFF2-40B4-BE49-F238E27FC236}">
+                  <a16:creationId xmlns:a16="http://schemas.microsoft.com/office/drawing/2014/main" id="{C334D1DF-4501-A59C-E006-51F59A2BDCF6}"/>
+                </a:ext>
+              </a:extLst>
+            </p:cNvPr>
+            <p:cNvSpPr/>
+            <p:nvPr/>
+          </p:nvSpPr>
+          <p:spPr>
+            <a:xfrm>
+              <a:off x="8249571" y="2577926"/>
+              <a:ext cx="80049" cy="80049"/>
+            </a:xfrm>
+            <a:prstGeom prst="rect">
+              <a:avLst/>
+            </a:prstGeom>
+            <a:solidFill>
+              <a:srgbClr val="F97A5D"/>
+            </a:solidFill>
+            <a:ln>
+              <a:noFill/>
+            </a:ln>
+          </p:spPr>
+          <p:style>
+            <a:lnRef idx="2">
+              <a:schemeClr val="accent1">
+                <a:shade val="50000"/>
+              </a:schemeClr>
+            </a:lnRef>
+            <a:fillRef idx="1">
+              <a:schemeClr val="accent1"/>
+            </a:fillRef>
+            <a:effectRef idx="0">
+              <a:schemeClr val="accent1"/>
+            </a:effectRef>
+            <a:fontRef idx="minor">
+              <a:schemeClr val="lt1"/>
+            </a:fontRef>
+          </p:style>
+          <p:txBody>
+            <a:bodyPr rtlCol="0" anchor="ctr"/>
+            <a:lstStyle/>
+            <a:p>
+              <a:pPr algn="ctr"/>
+              <a:endParaRPr lang="en-US"/>
+            </a:p>
+          </p:txBody>
+        </p:sp>
+        <p:sp>
+          <p:nvSpPr>
+            <p:cNvPr id="1066" name="Rectangle 1065">
+              <a:extLst>
+                <a:ext uri="{FF2B5EF4-FFF2-40B4-BE49-F238E27FC236}">
+                  <a16:creationId xmlns:a16="http://schemas.microsoft.com/office/drawing/2014/main" id="{E935609F-11C3-4A10-EE99-BCB9F7501AE0}"/>
+                </a:ext>
+              </a:extLst>
+            </p:cNvPr>
+            <p:cNvSpPr/>
+            <p:nvPr/>
+          </p:nvSpPr>
+          <p:spPr>
+            <a:xfrm>
+              <a:off x="8398892" y="2604221"/>
+              <a:ext cx="80049" cy="80049"/>
+            </a:xfrm>
+            <a:prstGeom prst="rect">
+              <a:avLst/>
+            </a:prstGeom>
+            <a:solidFill>
+              <a:srgbClr val="F97A5D"/>
+            </a:solidFill>
+            <a:ln>
+              <a:noFill/>
+            </a:ln>
+          </p:spPr>
+          <p:style>
+            <a:lnRef idx="2">
+              <a:schemeClr val="accent1">
+                <a:shade val="50000"/>
+              </a:schemeClr>
+            </a:lnRef>
+            <a:fillRef idx="1">
+              <a:schemeClr val="accent1"/>
+            </a:fillRef>
+            <a:effectRef idx="0">
+              <a:schemeClr val="accent1"/>
+            </a:effectRef>
+            <a:fontRef idx="minor">
+              <a:schemeClr val="lt1"/>
+            </a:fontRef>
+          </p:style>
+          <p:txBody>
+            <a:bodyPr rtlCol="0" anchor="ctr"/>
+            <a:lstStyle/>
+            <a:p>
+              <a:pPr algn="ctr"/>
+              <a:endParaRPr lang="en-US"/>
+            </a:p>
+          </p:txBody>
+        </p:sp>
+        <p:sp>
+          <p:nvSpPr>
+            <p:cNvPr id="1067" name="Rectangle 1066">
+              <a:extLst>
+                <a:ext uri="{FF2B5EF4-FFF2-40B4-BE49-F238E27FC236}">
+                  <a16:creationId xmlns:a16="http://schemas.microsoft.com/office/drawing/2014/main" id="{6D4D80AD-E8A0-6B17-AEE9-160EF7B0A81C}"/>
+                </a:ext>
+              </a:extLst>
+            </p:cNvPr>
+            <p:cNvSpPr/>
+            <p:nvPr/>
+          </p:nvSpPr>
+          <p:spPr>
+            <a:xfrm>
+              <a:off x="8539134" y="2635956"/>
+              <a:ext cx="80049" cy="80049"/>
+            </a:xfrm>
+            <a:prstGeom prst="rect">
+              <a:avLst/>
+            </a:prstGeom>
+            <a:solidFill>
+              <a:srgbClr val="F97A5D"/>
+            </a:solidFill>
+            <a:ln>
+              <a:noFill/>
+            </a:ln>
+          </p:spPr>
+          <p:style>
+            <a:lnRef idx="2">
+              <a:schemeClr val="accent1">
+                <a:shade val="50000"/>
+              </a:schemeClr>
+            </a:lnRef>
+            <a:fillRef idx="1">
+              <a:schemeClr val="accent1"/>
+            </a:fillRef>
+            <a:effectRef idx="0">
+              <a:schemeClr val="accent1"/>
+            </a:effectRef>
+            <a:fontRef idx="minor">
+              <a:schemeClr val="lt1"/>
+            </a:fontRef>
+          </p:style>
+          <p:txBody>
+            <a:bodyPr rtlCol="0" anchor="ctr"/>
+            <a:lstStyle/>
+            <a:p>
+              <a:pPr algn="ctr"/>
+              <a:endParaRPr lang="en-US"/>
+            </a:p>
+          </p:txBody>
+        </p:sp>
+        <p:sp>
+          <p:nvSpPr>
+            <p:cNvPr id="1068" name="Rectangle 1067">
+              <a:extLst>
+                <a:ext uri="{FF2B5EF4-FFF2-40B4-BE49-F238E27FC236}">
+                  <a16:creationId xmlns:a16="http://schemas.microsoft.com/office/drawing/2014/main" id="{E70B926C-3389-3B6B-FD54-06BAF1B8290B}"/>
+                </a:ext>
+              </a:extLst>
+            </p:cNvPr>
+            <p:cNvSpPr/>
+            <p:nvPr/>
+          </p:nvSpPr>
+          <p:spPr>
+            <a:xfrm>
+              <a:off x="6515232" y="2429942"/>
+              <a:ext cx="80049" cy="80049"/>
+            </a:xfrm>
+            <a:prstGeom prst="rect">
+              <a:avLst/>
+            </a:prstGeom>
+            <a:solidFill>
+              <a:srgbClr val="F97A5D"/>
+            </a:solidFill>
+            <a:ln>
+              <a:noFill/>
+            </a:ln>
+          </p:spPr>
+          <p:style>
+            <a:lnRef idx="2">
+              <a:schemeClr val="accent1">
+                <a:shade val="50000"/>
+              </a:schemeClr>
+            </a:lnRef>
+            <a:fillRef idx="1">
+              <a:schemeClr val="accent1"/>
+            </a:fillRef>
+            <a:effectRef idx="0">
+              <a:schemeClr val="accent1"/>
+            </a:effectRef>
+            <a:fontRef idx="minor">
+              <a:schemeClr val="lt1"/>
+            </a:fontRef>
+          </p:style>
+          <p:txBody>
+            <a:bodyPr rtlCol="0" anchor="ctr"/>
+            <a:lstStyle/>
+            <a:p>
+              <a:pPr algn="ctr"/>
+              <a:endParaRPr lang="en-US"/>
+            </a:p>
+          </p:txBody>
+        </p:sp>
+      </p:grpSp>
+      <p:grpSp>
+        <p:nvGrpSpPr>
+          <p:cNvPr id="1093" name="Group 1092">
+            <a:extLst>
+              <a:ext uri="{FF2B5EF4-FFF2-40B4-BE49-F238E27FC236}">
+                <a16:creationId xmlns:a16="http://schemas.microsoft.com/office/drawing/2014/main" id="{DC5E7181-33F3-8681-C9B8-23A62840AA5A}"/>
+              </a:ext>
+            </a:extLst>
+          </p:cNvPr>
+          <p:cNvGrpSpPr/>
+          <p:nvPr/>
+        </p:nvGrpSpPr>
+        <p:grpSpPr>
+          <a:xfrm>
+            <a:off x="8091436" y="3414018"/>
+            <a:ext cx="582623" cy="565984"/>
+            <a:chOff x="8091436" y="3414018"/>
+            <a:chExt cx="582623" cy="565984"/>
+          </a:xfrm>
+        </p:grpSpPr>
+        <p:sp>
+          <p:nvSpPr>
+            <p:cNvPr id="1070" name="Rectangle 1069">
+              <a:extLst>
+                <a:ext uri="{FF2B5EF4-FFF2-40B4-BE49-F238E27FC236}">
+                  <a16:creationId xmlns:a16="http://schemas.microsoft.com/office/drawing/2014/main" id="{F3DBDDC8-5C63-53DA-BEE0-2DAF827331C2}"/>
+                </a:ext>
+              </a:extLst>
+            </p:cNvPr>
+            <p:cNvSpPr/>
+            <p:nvPr/>
+          </p:nvSpPr>
+          <p:spPr>
+            <a:xfrm>
+              <a:off x="8091436" y="3615053"/>
+              <a:ext cx="582623" cy="178065"/>
+            </a:xfrm>
+            <a:prstGeom prst="rect">
+              <a:avLst/>
+            </a:prstGeom>
+            <a:noFill/>
+            <a:ln w="12700">
+              <a:solidFill>
+                <a:schemeClr val="tx1"/>
+              </a:solidFill>
+            </a:ln>
+          </p:spPr>
+          <p:style>
+            <a:lnRef idx="2">
+              <a:schemeClr val="accent1">
+                <a:shade val="50000"/>
+              </a:schemeClr>
+            </a:lnRef>
+            <a:fillRef idx="1">
+              <a:schemeClr val="accent1"/>
+            </a:fillRef>
+            <a:effectRef idx="0">
+              <a:schemeClr val="accent1"/>
+            </a:effectRef>
+            <a:fontRef idx="minor">
+              <a:schemeClr val="lt1"/>
+            </a:fontRef>
+          </p:style>
+          <p:txBody>
+            <a:bodyPr rtlCol="0" anchor="ctr"/>
+            <a:lstStyle/>
+            <a:p>
+              <a:pPr algn="ctr"/>
+              <a:endParaRPr lang="en-US"/>
+            </a:p>
+          </p:txBody>
+        </p:sp>
+        <p:pic>
+          <p:nvPicPr>
+            <p:cNvPr id="1075" name="Picture 1074">
+              <a:extLst>
+                <a:ext uri="{FF2B5EF4-FFF2-40B4-BE49-F238E27FC236}">
+                  <a16:creationId xmlns:a16="http://schemas.microsoft.com/office/drawing/2014/main" id="{FB5CE53A-40BF-9AF1-9F18-E79F7E549EDA}"/>
+                </a:ext>
+              </a:extLst>
+            </p:cNvPr>
+            <p:cNvPicPr>
+              <a:picLocks noChangeAspect="1"/>
+            </p:cNvPicPr>
+            <p:nvPr/>
+          </p:nvPicPr>
+          <p:blipFill>
+            <a:blip r:embed="rId4"/>
+            <a:stretch>
+              <a:fillRect/>
+            </a:stretch>
+          </p:blipFill>
+          <p:spPr>
+            <a:xfrm>
+              <a:off x="8283370" y="3800068"/>
+              <a:ext cx="205639" cy="179934"/>
+            </a:xfrm>
+            <a:prstGeom prst="rect">
+              <a:avLst/>
+            </a:prstGeom>
+          </p:spPr>
+        </p:pic>
+        <p:pic>
+          <p:nvPicPr>
+            <p:cNvPr id="1077" name="Picture 1076">
+              <a:extLst>
+                <a:ext uri="{FF2B5EF4-FFF2-40B4-BE49-F238E27FC236}">
+                  <a16:creationId xmlns:a16="http://schemas.microsoft.com/office/drawing/2014/main" id="{90C8716D-4BA0-E802-D8C6-15096ACDB867}"/>
+                </a:ext>
+              </a:extLst>
+            </p:cNvPr>
+            <p:cNvPicPr>
+              <a:picLocks noChangeAspect="1"/>
+            </p:cNvPicPr>
+            <p:nvPr/>
+          </p:nvPicPr>
+          <p:blipFill>
+            <a:blip r:embed="rId5"/>
+            <a:stretch>
+              <a:fillRect/>
+            </a:stretch>
+          </p:blipFill>
+          <p:spPr>
+            <a:xfrm>
+              <a:off x="8134635" y="3414018"/>
+              <a:ext cx="507255" cy="161994"/>
+            </a:xfrm>
+            <a:prstGeom prst="rect">
+              <a:avLst/>
+            </a:prstGeom>
+          </p:spPr>
+        </p:pic>
+      </p:grpSp>
+      <p:grpSp>
+        <p:nvGrpSpPr>
+          <p:cNvPr id="1095" name="Group 1094">
+            <a:extLst>
+              <a:ext uri="{FF2B5EF4-FFF2-40B4-BE49-F238E27FC236}">
+                <a16:creationId xmlns:a16="http://schemas.microsoft.com/office/drawing/2014/main" id="{4474A719-9575-B776-CB58-FA3D2BF81E11}"/>
+              </a:ext>
+            </a:extLst>
+          </p:cNvPr>
+          <p:cNvGrpSpPr/>
+          <p:nvPr/>
+        </p:nvGrpSpPr>
+        <p:grpSpPr>
+          <a:xfrm>
+            <a:off x="6189116" y="3419143"/>
+            <a:ext cx="521846" cy="581841"/>
+            <a:chOff x="6189116" y="3419143"/>
+            <a:chExt cx="521846" cy="581841"/>
+          </a:xfrm>
+        </p:grpSpPr>
+        <p:sp>
+          <p:nvSpPr>
+            <p:cNvPr id="1042" name="Rectangle 1041">
+              <a:extLst>
+                <a:ext uri="{FF2B5EF4-FFF2-40B4-BE49-F238E27FC236}">
+                  <a16:creationId xmlns:a16="http://schemas.microsoft.com/office/drawing/2014/main" id="{DE4AC98A-DFF0-A63D-12D9-4D0D25343CF9}"/>
+                </a:ext>
+              </a:extLst>
+            </p:cNvPr>
+            <p:cNvSpPr/>
+            <p:nvPr/>
+          </p:nvSpPr>
+          <p:spPr>
+            <a:xfrm>
+              <a:off x="6220324" y="3615535"/>
+              <a:ext cx="459431" cy="181358"/>
+            </a:xfrm>
+            <a:prstGeom prst="rect">
+              <a:avLst/>
+            </a:prstGeom>
+            <a:noFill/>
+            <a:ln w="12700">
+              <a:solidFill>
+                <a:schemeClr val="tx1"/>
+              </a:solidFill>
+            </a:ln>
+          </p:spPr>
+          <p:style>
+            <a:lnRef idx="2">
+              <a:schemeClr val="accent1">
+                <a:shade val="50000"/>
+              </a:schemeClr>
+            </a:lnRef>
+            <a:fillRef idx="1">
+              <a:schemeClr val="accent1"/>
+            </a:fillRef>
+            <a:effectRef idx="0">
+              <a:schemeClr val="accent1"/>
+            </a:effectRef>
+            <a:fontRef idx="minor">
+              <a:schemeClr val="lt1"/>
+            </a:fontRef>
+          </p:style>
+          <p:txBody>
+            <a:bodyPr rtlCol="0" anchor="ctr"/>
+            <a:lstStyle/>
+            <a:p>
+              <a:pPr algn="ctr"/>
+              <a:endParaRPr lang="en-US"/>
+            </a:p>
+          </p:txBody>
+        </p:sp>
+        <p:pic>
+          <p:nvPicPr>
+            <p:cNvPr id="1079" name="Picture 1078">
+              <a:extLst>
+                <a:ext uri="{FF2B5EF4-FFF2-40B4-BE49-F238E27FC236}">
+                  <a16:creationId xmlns:a16="http://schemas.microsoft.com/office/drawing/2014/main" id="{FF60929D-2BED-2A39-E260-FE1654C64D9C}"/>
+                </a:ext>
+              </a:extLst>
+            </p:cNvPr>
+            <p:cNvPicPr>
+              <a:picLocks noChangeAspect="1"/>
+            </p:cNvPicPr>
+            <p:nvPr/>
+          </p:nvPicPr>
+          <p:blipFill>
+            <a:blip r:embed="rId6"/>
+            <a:stretch>
+              <a:fillRect/>
+            </a:stretch>
+          </p:blipFill>
+          <p:spPr>
+            <a:xfrm>
+              <a:off x="6338481" y="3808831"/>
+              <a:ext cx="205878" cy="192153"/>
+            </a:xfrm>
+            <a:prstGeom prst="rect">
+              <a:avLst/>
+            </a:prstGeom>
+          </p:spPr>
+        </p:pic>
+        <p:pic>
+          <p:nvPicPr>
+            <p:cNvPr id="1081" name="Picture 1080">
+              <a:extLst>
+                <a:ext uri="{FF2B5EF4-FFF2-40B4-BE49-F238E27FC236}">
+                  <a16:creationId xmlns:a16="http://schemas.microsoft.com/office/drawing/2014/main" id="{8BBEF3EF-110A-4BDE-B8C0-ADD6FE46EA1A}"/>
+                </a:ext>
+              </a:extLst>
+            </p:cNvPr>
+            <p:cNvPicPr>
+              <a:picLocks noChangeAspect="1"/>
+            </p:cNvPicPr>
+            <p:nvPr/>
+          </p:nvPicPr>
+          <p:blipFill>
+            <a:blip r:embed="rId7"/>
+            <a:stretch>
+              <a:fillRect/>
+            </a:stretch>
+          </p:blipFill>
+          <p:spPr>
+            <a:xfrm>
+              <a:off x="6189116" y="3419143"/>
+              <a:ext cx="521846" cy="163178"/>
+            </a:xfrm>
+            <a:prstGeom prst="rect">
+              <a:avLst/>
+            </a:prstGeom>
+          </p:spPr>
+        </p:pic>
+      </p:grpSp>
+      <p:grpSp>
+        <p:nvGrpSpPr>
+          <p:cNvPr id="1094" name="Group 1093">
+            <a:extLst>
+              <a:ext uri="{FF2B5EF4-FFF2-40B4-BE49-F238E27FC236}">
+                <a16:creationId xmlns:a16="http://schemas.microsoft.com/office/drawing/2014/main" id="{7A786342-C2DE-739F-27AD-029402D4FEF3}"/>
+              </a:ext>
+            </a:extLst>
+          </p:cNvPr>
+          <p:cNvGrpSpPr/>
+          <p:nvPr/>
+        </p:nvGrpSpPr>
+        <p:grpSpPr>
+          <a:xfrm>
+            <a:off x="6787419" y="3424209"/>
+            <a:ext cx="656143" cy="570701"/>
+            <a:chOff x="6774194" y="3422291"/>
+            <a:chExt cx="656143" cy="570701"/>
+          </a:xfrm>
+        </p:grpSpPr>
+        <p:sp>
+          <p:nvSpPr>
+            <p:cNvPr id="1069" name="Rectangle 1068">
+              <a:extLst>
+                <a:ext uri="{FF2B5EF4-FFF2-40B4-BE49-F238E27FC236}">
+                  <a16:creationId xmlns:a16="http://schemas.microsoft.com/office/drawing/2014/main" id="{5B0269B7-8658-6F4C-C662-610EA51E77B6}"/>
+                </a:ext>
+              </a:extLst>
+            </p:cNvPr>
+            <p:cNvSpPr/>
+            <p:nvPr/>
+          </p:nvSpPr>
+          <p:spPr>
+            <a:xfrm>
+              <a:off x="6774194" y="3613407"/>
+              <a:ext cx="656143" cy="181358"/>
+            </a:xfrm>
+            <a:prstGeom prst="rect">
+              <a:avLst/>
+            </a:prstGeom>
+            <a:noFill/>
+            <a:ln w="12700">
+              <a:solidFill>
+                <a:schemeClr val="tx1"/>
+              </a:solidFill>
+            </a:ln>
+          </p:spPr>
+          <p:style>
+            <a:lnRef idx="2">
+              <a:schemeClr val="accent1">
+                <a:shade val="50000"/>
+              </a:schemeClr>
+            </a:lnRef>
+            <a:fillRef idx="1">
+              <a:schemeClr val="accent1"/>
+            </a:fillRef>
+            <a:effectRef idx="0">
+              <a:schemeClr val="accent1"/>
+            </a:effectRef>
+            <a:fontRef idx="minor">
+              <a:schemeClr val="lt1"/>
+            </a:fontRef>
+          </p:style>
+          <p:txBody>
+            <a:bodyPr rtlCol="0" anchor="ctr"/>
+            <a:lstStyle/>
+            <a:p>
+              <a:pPr algn="ctr"/>
+              <a:endParaRPr lang="en-US"/>
+            </a:p>
+          </p:txBody>
+        </p:sp>
+        <p:pic>
+          <p:nvPicPr>
+            <p:cNvPr id="1084" name="Picture 1083">
+              <a:extLst>
+                <a:ext uri="{FF2B5EF4-FFF2-40B4-BE49-F238E27FC236}">
+                  <a16:creationId xmlns:a16="http://schemas.microsoft.com/office/drawing/2014/main" id="{17A3BF75-FDCB-B86A-809A-0EF22F35ECFA}"/>
+                </a:ext>
+              </a:extLst>
+            </p:cNvPr>
+            <p:cNvPicPr>
+              <a:picLocks noChangeAspect="1"/>
+            </p:cNvPicPr>
+            <p:nvPr/>
+          </p:nvPicPr>
+          <p:blipFill>
+            <a:blip r:embed="rId8"/>
+            <a:stretch>
+              <a:fillRect/>
+            </a:stretch>
+          </p:blipFill>
+          <p:spPr>
+            <a:xfrm>
+              <a:off x="6981595" y="3803170"/>
+              <a:ext cx="245379" cy="189822"/>
+            </a:xfrm>
+            <a:prstGeom prst="rect">
+              <a:avLst/>
+            </a:prstGeom>
+          </p:spPr>
+        </p:pic>
+        <p:pic>
+          <p:nvPicPr>
+            <p:cNvPr id="1086" name="Picture 1085">
+              <a:extLst>
+                <a:ext uri="{FF2B5EF4-FFF2-40B4-BE49-F238E27FC236}">
+                  <a16:creationId xmlns:a16="http://schemas.microsoft.com/office/drawing/2014/main" id="{0458646B-E647-7200-E5BA-1D2AB6BB19B6}"/>
+                </a:ext>
+              </a:extLst>
+            </p:cNvPr>
+            <p:cNvPicPr>
+              <a:picLocks noChangeAspect="1"/>
+            </p:cNvPicPr>
+            <p:nvPr/>
+          </p:nvPicPr>
+          <p:blipFill>
+            <a:blip r:embed="rId9"/>
+            <a:stretch>
+              <a:fillRect/>
+            </a:stretch>
+          </p:blipFill>
+          <p:spPr>
+            <a:xfrm>
+              <a:off x="6842418" y="3422291"/>
+              <a:ext cx="506903" cy="169684"/>
+            </a:xfrm>
+            <a:prstGeom prst="rect">
+              <a:avLst/>
+            </a:prstGeom>
+          </p:spPr>
+        </p:pic>
+      </p:grpSp>
+      <p:grpSp>
+        <p:nvGrpSpPr>
+          <p:cNvPr id="1092" name="Group 1091">
+            <a:extLst>
+              <a:ext uri="{FF2B5EF4-FFF2-40B4-BE49-F238E27FC236}">
+                <a16:creationId xmlns:a16="http://schemas.microsoft.com/office/drawing/2014/main" id="{9ADD6407-079D-B102-A85D-22C3AD9CCF64}"/>
+              </a:ext>
+            </a:extLst>
+          </p:cNvPr>
+          <p:cNvGrpSpPr/>
+          <p:nvPr/>
+        </p:nvGrpSpPr>
+        <p:grpSpPr>
+          <a:xfrm>
+            <a:off x="7630919" y="3677247"/>
+            <a:ext cx="220340" cy="45719"/>
+            <a:chOff x="7630919" y="3677247"/>
+            <a:chExt cx="220340" cy="45719"/>
+          </a:xfrm>
+        </p:grpSpPr>
+        <p:sp>
+          <p:nvSpPr>
+            <p:cNvPr id="1089" name="Oval 1088">
+              <a:extLst>
+                <a:ext uri="{FF2B5EF4-FFF2-40B4-BE49-F238E27FC236}">
+                  <a16:creationId xmlns:a16="http://schemas.microsoft.com/office/drawing/2014/main" id="{74BB60D5-FA08-9E16-7E69-6FC2C58D68EE}"/>
+                </a:ext>
+              </a:extLst>
+            </p:cNvPr>
+            <p:cNvSpPr/>
+            <p:nvPr/>
+          </p:nvSpPr>
+          <p:spPr>
+            <a:xfrm>
+              <a:off x="7630919" y="3677247"/>
+              <a:ext cx="45719" cy="45719"/>
+            </a:xfrm>
+            <a:prstGeom prst="ellipse">
+              <a:avLst/>
+            </a:prstGeom>
+            <a:solidFill>
+              <a:schemeClr val="tx1"/>
+            </a:solidFill>
+            <a:ln>
+              <a:noFill/>
+            </a:ln>
+          </p:spPr>
+          <p:style>
+            <a:lnRef idx="2">
+              <a:schemeClr val="accent1">
+                <a:shade val="50000"/>
+              </a:schemeClr>
+            </a:lnRef>
+            <a:fillRef idx="1">
+              <a:schemeClr val="accent1"/>
+            </a:fillRef>
+            <a:effectRef idx="0">
+              <a:schemeClr val="accent1"/>
+            </a:effectRef>
+            <a:fontRef idx="minor">
+              <a:schemeClr val="lt1"/>
+            </a:fontRef>
+          </p:style>
+          <p:txBody>
+            <a:bodyPr rtlCol="0" anchor="ctr"/>
+            <a:lstStyle/>
+            <a:p>
+              <a:pPr algn="ctr"/>
+              <a:endParaRPr lang="en-US"/>
+            </a:p>
+          </p:txBody>
+        </p:sp>
+        <p:sp>
+          <p:nvSpPr>
+            <p:cNvPr id="1090" name="Oval 1089">
+              <a:extLst>
+                <a:ext uri="{FF2B5EF4-FFF2-40B4-BE49-F238E27FC236}">
+                  <a16:creationId xmlns:a16="http://schemas.microsoft.com/office/drawing/2014/main" id="{654348EA-D54F-5588-5212-EDE302710ACB}"/>
+                </a:ext>
+              </a:extLst>
+            </p:cNvPr>
+            <p:cNvSpPr/>
+            <p:nvPr/>
+          </p:nvSpPr>
+          <p:spPr>
+            <a:xfrm>
+              <a:off x="7719020" y="3677247"/>
+              <a:ext cx="45719" cy="45719"/>
+            </a:xfrm>
+            <a:prstGeom prst="ellipse">
+              <a:avLst/>
+            </a:prstGeom>
+            <a:solidFill>
+              <a:schemeClr val="tx1"/>
+            </a:solidFill>
+            <a:ln>
+              <a:noFill/>
+            </a:ln>
+          </p:spPr>
+          <p:style>
+            <a:lnRef idx="2">
+              <a:schemeClr val="accent1">
+                <a:shade val="50000"/>
+              </a:schemeClr>
+            </a:lnRef>
+            <a:fillRef idx="1">
+              <a:schemeClr val="accent1"/>
+            </a:fillRef>
+            <a:effectRef idx="0">
+              <a:schemeClr val="accent1"/>
+            </a:effectRef>
+            <a:fontRef idx="minor">
+              <a:schemeClr val="lt1"/>
+            </a:fontRef>
+          </p:style>
+          <p:txBody>
+            <a:bodyPr rtlCol="0" anchor="ctr"/>
+            <a:lstStyle/>
+            <a:p>
+              <a:pPr algn="ctr"/>
+              <a:endParaRPr lang="en-US" dirty="0"/>
+            </a:p>
+          </p:txBody>
+        </p:sp>
+        <p:sp>
+          <p:nvSpPr>
+            <p:cNvPr id="1091" name="Oval 1090">
+              <a:extLst>
+                <a:ext uri="{FF2B5EF4-FFF2-40B4-BE49-F238E27FC236}">
+                  <a16:creationId xmlns:a16="http://schemas.microsoft.com/office/drawing/2014/main" id="{297C4839-4AA8-3DF4-108A-CB44C7E6E2F6}"/>
+                </a:ext>
+              </a:extLst>
+            </p:cNvPr>
+            <p:cNvSpPr/>
+            <p:nvPr/>
+          </p:nvSpPr>
+          <p:spPr>
+            <a:xfrm>
+              <a:off x="7805540" y="3677247"/>
+              <a:ext cx="45719" cy="45719"/>
+            </a:xfrm>
+            <a:prstGeom prst="ellipse">
+              <a:avLst/>
+            </a:prstGeom>
+            <a:solidFill>
+              <a:schemeClr val="tx1"/>
+            </a:solidFill>
+            <a:ln>
+              <a:noFill/>
+            </a:ln>
+          </p:spPr>
+          <p:style>
+            <a:lnRef idx="2">
+              <a:schemeClr val="accent1">
+                <a:shade val="50000"/>
+              </a:schemeClr>
+            </a:lnRef>
+            <a:fillRef idx="1">
+              <a:schemeClr val="accent1"/>
+            </a:fillRef>
+            <a:effectRef idx="0">
+              <a:schemeClr val="accent1"/>
+            </a:effectRef>
+            <a:fontRef idx="minor">
+              <a:schemeClr val="lt1"/>
+            </a:fontRef>
+          </p:style>
+          <p:txBody>
+            <a:bodyPr rtlCol="0" anchor="ctr"/>
+            <a:lstStyle/>
+            <a:p>
+              <a:pPr algn="ctr"/>
+              <a:endParaRPr lang="en-US"/>
+            </a:p>
+          </p:txBody>
+        </p:sp>
+      </p:grpSp>
+      <p:cxnSp>
+        <p:nvCxnSpPr>
+          <p:cNvPr id="1097" name="Straight Connector 1096">
+            <a:extLst>
+              <a:ext uri="{FF2B5EF4-FFF2-40B4-BE49-F238E27FC236}">
+                <a16:creationId xmlns:a16="http://schemas.microsoft.com/office/drawing/2014/main" id="{0C8EB259-8AED-2271-3DF2-774E193E2469}"/>
+              </a:ext>
+            </a:extLst>
+          </p:cNvPr>
+          <p:cNvCxnSpPr/>
+          <p:nvPr/>
+        </p:nvCxnSpPr>
+        <p:spPr>
+          <a:xfrm>
+            <a:off x="6624487" y="3700106"/>
+            <a:ext cx="211588" cy="0"/>
+          </a:xfrm>
+          <a:prstGeom prst="line">
+            <a:avLst/>
+          </a:prstGeom>
           <a:ln w="12700">
             <a:solidFill>
               <a:schemeClr val="tx1"/>
@@ -5262,53 +9090,42 @@
           </a:ln>
         </p:spPr>
         <p:style>
-          <a:lnRef idx="2">
-            <a:schemeClr val="accent1">
-              <a:shade val="50000"/>
-            </a:schemeClr>
+          <a:lnRef idx="1">
+            <a:schemeClr val="accent1"/>
           </a:lnRef>
-          <a:fillRef idx="1">
+          <a:fillRef idx="0">
             <a:schemeClr val="accent1"/>
           </a:fillRef>
           <a:effectRef idx="0">
             <a:schemeClr val="accent1"/>
           </a:effectRef>
           <a:fontRef idx="minor">
-            <a:schemeClr val="lt1"/>
+            <a:schemeClr val="tx1"/>
           </a:fontRef>
         </p:style>
-        <p:txBody>
-          <a:bodyPr rtlCol="0" anchor="ctr"/>
-          <a:lstStyle/>
-          <a:p>
-            <a:pPr algn="ctr"/>
-            <a:endParaRPr lang="en-US"/>
-          </a:p>
-        </p:txBody>
-      </p:sp>
-      <p:sp>
-        <p:nvSpPr>
-          <p:cNvPr id="42" name="Oval 41">
+      </p:cxnSp>
+      <p:cxnSp>
+        <p:nvCxnSpPr>
+          <p:cNvPr id="1098" name="Straight Connector 1097">
             <a:extLst>
               <a:ext uri="{FF2B5EF4-FFF2-40B4-BE49-F238E27FC236}">
-                <a16:creationId xmlns:a16="http://schemas.microsoft.com/office/drawing/2014/main" id="{442EBD7F-256A-AB8A-91F5-E5187A500976}"/>
+                <a16:creationId xmlns:a16="http://schemas.microsoft.com/office/drawing/2014/main" id="{342795A7-D16E-6C58-2DC5-E805C6B0FF7F}"/>
               </a:ext>
             </a:extLst>
           </p:cNvPr>
-          <p:cNvSpPr/>
+          <p:cNvCxnSpPr>
+            <a:cxnSpLocks/>
+          </p:cNvCxnSpPr>
           <p:nvPr/>
-        </p:nvSpPr>
+        </p:nvCxnSpPr>
         <p:spPr>
           <a:xfrm>
-            <a:off x="4006885" y="4626147"/>
-            <a:ext cx="86001" cy="86001"/>
+            <a:off x="7371115" y="3700106"/>
+            <a:ext cx="140399" cy="0"/>
           </a:xfrm>
-          <a:prstGeom prst="ellipse">
+          <a:prstGeom prst="line">
             <a:avLst/>
           </a:prstGeom>
-          <a:solidFill>
-            <a:schemeClr val="bg1"/>
-          </a:solidFill>
           <a:ln w="12700">
             <a:solidFill>
               <a:schemeClr val="tx1"/>
@@ -5316,53 +9133,42 @@
           </a:ln>
         </p:spPr>
         <p:style>
-          <a:lnRef idx="2">
-            <a:schemeClr val="accent1">
-              <a:shade val="50000"/>
-            </a:schemeClr>
+          <a:lnRef idx="1">
+            <a:schemeClr val="accent1"/>
           </a:lnRef>
-          <a:fillRef idx="1">
+          <a:fillRef idx="0">
             <a:schemeClr val="accent1"/>
           </a:fillRef>
           <a:effectRef idx="0">
             <a:schemeClr val="accent1"/>
           </a:effectRef>
           <a:fontRef idx="minor">
-            <a:schemeClr val="lt1"/>
+            <a:schemeClr val="tx1"/>
           </a:fontRef>
         </p:style>
-        <p:txBody>
-          <a:bodyPr rtlCol="0" anchor="ctr"/>
-          <a:lstStyle/>
-          <a:p>
-            <a:pPr algn="ctr"/>
-            <a:endParaRPr lang="en-US"/>
-          </a:p>
-        </p:txBody>
-      </p:sp>
-      <p:sp>
-        <p:nvSpPr>
-          <p:cNvPr id="43" name="Oval 42">
+      </p:cxnSp>
+      <p:cxnSp>
+        <p:nvCxnSpPr>
+          <p:cNvPr id="1100" name="Straight Connector 1099">
             <a:extLst>
               <a:ext uri="{FF2B5EF4-FFF2-40B4-BE49-F238E27FC236}">
-                <a16:creationId xmlns:a16="http://schemas.microsoft.com/office/drawing/2014/main" id="{4DEC9A78-3648-3F83-BB6E-F7AAC230ED55}"/>
+                <a16:creationId xmlns:a16="http://schemas.microsoft.com/office/drawing/2014/main" id="{50F28727-5209-4D16-9C2F-0DE748315EE5}"/>
               </a:ext>
             </a:extLst>
           </p:cNvPr>
-          <p:cNvSpPr/>
+          <p:cNvCxnSpPr>
+            <a:cxnSpLocks/>
+          </p:cNvCxnSpPr>
           <p:nvPr/>
-        </p:nvSpPr>
+        </p:nvCxnSpPr>
         <p:spPr>
           <a:xfrm>
-            <a:off x="4516234" y="4314405"/>
-            <a:ext cx="86001" cy="86001"/>
+            <a:off x="8021236" y="3700106"/>
+            <a:ext cx="140399" cy="0"/>
           </a:xfrm>
-          <a:prstGeom prst="ellipse">
+          <a:prstGeom prst="line">
             <a:avLst/>
           </a:prstGeom>
-          <a:solidFill>
-            <a:schemeClr val="bg1"/>
-          </a:solidFill>
           <a:ln w="12700">
             <a:solidFill>
               <a:schemeClr val="tx1"/>
@@ -5370,676 +9176,84 @@
           </a:ln>
         </p:spPr>
         <p:style>
-          <a:lnRef idx="2">
-            <a:schemeClr val="accent1">
-              <a:shade val="50000"/>
-            </a:schemeClr>
+          <a:lnRef idx="1">
+            <a:schemeClr val="accent1"/>
           </a:lnRef>
-          <a:fillRef idx="1">
+          <a:fillRef idx="0">
             <a:schemeClr val="accent1"/>
           </a:fillRef>
           <a:effectRef idx="0">
             <a:schemeClr val="accent1"/>
           </a:effectRef>
           <a:fontRef idx="minor">
-            <a:schemeClr val="lt1"/>
+            <a:schemeClr val="tx1"/>
           </a:fontRef>
         </p:style>
-        <p:txBody>
-          <a:bodyPr rtlCol="0" anchor="ctr"/>
-          <a:lstStyle/>
-          <a:p>
-            <a:pPr algn="ctr"/>
-            <a:endParaRPr lang="en-US"/>
-          </a:p>
-        </p:txBody>
-      </p:sp>
-      <p:sp>
-        <p:nvSpPr>
-          <p:cNvPr id="44" name="Oval 43">
-            <a:extLst>
-              <a:ext uri="{FF2B5EF4-FFF2-40B4-BE49-F238E27FC236}">
-                <a16:creationId xmlns:a16="http://schemas.microsoft.com/office/drawing/2014/main" id="{E1F475A9-8F4F-805E-C443-3CB76BBD58FE}"/>
-              </a:ext>
-            </a:extLst>
-          </p:cNvPr>
-          <p:cNvSpPr/>
-          <p:nvPr/>
-        </p:nvSpPr>
-        <p:spPr>
-          <a:xfrm>
-            <a:off x="4260375" y="4919064"/>
-            <a:ext cx="86001" cy="86001"/>
-          </a:xfrm>
-          <a:prstGeom prst="ellipse">
-            <a:avLst/>
-          </a:prstGeom>
-          <a:solidFill>
-            <a:schemeClr val="bg1"/>
-          </a:solidFill>
-          <a:ln w="12700">
-            <a:solidFill>
-              <a:schemeClr val="tx1"/>
-            </a:solidFill>
-          </a:ln>
-        </p:spPr>
-        <p:style>
-          <a:lnRef idx="2">
-            <a:schemeClr val="accent1">
-              <a:shade val="50000"/>
-            </a:schemeClr>
-          </a:lnRef>
-          <a:fillRef idx="1">
-            <a:schemeClr val="accent1"/>
-          </a:fillRef>
-          <a:effectRef idx="0">
-            <a:schemeClr val="accent1"/>
-          </a:effectRef>
-          <a:fontRef idx="minor">
-            <a:schemeClr val="lt1"/>
-          </a:fontRef>
-        </p:style>
-        <p:txBody>
-          <a:bodyPr rtlCol="0" anchor="ctr"/>
-          <a:lstStyle/>
-          <a:p>
-            <a:pPr algn="ctr"/>
-            <a:endParaRPr lang="en-US"/>
-          </a:p>
-        </p:txBody>
-      </p:sp>
-      <p:sp>
-        <p:nvSpPr>
-          <p:cNvPr id="45" name="Oval 44">
-            <a:extLst>
-              <a:ext uri="{FF2B5EF4-FFF2-40B4-BE49-F238E27FC236}">
-                <a16:creationId xmlns:a16="http://schemas.microsoft.com/office/drawing/2014/main" id="{756BCE6D-6EDF-566B-DFCE-253BF9CDEB5C}"/>
-              </a:ext>
-            </a:extLst>
-          </p:cNvPr>
-          <p:cNvSpPr/>
-          <p:nvPr/>
-        </p:nvSpPr>
-        <p:spPr>
-          <a:xfrm>
-            <a:off x="4748815" y="4461690"/>
-            <a:ext cx="86001" cy="86001"/>
-          </a:xfrm>
-          <a:prstGeom prst="ellipse">
-            <a:avLst/>
-          </a:prstGeom>
-          <a:solidFill>
-            <a:schemeClr val="bg1"/>
-          </a:solidFill>
-          <a:ln w="12700">
-            <a:solidFill>
-              <a:schemeClr val="tx1"/>
-            </a:solidFill>
-          </a:ln>
-        </p:spPr>
-        <p:style>
-          <a:lnRef idx="2">
-            <a:schemeClr val="accent1">
-              <a:shade val="50000"/>
-            </a:schemeClr>
-          </a:lnRef>
-          <a:fillRef idx="1">
-            <a:schemeClr val="accent1"/>
-          </a:fillRef>
-          <a:effectRef idx="0">
-            <a:schemeClr val="accent1"/>
-          </a:effectRef>
-          <a:fontRef idx="minor">
-            <a:schemeClr val="lt1"/>
-          </a:fontRef>
-        </p:style>
-        <p:txBody>
-          <a:bodyPr rtlCol="0" anchor="ctr"/>
-          <a:lstStyle/>
-          <a:p>
-            <a:pPr algn="ctr"/>
-            <a:endParaRPr lang="en-US"/>
-          </a:p>
-        </p:txBody>
-      </p:sp>
-      <p:sp>
-        <p:nvSpPr>
-          <p:cNvPr id="46" name="Oval 45">
-            <a:extLst>
-              <a:ext uri="{FF2B5EF4-FFF2-40B4-BE49-F238E27FC236}">
-                <a16:creationId xmlns:a16="http://schemas.microsoft.com/office/drawing/2014/main" id="{EE5D0484-6797-C39D-0BE5-F65CA2B2CB57}"/>
-              </a:ext>
-            </a:extLst>
-          </p:cNvPr>
-          <p:cNvSpPr/>
-          <p:nvPr/>
-        </p:nvSpPr>
-        <p:spPr>
-          <a:xfrm>
-            <a:off x="4319887" y="3899879"/>
-            <a:ext cx="86001" cy="86001"/>
-          </a:xfrm>
-          <a:prstGeom prst="ellipse">
-            <a:avLst/>
-          </a:prstGeom>
-          <a:solidFill>
-            <a:schemeClr val="bg1"/>
-          </a:solidFill>
-          <a:ln w="12700">
-            <a:solidFill>
-              <a:schemeClr val="tx1"/>
-            </a:solidFill>
-          </a:ln>
-        </p:spPr>
-        <p:style>
-          <a:lnRef idx="2">
-            <a:schemeClr val="accent1">
-              <a:shade val="50000"/>
-            </a:schemeClr>
-          </a:lnRef>
-          <a:fillRef idx="1">
-            <a:schemeClr val="accent1"/>
-          </a:fillRef>
-          <a:effectRef idx="0">
-            <a:schemeClr val="accent1"/>
-          </a:effectRef>
-          <a:fontRef idx="minor">
-            <a:schemeClr val="lt1"/>
-          </a:fontRef>
-        </p:style>
-        <p:txBody>
-          <a:bodyPr rtlCol="0" anchor="ctr"/>
-          <a:lstStyle/>
-          <a:p>
-            <a:pPr algn="ctr"/>
-            <a:endParaRPr lang="en-US"/>
-          </a:p>
-        </p:txBody>
-      </p:sp>
-      <p:sp>
-        <p:nvSpPr>
-          <p:cNvPr id="47" name="Oval 46">
-            <a:extLst>
-              <a:ext uri="{FF2B5EF4-FFF2-40B4-BE49-F238E27FC236}">
-                <a16:creationId xmlns:a16="http://schemas.microsoft.com/office/drawing/2014/main" id="{32D55966-6E3A-3343-ED49-FD2199C990C5}"/>
-              </a:ext>
-            </a:extLst>
-          </p:cNvPr>
-          <p:cNvSpPr/>
-          <p:nvPr/>
-        </p:nvSpPr>
-        <p:spPr>
-          <a:xfrm>
-            <a:off x="5060627" y="4165818"/>
-            <a:ext cx="86001" cy="86001"/>
-          </a:xfrm>
-          <a:prstGeom prst="ellipse">
-            <a:avLst/>
-          </a:prstGeom>
-          <a:solidFill>
-            <a:schemeClr val="bg1"/>
-          </a:solidFill>
-          <a:ln w="12700">
-            <a:solidFill>
-              <a:schemeClr val="tx1"/>
-            </a:solidFill>
-          </a:ln>
-        </p:spPr>
-        <p:style>
-          <a:lnRef idx="2">
-            <a:schemeClr val="accent1">
-              <a:shade val="50000"/>
-            </a:schemeClr>
-          </a:lnRef>
-          <a:fillRef idx="1">
-            <a:schemeClr val="accent1"/>
-          </a:fillRef>
-          <a:effectRef idx="0">
-            <a:schemeClr val="accent1"/>
-          </a:effectRef>
-          <a:fontRef idx="minor">
-            <a:schemeClr val="lt1"/>
-          </a:fontRef>
-        </p:style>
-        <p:txBody>
-          <a:bodyPr rtlCol="0" anchor="ctr"/>
-          <a:lstStyle/>
-          <a:p>
-            <a:pPr algn="ctr"/>
-            <a:endParaRPr lang="en-US"/>
-          </a:p>
-        </p:txBody>
-      </p:sp>
-      <p:sp>
-        <p:nvSpPr>
-          <p:cNvPr id="48" name="Oval 47">
-            <a:extLst>
-              <a:ext uri="{FF2B5EF4-FFF2-40B4-BE49-F238E27FC236}">
-                <a16:creationId xmlns:a16="http://schemas.microsoft.com/office/drawing/2014/main" id="{B54A43E8-2C2A-AB16-A78E-860064862285}"/>
-              </a:ext>
-            </a:extLst>
-          </p:cNvPr>
-          <p:cNvSpPr/>
-          <p:nvPr/>
-        </p:nvSpPr>
-        <p:spPr>
-          <a:xfrm>
-            <a:off x="3904256" y="4421317"/>
-            <a:ext cx="86001" cy="86001"/>
-          </a:xfrm>
-          <a:prstGeom prst="ellipse">
-            <a:avLst/>
-          </a:prstGeom>
-          <a:solidFill>
-            <a:schemeClr val="bg1"/>
-          </a:solidFill>
-          <a:ln w="12700">
-            <a:solidFill>
-              <a:schemeClr val="tx1"/>
-            </a:solidFill>
-          </a:ln>
-        </p:spPr>
-        <p:style>
-          <a:lnRef idx="2">
-            <a:schemeClr val="accent1">
-              <a:shade val="50000"/>
-            </a:schemeClr>
-          </a:lnRef>
-          <a:fillRef idx="1">
-            <a:schemeClr val="accent1"/>
-          </a:fillRef>
-          <a:effectRef idx="0">
-            <a:schemeClr val="accent1"/>
-          </a:effectRef>
-          <a:fontRef idx="minor">
-            <a:schemeClr val="lt1"/>
-          </a:fontRef>
-        </p:style>
-        <p:txBody>
-          <a:bodyPr rtlCol="0" anchor="ctr"/>
-          <a:lstStyle/>
-          <a:p>
-            <a:pPr algn="ctr"/>
-            <a:endParaRPr lang="en-US"/>
-          </a:p>
-        </p:txBody>
-      </p:sp>
-      <p:sp>
-        <p:nvSpPr>
-          <p:cNvPr id="49" name="Oval 48">
-            <a:extLst>
-              <a:ext uri="{FF2B5EF4-FFF2-40B4-BE49-F238E27FC236}">
-                <a16:creationId xmlns:a16="http://schemas.microsoft.com/office/drawing/2014/main" id="{D3E2B047-F6DD-7A62-F836-0BFCDFC92C65}"/>
-              </a:ext>
-            </a:extLst>
-          </p:cNvPr>
-          <p:cNvSpPr/>
-          <p:nvPr/>
-        </p:nvSpPr>
-        <p:spPr>
-          <a:xfrm>
-            <a:off x="4998275" y="4432739"/>
-            <a:ext cx="86001" cy="86001"/>
-          </a:xfrm>
-          <a:prstGeom prst="ellipse">
-            <a:avLst/>
-          </a:prstGeom>
-          <a:solidFill>
-            <a:schemeClr val="bg1"/>
-          </a:solidFill>
-          <a:ln w="12700">
-            <a:solidFill>
-              <a:schemeClr val="tx1"/>
-            </a:solidFill>
-          </a:ln>
-        </p:spPr>
-        <p:style>
-          <a:lnRef idx="2">
-            <a:schemeClr val="accent1">
-              <a:shade val="50000"/>
-            </a:schemeClr>
-          </a:lnRef>
-          <a:fillRef idx="1">
-            <a:schemeClr val="accent1"/>
-          </a:fillRef>
-          <a:effectRef idx="0">
-            <a:schemeClr val="accent1"/>
-          </a:effectRef>
-          <a:fontRef idx="minor">
-            <a:schemeClr val="lt1"/>
-          </a:fontRef>
-        </p:style>
-        <p:txBody>
-          <a:bodyPr rtlCol="0" anchor="ctr"/>
-          <a:lstStyle/>
-          <a:p>
-            <a:pPr algn="ctr"/>
-            <a:endParaRPr lang="en-US"/>
-          </a:p>
-        </p:txBody>
-      </p:sp>
-      <p:sp>
-        <p:nvSpPr>
-          <p:cNvPr id="50" name="Oval 49">
-            <a:extLst>
-              <a:ext uri="{FF2B5EF4-FFF2-40B4-BE49-F238E27FC236}">
-                <a16:creationId xmlns:a16="http://schemas.microsoft.com/office/drawing/2014/main" id="{0C6F5864-16EA-ABDE-A22B-F9ABF4A9145A}"/>
-              </a:ext>
-            </a:extLst>
-          </p:cNvPr>
-          <p:cNvSpPr/>
-          <p:nvPr/>
-        </p:nvSpPr>
-        <p:spPr>
-          <a:xfrm>
-            <a:off x="3863036" y="5039132"/>
-            <a:ext cx="86001" cy="86001"/>
-          </a:xfrm>
-          <a:prstGeom prst="ellipse">
-            <a:avLst/>
-          </a:prstGeom>
-          <a:solidFill>
-            <a:schemeClr val="bg1"/>
-          </a:solidFill>
-          <a:ln w="12700">
-            <a:solidFill>
-              <a:schemeClr val="tx1"/>
-            </a:solidFill>
-          </a:ln>
-        </p:spPr>
-        <p:style>
-          <a:lnRef idx="2">
-            <a:schemeClr val="accent1">
-              <a:shade val="50000"/>
-            </a:schemeClr>
-          </a:lnRef>
-          <a:fillRef idx="1">
-            <a:schemeClr val="accent1"/>
-          </a:fillRef>
-          <a:effectRef idx="0">
-            <a:schemeClr val="accent1"/>
-          </a:effectRef>
-          <a:fontRef idx="minor">
-            <a:schemeClr val="lt1"/>
-          </a:fontRef>
-        </p:style>
-        <p:txBody>
-          <a:bodyPr rtlCol="0" anchor="ctr"/>
-          <a:lstStyle/>
-          <a:p>
-            <a:pPr algn="ctr"/>
-            <a:endParaRPr lang="en-US"/>
-          </a:p>
-        </p:txBody>
-      </p:sp>
-      <p:sp>
-        <p:nvSpPr>
-          <p:cNvPr id="51" name="Oval 50">
-            <a:extLst>
-              <a:ext uri="{FF2B5EF4-FFF2-40B4-BE49-F238E27FC236}">
-                <a16:creationId xmlns:a16="http://schemas.microsoft.com/office/drawing/2014/main" id="{1A427030-094C-5B0D-17BB-96BB49BAB6B5}"/>
-              </a:ext>
-            </a:extLst>
-          </p:cNvPr>
-          <p:cNvSpPr/>
-          <p:nvPr/>
-        </p:nvSpPr>
-        <p:spPr>
-          <a:xfrm>
-            <a:off x="4369646" y="4600597"/>
-            <a:ext cx="86001" cy="86001"/>
-          </a:xfrm>
-          <a:prstGeom prst="ellipse">
-            <a:avLst/>
-          </a:prstGeom>
-          <a:solidFill>
-            <a:schemeClr val="bg1"/>
-          </a:solidFill>
-          <a:ln w="12700">
-            <a:solidFill>
-              <a:schemeClr val="tx1"/>
-            </a:solidFill>
-          </a:ln>
-        </p:spPr>
-        <p:style>
-          <a:lnRef idx="2">
-            <a:schemeClr val="accent1">
-              <a:shade val="50000"/>
-            </a:schemeClr>
-          </a:lnRef>
-          <a:fillRef idx="1">
-            <a:schemeClr val="accent1"/>
-          </a:fillRef>
-          <a:effectRef idx="0">
-            <a:schemeClr val="accent1"/>
-          </a:effectRef>
-          <a:fontRef idx="minor">
-            <a:schemeClr val="lt1"/>
-          </a:fontRef>
-        </p:style>
-        <p:txBody>
-          <a:bodyPr rtlCol="0" anchor="ctr"/>
-          <a:lstStyle/>
-          <a:p>
-            <a:pPr algn="ctr"/>
-            <a:endParaRPr lang="en-US"/>
-          </a:p>
-        </p:txBody>
-      </p:sp>
-      <p:sp>
-        <p:nvSpPr>
-          <p:cNvPr id="52" name="Oval 51">
-            <a:extLst>
-              <a:ext uri="{FF2B5EF4-FFF2-40B4-BE49-F238E27FC236}">
-                <a16:creationId xmlns:a16="http://schemas.microsoft.com/office/drawing/2014/main" id="{A63E2E4D-BABB-ABA4-14A4-E5EB563C760A}"/>
-              </a:ext>
-            </a:extLst>
-          </p:cNvPr>
-          <p:cNvSpPr/>
-          <p:nvPr/>
-        </p:nvSpPr>
-        <p:spPr>
-          <a:xfrm>
-            <a:off x="3637244" y="4077813"/>
-            <a:ext cx="86001" cy="86001"/>
-          </a:xfrm>
-          <a:prstGeom prst="ellipse">
-            <a:avLst/>
-          </a:prstGeom>
-          <a:solidFill>
-            <a:schemeClr val="bg1"/>
-          </a:solidFill>
-          <a:ln w="12700">
-            <a:solidFill>
-              <a:schemeClr val="tx1"/>
-            </a:solidFill>
-          </a:ln>
-        </p:spPr>
-        <p:style>
-          <a:lnRef idx="2">
-            <a:schemeClr val="accent1">
-              <a:shade val="50000"/>
-            </a:schemeClr>
-          </a:lnRef>
-          <a:fillRef idx="1">
-            <a:schemeClr val="accent1"/>
-          </a:fillRef>
-          <a:effectRef idx="0">
-            <a:schemeClr val="accent1"/>
-          </a:effectRef>
-          <a:fontRef idx="minor">
-            <a:schemeClr val="lt1"/>
-          </a:fontRef>
-        </p:style>
-        <p:txBody>
-          <a:bodyPr rtlCol="0" anchor="ctr"/>
-          <a:lstStyle/>
-          <a:p>
-            <a:pPr algn="ctr"/>
-            <a:endParaRPr lang="en-US"/>
-          </a:p>
-        </p:txBody>
-      </p:sp>
-      <p:sp>
-        <p:nvSpPr>
-          <p:cNvPr id="55" name="Oval 54">
-            <a:extLst>
-              <a:ext uri="{FF2B5EF4-FFF2-40B4-BE49-F238E27FC236}">
-                <a16:creationId xmlns:a16="http://schemas.microsoft.com/office/drawing/2014/main" id="{49043AC4-F9CA-A6D0-8DFB-A60A76D9AA7B}"/>
-              </a:ext>
-            </a:extLst>
-          </p:cNvPr>
-          <p:cNvSpPr/>
-          <p:nvPr/>
-        </p:nvSpPr>
-        <p:spPr>
-          <a:xfrm>
-            <a:off x="4593077" y="4078673"/>
-            <a:ext cx="84280" cy="84280"/>
-          </a:xfrm>
-          <a:prstGeom prst="ellipse">
-            <a:avLst/>
-          </a:prstGeom>
-          <a:solidFill>
-            <a:srgbClr val="F97A5D"/>
-          </a:solidFill>
-          <a:ln>
-            <a:noFill/>
-          </a:ln>
-        </p:spPr>
-        <p:style>
-          <a:lnRef idx="2">
-            <a:schemeClr val="accent1">
-              <a:shade val="50000"/>
-            </a:schemeClr>
-          </a:lnRef>
-          <a:fillRef idx="1">
-            <a:schemeClr val="accent1"/>
-          </a:fillRef>
-          <a:effectRef idx="0">
-            <a:schemeClr val="accent1"/>
-          </a:effectRef>
-          <a:fontRef idx="minor">
-            <a:schemeClr val="lt1"/>
-          </a:fontRef>
-        </p:style>
-        <p:txBody>
-          <a:bodyPr rtlCol="0" anchor="ctr"/>
-          <a:lstStyle/>
-          <a:p>
-            <a:pPr algn="ctr"/>
-            <a:endParaRPr lang="en-US"/>
-          </a:p>
-        </p:txBody>
-      </p:sp>
-      <p:sp>
-        <p:nvSpPr>
-          <p:cNvPr id="56" name="Oval 55">
-            <a:extLst>
-              <a:ext uri="{FF2B5EF4-FFF2-40B4-BE49-F238E27FC236}">
-                <a16:creationId xmlns:a16="http://schemas.microsoft.com/office/drawing/2014/main" id="{DDF2CBD5-2976-43DC-C8C7-3CABDB9ECFB6}"/>
-              </a:ext>
-            </a:extLst>
-          </p:cNvPr>
-          <p:cNvSpPr/>
-          <p:nvPr/>
-        </p:nvSpPr>
-        <p:spPr>
-          <a:xfrm>
-            <a:off x="4865160" y="4295317"/>
-            <a:ext cx="84280" cy="84280"/>
-          </a:xfrm>
-          <a:prstGeom prst="ellipse">
-            <a:avLst/>
-          </a:prstGeom>
-          <a:solidFill>
-            <a:srgbClr val="F97A5D"/>
-          </a:solidFill>
-          <a:ln>
-            <a:noFill/>
-          </a:ln>
-        </p:spPr>
-        <p:style>
-          <a:lnRef idx="2">
-            <a:schemeClr val="accent1">
-              <a:shade val="50000"/>
-            </a:schemeClr>
-          </a:lnRef>
-          <a:fillRef idx="1">
-            <a:schemeClr val="accent1"/>
-          </a:fillRef>
-          <a:effectRef idx="0">
-            <a:schemeClr val="accent1"/>
-          </a:effectRef>
-          <a:fontRef idx="minor">
-            <a:schemeClr val="lt1"/>
-          </a:fontRef>
-        </p:style>
-        <p:txBody>
-          <a:bodyPr rtlCol="0" anchor="ctr"/>
-          <a:lstStyle/>
-          <a:p>
-            <a:pPr algn="ctr"/>
-            <a:endParaRPr lang="en-US"/>
-          </a:p>
-        </p:txBody>
-      </p:sp>
-      <p:sp>
-        <p:nvSpPr>
-          <p:cNvPr id="57" name="Oval 56">
-            <a:extLst>
-              <a:ext uri="{FF2B5EF4-FFF2-40B4-BE49-F238E27FC236}">
-                <a16:creationId xmlns:a16="http://schemas.microsoft.com/office/drawing/2014/main" id="{FB85D3D1-1E36-E1AE-761C-0CBFC5F0E1EB}"/>
-              </a:ext>
-            </a:extLst>
-          </p:cNvPr>
-          <p:cNvSpPr/>
-          <p:nvPr/>
-        </p:nvSpPr>
-        <p:spPr>
-          <a:xfrm>
-            <a:off x="4890566" y="4594822"/>
-            <a:ext cx="84280" cy="84280"/>
-          </a:xfrm>
-          <a:prstGeom prst="ellipse">
-            <a:avLst/>
-          </a:prstGeom>
-          <a:solidFill>
-            <a:srgbClr val="52127C"/>
-          </a:solidFill>
-          <a:ln>
-            <a:noFill/>
-          </a:ln>
-        </p:spPr>
-        <p:style>
-          <a:lnRef idx="2">
-            <a:schemeClr val="accent1">
-              <a:shade val="50000"/>
-            </a:schemeClr>
-          </a:lnRef>
-          <a:fillRef idx="1">
-            <a:schemeClr val="accent1"/>
-          </a:fillRef>
-          <a:effectRef idx="0">
-            <a:schemeClr val="accent1"/>
-          </a:effectRef>
-          <a:fontRef idx="minor">
-            <a:schemeClr val="lt1"/>
-          </a:fontRef>
-        </p:style>
-        <p:txBody>
-          <a:bodyPr rtlCol="0" anchor="ctr"/>
-          <a:lstStyle/>
-          <a:p>
-            <a:pPr algn="ctr"/>
-            <a:endParaRPr lang="en-US"/>
-          </a:p>
-        </p:txBody>
-      </p:sp>
+      </p:cxnSp>
     </p:spTree>
     <p:extLst>
       <p:ext uri="{BB962C8B-B14F-4D97-AF65-F5344CB8AC3E}">
         <p14:creationId xmlns:p14="http://schemas.microsoft.com/office/powerpoint/2010/main" val="2129339562"/>
+      </p:ext>
+    </p:extLst>
+  </p:cSld>
+  <p:clrMapOvr>
+    <a:masterClrMapping/>
+  </p:clrMapOvr>
+</p:sld>
+</file>
+
+<file path=ppt/slides/slide2.xml><?xml version="1.0" encoding="utf-8"?>
+<p:sld xmlns:a="http://schemas.openxmlformats.org/drawingml/2006/main" xmlns:r="http://schemas.openxmlformats.org/officeDocument/2006/relationships" xmlns:p="http://schemas.openxmlformats.org/presentationml/2006/main">
+  <p:cSld>
+    <p:spTree>
+      <p:nvGrpSpPr>
+        <p:cNvPr id="1" name=""/>
+        <p:cNvGrpSpPr/>
+        <p:nvPr/>
+      </p:nvGrpSpPr>
+      <p:grpSpPr>
+        <a:xfrm>
+          <a:off x="0" y="0"/>
+          <a:ext cx="0" cy="0"/>
+          <a:chOff x="0" y="0"/>
+          <a:chExt cx="0" cy="0"/>
+        </a:xfrm>
+      </p:grpSpPr>
+      <p:pic>
+        <p:nvPicPr>
+          <p:cNvPr id="2" name="Picture 1">
+            <a:extLst>
+              <a:ext uri="{FF2B5EF4-FFF2-40B4-BE49-F238E27FC236}">
+                <a16:creationId xmlns:a16="http://schemas.microsoft.com/office/drawing/2014/main" id="{1269B4DC-3309-47DD-B418-39BD00914661}"/>
+              </a:ext>
+            </a:extLst>
+          </p:cNvPr>
+          <p:cNvPicPr>
+            <a:picLocks noChangeAspect="1"/>
+          </p:cNvPicPr>
+          <p:nvPr/>
+        </p:nvPicPr>
+        <p:blipFill>
+          <a:blip r:embed="rId2"/>
+          <a:stretch>
+            <a:fillRect/>
+          </a:stretch>
+        </p:blipFill>
+        <p:spPr>
+          <a:xfrm>
+            <a:off x="3352562" y="1185477"/>
+            <a:ext cx="5486876" cy="4487045"/>
+          </a:xfrm>
+          <a:prstGeom prst="rect">
+            <a:avLst/>
+          </a:prstGeom>
+        </p:spPr>
+      </p:pic>
+    </p:spTree>
+    <p:extLst>
+      <p:ext uri="{BB962C8B-B14F-4D97-AF65-F5344CB8AC3E}">
+        <p14:creationId xmlns:p14="http://schemas.microsoft.com/office/powerpoint/2010/main" val="800055457"/>
       </p:ext>
     </p:extLst>
   </p:cSld>
@@ -6342,4 +9556,299 @@
     </a:ext>
   </a:extLst>
 </a:theme>
+</file>
+
+<file path=ppt/theme/theme2.xml><?xml version="1.0" encoding="utf-8"?>
+<a:theme xmlns:a="http://schemas.openxmlformats.org/drawingml/2006/main" name="Office Theme">
+  <a:themeElements>
+    <a:clrScheme name="Office">
+      <a:dk1>
+        <a:sysClr val="windowText" lastClr="000000"/>
+      </a:dk1>
+      <a:lt1>
+        <a:sysClr val="window" lastClr="FFFFFF"/>
+      </a:lt1>
+      <a:dk2>
+        <a:srgbClr val="44546A"/>
+      </a:dk2>
+      <a:lt2>
+        <a:srgbClr val="E7E6E6"/>
+      </a:lt2>
+      <a:accent1>
+        <a:srgbClr val="4472C4"/>
+      </a:accent1>
+      <a:accent2>
+        <a:srgbClr val="ED7D31"/>
+      </a:accent2>
+      <a:accent3>
+        <a:srgbClr val="A5A5A5"/>
+      </a:accent3>
+      <a:accent4>
+        <a:srgbClr val="FFC000"/>
+      </a:accent4>
+      <a:accent5>
+        <a:srgbClr val="5B9BD5"/>
+      </a:accent5>
+      <a:accent6>
+        <a:srgbClr val="70AD47"/>
+      </a:accent6>
+      <a:hlink>
+        <a:srgbClr val="0563C1"/>
+      </a:hlink>
+      <a:folHlink>
+        <a:srgbClr val="954F72"/>
+      </a:folHlink>
+    </a:clrScheme>
+    <a:fontScheme name="Office">
+      <a:majorFont>
+        <a:latin typeface="Calibri Light" panose="020F0302020204030204"/>
+        <a:ea typeface=""/>
+        <a:cs typeface=""/>
+        <a:font script="Jpan" typeface="游ゴシック Light"/>
+        <a:font script="Hang" typeface="맑은 고딕"/>
+        <a:font script="Hans" typeface="等线 Light"/>
+        <a:font script="Hant" typeface="新細明體"/>
+        <a:font script="Arab" typeface="Times New Roman"/>
+        <a:font script="Hebr" typeface="Times New Roman"/>
+        <a:font script="Thai" typeface="Angsana New"/>
+        <a:font script="Ethi" typeface="Nyala"/>
+        <a:font script="Beng" typeface="Vrinda"/>
+        <a:font script="Gujr" typeface="Shruti"/>
+        <a:font script="Khmr" typeface="MoolBoran"/>
+        <a:font script="Knda" typeface="Tunga"/>
+        <a:font script="Guru" typeface="Raavi"/>
+        <a:font script="Cans" typeface="Euphemia"/>
+        <a:font script="Cher" typeface="Plantagenet Cherokee"/>
+        <a:font script="Yiii" typeface="Microsoft Yi Baiti"/>
+        <a:font script="Tibt" typeface="Microsoft Himalaya"/>
+        <a:font script="Thaa" typeface="MV Boli"/>
+        <a:font script="Deva" typeface="Mangal"/>
+        <a:font script="Telu" typeface="Gautami"/>
+        <a:font script="Taml" typeface="Latha"/>
+        <a:font script="Syrc" typeface="Estrangelo Edessa"/>
+        <a:font script="Orya" typeface="Kalinga"/>
+        <a:font script="Mlym" typeface="Kartika"/>
+        <a:font script="Laoo" typeface="DokChampa"/>
+        <a:font script="Sinh" typeface="Iskoola Pota"/>
+        <a:font script="Mong" typeface="Mongolian Baiti"/>
+        <a:font script="Viet" typeface="Times New Roman"/>
+        <a:font script="Uigh" typeface="Microsoft Uighur"/>
+        <a:font script="Geor" typeface="Sylfaen"/>
+        <a:font script="Armn" typeface="Arial"/>
+        <a:font script="Bugi" typeface="Leelawadee UI"/>
+        <a:font script="Bopo" typeface="Microsoft JhengHei"/>
+        <a:font script="Java" typeface="Javanese Text"/>
+        <a:font script="Lisu" typeface="Segoe UI"/>
+        <a:font script="Mymr" typeface="Myanmar Text"/>
+        <a:font script="Nkoo" typeface="Ebrima"/>
+        <a:font script="Olck" typeface="Nirmala UI"/>
+        <a:font script="Osma" typeface="Ebrima"/>
+        <a:font script="Phag" typeface="Phagspa"/>
+        <a:font script="Syrn" typeface="Estrangelo Edessa"/>
+        <a:font script="Syrj" typeface="Estrangelo Edessa"/>
+        <a:font script="Syre" typeface="Estrangelo Edessa"/>
+        <a:font script="Sora" typeface="Nirmala UI"/>
+        <a:font script="Tale" typeface="Microsoft Tai Le"/>
+        <a:font script="Talu" typeface="Microsoft New Tai Lue"/>
+        <a:font script="Tfng" typeface="Ebrima"/>
+      </a:majorFont>
+      <a:minorFont>
+        <a:latin typeface="Calibri" panose="020F0502020204030204"/>
+        <a:ea typeface=""/>
+        <a:cs typeface=""/>
+        <a:font script="Jpan" typeface="游ゴシック"/>
+        <a:font script="Hang" typeface="맑은 고딕"/>
+        <a:font script="Hans" typeface="等线"/>
+        <a:font script="Hant" typeface="新細明體"/>
+        <a:font script="Arab" typeface="Arial"/>
+        <a:font script="Hebr" typeface="Arial"/>
+        <a:font script="Thai" typeface="Cordia New"/>
+        <a:font script="Ethi" typeface="Nyala"/>
+        <a:font script="Beng" typeface="Vrinda"/>
+        <a:font script="Gujr" typeface="Shruti"/>
+        <a:font script="Khmr" typeface="DaunPenh"/>
+        <a:font script="Knda" typeface="Tunga"/>
+        <a:font script="Guru" typeface="Raavi"/>
+        <a:font script="Cans" typeface="Euphemia"/>
+        <a:font script="Cher" typeface="Plantagenet Cherokee"/>
+        <a:font script="Yiii" typeface="Microsoft Yi Baiti"/>
+        <a:font script="Tibt" typeface="Microsoft Himalaya"/>
+        <a:font script="Thaa" typeface="MV Boli"/>
+        <a:font script="Deva" typeface="Mangal"/>
+        <a:font script="Telu" typeface="Gautami"/>
+        <a:font script="Taml" typeface="Latha"/>
+        <a:font script="Syrc" typeface="Estrangelo Edessa"/>
+        <a:font script="Orya" typeface="Kalinga"/>
+        <a:font script="Mlym" typeface="Kartika"/>
+        <a:font script="Laoo" typeface="DokChampa"/>
+        <a:font script="Sinh" typeface="Iskoola Pota"/>
+        <a:font script="Mong" typeface="Mongolian Baiti"/>
+        <a:font script="Viet" typeface="Arial"/>
+        <a:font script="Uigh" typeface="Microsoft Uighur"/>
+        <a:font script="Geor" typeface="Sylfaen"/>
+        <a:font script="Armn" typeface="Arial"/>
+        <a:font script="Bugi" typeface="Leelawadee UI"/>
+        <a:font script="Bopo" typeface="Microsoft JhengHei"/>
+        <a:font script="Java" typeface="Javanese Text"/>
+        <a:font script="Lisu" typeface="Segoe UI"/>
+        <a:font script="Mymr" typeface="Myanmar Text"/>
+        <a:font script="Nkoo" typeface="Ebrima"/>
+        <a:font script="Olck" typeface="Nirmala UI"/>
+        <a:font script="Osma" typeface="Ebrima"/>
+        <a:font script="Phag" typeface="Phagspa"/>
+        <a:font script="Syrn" typeface="Estrangelo Edessa"/>
+        <a:font script="Syrj" typeface="Estrangelo Edessa"/>
+        <a:font script="Syre" typeface="Estrangelo Edessa"/>
+        <a:font script="Sora" typeface="Nirmala UI"/>
+        <a:font script="Tale" typeface="Microsoft Tai Le"/>
+        <a:font script="Talu" typeface="Microsoft New Tai Lue"/>
+        <a:font script="Tfng" typeface="Ebrima"/>
+      </a:minorFont>
+    </a:fontScheme>
+    <a:fmtScheme name="Office">
+      <a:fillStyleLst>
+        <a:solidFill>
+          <a:schemeClr val="phClr"/>
+        </a:solidFill>
+        <a:gradFill rotWithShape="1">
+          <a:gsLst>
+            <a:gs pos="0">
+              <a:schemeClr val="phClr">
+                <a:lumMod val="110000"/>
+                <a:satMod val="105000"/>
+                <a:tint val="67000"/>
+              </a:schemeClr>
+            </a:gs>
+            <a:gs pos="50000">
+              <a:schemeClr val="phClr">
+                <a:lumMod val="105000"/>
+                <a:satMod val="103000"/>
+                <a:tint val="73000"/>
+              </a:schemeClr>
+            </a:gs>
+            <a:gs pos="100000">
+              <a:schemeClr val="phClr">
+                <a:lumMod val="105000"/>
+                <a:satMod val="109000"/>
+                <a:tint val="81000"/>
+              </a:schemeClr>
+            </a:gs>
+          </a:gsLst>
+          <a:lin ang="5400000" scaled="0"/>
+        </a:gradFill>
+        <a:gradFill rotWithShape="1">
+          <a:gsLst>
+            <a:gs pos="0">
+              <a:schemeClr val="phClr">
+                <a:satMod val="103000"/>
+                <a:lumMod val="102000"/>
+                <a:tint val="94000"/>
+              </a:schemeClr>
+            </a:gs>
+            <a:gs pos="50000">
+              <a:schemeClr val="phClr">
+                <a:satMod val="110000"/>
+                <a:lumMod val="100000"/>
+                <a:shade val="100000"/>
+              </a:schemeClr>
+            </a:gs>
+            <a:gs pos="100000">
+              <a:schemeClr val="phClr">
+                <a:lumMod val="99000"/>
+                <a:satMod val="120000"/>
+                <a:shade val="78000"/>
+              </a:schemeClr>
+            </a:gs>
+          </a:gsLst>
+          <a:lin ang="5400000" scaled="0"/>
+        </a:gradFill>
+      </a:fillStyleLst>
+      <a:lnStyleLst>
+        <a:ln w="6350" cap="flat" cmpd="sng" algn="ctr">
+          <a:solidFill>
+            <a:schemeClr val="phClr"/>
+          </a:solidFill>
+          <a:prstDash val="solid"/>
+          <a:miter lim="800000"/>
+        </a:ln>
+        <a:ln w="12700" cap="flat" cmpd="sng" algn="ctr">
+          <a:solidFill>
+            <a:schemeClr val="phClr"/>
+          </a:solidFill>
+          <a:prstDash val="solid"/>
+          <a:miter lim="800000"/>
+        </a:ln>
+        <a:ln w="19050" cap="flat" cmpd="sng" algn="ctr">
+          <a:solidFill>
+            <a:schemeClr val="phClr"/>
+          </a:solidFill>
+          <a:prstDash val="solid"/>
+          <a:miter lim="800000"/>
+        </a:ln>
+      </a:lnStyleLst>
+      <a:effectStyleLst>
+        <a:effectStyle>
+          <a:effectLst/>
+        </a:effectStyle>
+        <a:effectStyle>
+          <a:effectLst/>
+        </a:effectStyle>
+        <a:effectStyle>
+          <a:effectLst>
+            <a:outerShdw blurRad="57150" dist="19050" dir="5400000" algn="ctr" rotWithShape="0">
+              <a:srgbClr val="000000">
+                <a:alpha val="63000"/>
+              </a:srgbClr>
+            </a:outerShdw>
+          </a:effectLst>
+        </a:effectStyle>
+      </a:effectStyleLst>
+      <a:bgFillStyleLst>
+        <a:solidFill>
+          <a:schemeClr val="phClr"/>
+        </a:solidFill>
+        <a:solidFill>
+          <a:schemeClr val="phClr">
+            <a:tint val="95000"/>
+            <a:satMod val="170000"/>
+          </a:schemeClr>
+        </a:solidFill>
+        <a:gradFill rotWithShape="1">
+          <a:gsLst>
+            <a:gs pos="0">
+              <a:schemeClr val="phClr">
+                <a:tint val="93000"/>
+                <a:satMod val="150000"/>
+                <a:shade val="98000"/>
+                <a:lumMod val="102000"/>
+              </a:schemeClr>
+            </a:gs>
+            <a:gs pos="50000">
+              <a:schemeClr val="phClr">
+                <a:tint val="98000"/>
+                <a:satMod val="130000"/>
+                <a:shade val="90000"/>
+                <a:lumMod val="103000"/>
+              </a:schemeClr>
+            </a:gs>
+            <a:gs pos="100000">
+              <a:schemeClr val="phClr">
+                <a:shade val="63000"/>
+                <a:satMod val="120000"/>
+              </a:schemeClr>
+            </a:gs>
+          </a:gsLst>
+          <a:lin ang="5400000" scaled="0"/>
+        </a:gradFill>
+      </a:bgFillStyleLst>
+    </a:fmtScheme>
+  </a:themeElements>
+  <a:objectDefaults/>
+  <a:extraClrSchemeLst/>
+  <a:extLst>
+    <a:ext uri="{05A4C25C-085E-4340-85A3-A5531E510DB2}">
+      <thm15:themeFamily xmlns:thm15="http://schemas.microsoft.com/office/thememl/2012/main" name="Office Theme" id="{62F939B6-93AF-4DB8-9C6B-D6C7DFDC589F}" vid="{4A3C46E8-61CC-4603-A589-7422A47A8E4A}"/>
+    </a:ext>
+  </a:extLst>
+</a:theme>
 </file>
--- a/nfh schematic.pptx
+++ b/nfh schematic.pptx
@@ -7117,43 +7117,6 @@
           </a:p>
         </p:txBody>
       </p:sp>
-      <p:sp>
-        <p:nvSpPr>
-          <p:cNvPr id="1046" name="TextBox 1045">
-            <a:extLst>
-              <a:ext uri="{FF2B5EF4-FFF2-40B4-BE49-F238E27FC236}">
-                <a16:creationId xmlns:a16="http://schemas.microsoft.com/office/drawing/2014/main" id="{50CBAB9B-EA02-5686-B4AC-A3043F46EC90}"/>
-              </a:ext>
-            </a:extLst>
-          </p:cNvPr>
-          <p:cNvSpPr txBox="1"/>
-          <p:nvPr/>
-        </p:nvSpPr>
-        <p:spPr>
-          <a:xfrm>
-            <a:off x="6007500" y="2339983"/>
-            <a:ext cx="2727230" cy="261610"/>
-          </a:xfrm>
-          <a:prstGeom prst="rect">
-            <a:avLst/>
-          </a:prstGeom>
-          <a:noFill/>
-        </p:spPr>
-        <p:txBody>
-          <a:bodyPr wrap="square">
-            <a:spAutoFit/>
-          </a:bodyPr>
-          <a:lstStyle/>
-          <a:p>
-            <a:pPr algn="ctr"/>
-            <a:r>
-              <a:rPr lang="en-US" sz="1100" cap="all" dirty="0" err="1"/>
-              <a:t>KAKsPVKEEIKPPAEVKsP</a:t>
-            </a:r>
-            <a:endParaRPr lang="en-US" sz="1100" cap="all" dirty="0"/>
-          </a:p>
-        </p:txBody>
-      </p:sp>
       <p:grpSp>
         <p:nvGrpSpPr>
           <p:cNvPr id="1071" name="Group 1070">
@@ -7168,7 +7131,7 @@
         </p:nvGrpSpPr>
         <p:grpSpPr>
           <a:xfrm>
-            <a:off x="6198703" y="2845267"/>
+            <a:off x="6179651" y="2878605"/>
             <a:ext cx="2449686" cy="408800"/>
             <a:chOff x="6169497" y="2384627"/>
             <a:chExt cx="2449686" cy="408800"/>
@@ -7564,7 +7527,7 @@
           </p:nvSpPr>
           <p:spPr>
             <a:xfrm>
-              <a:off x="6315294" y="2617192"/>
+              <a:off x="6310531" y="2617192"/>
               <a:ext cx="80049" cy="80049"/>
             </a:xfrm>
             <a:prstGeom prst="rect">
@@ -7616,7 +7579,7 @@
           </p:nvSpPr>
           <p:spPr>
             <a:xfrm>
-              <a:off x="6445533" y="2546669"/>
+              <a:off x="6431244" y="2556195"/>
               <a:ext cx="80049" cy="80049"/>
             </a:xfrm>
             <a:prstGeom prst="rect">
@@ -7668,7 +7631,7 @@
           </p:nvSpPr>
           <p:spPr>
             <a:xfrm>
-              <a:off x="6623059" y="2384627"/>
+              <a:off x="6613533" y="2384627"/>
               <a:ext cx="80049" cy="80049"/>
             </a:xfrm>
             <a:prstGeom prst="rect">
@@ -7702,7 +7665,7 @@
             <a:lstStyle/>
             <a:p>
               <a:pPr algn="ctr"/>
-              <a:endParaRPr lang="en-US"/>
+              <a:endParaRPr lang="en-US" dirty="0"/>
             </a:p>
           </p:txBody>
         </p:sp>
@@ -7720,7 +7683,7 @@
           </p:nvSpPr>
           <p:spPr>
             <a:xfrm>
-              <a:off x="6739351" y="2467297"/>
+              <a:off x="6748877" y="2476823"/>
               <a:ext cx="80049" cy="80049"/>
             </a:xfrm>
             <a:prstGeom prst="rect">
@@ -7772,7 +7735,7 @@
           </p:nvSpPr>
           <p:spPr>
             <a:xfrm>
-              <a:off x="6851941" y="2547346"/>
+              <a:off x="6861467" y="2552109"/>
               <a:ext cx="80049" cy="80049"/>
             </a:xfrm>
             <a:prstGeom prst="rect">
@@ -8136,7 +8099,7 @@
           </p:nvSpPr>
           <p:spPr>
             <a:xfrm>
-              <a:off x="7834653" y="2617951"/>
+              <a:off x="7848942" y="2613188"/>
               <a:ext cx="80049" cy="80049"/>
             </a:xfrm>
             <a:prstGeom prst="rect">
@@ -8188,7 +8151,7 @@
           </p:nvSpPr>
           <p:spPr>
             <a:xfrm>
-              <a:off x="7967913" y="2583624"/>
+              <a:off x="7991728" y="2569335"/>
               <a:ext cx="80049" cy="80049"/>
             </a:xfrm>
             <a:prstGeom prst="rect">
@@ -8222,7 +8185,7 @@
             <a:lstStyle/>
             <a:p>
               <a:pPr algn="ctr"/>
-              <a:endParaRPr lang="en-US"/>
+              <a:endParaRPr lang="en-US" dirty="0"/>
             </a:p>
           </p:txBody>
         </p:sp>
@@ -8240,7 +8203,7 @@
           </p:nvSpPr>
           <p:spPr>
             <a:xfrm>
-              <a:off x="8100250" y="2566312"/>
+              <a:off x="8128828" y="2556786"/>
               <a:ext cx="80049" cy="80049"/>
             </a:xfrm>
             <a:prstGeom prst="rect">
@@ -8292,7 +8255,7 @@
           </p:nvSpPr>
           <p:spPr>
             <a:xfrm>
-              <a:off x="8249571" y="2577926"/>
+              <a:off x="8263860" y="2577926"/>
               <a:ext cx="80049" cy="80049"/>
             </a:xfrm>
             <a:prstGeom prst="rect">
@@ -8344,7 +8307,7 @@
           </p:nvSpPr>
           <p:spPr>
             <a:xfrm>
-              <a:off x="8398892" y="2604221"/>
+              <a:off x="8403655" y="2604221"/>
               <a:ext cx="80049" cy="80049"/>
             </a:xfrm>
             <a:prstGeom prst="rect">
@@ -8448,7 +8411,7 @@
           </p:nvSpPr>
           <p:spPr>
             <a:xfrm>
-              <a:off x="6515232" y="2429942"/>
+              <a:off x="6510469" y="2439468"/>
               <a:ext cx="80049" cy="80049"/>
             </a:xfrm>
             <a:prstGeom prst="rect">
@@ -8900,7 +8863,7 @@
         </p:nvGrpSpPr>
         <p:grpSpPr>
           <a:xfrm>
-            <a:off x="7630919" y="3677247"/>
+            <a:off x="7654730" y="3686771"/>
             <a:ext cx="220340" cy="45719"/>
             <a:chOff x="7630919" y="3677247"/>
             <a:chExt cx="220340" cy="45719"/>
@@ -9072,13 +9035,17 @@
               </a:ext>
             </a:extLst>
           </p:cNvPr>
-          <p:cNvCxnSpPr/>
+          <p:cNvCxnSpPr>
+            <a:cxnSpLocks/>
+            <a:stCxn id="1042" idx="3"/>
+            <a:endCxn id="1069" idx="1"/>
+          </p:cNvCxnSpPr>
           <p:nvPr/>
         </p:nvCxnSpPr>
         <p:spPr>
-          <a:xfrm>
-            <a:off x="6624487" y="3700106"/>
-            <a:ext cx="211588" cy="0"/>
+          <a:xfrm flipV="1">
+            <a:off x="6679755" y="3706004"/>
+            <a:ext cx="107664" cy="210"/>
           </a:xfrm>
           <a:prstGeom prst="line">
             <a:avLst/>
@@ -9115,13 +9082,14 @@
           </p:cNvPr>
           <p:cNvCxnSpPr>
             <a:cxnSpLocks/>
+            <a:stCxn id="1069" idx="3"/>
           </p:cNvCxnSpPr>
           <p:nvPr/>
         </p:nvCxnSpPr>
         <p:spPr>
           <a:xfrm>
-            <a:off x="7371115" y="3700106"/>
-            <a:ext cx="140399" cy="0"/>
+            <a:off x="7443562" y="3706004"/>
+            <a:ext cx="90208" cy="0"/>
           </a:xfrm>
           <a:prstGeom prst="line">
             <a:avLst/>
@@ -9158,13 +9126,14 @@
           </p:cNvPr>
           <p:cNvCxnSpPr>
             <a:cxnSpLocks/>
+            <a:endCxn id="1070" idx="1"/>
           </p:cNvCxnSpPr>
           <p:nvPr/>
         </p:nvCxnSpPr>
         <p:spPr>
           <a:xfrm>
-            <a:off x="8021236" y="3700106"/>
-            <a:ext cx="140399" cy="0"/>
+            <a:off x="7997119" y="3704086"/>
+            <a:ext cx="94317" cy="0"/>
           </a:xfrm>
           <a:prstGeom prst="line">
             <a:avLst/>
@@ -9190,6 +9159,246 @@
           </a:fontRef>
         </p:style>
       </p:cxnSp>
+      <p:cxnSp>
+        <p:nvCxnSpPr>
+          <p:cNvPr id="1113" name="Straight Connector 1112">
+            <a:extLst>
+              <a:ext uri="{FF2B5EF4-FFF2-40B4-BE49-F238E27FC236}">
+                <a16:creationId xmlns:a16="http://schemas.microsoft.com/office/drawing/2014/main" id="{A1E6DA89-31A8-5430-3349-B6797510108B}"/>
+              </a:ext>
+            </a:extLst>
+          </p:cNvPr>
+          <p:cNvCxnSpPr>
+            <a:cxnSpLocks/>
+          </p:cNvCxnSpPr>
+          <p:nvPr/>
+        </p:nvCxnSpPr>
+        <p:spPr>
+          <a:xfrm>
+            <a:off x="6723270" y="2328864"/>
+            <a:ext cx="15383" cy="1797774"/>
+          </a:xfrm>
+          <a:prstGeom prst="line">
+            <a:avLst/>
+          </a:prstGeom>
+          <a:ln w="12700">
+            <a:solidFill>
+              <a:schemeClr val="tx1"/>
+            </a:solidFill>
+            <a:prstDash val="lgDash"/>
+          </a:ln>
+        </p:spPr>
+        <p:style>
+          <a:lnRef idx="1">
+            <a:schemeClr val="accent1"/>
+          </a:lnRef>
+          <a:fillRef idx="0">
+            <a:schemeClr val="accent1"/>
+          </a:fillRef>
+          <a:effectRef idx="0">
+            <a:schemeClr val="accent1"/>
+          </a:effectRef>
+          <a:fontRef idx="minor">
+            <a:schemeClr val="tx1"/>
+          </a:fontRef>
+        </p:style>
+      </p:cxnSp>
+      <p:cxnSp>
+        <p:nvCxnSpPr>
+          <p:cNvPr id="1117" name="Straight Connector 1116">
+            <a:extLst>
+              <a:ext uri="{FF2B5EF4-FFF2-40B4-BE49-F238E27FC236}">
+                <a16:creationId xmlns:a16="http://schemas.microsoft.com/office/drawing/2014/main" id="{2A019331-2C20-413F-CA27-17807C40A97A}"/>
+              </a:ext>
+            </a:extLst>
+          </p:cNvPr>
+          <p:cNvCxnSpPr>
+            <a:cxnSpLocks/>
+          </p:cNvCxnSpPr>
+          <p:nvPr/>
+        </p:nvCxnSpPr>
+        <p:spPr>
+          <a:xfrm>
+            <a:off x="7538856" y="2331270"/>
+            <a:ext cx="15383" cy="1797774"/>
+          </a:xfrm>
+          <a:prstGeom prst="line">
+            <a:avLst/>
+          </a:prstGeom>
+          <a:ln w="12700">
+            <a:solidFill>
+              <a:schemeClr val="tx1"/>
+            </a:solidFill>
+            <a:prstDash val="lgDash"/>
+          </a:ln>
+        </p:spPr>
+        <p:style>
+          <a:lnRef idx="1">
+            <a:schemeClr val="accent1"/>
+          </a:lnRef>
+          <a:fillRef idx="0">
+            <a:schemeClr val="accent1"/>
+          </a:fillRef>
+          <a:effectRef idx="0">
+            <a:schemeClr val="accent1"/>
+          </a:effectRef>
+          <a:fontRef idx="minor">
+            <a:schemeClr val="tx1"/>
+          </a:fontRef>
+        </p:style>
+      </p:cxnSp>
+      <p:cxnSp>
+        <p:nvCxnSpPr>
+          <p:cNvPr id="1118" name="Straight Connector 1117">
+            <a:extLst>
+              <a:ext uri="{FF2B5EF4-FFF2-40B4-BE49-F238E27FC236}">
+                <a16:creationId xmlns:a16="http://schemas.microsoft.com/office/drawing/2014/main" id="{C579A9AA-D6F9-CC9B-8E54-4945CBEF0734}"/>
+              </a:ext>
+            </a:extLst>
+          </p:cNvPr>
+          <p:cNvCxnSpPr>
+            <a:cxnSpLocks/>
+          </p:cNvCxnSpPr>
+          <p:nvPr/>
+        </p:nvCxnSpPr>
+        <p:spPr>
+          <a:xfrm>
+            <a:off x="7970837" y="2329966"/>
+            <a:ext cx="15383" cy="1797774"/>
+          </a:xfrm>
+          <a:prstGeom prst="line">
+            <a:avLst/>
+          </a:prstGeom>
+          <a:ln w="12700">
+            <a:solidFill>
+              <a:schemeClr val="tx1"/>
+            </a:solidFill>
+            <a:prstDash val="lgDash"/>
+          </a:ln>
+        </p:spPr>
+        <p:style>
+          <a:lnRef idx="1">
+            <a:schemeClr val="accent1"/>
+          </a:lnRef>
+          <a:fillRef idx="0">
+            <a:schemeClr val="accent1"/>
+          </a:fillRef>
+          <a:effectRef idx="0">
+            <a:schemeClr val="accent1"/>
+          </a:effectRef>
+          <a:fontRef idx="minor">
+            <a:schemeClr val="tx1"/>
+          </a:fontRef>
+        </p:style>
+      </p:cxnSp>
+      <p:sp>
+        <p:nvSpPr>
+          <p:cNvPr id="1119" name="TextBox 1118">
+            <a:extLst>
+              <a:ext uri="{FF2B5EF4-FFF2-40B4-BE49-F238E27FC236}">
+                <a16:creationId xmlns:a16="http://schemas.microsoft.com/office/drawing/2014/main" id="{E2CC2B05-4B25-983F-52CF-792E7A9979F9}"/>
+              </a:ext>
+            </a:extLst>
+          </p:cNvPr>
+          <p:cNvSpPr txBox="1"/>
+          <p:nvPr/>
+        </p:nvSpPr>
+        <p:spPr>
+          <a:xfrm>
+            <a:off x="6065740" y="2434963"/>
+            <a:ext cx="703654" cy="369332"/>
+          </a:xfrm>
+          <a:prstGeom prst="rect">
+            <a:avLst/>
+          </a:prstGeom>
+          <a:noFill/>
+        </p:spPr>
+        <p:txBody>
+          <a:bodyPr wrap="none" rtlCol="0">
+            <a:spAutoFit/>
+          </a:bodyPr>
+          <a:lstStyle/>
+          <a:p>
+            <a:r>
+              <a:rPr lang="en-US" dirty="0" err="1"/>
+              <a:t>sfdsfs</a:t>
+            </a:r>
+            <a:endParaRPr lang="en-US" dirty="0"/>
+          </a:p>
+        </p:txBody>
+      </p:sp>
+      <p:sp>
+        <p:nvSpPr>
+          <p:cNvPr id="1120" name="TextBox 1119">
+            <a:extLst>
+              <a:ext uri="{FF2B5EF4-FFF2-40B4-BE49-F238E27FC236}">
+                <a16:creationId xmlns:a16="http://schemas.microsoft.com/office/drawing/2014/main" id="{B154A58A-900B-1002-2AC4-DE83FC181166}"/>
+              </a:ext>
+            </a:extLst>
+          </p:cNvPr>
+          <p:cNvSpPr txBox="1"/>
+          <p:nvPr/>
+        </p:nvSpPr>
+        <p:spPr>
+          <a:xfrm>
+            <a:off x="6791083" y="2463781"/>
+            <a:ext cx="703654" cy="369332"/>
+          </a:xfrm>
+          <a:prstGeom prst="rect">
+            <a:avLst/>
+          </a:prstGeom>
+          <a:noFill/>
+        </p:spPr>
+        <p:txBody>
+          <a:bodyPr wrap="none" rtlCol="0">
+            <a:spAutoFit/>
+          </a:bodyPr>
+          <a:lstStyle/>
+          <a:p>
+            <a:r>
+              <a:rPr lang="en-US" dirty="0" err="1"/>
+              <a:t>sfdsfs</a:t>
+            </a:r>
+            <a:endParaRPr lang="en-US" dirty="0"/>
+          </a:p>
+        </p:txBody>
+      </p:sp>
+      <p:sp>
+        <p:nvSpPr>
+          <p:cNvPr id="1121" name="TextBox 1120">
+            <a:extLst>
+              <a:ext uri="{FF2B5EF4-FFF2-40B4-BE49-F238E27FC236}">
+                <a16:creationId xmlns:a16="http://schemas.microsoft.com/office/drawing/2014/main" id="{F9CBDCFA-166B-331D-D267-95B6F28C66B8}"/>
+              </a:ext>
+            </a:extLst>
+          </p:cNvPr>
+          <p:cNvSpPr txBox="1"/>
+          <p:nvPr/>
+        </p:nvSpPr>
+        <p:spPr>
+          <a:xfrm>
+            <a:off x="8005125" y="2439899"/>
+            <a:ext cx="703654" cy="369332"/>
+          </a:xfrm>
+          <a:prstGeom prst="rect">
+            <a:avLst/>
+          </a:prstGeom>
+          <a:noFill/>
+        </p:spPr>
+        <p:txBody>
+          <a:bodyPr wrap="none" rtlCol="0">
+            <a:spAutoFit/>
+          </a:bodyPr>
+          <a:lstStyle/>
+          <a:p>
+            <a:r>
+              <a:rPr lang="en-US" dirty="0" err="1"/>
+              <a:t>sfdsfs</a:t>
+            </a:r>
+            <a:endParaRPr lang="en-US" dirty="0"/>
+          </a:p>
+        </p:txBody>
+      </p:sp>
     </p:spTree>
     <p:extLst>
       <p:ext uri="{BB962C8B-B14F-4D97-AF65-F5344CB8AC3E}">

--- a/nfh schematic.pptx
+++ b/nfh schematic.pptx
@@ -3674,6 +3674,334 @@
           <a:chExt cx="0" cy="0"/>
         </a:xfrm>
       </p:grpSpPr>
+      <p:sp>
+        <p:nvSpPr>
+          <p:cNvPr id="1148" name="Freeform: Shape 1147">
+            <a:extLst>
+              <a:ext uri="{FF2B5EF4-FFF2-40B4-BE49-F238E27FC236}">
+                <a16:creationId xmlns:a16="http://schemas.microsoft.com/office/drawing/2014/main" id="{8DAFF274-1385-E505-B001-B1CDACC385BE}"/>
+              </a:ext>
+            </a:extLst>
+          </p:cNvPr>
+          <p:cNvSpPr/>
+          <p:nvPr/>
+        </p:nvSpPr>
+        <p:spPr>
+          <a:xfrm rot="5400000" flipH="1">
+            <a:off x="8257448" y="2835001"/>
+            <a:ext cx="89428" cy="600292"/>
+          </a:xfrm>
+          <a:custGeom>
+            <a:avLst/>
+            <a:gdLst>
+              <a:gd name="connsiteX0" fmla="*/ 0 w 428625"/>
+              <a:gd name="connsiteY0" fmla="*/ 1223696 h 1223696"/>
+              <a:gd name="connsiteX1" fmla="*/ 381000 w 428625"/>
+              <a:gd name="connsiteY1" fmla="*/ 985571 h 1223696"/>
+              <a:gd name="connsiteX2" fmla="*/ 57150 w 428625"/>
+              <a:gd name="connsiteY2" fmla="*/ 556946 h 1223696"/>
+              <a:gd name="connsiteX3" fmla="*/ 276225 w 428625"/>
+              <a:gd name="connsiteY3" fmla="*/ 337871 h 1223696"/>
+              <a:gd name="connsiteX4" fmla="*/ 209550 w 428625"/>
+              <a:gd name="connsiteY4" fmla="*/ 4496 h 1223696"/>
+              <a:gd name="connsiteX5" fmla="*/ 428625 w 428625"/>
+              <a:gd name="connsiteY5" fmla="*/ 175946 h 1223696"/>
+              <a:gd name="connsiteX0" fmla="*/ 0 w 428625"/>
+              <a:gd name="connsiteY0" fmla="*/ 1223696 h 1223696"/>
+              <a:gd name="connsiteX1" fmla="*/ 381000 w 428625"/>
+              <a:gd name="connsiteY1" fmla="*/ 985571 h 1223696"/>
+              <a:gd name="connsiteX2" fmla="*/ 73025 w 428625"/>
+              <a:gd name="connsiteY2" fmla="*/ 804596 h 1223696"/>
+              <a:gd name="connsiteX3" fmla="*/ 276225 w 428625"/>
+              <a:gd name="connsiteY3" fmla="*/ 337871 h 1223696"/>
+              <a:gd name="connsiteX4" fmla="*/ 209550 w 428625"/>
+              <a:gd name="connsiteY4" fmla="*/ 4496 h 1223696"/>
+              <a:gd name="connsiteX5" fmla="*/ 428625 w 428625"/>
+              <a:gd name="connsiteY5" fmla="*/ 175946 h 1223696"/>
+              <a:gd name="connsiteX0" fmla="*/ 51906 w 480531"/>
+              <a:gd name="connsiteY0" fmla="*/ 1223696 h 1223696"/>
+              <a:gd name="connsiteX1" fmla="*/ 432906 w 480531"/>
+              <a:gd name="connsiteY1" fmla="*/ 985571 h 1223696"/>
+              <a:gd name="connsiteX2" fmla="*/ 124931 w 480531"/>
+              <a:gd name="connsiteY2" fmla="*/ 804596 h 1223696"/>
+              <a:gd name="connsiteX3" fmla="*/ 4281 w 480531"/>
+              <a:gd name="connsiteY3" fmla="*/ 487096 h 1223696"/>
+              <a:gd name="connsiteX4" fmla="*/ 261456 w 480531"/>
+              <a:gd name="connsiteY4" fmla="*/ 4496 h 1223696"/>
+              <a:gd name="connsiteX5" fmla="*/ 480531 w 480531"/>
+              <a:gd name="connsiteY5" fmla="*/ 175946 h 1223696"/>
+              <a:gd name="connsiteX0" fmla="*/ 53689 w 482314"/>
+              <a:gd name="connsiteY0" fmla="*/ 1060814 h 1060814"/>
+              <a:gd name="connsiteX1" fmla="*/ 434689 w 482314"/>
+              <a:gd name="connsiteY1" fmla="*/ 822689 h 1060814"/>
+              <a:gd name="connsiteX2" fmla="*/ 126714 w 482314"/>
+              <a:gd name="connsiteY2" fmla="*/ 641714 h 1060814"/>
+              <a:gd name="connsiteX3" fmla="*/ 6064 w 482314"/>
+              <a:gd name="connsiteY3" fmla="*/ 324214 h 1060814"/>
+              <a:gd name="connsiteX4" fmla="*/ 298164 w 482314"/>
+              <a:gd name="connsiteY4" fmla="*/ 438514 h 1060814"/>
+              <a:gd name="connsiteX5" fmla="*/ 482314 w 482314"/>
+              <a:gd name="connsiteY5" fmla="*/ 13064 h 1060814"/>
+              <a:gd name="connsiteX0" fmla="*/ 53689 w 435120"/>
+              <a:gd name="connsiteY0" fmla="*/ 1185420 h 1185420"/>
+              <a:gd name="connsiteX1" fmla="*/ 434689 w 435120"/>
+              <a:gd name="connsiteY1" fmla="*/ 947295 h 1185420"/>
+              <a:gd name="connsiteX2" fmla="*/ 126714 w 435120"/>
+              <a:gd name="connsiteY2" fmla="*/ 766320 h 1185420"/>
+              <a:gd name="connsiteX3" fmla="*/ 6064 w 435120"/>
+              <a:gd name="connsiteY3" fmla="*/ 448820 h 1185420"/>
+              <a:gd name="connsiteX4" fmla="*/ 298164 w 435120"/>
+              <a:gd name="connsiteY4" fmla="*/ 563120 h 1185420"/>
+              <a:gd name="connsiteX5" fmla="*/ 234664 w 435120"/>
+              <a:gd name="connsiteY5" fmla="*/ 10670 h 1185420"/>
+              <a:gd name="connsiteX0" fmla="*/ 53689 w 435120"/>
+              <a:gd name="connsiteY0" fmla="*/ 1174750 h 1174750"/>
+              <a:gd name="connsiteX1" fmla="*/ 434689 w 435120"/>
+              <a:gd name="connsiteY1" fmla="*/ 936625 h 1174750"/>
+              <a:gd name="connsiteX2" fmla="*/ 126714 w 435120"/>
+              <a:gd name="connsiteY2" fmla="*/ 755650 h 1174750"/>
+              <a:gd name="connsiteX3" fmla="*/ 6064 w 435120"/>
+              <a:gd name="connsiteY3" fmla="*/ 438150 h 1174750"/>
+              <a:gd name="connsiteX4" fmla="*/ 298164 w 435120"/>
+              <a:gd name="connsiteY4" fmla="*/ 552450 h 1174750"/>
+              <a:gd name="connsiteX5" fmla="*/ 234664 w 435120"/>
+              <a:gd name="connsiteY5" fmla="*/ 0 h 1174750"/>
+              <a:gd name="connsiteX0" fmla="*/ 53689 w 435120"/>
+              <a:gd name="connsiteY0" fmla="*/ 1308100 h 1308100"/>
+              <a:gd name="connsiteX1" fmla="*/ 434689 w 435120"/>
+              <a:gd name="connsiteY1" fmla="*/ 1069975 h 1308100"/>
+              <a:gd name="connsiteX2" fmla="*/ 126714 w 435120"/>
+              <a:gd name="connsiteY2" fmla="*/ 889000 h 1308100"/>
+              <a:gd name="connsiteX3" fmla="*/ 6064 w 435120"/>
+              <a:gd name="connsiteY3" fmla="*/ 571500 h 1308100"/>
+              <a:gd name="connsiteX4" fmla="*/ 298164 w 435120"/>
+              <a:gd name="connsiteY4" fmla="*/ 685800 h 1308100"/>
+              <a:gd name="connsiteX5" fmla="*/ 126714 w 435120"/>
+              <a:gd name="connsiteY5" fmla="*/ 0 h 1308100"/>
+              <a:gd name="connsiteX0" fmla="*/ 53689 w 435120"/>
+              <a:gd name="connsiteY0" fmla="*/ 1308100 h 1308100"/>
+              <a:gd name="connsiteX1" fmla="*/ 434689 w 435120"/>
+              <a:gd name="connsiteY1" fmla="*/ 1069975 h 1308100"/>
+              <a:gd name="connsiteX2" fmla="*/ 126714 w 435120"/>
+              <a:gd name="connsiteY2" fmla="*/ 889000 h 1308100"/>
+              <a:gd name="connsiteX3" fmla="*/ 6064 w 435120"/>
+              <a:gd name="connsiteY3" fmla="*/ 571500 h 1308100"/>
+              <a:gd name="connsiteX4" fmla="*/ 298164 w 435120"/>
+              <a:gd name="connsiteY4" fmla="*/ 577850 h 1308100"/>
+              <a:gd name="connsiteX5" fmla="*/ 126714 w 435120"/>
+              <a:gd name="connsiteY5" fmla="*/ 0 h 1308100"/>
+              <a:gd name="connsiteX0" fmla="*/ 53689 w 435120"/>
+              <a:gd name="connsiteY0" fmla="*/ 1308100 h 1308100"/>
+              <a:gd name="connsiteX1" fmla="*/ 434689 w 435120"/>
+              <a:gd name="connsiteY1" fmla="*/ 1069975 h 1308100"/>
+              <a:gd name="connsiteX2" fmla="*/ 126714 w 435120"/>
+              <a:gd name="connsiteY2" fmla="*/ 889000 h 1308100"/>
+              <a:gd name="connsiteX3" fmla="*/ 6064 w 435120"/>
+              <a:gd name="connsiteY3" fmla="*/ 571500 h 1308100"/>
+              <a:gd name="connsiteX4" fmla="*/ 298164 w 435120"/>
+              <a:gd name="connsiteY4" fmla="*/ 577850 h 1308100"/>
+              <a:gd name="connsiteX5" fmla="*/ 126714 w 435120"/>
+              <a:gd name="connsiteY5" fmla="*/ 0 h 1308100"/>
+              <a:gd name="connsiteX0" fmla="*/ 53689 w 435120"/>
+              <a:gd name="connsiteY0" fmla="*/ 1308100 h 1308100"/>
+              <a:gd name="connsiteX1" fmla="*/ 434689 w 435120"/>
+              <a:gd name="connsiteY1" fmla="*/ 1069975 h 1308100"/>
+              <a:gd name="connsiteX2" fmla="*/ 126714 w 435120"/>
+              <a:gd name="connsiteY2" fmla="*/ 889000 h 1308100"/>
+              <a:gd name="connsiteX3" fmla="*/ 6064 w 435120"/>
+              <a:gd name="connsiteY3" fmla="*/ 571500 h 1308100"/>
+              <a:gd name="connsiteX4" fmla="*/ 298164 w 435120"/>
+              <a:gd name="connsiteY4" fmla="*/ 577850 h 1308100"/>
+              <a:gd name="connsiteX5" fmla="*/ 126714 w 435120"/>
+              <a:gd name="connsiteY5" fmla="*/ 0 h 1308100"/>
+              <a:gd name="connsiteX0" fmla="*/ 53689 w 435120"/>
+              <a:gd name="connsiteY0" fmla="*/ 1308100 h 1308100"/>
+              <a:gd name="connsiteX1" fmla="*/ 434689 w 435120"/>
+              <a:gd name="connsiteY1" fmla="*/ 1069975 h 1308100"/>
+              <a:gd name="connsiteX2" fmla="*/ 126714 w 435120"/>
+              <a:gd name="connsiteY2" fmla="*/ 889000 h 1308100"/>
+              <a:gd name="connsiteX3" fmla="*/ 6064 w 435120"/>
+              <a:gd name="connsiteY3" fmla="*/ 571500 h 1308100"/>
+              <a:gd name="connsiteX4" fmla="*/ 298164 w 435120"/>
+              <a:gd name="connsiteY4" fmla="*/ 577850 h 1308100"/>
+              <a:gd name="connsiteX5" fmla="*/ 126714 w 435120"/>
+              <a:gd name="connsiteY5" fmla="*/ 0 h 1308100"/>
+              <a:gd name="connsiteX0" fmla="*/ 201862 w 583293"/>
+              <a:gd name="connsiteY0" fmla="*/ 1308100 h 1308100"/>
+              <a:gd name="connsiteX1" fmla="*/ 582862 w 583293"/>
+              <a:gd name="connsiteY1" fmla="*/ 1069975 h 1308100"/>
+              <a:gd name="connsiteX2" fmla="*/ 274887 w 583293"/>
+              <a:gd name="connsiteY2" fmla="*/ 889000 h 1308100"/>
+              <a:gd name="connsiteX3" fmla="*/ 154237 w 583293"/>
+              <a:gd name="connsiteY3" fmla="*/ 571500 h 1308100"/>
+              <a:gd name="connsiteX4" fmla="*/ 19538 w 583293"/>
+              <a:gd name="connsiteY4" fmla="*/ 450850 h 1308100"/>
+              <a:gd name="connsiteX5" fmla="*/ 274887 w 583293"/>
+              <a:gd name="connsiteY5" fmla="*/ 0 h 1308100"/>
+              <a:gd name="connsiteX0" fmla="*/ 200780 w 582206"/>
+              <a:gd name="connsiteY0" fmla="*/ 1308100 h 1308100"/>
+              <a:gd name="connsiteX1" fmla="*/ 581780 w 582206"/>
+              <a:gd name="connsiteY1" fmla="*/ 1069975 h 1308100"/>
+              <a:gd name="connsiteX2" fmla="*/ 273805 w 582206"/>
+              <a:gd name="connsiteY2" fmla="*/ 889000 h 1308100"/>
+              <a:gd name="connsiteX3" fmla="*/ 166493 w 582206"/>
+              <a:gd name="connsiteY3" fmla="*/ 676275 h 1308100"/>
+              <a:gd name="connsiteX4" fmla="*/ 18456 w 582206"/>
+              <a:gd name="connsiteY4" fmla="*/ 450850 h 1308100"/>
+              <a:gd name="connsiteX5" fmla="*/ 273805 w 582206"/>
+              <a:gd name="connsiteY5" fmla="*/ 0 h 1308100"/>
+              <a:gd name="connsiteX0" fmla="*/ 204947 w 586387"/>
+              <a:gd name="connsiteY0" fmla="*/ 1308100 h 1308100"/>
+              <a:gd name="connsiteX1" fmla="*/ 585947 w 586387"/>
+              <a:gd name="connsiteY1" fmla="*/ 1069975 h 1308100"/>
+              <a:gd name="connsiteX2" fmla="*/ 277972 w 586387"/>
+              <a:gd name="connsiteY2" fmla="*/ 889000 h 1308100"/>
+              <a:gd name="connsiteX3" fmla="*/ 126201 w 586387"/>
+              <a:gd name="connsiteY3" fmla="*/ 685800 h 1308100"/>
+              <a:gd name="connsiteX4" fmla="*/ 22623 w 586387"/>
+              <a:gd name="connsiteY4" fmla="*/ 450850 h 1308100"/>
+              <a:gd name="connsiteX5" fmla="*/ 277972 w 586387"/>
+              <a:gd name="connsiteY5" fmla="*/ 0 h 1308100"/>
+              <a:gd name="connsiteX0" fmla="*/ 204947 w 586387"/>
+              <a:gd name="connsiteY0" fmla="*/ 1323975 h 1323975"/>
+              <a:gd name="connsiteX1" fmla="*/ 585947 w 586387"/>
+              <a:gd name="connsiteY1" fmla="*/ 1085850 h 1323975"/>
+              <a:gd name="connsiteX2" fmla="*/ 277972 w 586387"/>
+              <a:gd name="connsiteY2" fmla="*/ 904875 h 1323975"/>
+              <a:gd name="connsiteX3" fmla="*/ 126201 w 586387"/>
+              <a:gd name="connsiteY3" fmla="*/ 701675 h 1323975"/>
+              <a:gd name="connsiteX4" fmla="*/ 22623 w 586387"/>
+              <a:gd name="connsiteY4" fmla="*/ 466725 h 1323975"/>
+              <a:gd name="connsiteX5" fmla="*/ 340214 w 586387"/>
+              <a:gd name="connsiteY5" fmla="*/ 0 h 1323975"/>
+              <a:gd name="connsiteX0" fmla="*/ 126371 w 507811"/>
+              <a:gd name="connsiteY0" fmla="*/ 1323975 h 1323975"/>
+              <a:gd name="connsiteX1" fmla="*/ 507371 w 507811"/>
+              <a:gd name="connsiteY1" fmla="*/ 1085850 h 1323975"/>
+              <a:gd name="connsiteX2" fmla="*/ 199396 w 507811"/>
+              <a:gd name="connsiteY2" fmla="*/ 904875 h 1323975"/>
+              <a:gd name="connsiteX3" fmla="*/ 47625 w 507811"/>
+              <a:gd name="connsiteY3" fmla="*/ 701675 h 1323975"/>
+              <a:gd name="connsiteX4" fmla="*/ 37409 w 507811"/>
+              <a:gd name="connsiteY4" fmla="*/ 482600 h 1323975"/>
+              <a:gd name="connsiteX5" fmla="*/ 261638 w 507811"/>
+              <a:gd name="connsiteY5" fmla="*/ 0 h 1323975"/>
+              <a:gd name="connsiteX0" fmla="*/ 126371 w 507811"/>
+              <a:gd name="connsiteY0" fmla="*/ 1336675 h 1336675"/>
+              <a:gd name="connsiteX1" fmla="*/ 507371 w 507811"/>
+              <a:gd name="connsiteY1" fmla="*/ 1098550 h 1336675"/>
+              <a:gd name="connsiteX2" fmla="*/ 199396 w 507811"/>
+              <a:gd name="connsiteY2" fmla="*/ 917575 h 1336675"/>
+              <a:gd name="connsiteX3" fmla="*/ 47625 w 507811"/>
+              <a:gd name="connsiteY3" fmla="*/ 714375 h 1336675"/>
+              <a:gd name="connsiteX4" fmla="*/ 37409 w 507811"/>
+              <a:gd name="connsiteY4" fmla="*/ 495300 h 1336675"/>
+              <a:gd name="connsiteX5" fmla="*/ 177168 w 507811"/>
+              <a:gd name="connsiteY5" fmla="*/ 0 h 1336675"/>
+              <a:gd name="connsiteX0" fmla="*/ 126371 w 507811"/>
+              <a:gd name="connsiteY0" fmla="*/ 1352550 h 1352550"/>
+              <a:gd name="connsiteX1" fmla="*/ 507371 w 507811"/>
+              <a:gd name="connsiteY1" fmla="*/ 1114425 h 1352550"/>
+              <a:gd name="connsiteX2" fmla="*/ 199396 w 507811"/>
+              <a:gd name="connsiteY2" fmla="*/ 933450 h 1352550"/>
+              <a:gd name="connsiteX3" fmla="*/ 47625 w 507811"/>
+              <a:gd name="connsiteY3" fmla="*/ 730250 h 1352550"/>
+              <a:gd name="connsiteX4" fmla="*/ 37409 w 507811"/>
+              <a:gd name="connsiteY4" fmla="*/ 511175 h 1352550"/>
+              <a:gd name="connsiteX5" fmla="*/ 110480 w 507811"/>
+              <a:gd name="connsiteY5" fmla="*/ 0 h 1352550"/>
+              <a:gd name="connsiteX0" fmla="*/ 88961 w 470405"/>
+              <a:gd name="connsiteY0" fmla="*/ 1352550 h 1352550"/>
+              <a:gd name="connsiteX1" fmla="*/ 469961 w 470405"/>
+              <a:gd name="connsiteY1" fmla="*/ 1114425 h 1352550"/>
+              <a:gd name="connsiteX2" fmla="*/ 161986 w 470405"/>
+              <a:gd name="connsiteY2" fmla="*/ 933450 h 1352550"/>
+              <a:gd name="connsiteX3" fmla="*/ -1 w 470405"/>
+              <a:gd name="connsiteY3" fmla="*/ 511175 h 1352550"/>
+              <a:gd name="connsiteX4" fmla="*/ 73070 w 470405"/>
+              <a:gd name="connsiteY4" fmla="*/ 0 h 1352550"/>
+              <a:gd name="connsiteX0" fmla="*/ 88963 w 470376"/>
+              <a:gd name="connsiteY0" fmla="*/ 1352550 h 1352550"/>
+              <a:gd name="connsiteX1" fmla="*/ 469963 w 470376"/>
+              <a:gd name="connsiteY1" fmla="*/ 1114425 h 1352550"/>
+              <a:gd name="connsiteX2" fmla="*/ 1 w 470376"/>
+              <a:gd name="connsiteY2" fmla="*/ 511175 h 1352550"/>
+              <a:gd name="connsiteX3" fmla="*/ 73072 w 470376"/>
+              <a:gd name="connsiteY3" fmla="*/ 0 h 1352550"/>
+              <a:gd name="connsiteX0" fmla="*/ 88961 w 185424"/>
+              <a:gd name="connsiteY0" fmla="*/ 1352550 h 1352550"/>
+              <a:gd name="connsiteX1" fmla="*/ -1 w 185424"/>
+              <a:gd name="connsiteY1" fmla="*/ 511175 h 1352550"/>
+              <a:gd name="connsiteX2" fmla="*/ 73070 w 185424"/>
+              <a:gd name="connsiteY2" fmla="*/ 0 h 1352550"/>
+              <a:gd name="connsiteX0" fmla="*/ 1 w 185426"/>
+              <a:gd name="connsiteY0" fmla="*/ 511175 h 511175"/>
+              <a:gd name="connsiteX1" fmla="*/ 73072 w 185426"/>
+              <a:gd name="connsiteY1" fmla="*/ 0 h 511175"/>
+              <a:gd name="connsiteX0" fmla="*/ 47904 w 151685"/>
+              <a:gd name="connsiteY0" fmla="*/ 342637 h 342637"/>
+              <a:gd name="connsiteX1" fmla="*/ 1 w 151685"/>
+              <a:gd name="connsiteY1" fmla="*/ 0 h 342637"/>
+              <a:gd name="connsiteX0" fmla="*/ 47902 w 141974"/>
+              <a:gd name="connsiteY0" fmla="*/ 342637 h 342637"/>
+              <a:gd name="connsiteX1" fmla="*/ -1 w 141974"/>
+              <a:gd name="connsiteY1" fmla="*/ 0 h 342637"/>
+            </a:gdLst>
+            <a:ahLst/>
+            <a:cxnLst>
+              <a:cxn ang="0">
+                <a:pos x="connsiteX0" y="connsiteY0"/>
+              </a:cxn>
+              <a:cxn ang="0">
+                <a:pos x="connsiteX1" y="connsiteY1"/>
+              </a:cxn>
+            </a:cxnLst>
+            <a:rect l="l" t="t" r="r" b="b"/>
+            <a:pathLst>
+              <a:path w="141974" h="342637">
+                <a:moveTo>
+                  <a:pt x="47902" y="342637"/>
+                </a:moveTo>
+                <a:cubicBezTo>
+                  <a:pt x="100208" y="203001"/>
+                  <a:pt x="253999" y="285750"/>
+                  <a:pt x="-1" y="0"/>
+                </a:cubicBezTo>
+              </a:path>
+            </a:pathLst>
+          </a:custGeom>
+          <a:noFill/>
+          <a:ln w="28575" cap="rnd">
+            <a:solidFill>
+              <a:schemeClr val="tx1"/>
+            </a:solidFill>
+          </a:ln>
+        </p:spPr>
+        <p:style>
+          <a:lnRef idx="2">
+            <a:schemeClr val="accent1">
+              <a:shade val="50000"/>
+            </a:schemeClr>
+          </a:lnRef>
+          <a:fillRef idx="1">
+            <a:schemeClr val="accent1"/>
+          </a:fillRef>
+          <a:effectRef idx="0">
+            <a:schemeClr val="accent1"/>
+          </a:effectRef>
+          <a:fontRef idx="minor">
+            <a:schemeClr val="lt1"/>
+          </a:fontRef>
+        </p:style>
+        <p:txBody>
+          <a:bodyPr rtlCol="0" anchor="ctr"/>
+          <a:lstStyle/>
+          <a:p>
+            <a:pPr algn="ctr"/>
+            <a:endParaRPr lang="en-US"/>
+          </a:p>
+        </p:txBody>
+      </p:sp>
       <p:sp>
         <p:nvSpPr>
           <p:cNvPr id="5" name="TextBox 4">
@@ -7117,1339 +7445,1202 @@
           </a:p>
         </p:txBody>
       </p:sp>
-      <p:grpSp>
-        <p:nvGrpSpPr>
-          <p:cNvPr id="1071" name="Group 1070">
-            <a:extLst>
-              <a:ext uri="{FF2B5EF4-FFF2-40B4-BE49-F238E27FC236}">
-                <a16:creationId xmlns:a16="http://schemas.microsoft.com/office/drawing/2014/main" id="{D6057AE8-F453-3B5D-AE9B-8C38FD16FB22}"/>
-              </a:ext>
-            </a:extLst>
-          </p:cNvPr>
-          <p:cNvGrpSpPr/>
+      <p:sp>
+        <p:nvSpPr>
+          <p:cNvPr id="1047" name="Freeform: Shape 1046">
+            <a:extLst>
+              <a:ext uri="{FF2B5EF4-FFF2-40B4-BE49-F238E27FC236}">
+                <a16:creationId xmlns:a16="http://schemas.microsoft.com/office/drawing/2014/main" id="{356F6852-2E5E-39C2-1145-6DE0EA7778EE}"/>
+              </a:ext>
+            </a:extLst>
+          </p:cNvPr>
+          <p:cNvSpPr/>
           <p:nvPr/>
-        </p:nvGrpSpPr>
-        <p:grpSpPr>
+        </p:nvSpPr>
+        <p:spPr>
+          <a:xfrm rot="5400000" flipH="1">
+            <a:off x="6712736" y="2431501"/>
+            <a:ext cx="342262" cy="1328380"/>
+          </a:xfrm>
+          <a:custGeom>
+            <a:avLst/>
+            <a:gdLst>
+              <a:gd name="connsiteX0" fmla="*/ 0 w 428625"/>
+              <a:gd name="connsiteY0" fmla="*/ 1223696 h 1223696"/>
+              <a:gd name="connsiteX1" fmla="*/ 381000 w 428625"/>
+              <a:gd name="connsiteY1" fmla="*/ 985571 h 1223696"/>
+              <a:gd name="connsiteX2" fmla="*/ 57150 w 428625"/>
+              <a:gd name="connsiteY2" fmla="*/ 556946 h 1223696"/>
+              <a:gd name="connsiteX3" fmla="*/ 276225 w 428625"/>
+              <a:gd name="connsiteY3" fmla="*/ 337871 h 1223696"/>
+              <a:gd name="connsiteX4" fmla="*/ 209550 w 428625"/>
+              <a:gd name="connsiteY4" fmla="*/ 4496 h 1223696"/>
+              <a:gd name="connsiteX5" fmla="*/ 428625 w 428625"/>
+              <a:gd name="connsiteY5" fmla="*/ 175946 h 1223696"/>
+              <a:gd name="connsiteX0" fmla="*/ 0 w 428625"/>
+              <a:gd name="connsiteY0" fmla="*/ 1223696 h 1223696"/>
+              <a:gd name="connsiteX1" fmla="*/ 381000 w 428625"/>
+              <a:gd name="connsiteY1" fmla="*/ 985571 h 1223696"/>
+              <a:gd name="connsiteX2" fmla="*/ 73025 w 428625"/>
+              <a:gd name="connsiteY2" fmla="*/ 804596 h 1223696"/>
+              <a:gd name="connsiteX3" fmla="*/ 276225 w 428625"/>
+              <a:gd name="connsiteY3" fmla="*/ 337871 h 1223696"/>
+              <a:gd name="connsiteX4" fmla="*/ 209550 w 428625"/>
+              <a:gd name="connsiteY4" fmla="*/ 4496 h 1223696"/>
+              <a:gd name="connsiteX5" fmla="*/ 428625 w 428625"/>
+              <a:gd name="connsiteY5" fmla="*/ 175946 h 1223696"/>
+              <a:gd name="connsiteX0" fmla="*/ 51906 w 480531"/>
+              <a:gd name="connsiteY0" fmla="*/ 1223696 h 1223696"/>
+              <a:gd name="connsiteX1" fmla="*/ 432906 w 480531"/>
+              <a:gd name="connsiteY1" fmla="*/ 985571 h 1223696"/>
+              <a:gd name="connsiteX2" fmla="*/ 124931 w 480531"/>
+              <a:gd name="connsiteY2" fmla="*/ 804596 h 1223696"/>
+              <a:gd name="connsiteX3" fmla="*/ 4281 w 480531"/>
+              <a:gd name="connsiteY3" fmla="*/ 487096 h 1223696"/>
+              <a:gd name="connsiteX4" fmla="*/ 261456 w 480531"/>
+              <a:gd name="connsiteY4" fmla="*/ 4496 h 1223696"/>
+              <a:gd name="connsiteX5" fmla="*/ 480531 w 480531"/>
+              <a:gd name="connsiteY5" fmla="*/ 175946 h 1223696"/>
+              <a:gd name="connsiteX0" fmla="*/ 53689 w 482314"/>
+              <a:gd name="connsiteY0" fmla="*/ 1060814 h 1060814"/>
+              <a:gd name="connsiteX1" fmla="*/ 434689 w 482314"/>
+              <a:gd name="connsiteY1" fmla="*/ 822689 h 1060814"/>
+              <a:gd name="connsiteX2" fmla="*/ 126714 w 482314"/>
+              <a:gd name="connsiteY2" fmla="*/ 641714 h 1060814"/>
+              <a:gd name="connsiteX3" fmla="*/ 6064 w 482314"/>
+              <a:gd name="connsiteY3" fmla="*/ 324214 h 1060814"/>
+              <a:gd name="connsiteX4" fmla="*/ 298164 w 482314"/>
+              <a:gd name="connsiteY4" fmla="*/ 438514 h 1060814"/>
+              <a:gd name="connsiteX5" fmla="*/ 482314 w 482314"/>
+              <a:gd name="connsiteY5" fmla="*/ 13064 h 1060814"/>
+              <a:gd name="connsiteX0" fmla="*/ 53689 w 435120"/>
+              <a:gd name="connsiteY0" fmla="*/ 1185420 h 1185420"/>
+              <a:gd name="connsiteX1" fmla="*/ 434689 w 435120"/>
+              <a:gd name="connsiteY1" fmla="*/ 947295 h 1185420"/>
+              <a:gd name="connsiteX2" fmla="*/ 126714 w 435120"/>
+              <a:gd name="connsiteY2" fmla="*/ 766320 h 1185420"/>
+              <a:gd name="connsiteX3" fmla="*/ 6064 w 435120"/>
+              <a:gd name="connsiteY3" fmla="*/ 448820 h 1185420"/>
+              <a:gd name="connsiteX4" fmla="*/ 298164 w 435120"/>
+              <a:gd name="connsiteY4" fmla="*/ 563120 h 1185420"/>
+              <a:gd name="connsiteX5" fmla="*/ 234664 w 435120"/>
+              <a:gd name="connsiteY5" fmla="*/ 10670 h 1185420"/>
+              <a:gd name="connsiteX0" fmla="*/ 53689 w 435120"/>
+              <a:gd name="connsiteY0" fmla="*/ 1174750 h 1174750"/>
+              <a:gd name="connsiteX1" fmla="*/ 434689 w 435120"/>
+              <a:gd name="connsiteY1" fmla="*/ 936625 h 1174750"/>
+              <a:gd name="connsiteX2" fmla="*/ 126714 w 435120"/>
+              <a:gd name="connsiteY2" fmla="*/ 755650 h 1174750"/>
+              <a:gd name="connsiteX3" fmla="*/ 6064 w 435120"/>
+              <a:gd name="connsiteY3" fmla="*/ 438150 h 1174750"/>
+              <a:gd name="connsiteX4" fmla="*/ 298164 w 435120"/>
+              <a:gd name="connsiteY4" fmla="*/ 552450 h 1174750"/>
+              <a:gd name="connsiteX5" fmla="*/ 234664 w 435120"/>
+              <a:gd name="connsiteY5" fmla="*/ 0 h 1174750"/>
+              <a:gd name="connsiteX0" fmla="*/ 53689 w 435120"/>
+              <a:gd name="connsiteY0" fmla="*/ 1308100 h 1308100"/>
+              <a:gd name="connsiteX1" fmla="*/ 434689 w 435120"/>
+              <a:gd name="connsiteY1" fmla="*/ 1069975 h 1308100"/>
+              <a:gd name="connsiteX2" fmla="*/ 126714 w 435120"/>
+              <a:gd name="connsiteY2" fmla="*/ 889000 h 1308100"/>
+              <a:gd name="connsiteX3" fmla="*/ 6064 w 435120"/>
+              <a:gd name="connsiteY3" fmla="*/ 571500 h 1308100"/>
+              <a:gd name="connsiteX4" fmla="*/ 298164 w 435120"/>
+              <a:gd name="connsiteY4" fmla="*/ 685800 h 1308100"/>
+              <a:gd name="connsiteX5" fmla="*/ 126714 w 435120"/>
+              <a:gd name="connsiteY5" fmla="*/ 0 h 1308100"/>
+              <a:gd name="connsiteX0" fmla="*/ 53689 w 435120"/>
+              <a:gd name="connsiteY0" fmla="*/ 1308100 h 1308100"/>
+              <a:gd name="connsiteX1" fmla="*/ 434689 w 435120"/>
+              <a:gd name="connsiteY1" fmla="*/ 1069975 h 1308100"/>
+              <a:gd name="connsiteX2" fmla="*/ 126714 w 435120"/>
+              <a:gd name="connsiteY2" fmla="*/ 889000 h 1308100"/>
+              <a:gd name="connsiteX3" fmla="*/ 6064 w 435120"/>
+              <a:gd name="connsiteY3" fmla="*/ 571500 h 1308100"/>
+              <a:gd name="connsiteX4" fmla="*/ 298164 w 435120"/>
+              <a:gd name="connsiteY4" fmla="*/ 577850 h 1308100"/>
+              <a:gd name="connsiteX5" fmla="*/ 126714 w 435120"/>
+              <a:gd name="connsiteY5" fmla="*/ 0 h 1308100"/>
+              <a:gd name="connsiteX0" fmla="*/ 53689 w 435120"/>
+              <a:gd name="connsiteY0" fmla="*/ 1308100 h 1308100"/>
+              <a:gd name="connsiteX1" fmla="*/ 434689 w 435120"/>
+              <a:gd name="connsiteY1" fmla="*/ 1069975 h 1308100"/>
+              <a:gd name="connsiteX2" fmla="*/ 126714 w 435120"/>
+              <a:gd name="connsiteY2" fmla="*/ 889000 h 1308100"/>
+              <a:gd name="connsiteX3" fmla="*/ 6064 w 435120"/>
+              <a:gd name="connsiteY3" fmla="*/ 571500 h 1308100"/>
+              <a:gd name="connsiteX4" fmla="*/ 298164 w 435120"/>
+              <a:gd name="connsiteY4" fmla="*/ 577850 h 1308100"/>
+              <a:gd name="connsiteX5" fmla="*/ 126714 w 435120"/>
+              <a:gd name="connsiteY5" fmla="*/ 0 h 1308100"/>
+              <a:gd name="connsiteX0" fmla="*/ 53689 w 435120"/>
+              <a:gd name="connsiteY0" fmla="*/ 1308100 h 1308100"/>
+              <a:gd name="connsiteX1" fmla="*/ 434689 w 435120"/>
+              <a:gd name="connsiteY1" fmla="*/ 1069975 h 1308100"/>
+              <a:gd name="connsiteX2" fmla="*/ 126714 w 435120"/>
+              <a:gd name="connsiteY2" fmla="*/ 889000 h 1308100"/>
+              <a:gd name="connsiteX3" fmla="*/ 6064 w 435120"/>
+              <a:gd name="connsiteY3" fmla="*/ 571500 h 1308100"/>
+              <a:gd name="connsiteX4" fmla="*/ 298164 w 435120"/>
+              <a:gd name="connsiteY4" fmla="*/ 577850 h 1308100"/>
+              <a:gd name="connsiteX5" fmla="*/ 126714 w 435120"/>
+              <a:gd name="connsiteY5" fmla="*/ 0 h 1308100"/>
+              <a:gd name="connsiteX0" fmla="*/ 53689 w 435120"/>
+              <a:gd name="connsiteY0" fmla="*/ 1308100 h 1308100"/>
+              <a:gd name="connsiteX1" fmla="*/ 434689 w 435120"/>
+              <a:gd name="connsiteY1" fmla="*/ 1069975 h 1308100"/>
+              <a:gd name="connsiteX2" fmla="*/ 126714 w 435120"/>
+              <a:gd name="connsiteY2" fmla="*/ 889000 h 1308100"/>
+              <a:gd name="connsiteX3" fmla="*/ 6064 w 435120"/>
+              <a:gd name="connsiteY3" fmla="*/ 571500 h 1308100"/>
+              <a:gd name="connsiteX4" fmla="*/ 298164 w 435120"/>
+              <a:gd name="connsiteY4" fmla="*/ 577850 h 1308100"/>
+              <a:gd name="connsiteX5" fmla="*/ 126714 w 435120"/>
+              <a:gd name="connsiteY5" fmla="*/ 0 h 1308100"/>
+              <a:gd name="connsiteX0" fmla="*/ 201862 w 583293"/>
+              <a:gd name="connsiteY0" fmla="*/ 1308100 h 1308100"/>
+              <a:gd name="connsiteX1" fmla="*/ 582862 w 583293"/>
+              <a:gd name="connsiteY1" fmla="*/ 1069975 h 1308100"/>
+              <a:gd name="connsiteX2" fmla="*/ 274887 w 583293"/>
+              <a:gd name="connsiteY2" fmla="*/ 889000 h 1308100"/>
+              <a:gd name="connsiteX3" fmla="*/ 154237 w 583293"/>
+              <a:gd name="connsiteY3" fmla="*/ 571500 h 1308100"/>
+              <a:gd name="connsiteX4" fmla="*/ 19538 w 583293"/>
+              <a:gd name="connsiteY4" fmla="*/ 450850 h 1308100"/>
+              <a:gd name="connsiteX5" fmla="*/ 274887 w 583293"/>
+              <a:gd name="connsiteY5" fmla="*/ 0 h 1308100"/>
+              <a:gd name="connsiteX0" fmla="*/ 200780 w 582206"/>
+              <a:gd name="connsiteY0" fmla="*/ 1308100 h 1308100"/>
+              <a:gd name="connsiteX1" fmla="*/ 581780 w 582206"/>
+              <a:gd name="connsiteY1" fmla="*/ 1069975 h 1308100"/>
+              <a:gd name="connsiteX2" fmla="*/ 273805 w 582206"/>
+              <a:gd name="connsiteY2" fmla="*/ 889000 h 1308100"/>
+              <a:gd name="connsiteX3" fmla="*/ 166493 w 582206"/>
+              <a:gd name="connsiteY3" fmla="*/ 676275 h 1308100"/>
+              <a:gd name="connsiteX4" fmla="*/ 18456 w 582206"/>
+              <a:gd name="connsiteY4" fmla="*/ 450850 h 1308100"/>
+              <a:gd name="connsiteX5" fmla="*/ 273805 w 582206"/>
+              <a:gd name="connsiteY5" fmla="*/ 0 h 1308100"/>
+              <a:gd name="connsiteX0" fmla="*/ 204947 w 586387"/>
+              <a:gd name="connsiteY0" fmla="*/ 1308100 h 1308100"/>
+              <a:gd name="connsiteX1" fmla="*/ 585947 w 586387"/>
+              <a:gd name="connsiteY1" fmla="*/ 1069975 h 1308100"/>
+              <a:gd name="connsiteX2" fmla="*/ 277972 w 586387"/>
+              <a:gd name="connsiteY2" fmla="*/ 889000 h 1308100"/>
+              <a:gd name="connsiteX3" fmla="*/ 126201 w 586387"/>
+              <a:gd name="connsiteY3" fmla="*/ 685800 h 1308100"/>
+              <a:gd name="connsiteX4" fmla="*/ 22623 w 586387"/>
+              <a:gd name="connsiteY4" fmla="*/ 450850 h 1308100"/>
+              <a:gd name="connsiteX5" fmla="*/ 277972 w 586387"/>
+              <a:gd name="connsiteY5" fmla="*/ 0 h 1308100"/>
+              <a:gd name="connsiteX0" fmla="*/ 204947 w 586387"/>
+              <a:gd name="connsiteY0" fmla="*/ 1323975 h 1323975"/>
+              <a:gd name="connsiteX1" fmla="*/ 585947 w 586387"/>
+              <a:gd name="connsiteY1" fmla="*/ 1085850 h 1323975"/>
+              <a:gd name="connsiteX2" fmla="*/ 277972 w 586387"/>
+              <a:gd name="connsiteY2" fmla="*/ 904875 h 1323975"/>
+              <a:gd name="connsiteX3" fmla="*/ 126201 w 586387"/>
+              <a:gd name="connsiteY3" fmla="*/ 701675 h 1323975"/>
+              <a:gd name="connsiteX4" fmla="*/ 22623 w 586387"/>
+              <a:gd name="connsiteY4" fmla="*/ 466725 h 1323975"/>
+              <a:gd name="connsiteX5" fmla="*/ 340214 w 586387"/>
+              <a:gd name="connsiteY5" fmla="*/ 0 h 1323975"/>
+              <a:gd name="connsiteX0" fmla="*/ 126371 w 507811"/>
+              <a:gd name="connsiteY0" fmla="*/ 1323975 h 1323975"/>
+              <a:gd name="connsiteX1" fmla="*/ 507371 w 507811"/>
+              <a:gd name="connsiteY1" fmla="*/ 1085850 h 1323975"/>
+              <a:gd name="connsiteX2" fmla="*/ 199396 w 507811"/>
+              <a:gd name="connsiteY2" fmla="*/ 904875 h 1323975"/>
+              <a:gd name="connsiteX3" fmla="*/ 47625 w 507811"/>
+              <a:gd name="connsiteY3" fmla="*/ 701675 h 1323975"/>
+              <a:gd name="connsiteX4" fmla="*/ 37409 w 507811"/>
+              <a:gd name="connsiteY4" fmla="*/ 482600 h 1323975"/>
+              <a:gd name="connsiteX5" fmla="*/ 261638 w 507811"/>
+              <a:gd name="connsiteY5" fmla="*/ 0 h 1323975"/>
+              <a:gd name="connsiteX0" fmla="*/ 126371 w 507811"/>
+              <a:gd name="connsiteY0" fmla="*/ 1336675 h 1336675"/>
+              <a:gd name="connsiteX1" fmla="*/ 507371 w 507811"/>
+              <a:gd name="connsiteY1" fmla="*/ 1098550 h 1336675"/>
+              <a:gd name="connsiteX2" fmla="*/ 199396 w 507811"/>
+              <a:gd name="connsiteY2" fmla="*/ 917575 h 1336675"/>
+              <a:gd name="connsiteX3" fmla="*/ 47625 w 507811"/>
+              <a:gd name="connsiteY3" fmla="*/ 714375 h 1336675"/>
+              <a:gd name="connsiteX4" fmla="*/ 37409 w 507811"/>
+              <a:gd name="connsiteY4" fmla="*/ 495300 h 1336675"/>
+              <a:gd name="connsiteX5" fmla="*/ 177168 w 507811"/>
+              <a:gd name="connsiteY5" fmla="*/ 0 h 1336675"/>
+              <a:gd name="connsiteX0" fmla="*/ 126371 w 507811"/>
+              <a:gd name="connsiteY0" fmla="*/ 1352550 h 1352550"/>
+              <a:gd name="connsiteX1" fmla="*/ 507371 w 507811"/>
+              <a:gd name="connsiteY1" fmla="*/ 1114425 h 1352550"/>
+              <a:gd name="connsiteX2" fmla="*/ 199396 w 507811"/>
+              <a:gd name="connsiteY2" fmla="*/ 933450 h 1352550"/>
+              <a:gd name="connsiteX3" fmla="*/ 47625 w 507811"/>
+              <a:gd name="connsiteY3" fmla="*/ 730250 h 1352550"/>
+              <a:gd name="connsiteX4" fmla="*/ 37409 w 507811"/>
+              <a:gd name="connsiteY4" fmla="*/ 511175 h 1352550"/>
+              <a:gd name="connsiteX5" fmla="*/ 110480 w 507811"/>
+              <a:gd name="connsiteY5" fmla="*/ 0 h 1352550"/>
+              <a:gd name="connsiteX0" fmla="*/ 80943 w 462383"/>
+              <a:gd name="connsiteY0" fmla="*/ 1352550 h 1352550"/>
+              <a:gd name="connsiteX1" fmla="*/ 461943 w 462383"/>
+              <a:gd name="connsiteY1" fmla="*/ 1114425 h 1352550"/>
+              <a:gd name="connsiteX2" fmla="*/ 153968 w 462383"/>
+              <a:gd name="connsiteY2" fmla="*/ 933450 h 1352550"/>
+              <a:gd name="connsiteX3" fmla="*/ 2197 w 462383"/>
+              <a:gd name="connsiteY3" fmla="*/ 730250 h 1352550"/>
+              <a:gd name="connsiteX4" fmla="*/ 65052 w 462383"/>
+              <a:gd name="connsiteY4" fmla="*/ 0 h 1352550"/>
+              <a:gd name="connsiteX0" fmla="*/ 78746 w 460186"/>
+              <a:gd name="connsiteY0" fmla="*/ 622300 h 622300"/>
+              <a:gd name="connsiteX1" fmla="*/ 459746 w 460186"/>
+              <a:gd name="connsiteY1" fmla="*/ 384175 h 622300"/>
+              <a:gd name="connsiteX2" fmla="*/ 151771 w 460186"/>
+              <a:gd name="connsiteY2" fmla="*/ 203200 h 622300"/>
+              <a:gd name="connsiteX3" fmla="*/ 0 w 460186"/>
+              <a:gd name="connsiteY3" fmla="*/ 0 h 622300"/>
+              <a:gd name="connsiteX0" fmla="*/ 78746 w 460180"/>
+              <a:gd name="connsiteY0" fmla="*/ 622300 h 622300"/>
+              <a:gd name="connsiteX1" fmla="*/ 459746 w 460180"/>
+              <a:gd name="connsiteY1" fmla="*/ 384175 h 622300"/>
+              <a:gd name="connsiteX2" fmla="*/ 151771 w 460180"/>
+              <a:gd name="connsiteY2" fmla="*/ 203200 h 622300"/>
+              <a:gd name="connsiteX3" fmla="*/ 22280 w 460180"/>
+              <a:gd name="connsiteY3" fmla="*/ 32331 h 622300"/>
+              <a:gd name="connsiteX4" fmla="*/ 0 w 460180"/>
+              <a:gd name="connsiteY4" fmla="*/ 0 h 622300"/>
+              <a:gd name="connsiteX0" fmla="*/ 161916 w 543350"/>
+              <a:gd name="connsiteY0" fmla="*/ 758218 h 758218"/>
+              <a:gd name="connsiteX1" fmla="*/ 542916 w 543350"/>
+              <a:gd name="connsiteY1" fmla="*/ 520093 h 758218"/>
+              <a:gd name="connsiteX2" fmla="*/ 234941 w 543350"/>
+              <a:gd name="connsiteY2" fmla="*/ 339118 h 758218"/>
+              <a:gd name="connsiteX3" fmla="*/ 105450 w 543350"/>
+              <a:gd name="connsiteY3" fmla="*/ 168249 h 758218"/>
+              <a:gd name="connsiteX4" fmla="*/ 0 w 543350"/>
+              <a:gd name="connsiteY4" fmla="*/ 0 h 758218"/>
+              <a:gd name="connsiteX0" fmla="*/ 161916 w 543367"/>
+              <a:gd name="connsiteY0" fmla="*/ 758218 h 758218"/>
+              <a:gd name="connsiteX1" fmla="*/ 542916 w 543367"/>
+              <a:gd name="connsiteY1" fmla="*/ 520093 h 758218"/>
+              <a:gd name="connsiteX2" fmla="*/ 234941 w 543367"/>
+              <a:gd name="connsiteY2" fmla="*/ 339118 h 758218"/>
+              <a:gd name="connsiteX3" fmla="*/ 44963 w 543367"/>
+              <a:gd name="connsiteY3" fmla="*/ 146502 h 758218"/>
+              <a:gd name="connsiteX4" fmla="*/ 0 w 543367"/>
+              <a:gd name="connsiteY4" fmla="*/ 0 h 758218"/>
+            </a:gdLst>
+            <a:ahLst/>
+            <a:cxnLst>
+              <a:cxn ang="0">
+                <a:pos x="connsiteX0" y="connsiteY0"/>
+              </a:cxn>
+              <a:cxn ang="0">
+                <a:pos x="connsiteX1" y="connsiteY1"/>
+              </a:cxn>
+              <a:cxn ang="0">
+                <a:pos x="connsiteX2" y="connsiteY2"/>
+              </a:cxn>
+              <a:cxn ang="0">
+                <a:pos x="connsiteX3" y="connsiteY3"/>
+              </a:cxn>
+              <a:cxn ang="0">
+                <a:pos x="connsiteX4" y="connsiteY4"/>
+              </a:cxn>
+            </a:cxnLst>
+            <a:rect l="l" t="t" r="r" b="b"/>
+            <a:pathLst>
+              <a:path w="543367" h="758218">
+                <a:moveTo>
+                  <a:pt x="161916" y="758218"/>
+                </a:moveTo>
+                <a:cubicBezTo>
+                  <a:pt x="169820" y="539143"/>
+                  <a:pt x="530745" y="589943"/>
+                  <a:pt x="542916" y="520093"/>
+                </a:cubicBezTo>
+                <a:cubicBezTo>
+                  <a:pt x="555087" y="450243"/>
+                  <a:pt x="317933" y="401383"/>
+                  <a:pt x="234941" y="339118"/>
+                </a:cubicBezTo>
+                <a:cubicBezTo>
+                  <a:pt x="151949" y="276853"/>
+                  <a:pt x="70258" y="180369"/>
+                  <a:pt x="44963" y="146502"/>
+                </a:cubicBezTo>
+                <a:cubicBezTo>
+                  <a:pt x="19668" y="112635"/>
+                  <a:pt x="3713" y="5389"/>
+                  <a:pt x="0" y="0"/>
+                </a:cubicBezTo>
+              </a:path>
+            </a:pathLst>
+          </a:custGeom>
+          <a:noFill/>
+          <a:ln w="28575" cap="rnd">
+            <a:solidFill>
+              <a:schemeClr val="tx1"/>
+            </a:solidFill>
+          </a:ln>
+        </p:spPr>
+        <p:style>
+          <a:lnRef idx="2">
+            <a:schemeClr val="accent1">
+              <a:shade val="50000"/>
+            </a:schemeClr>
+          </a:lnRef>
+          <a:fillRef idx="1">
+            <a:schemeClr val="accent1"/>
+          </a:fillRef>
+          <a:effectRef idx="0">
+            <a:schemeClr val="accent1"/>
+          </a:effectRef>
+          <a:fontRef idx="minor">
+            <a:schemeClr val="lt1"/>
+          </a:fontRef>
+        </p:style>
+        <p:txBody>
+          <a:bodyPr rtlCol="0" anchor="ctr"/>
+          <a:lstStyle/>
+          <a:p>
+            <a:pPr algn="ctr"/>
+            <a:endParaRPr lang="en-US"/>
+          </a:p>
+        </p:txBody>
+      </p:sp>
+      <p:sp>
+        <p:nvSpPr>
+          <p:cNvPr id="1049" name="Rectangle 1048">
+            <a:extLst>
+              <a:ext uri="{FF2B5EF4-FFF2-40B4-BE49-F238E27FC236}">
+                <a16:creationId xmlns:a16="http://schemas.microsoft.com/office/drawing/2014/main" id="{AA9E901B-9E78-5953-0E77-F04159928FFA}"/>
+              </a:ext>
+            </a:extLst>
+          </p:cNvPr>
+          <p:cNvSpPr/>
+          <p:nvPr/>
+        </p:nvSpPr>
+        <p:spPr>
           <a:xfrm>
-            <a:off x="6179651" y="2878605"/>
-            <a:ext cx="2449686" cy="408800"/>
-            <a:chOff x="6169497" y="2384627"/>
-            <a:chExt cx="2449686" cy="408800"/>
+            <a:off x="6179651" y="3123827"/>
+            <a:ext cx="80049" cy="80049"/>
           </a:xfrm>
-        </p:grpSpPr>
-        <p:sp>
-          <p:nvSpPr>
-            <p:cNvPr id="1047" name="Freeform: Shape 1046">
-              <a:extLst>
-                <a:ext uri="{FF2B5EF4-FFF2-40B4-BE49-F238E27FC236}">
-                  <a16:creationId xmlns:a16="http://schemas.microsoft.com/office/drawing/2014/main" id="{356F6852-2E5E-39C2-1145-6DE0EA7778EE}"/>
-                </a:ext>
-              </a:extLst>
-            </p:cNvPr>
-            <p:cNvSpPr/>
-            <p:nvPr/>
-          </p:nvSpPr>
-          <p:spPr>
-            <a:xfrm rot="5400000" flipH="1">
-              <a:off x="7234407" y="1405705"/>
-              <a:ext cx="319866" cy="2369635"/>
-            </a:xfrm>
-            <a:custGeom>
-              <a:avLst/>
-              <a:gdLst>
-                <a:gd name="connsiteX0" fmla="*/ 0 w 428625"/>
-                <a:gd name="connsiteY0" fmla="*/ 1223696 h 1223696"/>
-                <a:gd name="connsiteX1" fmla="*/ 381000 w 428625"/>
-                <a:gd name="connsiteY1" fmla="*/ 985571 h 1223696"/>
-                <a:gd name="connsiteX2" fmla="*/ 57150 w 428625"/>
-                <a:gd name="connsiteY2" fmla="*/ 556946 h 1223696"/>
-                <a:gd name="connsiteX3" fmla="*/ 276225 w 428625"/>
-                <a:gd name="connsiteY3" fmla="*/ 337871 h 1223696"/>
-                <a:gd name="connsiteX4" fmla="*/ 209550 w 428625"/>
-                <a:gd name="connsiteY4" fmla="*/ 4496 h 1223696"/>
-                <a:gd name="connsiteX5" fmla="*/ 428625 w 428625"/>
-                <a:gd name="connsiteY5" fmla="*/ 175946 h 1223696"/>
-                <a:gd name="connsiteX0" fmla="*/ 0 w 428625"/>
-                <a:gd name="connsiteY0" fmla="*/ 1223696 h 1223696"/>
-                <a:gd name="connsiteX1" fmla="*/ 381000 w 428625"/>
-                <a:gd name="connsiteY1" fmla="*/ 985571 h 1223696"/>
-                <a:gd name="connsiteX2" fmla="*/ 73025 w 428625"/>
-                <a:gd name="connsiteY2" fmla="*/ 804596 h 1223696"/>
-                <a:gd name="connsiteX3" fmla="*/ 276225 w 428625"/>
-                <a:gd name="connsiteY3" fmla="*/ 337871 h 1223696"/>
-                <a:gd name="connsiteX4" fmla="*/ 209550 w 428625"/>
-                <a:gd name="connsiteY4" fmla="*/ 4496 h 1223696"/>
-                <a:gd name="connsiteX5" fmla="*/ 428625 w 428625"/>
-                <a:gd name="connsiteY5" fmla="*/ 175946 h 1223696"/>
-                <a:gd name="connsiteX0" fmla="*/ 51906 w 480531"/>
-                <a:gd name="connsiteY0" fmla="*/ 1223696 h 1223696"/>
-                <a:gd name="connsiteX1" fmla="*/ 432906 w 480531"/>
-                <a:gd name="connsiteY1" fmla="*/ 985571 h 1223696"/>
-                <a:gd name="connsiteX2" fmla="*/ 124931 w 480531"/>
-                <a:gd name="connsiteY2" fmla="*/ 804596 h 1223696"/>
-                <a:gd name="connsiteX3" fmla="*/ 4281 w 480531"/>
-                <a:gd name="connsiteY3" fmla="*/ 487096 h 1223696"/>
-                <a:gd name="connsiteX4" fmla="*/ 261456 w 480531"/>
-                <a:gd name="connsiteY4" fmla="*/ 4496 h 1223696"/>
-                <a:gd name="connsiteX5" fmla="*/ 480531 w 480531"/>
-                <a:gd name="connsiteY5" fmla="*/ 175946 h 1223696"/>
-                <a:gd name="connsiteX0" fmla="*/ 53689 w 482314"/>
-                <a:gd name="connsiteY0" fmla="*/ 1060814 h 1060814"/>
-                <a:gd name="connsiteX1" fmla="*/ 434689 w 482314"/>
-                <a:gd name="connsiteY1" fmla="*/ 822689 h 1060814"/>
-                <a:gd name="connsiteX2" fmla="*/ 126714 w 482314"/>
-                <a:gd name="connsiteY2" fmla="*/ 641714 h 1060814"/>
-                <a:gd name="connsiteX3" fmla="*/ 6064 w 482314"/>
-                <a:gd name="connsiteY3" fmla="*/ 324214 h 1060814"/>
-                <a:gd name="connsiteX4" fmla="*/ 298164 w 482314"/>
-                <a:gd name="connsiteY4" fmla="*/ 438514 h 1060814"/>
-                <a:gd name="connsiteX5" fmla="*/ 482314 w 482314"/>
-                <a:gd name="connsiteY5" fmla="*/ 13064 h 1060814"/>
-                <a:gd name="connsiteX0" fmla="*/ 53689 w 435120"/>
-                <a:gd name="connsiteY0" fmla="*/ 1185420 h 1185420"/>
-                <a:gd name="connsiteX1" fmla="*/ 434689 w 435120"/>
-                <a:gd name="connsiteY1" fmla="*/ 947295 h 1185420"/>
-                <a:gd name="connsiteX2" fmla="*/ 126714 w 435120"/>
-                <a:gd name="connsiteY2" fmla="*/ 766320 h 1185420"/>
-                <a:gd name="connsiteX3" fmla="*/ 6064 w 435120"/>
-                <a:gd name="connsiteY3" fmla="*/ 448820 h 1185420"/>
-                <a:gd name="connsiteX4" fmla="*/ 298164 w 435120"/>
-                <a:gd name="connsiteY4" fmla="*/ 563120 h 1185420"/>
-                <a:gd name="connsiteX5" fmla="*/ 234664 w 435120"/>
-                <a:gd name="connsiteY5" fmla="*/ 10670 h 1185420"/>
-                <a:gd name="connsiteX0" fmla="*/ 53689 w 435120"/>
-                <a:gd name="connsiteY0" fmla="*/ 1174750 h 1174750"/>
-                <a:gd name="connsiteX1" fmla="*/ 434689 w 435120"/>
-                <a:gd name="connsiteY1" fmla="*/ 936625 h 1174750"/>
-                <a:gd name="connsiteX2" fmla="*/ 126714 w 435120"/>
-                <a:gd name="connsiteY2" fmla="*/ 755650 h 1174750"/>
-                <a:gd name="connsiteX3" fmla="*/ 6064 w 435120"/>
-                <a:gd name="connsiteY3" fmla="*/ 438150 h 1174750"/>
-                <a:gd name="connsiteX4" fmla="*/ 298164 w 435120"/>
-                <a:gd name="connsiteY4" fmla="*/ 552450 h 1174750"/>
-                <a:gd name="connsiteX5" fmla="*/ 234664 w 435120"/>
-                <a:gd name="connsiteY5" fmla="*/ 0 h 1174750"/>
-                <a:gd name="connsiteX0" fmla="*/ 53689 w 435120"/>
-                <a:gd name="connsiteY0" fmla="*/ 1308100 h 1308100"/>
-                <a:gd name="connsiteX1" fmla="*/ 434689 w 435120"/>
-                <a:gd name="connsiteY1" fmla="*/ 1069975 h 1308100"/>
-                <a:gd name="connsiteX2" fmla="*/ 126714 w 435120"/>
-                <a:gd name="connsiteY2" fmla="*/ 889000 h 1308100"/>
-                <a:gd name="connsiteX3" fmla="*/ 6064 w 435120"/>
-                <a:gd name="connsiteY3" fmla="*/ 571500 h 1308100"/>
-                <a:gd name="connsiteX4" fmla="*/ 298164 w 435120"/>
-                <a:gd name="connsiteY4" fmla="*/ 685800 h 1308100"/>
-                <a:gd name="connsiteX5" fmla="*/ 126714 w 435120"/>
-                <a:gd name="connsiteY5" fmla="*/ 0 h 1308100"/>
-                <a:gd name="connsiteX0" fmla="*/ 53689 w 435120"/>
-                <a:gd name="connsiteY0" fmla="*/ 1308100 h 1308100"/>
-                <a:gd name="connsiteX1" fmla="*/ 434689 w 435120"/>
-                <a:gd name="connsiteY1" fmla="*/ 1069975 h 1308100"/>
-                <a:gd name="connsiteX2" fmla="*/ 126714 w 435120"/>
-                <a:gd name="connsiteY2" fmla="*/ 889000 h 1308100"/>
-                <a:gd name="connsiteX3" fmla="*/ 6064 w 435120"/>
-                <a:gd name="connsiteY3" fmla="*/ 571500 h 1308100"/>
-                <a:gd name="connsiteX4" fmla="*/ 298164 w 435120"/>
-                <a:gd name="connsiteY4" fmla="*/ 577850 h 1308100"/>
-                <a:gd name="connsiteX5" fmla="*/ 126714 w 435120"/>
-                <a:gd name="connsiteY5" fmla="*/ 0 h 1308100"/>
-                <a:gd name="connsiteX0" fmla="*/ 53689 w 435120"/>
-                <a:gd name="connsiteY0" fmla="*/ 1308100 h 1308100"/>
-                <a:gd name="connsiteX1" fmla="*/ 434689 w 435120"/>
-                <a:gd name="connsiteY1" fmla="*/ 1069975 h 1308100"/>
-                <a:gd name="connsiteX2" fmla="*/ 126714 w 435120"/>
-                <a:gd name="connsiteY2" fmla="*/ 889000 h 1308100"/>
-                <a:gd name="connsiteX3" fmla="*/ 6064 w 435120"/>
-                <a:gd name="connsiteY3" fmla="*/ 571500 h 1308100"/>
-                <a:gd name="connsiteX4" fmla="*/ 298164 w 435120"/>
-                <a:gd name="connsiteY4" fmla="*/ 577850 h 1308100"/>
-                <a:gd name="connsiteX5" fmla="*/ 126714 w 435120"/>
-                <a:gd name="connsiteY5" fmla="*/ 0 h 1308100"/>
-                <a:gd name="connsiteX0" fmla="*/ 53689 w 435120"/>
-                <a:gd name="connsiteY0" fmla="*/ 1308100 h 1308100"/>
-                <a:gd name="connsiteX1" fmla="*/ 434689 w 435120"/>
-                <a:gd name="connsiteY1" fmla="*/ 1069975 h 1308100"/>
-                <a:gd name="connsiteX2" fmla="*/ 126714 w 435120"/>
-                <a:gd name="connsiteY2" fmla="*/ 889000 h 1308100"/>
-                <a:gd name="connsiteX3" fmla="*/ 6064 w 435120"/>
-                <a:gd name="connsiteY3" fmla="*/ 571500 h 1308100"/>
-                <a:gd name="connsiteX4" fmla="*/ 298164 w 435120"/>
-                <a:gd name="connsiteY4" fmla="*/ 577850 h 1308100"/>
-                <a:gd name="connsiteX5" fmla="*/ 126714 w 435120"/>
-                <a:gd name="connsiteY5" fmla="*/ 0 h 1308100"/>
-                <a:gd name="connsiteX0" fmla="*/ 53689 w 435120"/>
-                <a:gd name="connsiteY0" fmla="*/ 1308100 h 1308100"/>
-                <a:gd name="connsiteX1" fmla="*/ 434689 w 435120"/>
-                <a:gd name="connsiteY1" fmla="*/ 1069975 h 1308100"/>
-                <a:gd name="connsiteX2" fmla="*/ 126714 w 435120"/>
-                <a:gd name="connsiteY2" fmla="*/ 889000 h 1308100"/>
-                <a:gd name="connsiteX3" fmla="*/ 6064 w 435120"/>
-                <a:gd name="connsiteY3" fmla="*/ 571500 h 1308100"/>
-                <a:gd name="connsiteX4" fmla="*/ 298164 w 435120"/>
-                <a:gd name="connsiteY4" fmla="*/ 577850 h 1308100"/>
-                <a:gd name="connsiteX5" fmla="*/ 126714 w 435120"/>
-                <a:gd name="connsiteY5" fmla="*/ 0 h 1308100"/>
-                <a:gd name="connsiteX0" fmla="*/ 201862 w 583293"/>
-                <a:gd name="connsiteY0" fmla="*/ 1308100 h 1308100"/>
-                <a:gd name="connsiteX1" fmla="*/ 582862 w 583293"/>
-                <a:gd name="connsiteY1" fmla="*/ 1069975 h 1308100"/>
-                <a:gd name="connsiteX2" fmla="*/ 274887 w 583293"/>
-                <a:gd name="connsiteY2" fmla="*/ 889000 h 1308100"/>
-                <a:gd name="connsiteX3" fmla="*/ 154237 w 583293"/>
-                <a:gd name="connsiteY3" fmla="*/ 571500 h 1308100"/>
-                <a:gd name="connsiteX4" fmla="*/ 19538 w 583293"/>
-                <a:gd name="connsiteY4" fmla="*/ 450850 h 1308100"/>
-                <a:gd name="connsiteX5" fmla="*/ 274887 w 583293"/>
-                <a:gd name="connsiteY5" fmla="*/ 0 h 1308100"/>
-                <a:gd name="connsiteX0" fmla="*/ 200780 w 582206"/>
-                <a:gd name="connsiteY0" fmla="*/ 1308100 h 1308100"/>
-                <a:gd name="connsiteX1" fmla="*/ 581780 w 582206"/>
-                <a:gd name="connsiteY1" fmla="*/ 1069975 h 1308100"/>
-                <a:gd name="connsiteX2" fmla="*/ 273805 w 582206"/>
-                <a:gd name="connsiteY2" fmla="*/ 889000 h 1308100"/>
-                <a:gd name="connsiteX3" fmla="*/ 166493 w 582206"/>
-                <a:gd name="connsiteY3" fmla="*/ 676275 h 1308100"/>
-                <a:gd name="connsiteX4" fmla="*/ 18456 w 582206"/>
-                <a:gd name="connsiteY4" fmla="*/ 450850 h 1308100"/>
-                <a:gd name="connsiteX5" fmla="*/ 273805 w 582206"/>
-                <a:gd name="connsiteY5" fmla="*/ 0 h 1308100"/>
-                <a:gd name="connsiteX0" fmla="*/ 204947 w 586387"/>
-                <a:gd name="connsiteY0" fmla="*/ 1308100 h 1308100"/>
-                <a:gd name="connsiteX1" fmla="*/ 585947 w 586387"/>
-                <a:gd name="connsiteY1" fmla="*/ 1069975 h 1308100"/>
-                <a:gd name="connsiteX2" fmla="*/ 277972 w 586387"/>
-                <a:gd name="connsiteY2" fmla="*/ 889000 h 1308100"/>
-                <a:gd name="connsiteX3" fmla="*/ 126201 w 586387"/>
-                <a:gd name="connsiteY3" fmla="*/ 685800 h 1308100"/>
-                <a:gd name="connsiteX4" fmla="*/ 22623 w 586387"/>
-                <a:gd name="connsiteY4" fmla="*/ 450850 h 1308100"/>
-                <a:gd name="connsiteX5" fmla="*/ 277972 w 586387"/>
-                <a:gd name="connsiteY5" fmla="*/ 0 h 1308100"/>
-                <a:gd name="connsiteX0" fmla="*/ 204947 w 586387"/>
-                <a:gd name="connsiteY0" fmla="*/ 1323975 h 1323975"/>
-                <a:gd name="connsiteX1" fmla="*/ 585947 w 586387"/>
-                <a:gd name="connsiteY1" fmla="*/ 1085850 h 1323975"/>
-                <a:gd name="connsiteX2" fmla="*/ 277972 w 586387"/>
-                <a:gd name="connsiteY2" fmla="*/ 904875 h 1323975"/>
-                <a:gd name="connsiteX3" fmla="*/ 126201 w 586387"/>
-                <a:gd name="connsiteY3" fmla="*/ 701675 h 1323975"/>
-                <a:gd name="connsiteX4" fmla="*/ 22623 w 586387"/>
-                <a:gd name="connsiteY4" fmla="*/ 466725 h 1323975"/>
-                <a:gd name="connsiteX5" fmla="*/ 340214 w 586387"/>
-                <a:gd name="connsiteY5" fmla="*/ 0 h 1323975"/>
-                <a:gd name="connsiteX0" fmla="*/ 126371 w 507811"/>
-                <a:gd name="connsiteY0" fmla="*/ 1323975 h 1323975"/>
-                <a:gd name="connsiteX1" fmla="*/ 507371 w 507811"/>
-                <a:gd name="connsiteY1" fmla="*/ 1085850 h 1323975"/>
-                <a:gd name="connsiteX2" fmla="*/ 199396 w 507811"/>
-                <a:gd name="connsiteY2" fmla="*/ 904875 h 1323975"/>
-                <a:gd name="connsiteX3" fmla="*/ 47625 w 507811"/>
-                <a:gd name="connsiteY3" fmla="*/ 701675 h 1323975"/>
-                <a:gd name="connsiteX4" fmla="*/ 37409 w 507811"/>
-                <a:gd name="connsiteY4" fmla="*/ 482600 h 1323975"/>
-                <a:gd name="connsiteX5" fmla="*/ 261638 w 507811"/>
-                <a:gd name="connsiteY5" fmla="*/ 0 h 1323975"/>
-                <a:gd name="connsiteX0" fmla="*/ 126371 w 507811"/>
-                <a:gd name="connsiteY0" fmla="*/ 1336675 h 1336675"/>
-                <a:gd name="connsiteX1" fmla="*/ 507371 w 507811"/>
-                <a:gd name="connsiteY1" fmla="*/ 1098550 h 1336675"/>
-                <a:gd name="connsiteX2" fmla="*/ 199396 w 507811"/>
-                <a:gd name="connsiteY2" fmla="*/ 917575 h 1336675"/>
-                <a:gd name="connsiteX3" fmla="*/ 47625 w 507811"/>
-                <a:gd name="connsiteY3" fmla="*/ 714375 h 1336675"/>
-                <a:gd name="connsiteX4" fmla="*/ 37409 w 507811"/>
-                <a:gd name="connsiteY4" fmla="*/ 495300 h 1336675"/>
-                <a:gd name="connsiteX5" fmla="*/ 177168 w 507811"/>
-                <a:gd name="connsiteY5" fmla="*/ 0 h 1336675"/>
-                <a:gd name="connsiteX0" fmla="*/ 126371 w 507811"/>
-                <a:gd name="connsiteY0" fmla="*/ 1352550 h 1352550"/>
-                <a:gd name="connsiteX1" fmla="*/ 507371 w 507811"/>
-                <a:gd name="connsiteY1" fmla="*/ 1114425 h 1352550"/>
-                <a:gd name="connsiteX2" fmla="*/ 199396 w 507811"/>
-                <a:gd name="connsiteY2" fmla="*/ 933450 h 1352550"/>
-                <a:gd name="connsiteX3" fmla="*/ 47625 w 507811"/>
-                <a:gd name="connsiteY3" fmla="*/ 730250 h 1352550"/>
-                <a:gd name="connsiteX4" fmla="*/ 37409 w 507811"/>
-                <a:gd name="connsiteY4" fmla="*/ 511175 h 1352550"/>
-                <a:gd name="connsiteX5" fmla="*/ 110480 w 507811"/>
-                <a:gd name="connsiteY5" fmla="*/ 0 h 1352550"/>
-              </a:gdLst>
-              <a:ahLst/>
-              <a:cxnLst>
-                <a:cxn ang="0">
-                  <a:pos x="connsiteX0" y="connsiteY0"/>
-                </a:cxn>
-                <a:cxn ang="0">
-                  <a:pos x="connsiteX1" y="connsiteY1"/>
-                </a:cxn>
-                <a:cxn ang="0">
-                  <a:pos x="connsiteX2" y="connsiteY2"/>
-                </a:cxn>
-                <a:cxn ang="0">
-                  <a:pos x="connsiteX3" y="connsiteY3"/>
-                </a:cxn>
-                <a:cxn ang="0">
-                  <a:pos x="connsiteX4" y="connsiteY4"/>
-                </a:cxn>
-                <a:cxn ang="0">
-                  <a:pos x="connsiteX5" y="connsiteY5"/>
-                </a:cxn>
-              </a:cxnLst>
-              <a:rect l="l" t="t" r="r" b="b"/>
-              <a:pathLst>
-                <a:path w="507811" h="1352550">
-                  <a:moveTo>
-                    <a:pt x="126371" y="1352550"/>
-                  </a:moveTo>
-                  <a:cubicBezTo>
-                    <a:pt x="134275" y="1133475"/>
-                    <a:pt x="495200" y="1184275"/>
-                    <a:pt x="507371" y="1114425"/>
-                  </a:cubicBezTo>
-                  <a:cubicBezTo>
-                    <a:pt x="519542" y="1044575"/>
-                    <a:pt x="276020" y="997479"/>
-                    <a:pt x="199396" y="933450"/>
-                  </a:cubicBezTo>
-                  <a:cubicBezTo>
-                    <a:pt x="122772" y="869421"/>
-                    <a:pt x="74623" y="800629"/>
-                    <a:pt x="47625" y="730250"/>
-                  </a:cubicBezTo>
-                  <a:cubicBezTo>
-                    <a:pt x="20627" y="659871"/>
-                    <a:pt x="-38791" y="568325"/>
-                    <a:pt x="37409" y="511175"/>
-                  </a:cubicBezTo>
-                  <a:cubicBezTo>
-                    <a:pt x="119959" y="428625"/>
-                    <a:pt x="364480" y="285750"/>
-                    <a:pt x="110480" y="0"/>
-                  </a:cubicBezTo>
-                </a:path>
-              </a:pathLst>
-            </a:custGeom>
+          <a:prstGeom prst="rect">
+            <a:avLst/>
+          </a:prstGeom>
+          <a:solidFill>
+            <a:srgbClr val="F97A5D"/>
+          </a:solidFill>
+          <a:ln>
             <a:noFill/>
-            <a:ln w="28575" cap="rnd">
-              <a:solidFill>
-                <a:schemeClr val="tx1"/>
-              </a:solidFill>
-            </a:ln>
-          </p:spPr>
-          <p:style>
-            <a:lnRef idx="2">
-              <a:schemeClr val="accent1">
-                <a:shade val="50000"/>
-              </a:schemeClr>
-            </a:lnRef>
-            <a:fillRef idx="1">
-              <a:schemeClr val="accent1"/>
-            </a:fillRef>
-            <a:effectRef idx="0">
-              <a:schemeClr val="accent1"/>
-            </a:effectRef>
-            <a:fontRef idx="minor">
-              <a:schemeClr val="lt1"/>
-            </a:fontRef>
-          </p:style>
-          <p:txBody>
-            <a:bodyPr rtlCol="0" anchor="ctr"/>
-            <a:lstStyle/>
-            <a:p>
-              <a:pPr algn="ctr"/>
-              <a:endParaRPr lang="en-US"/>
-            </a:p>
-          </p:txBody>
-        </p:sp>
-        <p:sp>
-          <p:nvSpPr>
-            <p:cNvPr id="1049" name="Rectangle 1048">
-              <a:extLst>
-                <a:ext uri="{FF2B5EF4-FFF2-40B4-BE49-F238E27FC236}">
-                  <a16:creationId xmlns:a16="http://schemas.microsoft.com/office/drawing/2014/main" id="{AA9E901B-9E78-5953-0E77-F04159928FFA}"/>
-                </a:ext>
-              </a:extLst>
-            </p:cNvPr>
-            <p:cNvSpPr/>
-            <p:nvPr/>
-          </p:nvSpPr>
-          <p:spPr>
-            <a:xfrm>
-              <a:off x="6169497" y="2629849"/>
-              <a:ext cx="80049" cy="80049"/>
-            </a:xfrm>
-            <a:prstGeom prst="rect">
-              <a:avLst/>
-            </a:prstGeom>
-            <a:solidFill>
-              <a:srgbClr val="F97A5D"/>
-            </a:solidFill>
-            <a:ln>
-              <a:noFill/>
-            </a:ln>
-          </p:spPr>
-          <p:style>
-            <a:lnRef idx="2">
-              <a:schemeClr val="accent1">
-                <a:shade val="50000"/>
-              </a:schemeClr>
-            </a:lnRef>
-            <a:fillRef idx="1">
-              <a:schemeClr val="accent1"/>
-            </a:fillRef>
-            <a:effectRef idx="0">
-              <a:schemeClr val="accent1"/>
-            </a:effectRef>
-            <a:fontRef idx="minor">
-              <a:schemeClr val="lt1"/>
-            </a:fontRef>
-          </p:style>
-          <p:txBody>
-            <a:bodyPr rtlCol="0" anchor="ctr"/>
-            <a:lstStyle/>
-            <a:p>
-              <a:pPr algn="ctr"/>
-              <a:endParaRPr lang="en-US"/>
-            </a:p>
-          </p:txBody>
-        </p:sp>
-        <p:sp>
-          <p:nvSpPr>
-            <p:cNvPr id="1051" name="Rectangle 1050">
-              <a:extLst>
-                <a:ext uri="{FF2B5EF4-FFF2-40B4-BE49-F238E27FC236}">
-                  <a16:creationId xmlns:a16="http://schemas.microsoft.com/office/drawing/2014/main" id="{65E439B9-F123-18D3-377F-61342D2D9D66}"/>
-                </a:ext>
-              </a:extLst>
-            </p:cNvPr>
-            <p:cNvSpPr/>
-            <p:nvPr/>
-          </p:nvSpPr>
-          <p:spPr>
-            <a:xfrm>
-              <a:off x="6310531" y="2617192"/>
-              <a:ext cx="80049" cy="80049"/>
-            </a:xfrm>
-            <a:prstGeom prst="rect">
-              <a:avLst/>
-            </a:prstGeom>
-            <a:solidFill>
-              <a:srgbClr val="F97A5D"/>
-            </a:solidFill>
-            <a:ln>
-              <a:noFill/>
-            </a:ln>
-          </p:spPr>
-          <p:style>
-            <a:lnRef idx="2">
-              <a:schemeClr val="accent1">
-                <a:shade val="50000"/>
-              </a:schemeClr>
-            </a:lnRef>
-            <a:fillRef idx="1">
-              <a:schemeClr val="accent1"/>
-            </a:fillRef>
-            <a:effectRef idx="0">
-              <a:schemeClr val="accent1"/>
-            </a:effectRef>
-            <a:fontRef idx="minor">
-              <a:schemeClr val="lt1"/>
-            </a:fontRef>
-          </p:style>
-          <p:txBody>
-            <a:bodyPr rtlCol="0" anchor="ctr"/>
-            <a:lstStyle/>
-            <a:p>
-              <a:pPr algn="ctr"/>
-              <a:endParaRPr lang="en-US"/>
-            </a:p>
-          </p:txBody>
-        </p:sp>
-        <p:sp>
-          <p:nvSpPr>
-            <p:cNvPr id="1052" name="Rectangle 1051">
-              <a:extLst>
-                <a:ext uri="{FF2B5EF4-FFF2-40B4-BE49-F238E27FC236}">
-                  <a16:creationId xmlns:a16="http://schemas.microsoft.com/office/drawing/2014/main" id="{AD341892-8BC6-D96F-5CCC-6D3BF80A0997}"/>
-                </a:ext>
-              </a:extLst>
-            </p:cNvPr>
-            <p:cNvSpPr/>
-            <p:nvPr/>
-          </p:nvSpPr>
-          <p:spPr>
-            <a:xfrm>
-              <a:off x="6431244" y="2556195"/>
-              <a:ext cx="80049" cy="80049"/>
-            </a:xfrm>
-            <a:prstGeom prst="rect">
-              <a:avLst/>
-            </a:prstGeom>
-            <a:solidFill>
-              <a:srgbClr val="F97A5D"/>
-            </a:solidFill>
-            <a:ln>
-              <a:noFill/>
-            </a:ln>
-          </p:spPr>
-          <p:style>
-            <a:lnRef idx="2">
-              <a:schemeClr val="accent1">
-                <a:shade val="50000"/>
-              </a:schemeClr>
-            </a:lnRef>
-            <a:fillRef idx="1">
-              <a:schemeClr val="accent1"/>
-            </a:fillRef>
-            <a:effectRef idx="0">
-              <a:schemeClr val="accent1"/>
-            </a:effectRef>
-            <a:fontRef idx="minor">
-              <a:schemeClr val="lt1"/>
-            </a:fontRef>
-          </p:style>
-          <p:txBody>
-            <a:bodyPr rtlCol="0" anchor="ctr"/>
-            <a:lstStyle/>
-            <a:p>
-              <a:pPr algn="ctr"/>
-              <a:endParaRPr lang="en-US"/>
-            </a:p>
-          </p:txBody>
-        </p:sp>
-        <p:sp>
-          <p:nvSpPr>
-            <p:cNvPr id="1053" name="Rectangle 1052">
-              <a:extLst>
-                <a:ext uri="{FF2B5EF4-FFF2-40B4-BE49-F238E27FC236}">
-                  <a16:creationId xmlns:a16="http://schemas.microsoft.com/office/drawing/2014/main" id="{73E6F4E3-E500-D569-5DB0-A538A77857A4}"/>
-                </a:ext>
-              </a:extLst>
-            </p:cNvPr>
-            <p:cNvSpPr/>
-            <p:nvPr/>
-          </p:nvSpPr>
-          <p:spPr>
-            <a:xfrm>
-              <a:off x="6613533" y="2384627"/>
-              <a:ext cx="80049" cy="80049"/>
-            </a:xfrm>
-            <a:prstGeom prst="rect">
-              <a:avLst/>
-            </a:prstGeom>
-            <a:solidFill>
-              <a:srgbClr val="F97A5D"/>
-            </a:solidFill>
-            <a:ln>
-              <a:noFill/>
-            </a:ln>
-          </p:spPr>
-          <p:style>
-            <a:lnRef idx="2">
-              <a:schemeClr val="accent1">
-                <a:shade val="50000"/>
-              </a:schemeClr>
-            </a:lnRef>
-            <a:fillRef idx="1">
-              <a:schemeClr val="accent1"/>
-            </a:fillRef>
-            <a:effectRef idx="0">
-              <a:schemeClr val="accent1"/>
-            </a:effectRef>
-            <a:fontRef idx="minor">
-              <a:schemeClr val="lt1"/>
-            </a:fontRef>
-          </p:style>
-          <p:txBody>
-            <a:bodyPr rtlCol="0" anchor="ctr"/>
-            <a:lstStyle/>
-            <a:p>
-              <a:pPr algn="ctr"/>
-              <a:endParaRPr lang="en-US" dirty="0"/>
-            </a:p>
-          </p:txBody>
-        </p:sp>
-        <p:sp>
-          <p:nvSpPr>
-            <p:cNvPr id="1054" name="Rectangle 1053">
-              <a:extLst>
-                <a:ext uri="{FF2B5EF4-FFF2-40B4-BE49-F238E27FC236}">
-                  <a16:creationId xmlns:a16="http://schemas.microsoft.com/office/drawing/2014/main" id="{5C3846F0-92E2-CB4B-CF2C-7B4EEA78ABC2}"/>
-                </a:ext>
-              </a:extLst>
-            </p:cNvPr>
-            <p:cNvSpPr/>
-            <p:nvPr/>
-          </p:nvSpPr>
-          <p:spPr>
-            <a:xfrm>
-              <a:off x="6748877" y="2476823"/>
-              <a:ext cx="80049" cy="80049"/>
-            </a:xfrm>
-            <a:prstGeom prst="rect">
-              <a:avLst/>
-            </a:prstGeom>
-            <a:solidFill>
-              <a:srgbClr val="F97A5D"/>
-            </a:solidFill>
-            <a:ln>
-              <a:noFill/>
-            </a:ln>
-          </p:spPr>
-          <p:style>
-            <a:lnRef idx="2">
-              <a:schemeClr val="accent1">
-                <a:shade val="50000"/>
-              </a:schemeClr>
-            </a:lnRef>
-            <a:fillRef idx="1">
-              <a:schemeClr val="accent1"/>
-            </a:fillRef>
-            <a:effectRef idx="0">
-              <a:schemeClr val="accent1"/>
-            </a:effectRef>
-            <a:fontRef idx="minor">
-              <a:schemeClr val="lt1"/>
-            </a:fontRef>
-          </p:style>
-          <p:txBody>
-            <a:bodyPr rtlCol="0" anchor="ctr"/>
-            <a:lstStyle/>
-            <a:p>
-              <a:pPr algn="ctr"/>
-              <a:endParaRPr lang="en-US"/>
-            </a:p>
-          </p:txBody>
-        </p:sp>
-        <p:sp>
-          <p:nvSpPr>
-            <p:cNvPr id="1055" name="Rectangle 1054">
-              <a:extLst>
-                <a:ext uri="{FF2B5EF4-FFF2-40B4-BE49-F238E27FC236}">
-                  <a16:creationId xmlns:a16="http://schemas.microsoft.com/office/drawing/2014/main" id="{FFE64796-0427-BB2C-D685-0C5AB966FFD4}"/>
-                </a:ext>
-              </a:extLst>
-            </p:cNvPr>
-            <p:cNvSpPr/>
-            <p:nvPr/>
-          </p:nvSpPr>
-          <p:spPr>
-            <a:xfrm>
-              <a:off x="6861467" y="2552109"/>
-              <a:ext cx="80049" cy="80049"/>
-            </a:xfrm>
-            <a:prstGeom prst="rect">
-              <a:avLst/>
-            </a:prstGeom>
-            <a:solidFill>
-              <a:srgbClr val="F97A5D"/>
-            </a:solidFill>
-            <a:ln>
-              <a:noFill/>
-            </a:ln>
-          </p:spPr>
-          <p:style>
-            <a:lnRef idx="2">
-              <a:schemeClr val="accent1">
-                <a:shade val="50000"/>
-              </a:schemeClr>
-            </a:lnRef>
-            <a:fillRef idx="1">
-              <a:schemeClr val="accent1"/>
-            </a:fillRef>
-            <a:effectRef idx="0">
-              <a:schemeClr val="accent1"/>
-            </a:effectRef>
-            <a:fontRef idx="minor">
-              <a:schemeClr val="lt1"/>
-            </a:fontRef>
-          </p:style>
-          <p:txBody>
-            <a:bodyPr rtlCol="0" anchor="ctr"/>
-            <a:lstStyle/>
-            <a:p>
-              <a:pPr algn="ctr"/>
-              <a:endParaRPr lang="en-US"/>
-            </a:p>
-          </p:txBody>
-        </p:sp>
-        <p:sp>
-          <p:nvSpPr>
-            <p:cNvPr id="1056" name="Rectangle 1055">
-              <a:extLst>
-                <a:ext uri="{FF2B5EF4-FFF2-40B4-BE49-F238E27FC236}">
-                  <a16:creationId xmlns:a16="http://schemas.microsoft.com/office/drawing/2014/main" id="{9A6F9F60-8674-0075-EFC4-527BB30F6D5B}"/>
-                </a:ext>
-              </a:extLst>
-            </p:cNvPr>
-            <p:cNvSpPr/>
-            <p:nvPr/>
-          </p:nvSpPr>
-          <p:spPr>
-            <a:xfrm>
-              <a:off x="6985274" y="2617951"/>
-              <a:ext cx="80049" cy="80049"/>
-            </a:xfrm>
-            <a:prstGeom prst="rect">
-              <a:avLst/>
-            </a:prstGeom>
-            <a:solidFill>
-              <a:srgbClr val="F97A5D"/>
-            </a:solidFill>
-            <a:ln>
-              <a:noFill/>
-            </a:ln>
-          </p:spPr>
-          <p:style>
-            <a:lnRef idx="2">
-              <a:schemeClr val="accent1">
-                <a:shade val="50000"/>
-              </a:schemeClr>
-            </a:lnRef>
-            <a:fillRef idx="1">
-              <a:schemeClr val="accent1"/>
-            </a:fillRef>
-            <a:effectRef idx="0">
-              <a:schemeClr val="accent1"/>
-            </a:effectRef>
-            <a:fontRef idx="minor">
-              <a:schemeClr val="lt1"/>
-            </a:fontRef>
-          </p:style>
-          <p:txBody>
-            <a:bodyPr rtlCol="0" anchor="ctr"/>
-            <a:lstStyle/>
-            <a:p>
-              <a:pPr algn="ctr"/>
-              <a:endParaRPr lang="en-US"/>
-            </a:p>
-          </p:txBody>
-        </p:sp>
-        <p:sp>
-          <p:nvSpPr>
-            <p:cNvPr id="1057" name="Rectangle 1056">
-              <a:extLst>
-                <a:ext uri="{FF2B5EF4-FFF2-40B4-BE49-F238E27FC236}">
-                  <a16:creationId xmlns:a16="http://schemas.microsoft.com/office/drawing/2014/main" id="{7B00664D-EDEC-95C0-E6AE-0552CC12CBAB}"/>
-                </a:ext>
-              </a:extLst>
-            </p:cNvPr>
-            <p:cNvSpPr/>
-            <p:nvPr/>
-          </p:nvSpPr>
-          <p:spPr>
-            <a:xfrm>
-              <a:off x="7118607" y="2661741"/>
-              <a:ext cx="80049" cy="80049"/>
-            </a:xfrm>
-            <a:prstGeom prst="rect">
-              <a:avLst/>
-            </a:prstGeom>
-            <a:solidFill>
-              <a:srgbClr val="F97A5D"/>
-            </a:solidFill>
-            <a:ln>
-              <a:noFill/>
-            </a:ln>
-          </p:spPr>
-          <p:style>
-            <a:lnRef idx="2">
-              <a:schemeClr val="accent1">
-                <a:shade val="50000"/>
-              </a:schemeClr>
-            </a:lnRef>
-            <a:fillRef idx="1">
-              <a:schemeClr val="accent1"/>
-            </a:fillRef>
-            <a:effectRef idx="0">
-              <a:schemeClr val="accent1"/>
-            </a:effectRef>
-            <a:fontRef idx="minor">
-              <a:schemeClr val="lt1"/>
-            </a:fontRef>
-          </p:style>
-          <p:txBody>
-            <a:bodyPr rtlCol="0" anchor="ctr"/>
-            <a:lstStyle/>
-            <a:p>
-              <a:pPr algn="ctr"/>
-              <a:endParaRPr lang="en-US"/>
-            </a:p>
-          </p:txBody>
-        </p:sp>
-        <p:sp>
-          <p:nvSpPr>
-            <p:cNvPr id="1058" name="Rectangle 1057">
-              <a:extLst>
-                <a:ext uri="{FF2B5EF4-FFF2-40B4-BE49-F238E27FC236}">
-                  <a16:creationId xmlns:a16="http://schemas.microsoft.com/office/drawing/2014/main" id="{A50C1BF2-9588-21FB-E6D4-238571CCBCA9}"/>
-                </a:ext>
-              </a:extLst>
-            </p:cNvPr>
-            <p:cNvSpPr/>
-            <p:nvPr/>
-          </p:nvSpPr>
-          <p:spPr>
-            <a:xfrm>
-              <a:off x="7261860" y="2687371"/>
-              <a:ext cx="80049" cy="80049"/>
-            </a:xfrm>
-            <a:prstGeom prst="rect">
-              <a:avLst/>
-            </a:prstGeom>
-            <a:solidFill>
-              <a:srgbClr val="F97A5D"/>
-            </a:solidFill>
-            <a:ln>
-              <a:noFill/>
-            </a:ln>
-          </p:spPr>
-          <p:style>
-            <a:lnRef idx="2">
-              <a:schemeClr val="accent1">
-                <a:shade val="50000"/>
-              </a:schemeClr>
-            </a:lnRef>
-            <a:fillRef idx="1">
-              <a:schemeClr val="accent1"/>
-            </a:fillRef>
-            <a:effectRef idx="0">
-              <a:schemeClr val="accent1"/>
-            </a:effectRef>
-            <a:fontRef idx="minor">
-              <a:schemeClr val="lt1"/>
-            </a:fontRef>
-          </p:style>
-          <p:txBody>
-            <a:bodyPr rtlCol="0" anchor="ctr"/>
-            <a:lstStyle/>
-            <a:p>
-              <a:pPr algn="ctr"/>
-              <a:endParaRPr lang="en-US"/>
-            </a:p>
-          </p:txBody>
-        </p:sp>
-        <p:sp>
-          <p:nvSpPr>
-            <p:cNvPr id="1059" name="Rectangle 1058">
-              <a:extLst>
-                <a:ext uri="{FF2B5EF4-FFF2-40B4-BE49-F238E27FC236}">
-                  <a16:creationId xmlns:a16="http://schemas.microsoft.com/office/drawing/2014/main" id="{4EB929C6-E6D7-A2E6-5EAD-562F633E659C}"/>
-                </a:ext>
-              </a:extLst>
-            </p:cNvPr>
-            <p:cNvSpPr/>
-            <p:nvPr/>
-          </p:nvSpPr>
-          <p:spPr>
-            <a:xfrm>
-              <a:off x="7413602" y="2713378"/>
-              <a:ext cx="80049" cy="80049"/>
-            </a:xfrm>
-            <a:prstGeom prst="rect">
-              <a:avLst/>
-            </a:prstGeom>
-            <a:solidFill>
-              <a:srgbClr val="F97A5D"/>
-            </a:solidFill>
-            <a:ln>
-              <a:noFill/>
-            </a:ln>
-          </p:spPr>
-          <p:style>
-            <a:lnRef idx="2">
-              <a:schemeClr val="accent1">
-                <a:shade val="50000"/>
-              </a:schemeClr>
-            </a:lnRef>
-            <a:fillRef idx="1">
-              <a:schemeClr val="accent1"/>
-            </a:fillRef>
-            <a:effectRef idx="0">
-              <a:schemeClr val="accent1"/>
-            </a:effectRef>
-            <a:fontRef idx="minor">
-              <a:schemeClr val="lt1"/>
-            </a:fontRef>
-          </p:style>
-          <p:txBody>
-            <a:bodyPr rtlCol="0" anchor="ctr"/>
-            <a:lstStyle/>
-            <a:p>
-              <a:pPr algn="ctr"/>
-              <a:endParaRPr lang="en-US"/>
-            </a:p>
-          </p:txBody>
-        </p:sp>
-        <p:sp>
-          <p:nvSpPr>
-            <p:cNvPr id="1060" name="Rectangle 1059">
-              <a:extLst>
-                <a:ext uri="{FF2B5EF4-FFF2-40B4-BE49-F238E27FC236}">
-                  <a16:creationId xmlns:a16="http://schemas.microsoft.com/office/drawing/2014/main" id="{A4810F65-78D9-EA08-9C5A-891F96723FB9}"/>
-                </a:ext>
-              </a:extLst>
-            </p:cNvPr>
-            <p:cNvSpPr/>
-            <p:nvPr/>
-          </p:nvSpPr>
-          <p:spPr>
-            <a:xfrm>
-              <a:off x="7565344" y="2708148"/>
-              <a:ext cx="80049" cy="80049"/>
-            </a:xfrm>
-            <a:prstGeom prst="rect">
-              <a:avLst/>
-            </a:prstGeom>
-            <a:solidFill>
-              <a:srgbClr val="F97A5D"/>
-            </a:solidFill>
-            <a:ln>
-              <a:noFill/>
-            </a:ln>
-          </p:spPr>
-          <p:style>
-            <a:lnRef idx="2">
-              <a:schemeClr val="accent1">
-                <a:shade val="50000"/>
-              </a:schemeClr>
-            </a:lnRef>
-            <a:fillRef idx="1">
-              <a:schemeClr val="accent1"/>
-            </a:fillRef>
-            <a:effectRef idx="0">
-              <a:schemeClr val="accent1"/>
-            </a:effectRef>
-            <a:fontRef idx="minor">
-              <a:schemeClr val="lt1"/>
-            </a:fontRef>
-          </p:style>
-          <p:txBody>
-            <a:bodyPr rtlCol="0" anchor="ctr"/>
-            <a:lstStyle/>
-            <a:p>
-              <a:pPr algn="ctr"/>
-              <a:endParaRPr lang="en-US"/>
-            </a:p>
-          </p:txBody>
-        </p:sp>
-        <p:sp>
-          <p:nvSpPr>
-            <p:cNvPr id="1061" name="Rectangle 1060">
-              <a:extLst>
-                <a:ext uri="{FF2B5EF4-FFF2-40B4-BE49-F238E27FC236}">
-                  <a16:creationId xmlns:a16="http://schemas.microsoft.com/office/drawing/2014/main" id="{0814D4EA-79E6-EA19-9763-0E11B34B07D4}"/>
-                </a:ext>
-              </a:extLst>
-            </p:cNvPr>
-            <p:cNvSpPr/>
-            <p:nvPr/>
-          </p:nvSpPr>
-          <p:spPr>
-            <a:xfrm>
-              <a:off x="7701393" y="2665110"/>
-              <a:ext cx="80049" cy="80049"/>
-            </a:xfrm>
-            <a:prstGeom prst="rect">
-              <a:avLst/>
-            </a:prstGeom>
-            <a:solidFill>
-              <a:srgbClr val="F97A5D"/>
-            </a:solidFill>
-            <a:ln>
-              <a:noFill/>
-            </a:ln>
-          </p:spPr>
-          <p:style>
-            <a:lnRef idx="2">
-              <a:schemeClr val="accent1">
-                <a:shade val="50000"/>
-              </a:schemeClr>
-            </a:lnRef>
-            <a:fillRef idx="1">
-              <a:schemeClr val="accent1"/>
-            </a:fillRef>
-            <a:effectRef idx="0">
-              <a:schemeClr val="accent1"/>
-            </a:effectRef>
-            <a:fontRef idx="minor">
-              <a:schemeClr val="lt1"/>
-            </a:fontRef>
-          </p:style>
-          <p:txBody>
-            <a:bodyPr rtlCol="0" anchor="ctr"/>
-            <a:lstStyle/>
-            <a:p>
-              <a:pPr algn="ctr"/>
-              <a:endParaRPr lang="en-US"/>
-            </a:p>
-          </p:txBody>
-        </p:sp>
-        <p:sp>
-          <p:nvSpPr>
-            <p:cNvPr id="1062" name="Rectangle 1061">
-              <a:extLst>
-                <a:ext uri="{FF2B5EF4-FFF2-40B4-BE49-F238E27FC236}">
-                  <a16:creationId xmlns:a16="http://schemas.microsoft.com/office/drawing/2014/main" id="{8905F130-09C4-A5FE-4BCC-88C071B8EA98}"/>
-                </a:ext>
-              </a:extLst>
-            </p:cNvPr>
-            <p:cNvSpPr/>
-            <p:nvPr/>
-          </p:nvSpPr>
-          <p:spPr>
-            <a:xfrm>
-              <a:off x="7848942" y="2613188"/>
-              <a:ext cx="80049" cy="80049"/>
-            </a:xfrm>
-            <a:prstGeom prst="rect">
-              <a:avLst/>
-            </a:prstGeom>
-            <a:solidFill>
-              <a:srgbClr val="F97A5D"/>
-            </a:solidFill>
-            <a:ln>
-              <a:noFill/>
-            </a:ln>
-          </p:spPr>
-          <p:style>
-            <a:lnRef idx="2">
-              <a:schemeClr val="accent1">
-                <a:shade val="50000"/>
-              </a:schemeClr>
-            </a:lnRef>
-            <a:fillRef idx="1">
-              <a:schemeClr val="accent1"/>
-            </a:fillRef>
-            <a:effectRef idx="0">
-              <a:schemeClr val="accent1"/>
-            </a:effectRef>
-            <a:fontRef idx="minor">
-              <a:schemeClr val="lt1"/>
-            </a:fontRef>
-          </p:style>
-          <p:txBody>
-            <a:bodyPr rtlCol="0" anchor="ctr"/>
-            <a:lstStyle/>
-            <a:p>
-              <a:pPr algn="ctr"/>
-              <a:endParaRPr lang="en-US"/>
-            </a:p>
-          </p:txBody>
-        </p:sp>
-        <p:sp>
-          <p:nvSpPr>
-            <p:cNvPr id="1063" name="Rectangle 1062">
-              <a:extLst>
-                <a:ext uri="{FF2B5EF4-FFF2-40B4-BE49-F238E27FC236}">
-                  <a16:creationId xmlns:a16="http://schemas.microsoft.com/office/drawing/2014/main" id="{930C7171-5702-5B03-1355-334EB7D16ACC}"/>
-                </a:ext>
-              </a:extLst>
-            </p:cNvPr>
-            <p:cNvSpPr/>
-            <p:nvPr/>
-          </p:nvSpPr>
-          <p:spPr>
-            <a:xfrm>
-              <a:off x="7991728" y="2569335"/>
-              <a:ext cx="80049" cy="80049"/>
-            </a:xfrm>
-            <a:prstGeom prst="rect">
-              <a:avLst/>
-            </a:prstGeom>
-            <a:solidFill>
-              <a:srgbClr val="F97A5D"/>
-            </a:solidFill>
-            <a:ln>
-              <a:noFill/>
-            </a:ln>
-          </p:spPr>
-          <p:style>
-            <a:lnRef idx="2">
-              <a:schemeClr val="accent1">
-                <a:shade val="50000"/>
-              </a:schemeClr>
-            </a:lnRef>
-            <a:fillRef idx="1">
-              <a:schemeClr val="accent1"/>
-            </a:fillRef>
-            <a:effectRef idx="0">
-              <a:schemeClr val="accent1"/>
-            </a:effectRef>
-            <a:fontRef idx="minor">
-              <a:schemeClr val="lt1"/>
-            </a:fontRef>
-          </p:style>
-          <p:txBody>
-            <a:bodyPr rtlCol="0" anchor="ctr"/>
-            <a:lstStyle/>
-            <a:p>
-              <a:pPr algn="ctr"/>
-              <a:endParaRPr lang="en-US" dirty="0"/>
-            </a:p>
-          </p:txBody>
-        </p:sp>
-        <p:sp>
-          <p:nvSpPr>
-            <p:cNvPr id="1064" name="Rectangle 1063">
-              <a:extLst>
-                <a:ext uri="{FF2B5EF4-FFF2-40B4-BE49-F238E27FC236}">
-                  <a16:creationId xmlns:a16="http://schemas.microsoft.com/office/drawing/2014/main" id="{6EAD11FF-7827-69CA-110B-11352A6FB4D4}"/>
-                </a:ext>
-              </a:extLst>
-            </p:cNvPr>
-            <p:cNvSpPr/>
-            <p:nvPr/>
-          </p:nvSpPr>
-          <p:spPr>
-            <a:xfrm>
-              <a:off x="8128828" y="2556786"/>
-              <a:ext cx="80049" cy="80049"/>
-            </a:xfrm>
-            <a:prstGeom prst="rect">
-              <a:avLst/>
-            </a:prstGeom>
-            <a:solidFill>
-              <a:srgbClr val="F97A5D"/>
-            </a:solidFill>
-            <a:ln>
-              <a:noFill/>
-            </a:ln>
-          </p:spPr>
-          <p:style>
-            <a:lnRef idx="2">
-              <a:schemeClr val="accent1">
-                <a:shade val="50000"/>
-              </a:schemeClr>
-            </a:lnRef>
-            <a:fillRef idx="1">
-              <a:schemeClr val="accent1"/>
-            </a:fillRef>
-            <a:effectRef idx="0">
-              <a:schemeClr val="accent1"/>
-            </a:effectRef>
-            <a:fontRef idx="minor">
-              <a:schemeClr val="lt1"/>
-            </a:fontRef>
-          </p:style>
-          <p:txBody>
-            <a:bodyPr rtlCol="0" anchor="ctr"/>
-            <a:lstStyle/>
-            <a:p>
-              <a:pPr algn="ctr"/>
-              <a:endParaRPr lang="en-US"/>
-            </a:p>
-          </p:txBody>
-        </p:sp>
-        <p:sp>
-          <p:nvSpPr>
-            <p:cNvPr id="1065" name="Rectangle 1064">
-              <a:extLst>
-                <a:ext uri="{FF2B5EF4-FFF2-40B4-BE49-F238E27FC236}">
-                  <a16:creationId xmlns:a16="http://schemas.microsoft.com/office/drawing/2014/main" id="{C334D1DF-4501-A59C-E006-51F59A2BDCF6}"/>
-                </a:ext>
-              </a:extLst>
-            </p:cNvPr>
-            <p:cNvSpPr/>
-            <p:nvPr/>
-          </p:nvSpPr>
-          <p:spPr>
-            <a:xfrm>
-              <a:off x="8263860" y="2577926"/>
-              <a:ext cx="80049" cy="80049"/>
-            </a:xfrm>
-            <a:prstGeom prst="rect">
-              <a:avLst/>
-            </a:prstGeom>
-            <a:solidFill>
-              <a:srgbClr val="F97A5D"/>
-            </a:solidFill>
-            <a:ln>
-              <a:noFill/>
-            </a:ln>
-          </p:spPr>
-          <p:style>
-            <a:lnRef idx="2">
-              <a:schemeClr val="accent1">
-                <a:shade val="50000"/>
-              </a:schemeClr>
-            </a:lnRef>
-            <a:fillRef idx="1">
-              <a:schemeClr val="accent1"/>
-            </a:fillRef>
-            <a:effectRef idx="0">
-              <a:schemeClr val="accent1"/>
-            </a:effectRef>
-            <a:fontRef idx="minor">
-              <a:schemeClr val="lt1"/>
-            </a:fontRef>
-          </p:style>
-          <p:txBody>
-            <a:bodyPr rtlCol="0" anchor="ctr"/>
-            <a:lstStyle/>
-            <a:p>
-              <a:pPr algn="ctr"/>
-              <a:endParaRPr lang="en-US"/>
-            </a:p>
-          </p:txBody>
-        </p:sp>
-        <p:sp>
-          <p:nvSpPr>
-            <p:cNvPr id="1066" name="Rectangle 1065">
-              <a:extLst>
-                <a:ext uri="{FF2B5EF4-FFF2-40B4-BE49-F238E27FC236}">
-                  <a16:creationId xmlns:a16="http://schemas.microsoft.com/office/drawing/2014/main" id="{E935609F-11C3-4A10-EE99-BCB9F7501AE0}"/>
-                </a:ext>
-              </a:extLst>
-            </p:cNvPr>
-            <p:cNvSpPr/>
-            <p:nvPr/>
-          </p:nvSpPr>
-          <p:spPr>
-            <a:xfrm>
-              <a:off x="8403655" y="2604221"/>
-              <a:ext cx="80049" cy="80049"/>
-            </a:xfrm>
-            <a:prstGeom prst="rect">
-              <a:avLst/>
-            </a:prstGeom>
-            <a:solidFill>
-              <a:srgbClr val="F97A5D"/>
-            </a:solidFill>
-            <a:ln>
-              <a:noFill/>
-            </a:ln>
-          </p:spPr>
-          <p:style>
-            <a:lnRef idx="2">
-              <a:schemeClr val="accent1">
-                <a:shade val="50000"/>
-              </a:schemeClr>
-            </a:lnRef>
-            <a:fillRef idx="1">
-              <a:schemeClr val="accent1"/>
-            </a:fillRef>
-            <a:effectRef idx="0">
-              <a:schemeClr val="accent1"/>
-            </a:effectRef>
-            <a:fontRef idx="minor">
-              <a:schemeClr val="lt1"/>
-            </a:fontRef>
-          </p:style>
-          <p:txBody>
-            <a:bodyPr rtlCol="0" anchor="ctr"/>
-            <a:lstStyle/>
-            <a:p>
-              <a:pPr algn="ctr"/>
-              <a:endParaRPr lang="en-US"/>
-            </a:p>
-          </p:txBody>
-        </p:sp>
-        <p:sp>
-          <p:nvSpPr>
-            <p:cNvPr id="1067" name="Rectangle 1066">
-              <a:extLst>
-                <a:ext uri="{FF2B5EF4-FFF2-40B4-BE49-F238E27FC236}">
-                  <a16:creationId xmlns:a16="http://schemas.microsoft.com/office/drawing/2014/main" id="{6D4D80AD-E8A0-6B17-AEE9-160EF7B0A81C}"/>
-                </a:ext>
-              </a:extLst>
-            </p:cNvPr>
-            <p:cNvSpPr/>
-            <p:nvPr/>
-          </p:nvSpPr>
-          <p:spPr>
-            <a:xfrm>
-              <a:off x="8539134" y="2635956"/>
-              <a:ext cx="80049" cy="80049"/>
-            </a:xfrm>
-            <a:prstGeom prst="rect">
-              <a:avLst/>
-            </a:prstGeom>
-            <a:solidFill>
-              <a:srgbClr val="F97A5D"/>
-            </a:solidFill>
-            <a:ln>
-              <a:noFill/>
-            </a:ln>
-          </p:spPr>
-          <p:style>
-            <a:lnRef idx="2">
-              <a:schemeClr val="accent1">
-                <a:shade val="50000"/>
-              </a:schemeClr>
-            </a:lnRef>
-            <a:fillRef idx="1">
-              <a:schemeClr val="accent1"/>
-            </a:fillRef>
-            <a:effectRef idx="0">
-              <a:schemeClr val="accent1"/>
-            </a:effectRef>
-            <a:fontRef idx="minor">
-              <a:schemeClr val="lt1"/>
-            </a:fontRef>
-          </p:style>
-          <p:txBody>
-            <a:bodyPr rtlCol="0" anchor="ctr"/>
-            <a:lstStyle/>
-            <a:p>
-              <a:pPr algn="ctr"/>
-              <a:endParaRPr lang="en-US"/>
-            </a:p>
-          </p:txBody>
-        </p:sp>
-        <p:sp>
-          <p:nvSpPr>
-            <p:cNvPr id="1068" name="Rectangle 1067">
-              <a:extLst>
-                <a:ext uri="{FF2B5EF4-FFF2-40B4-BE49-F238E27FC236}">
-                  <a16:creationId xmlns:a16="http://schemas.microsoft.com/office/drawing/2014/main" id="{E70B926C-3389-3B6B-FD54-06BAF1B8290B}"/>
-                </a:ext>
-              </a:extLst>
-            </p:cNvPr>
-            <p:cNvSpPr/>
-            <p:nvPr/>
-          </p:nvSpPr>
-          <p:spPr>
-            <a:xfrm>
-              <a:off x="6510469" y="2439468"/>
-              <a:ext cx="80049" cy="80049"/>
-            </a:xfrm>
-            <a:prstGeom prst="rect">
-              <a:avLst/>
-            </a:prstGeom>
-            <a:solidFill>
-              <a:srgbClr val="F97A5D"/>
-            </a:solidFill>
-            <a:ln>
-              <a:noFill/>
-            </a:ln>
-          </p:spPr>
-          <p:style>
-            <a:lnRef idx="2">
-              <a:schemeClr val="accent1">
-                <a:shade val="50000"/>
-              </a:schemeClr>
-            </a:lnRef>
-            <a:fillRef idx="1">
-              <a:schemeClr val="accent1"/>
-            </a:fillRef>
-            <a:effectRef idx="0">
-              <a:schemeClr val="accent1"/>
-            </a:effectRef>
-            <a:fontRef idx="minor">
-              <a:schemeClr val="lt1"/>
-            </a:fontRef>
-          </p:style>
-          <p:txBody>
-            <a:bodyPr rtlCol="0" anchor="ctr"/>
-            <a:lstStyle/>
-            <a:p>
-              <a:pPr algn="ctr"/>
-              <a:endParaRPr lang="en-US"/>
-            </a:p>
-          </p:txBody>
-        </p:sp>
-      </p:grpSp>
+          </a:ln>
+        </p:spPr>
+        <p:style>
+          <a:lnRef idx="2">
+            <a:schemeClr val="accent1">
+              <a:shade val="50000"/>
+            </a:schemeClr>
+          </a:lnRef>
+          <a:fillRef idx="1">
+            <a:schemeClr val="accent1"/>
+          </a:fillRef>
+          <a:effectRef idx="0">
+            <a:schemeClr val="accent1"/>
+          </a:effectRef>
+          <a:fontRef idx="minor">
+            <a:schemeClr val="lt1"/>
+          </a:fontRef>
+        </p:style>
+        <p:txBody>
+          <a:bodyPr rtlCol="0" anchor="ctr"/>
+          <a:lstStyle/>
+          <a:p>
+            <a:pPr algn="ctr"/>
+            <a:endParaRPr lang="en-US"/>
+          </a:p>
+        </p:txBody>
+      </p:sp>
+      <p:sp>
+        <p:nvSpPr>
+          <p:cNvPr id="1051" name="Rectangle 1050">
+            <a:extLst>
+              <a:ext uri="{FF2B5EF4-FFF2-40B4-BE49-F238E27FC236}">
+                <a16:creationId xmlns:a16="http://schemas.microsoft.com/office/drawing/2014/main" id="{65E439B9-F123-18D3-377F-61342D2D9D66}"/>
+              </a:ext>
+            </a:extLst>
+          </p:cNvPr>
+          <p:cNvSpPr/>
+          <p:nvPr/>
+        </p:nvSpPr>
+        <p:spPr>
+          <a:xfrm>
+            <a:off x="6320685" y="3111170"/>
+            <a:ext cx="80049" cy="80049"/>
+          </a:xfrm>
+          <a:prstGeom prst="rect">
+            <a:avLst/>
+          </a:prstGeom>
+          <a:solidFill>
+            <a:srgbClr val="F97A5D"/>
+          </a:solidFill>
+          <a:ln>
+            <a:noFill/>
+          </a:ln>
+        </p:spPr>
+        <p:style>
+          <a:lnRef idx="2">
+            <a:schemeClr val="accent1">
+              <a:shade val="50000"/>
+            </a:schemeClr>
+          </a:lnRef>
+          <a:fillRef idx="1">
+            <a:schemeClr val="accent1"/>
+          </a:fillRef>
+          <a:effectRef idx="0">
+            <a:schemeClr val="accent1"/>
+          </a:effectRef>
+          <a:fontRef idx="minor">
+            <a:schemeClr val="lt1"/>
+          </a:fontRef>
+        </p:style>
+        <p:txBody>
+          <a:bodyPr rtlCol="0" anchor="ctr"/>
+          <a:lstStyle/>
+          <a:p>
+            <a:pPr algn="ctr"/>
+            <a:endParaRPr lang="en-US"/>
+          </a:p>
+        </p:txBody>
+      </p:sp>
+      <p:sp>
+        <p:nvSpPr>
+          <p:cNvPr id="1052" name="Rectangle 1051">
+            <a:extLst>
+              <a:ext uri="{FF2B5EF4-FFF2-40B4-BE49-F238E27FC236}">
+                <a16:creationId xmlns:a16="http://schemas.microsoft.com/office/drawing/2014/main" id="{AD341892-8BC6-D96F-5CCC-6D3BF80A0997}"/>
+              </a:ext>
+            </a:extLst>
+          </p:cNvPr>
+          <p:cNvSpPr/>
+          <p:nvPr/>
+        </p:nvSpPr>
+        <p:spPr>
+          <a:xfrm>
+            <a:off x="6441398" y="3050173"/>
+            <a:ext cx="80049" cy="80049"/>
+          </a:xfrm>
+          <a:prstGeom prst="rect">
+            <a:avLst/>
+          </a:prstGeom>
+          <a:solidFill>
+            <a:srgbClr val="F97A5D"/>
+          </a:solidFill>
+          <a:ln>
+            <a:noFill/>
+          </a:ln>
+        </p:spPr>
+        <p:style>
+          <a:lnRef idx="2">
+            <a:schemeClr val="accent1">
+              <a:shade val="50000"/>
+            </a:schemeClr>
+          </a:lnRef>
+          <a:fillRef idx="1">
+            <a:schemeClr val="accent1"/>
+          </a:fillRef>
+          <a:effectRef idx="0">
+            <a:schemeClr val="accent1"/>
+          </a:effectRef>
+          <a:fontRef idx="minor">
+            <a:schemeClr val="lt1"/>
+          </a:fontRef>
+        </p:style>
+        <p:txBody>
+          <a:bodyPr rtlCol="0" anchor="ctr"/>
+          <a:lstStyle/>
+          <a:p>
+            <a:pPr algn="ctr"/>
+            <a:endParaRPr lang="en-US"/>
+          </a:p>
+        </p:txBody>
+      </p:sp>
+      <p:sp>
+        <p:nvSpPr>
+          <p:cNvPr id="1053" name="Rectangle 1052">
+            <a:extLst>
+              <a:ext uri="{FF2B5EF4-FFF2-40B4-BE49-F238E27FC236}">
+                <a16:creationId xmlns:a16="http://schemas.microsoft.com/office/drawing/2014/main" id="{73E6F4E3-E500-D569-5DB0-A538A77857A4}"/>
+              </a:ext>
+            </a:extLst>
+          </p:cNvPr>
+          <p:cNvSpPr/>
+          <p:nvPr/>
+        </p:nvSpPr>
+        <p:spPr>
+          <a:xfrm>
+            <a:off x="6623687" y="2878605"/>
+            <a:ext cx="80049" cy="80049"/>
+          </a:xfrm>
+          <a:prstGeom prst="rect">
+            <a:avLst/>
+          </a:prstGeom>
+          <a:solidFill>
+            <a:srgbClr val="F97A5D"/>
+          </a:solidFill>
+          <a:ln>
+            <a:noFill/>
+          </a:ln>
+        </p:spPr>
+        <p:style>
+          <a:lnRef idx="2">
+            <a:schemeClr val="accent1">
+              <a:shade val="50000"/>
+            </a:schemeClr>
+          </a:lnRef>
+          <a:fillRef idx="1">
+            <a:schemeClr val="accent1"/>
+          </a:fillRef>
+          <a:effectRef idx="0">
+            <a:schemeClr val="accent1"/>
+          </a:effectRef>
+          <a:fontRef idx="minor">
+            <a:schemeClr val="lt1"/>
+          </a:fontRef>
+        </p:style>
+        <p:txBody>
+          <a:bodyPr rtlCol="0" anchor="ctr"/>
+          <a:lstStyle/>
+          <a:p>
+            <a:pPr algn="ctr"/>
+            <a:endParaRPr lang="en-US" dirty="0"/>
+          </a:p>
+        </p:txBody>
+      </p:sp>
+      <p:sp>
+        <p:nvSpPr>
+          <p:cNvPr id="1054" name="Rectangle 1053">
+            <a:extLst>
+              <a:ext uri="{FF2B5EF4-FFF2-40B4-BE49-F238E27FC236}">
+                <a16:creationId xmlns:a16="http://schemas.microsoft.com/office/drawing/2014/main" id="{5C3846F0-92E2-CB4B-CF2C-7B4EEA78ABC2}"/>
+              </a:ext>
+            </a:extLst>
+          </p:cNvPr>
+          <p:cNvSpPr/>
+          <p:nvPr/>
+        </p:nvSpPr>
+        <p:spPr>
+          <a:xfrm>
+            <a:off x="6759031" y="2970801"/>
+            <a:ext cx="80049" cy="80049"/>
+          </a:xfrm>
+          <a:prstGeom prst="rect">
+            <a:avLst/>
+          </a:prstGeom>
+          <a:solidFill>
+            <a:srgbClr val="F97A5D"/>
+          </a:solidFill>
+          <a:ln>
+            <a:noFill/>
+          </a:ln>
+        </p:spPr>
+        <p:style>
+          <a:lnRef idx="2">
+            <a:schemeClr val="accent1">
+              <a:shade val="50000"/>
+            </a:schemeClr>
+          </a:lnRef>
+          <a:fillRef idx="1">
+            <a:schemeClr val="accent1"/>
+          </a:fillRef>
+          <a:effectRef idx="0">
+            <a:schemeClr val="accent1"/>
+          </a:effectRef>
+          <a:fontRef idx="minor">
+            <a:schemeClr val="lt1"/>
+          </a:fontRef>
+        </p:style>
+        <p:txBody>
+          <a:bodyPr rtlCol="0" anchor="ctr"/>
+          <a:lstStyle/>
+          <a:p>
+            <a:pPr algn="ctr"/>
+            <a:endParaRPr lang="en-US"/>
+          </a:p>
+        </p:txBody>
+      </p:sp>
+      <p:sp>
+        <p:nvSpPr>
+          <p:cNvPr id="1055" name="Rectangle 1054">
+            <a:extLst>
+              <a:ext uri="{FF2B5EF4-FFF2-40B4-BE49-F238E27FC236}">
+                <a16:creationId xmlns:a16="http://schemas.microsoft.com/office/drawing/2014/main" id="{FFE64796-0427-BB2C-D685-0C5AB966FFD4}"/>
+              </a:ext>
+            </a:extLst>
+          </p:cNvPr>
+          <p:cNvSpPr/>
+          <p:nvPr/>
+        </p:nvSpPr>
+        <p:spPr>
+          <a:xfrm>
+            <a:off x="6871621" y="3046087"/>
+            <a:ext cx="80049" cy="80049"/>
+          </a:xfrm>
+          <a:prstGeom prst="rect">
+            <a:avLst/>
+          </a:prstGeom>
+          <a:solidFill>
+            <a:srgbClr val="F97A5D"/>
+          </a:solidFill>
+          <a:ln>
+            <a:noFill/>
+          </a:ln>
+        </p:spPr>
+        <p:style>
+          <a:lnRef idx="2">
+            <a:schemeClr val="accent1">
+              <a:shade val="50000"/>
+            </a:schemeClr>
+          </a:lnRef>
+          <a:fillRef idx="1">
+            <a:schemeClr val="accent1"/>
+          </a:fillRef>
+          <a:effectRef idx="0">
+            <a:schemeClr val="accent1"/>
+          </a:effectRef>
+          <a:fontRef idx="minor">
+            <a:schemeClr val="lt1"/>
+          </a:fontRef>
+        </p:style>
+        <p:txBody>
+          <a:bodyPr rtlCol="0" anchor="ctr"/>
+          <a:lstStyle/>
+          <a:p>
+            <a:pPr algn="ctr"/>
+            <a:endParaRPr lang="en-US"/>
+          </a:p>
+        </p:txBody>
+      </p:sp>
+      <p:sp>
+        <p:nvSpPr>
+          <p:cNvPr id="1056" name="Rectangle 1055">
+            <a:extLst>
+              <a:ext uri="{FF2B5EF4-FFF2-40B4-BE49-F238E27FC236}">
+                <a16:creationId xmlns:a16="http://schemas.microsoft.com/office/drawing/2014/main" id="{9A6F9F60-8674-0075-EFC4-527BB30F6D5B}"/>
+              </a:ext>
+            </a:extLst>
+          </p:cNvPr>
+          <p:cNvSpPr/>
+          <p:nvPr/>
+        </p:nvSpPr>
+        <p:spPr>
+          <a:xfrm>
+            <a:off x="6995428" y="3111929"/>
+            <a:ext cx="80049" cy="80049"/>
+          </a:xfrm>
+          <a:prstGeom prst="rect">
+            <a:avLst/>
+          </a:prstGeom>
+          <a:solidFill>
+            <a:srgbClr val="F97A5D"/>
+          </a:solidFill>
+          <a:ln>
+            <a:noFill/>
+          </a:ln>
+        </p:spPr>
+        <p:style>
+          <a:lnRef idx="2">
+            <a:schemeClr val="accent1">
+              <a:shade val="50000"/>
+            </a:schemeClr>
+          </a:lnRef>
+          <a:fillRef idx="1">
+            <a:schemeClr val="accent1"/>
+          </a:fillRef>
+          <a:effectRef idx="0">
+            <a:schemeClr val="accent1"/>
+          </a:effectRef>
+          <a:fontRef idx="minor">
+            <a:schemeClr val="lt1"/>
+          </a:fontRef>
+        </p:style>
+        <p:txBody>
+          <a:bodyPr rtlCol="0" anchor="ctr"/>
+          <a:lstStyle/>
+          <a:p>
+            <a:pPr algn="ctr"/>
+            <a:endParaRPr lang="en-US"/>
+          </a:p>
+        </p:txBody>
+      </p:sp>
+      <p:sp>
+        <p:nvSpPr>
+          <p:cNvPr id="1057" name="Rectangle 1056">
+            <a:extLst>
+              <a:ext uri="{FF2B5EF4-FFF2-40B4-BE49-F238E27FC236}">
+                <a16:creationId xmlns:a16="http://schemas.microsoft.com/office/drawing/2014/main" id="{7B00664D-EDEC-95C0-E6AE-0552CC12CBAB}"/>
+              </a:ext>
+            </a:extLst>
+          </p:cNvPr>
+          <p:cNvSpPr/>
+          <p:nvPr/>
+        </p:nvSpPr>
+        <p:spPr>
+          <a:xfrm>
+            <a:off x="7128761" y="3155719"/>
+            <a:ext cx="80049" cy="80049"/>
+          </a:xfrm>
+          <a:prstGeom prst="rect">
+            <a:avLst/>
+          </a:prstGeom>
+          <a:solidFill>
+            <a:srgbClr val="F97A5D"/>
+          </a:solidFill>
+          <a:ln>
+            <a:noFill/>
+          </a:ln>
+        </p:spPr>
+        <p:style>
+          <a:lnRef idx="2">
+            <a:schemeClr val="accent1">
+              <a:shade val="50000"/>
+            </a:schemeClr>
+          </a:lnRef>
+          <a:fillRef idx="1">
+            <a:schemeClr val="accent1"/>
+          </a:fillRef>
+          <a:effectRef idx="0">
+            <a:schemeClr val="accent1"/>
+          </a:effectRef>
+          <a:fontRef idx="minor">
+            <a:schemeClr val="lt1"/>
+          </a:fontRef>
+        </p:style>
+        <p:txBody>
+          <a:bodyPr rtlCol="0" anchor="ctr"/>
+          <a:lstStyle/>
+          <a:p>
+            <a:pPr algn="ctr"/>
+            <a:endParaRPr lang="en-US"/>
+          </a:p>
+        </p:txBody>
+      </p:sp>
+      <p:sp>
+        <p:nvSpPr>
+          <p:cNvPr id="1058" name="Rectangle 1057">
+            <a:extLst>
+              <a:ext uri="{FF2B5EF4-FFF2-40B4-BE49-F238E27FC236}">
+                <a16:creationId xmlns:a16="http://schemas.microsoft.com/office/drawing/2014/main" id="{A50C1BF2-9588-21FB-E6D4-238571CCBCA9}"/>
+              </a:ext>
+            </a:extLst>
+          </p:cNvPr>
+          <p:cNvSpPr/>
+          <p:nvPr/>
+        </p:nvSpPr>
+        <p:spPr>
+          <a:xfrm>
+            <a:off x="7272014" y="3181349"/>
+            <a:ext cx="80049" cy="80049"/>
+          </a:xfrm>
+          <a:prstGeom prst="rect">
+            <a:avLst/>
+          </a:prstGeom>
+          <a:solidFill>
+            <a:srgbClr val="F97A5D"/>
+          </a:solidFill>
+          <a:ln>
+            <a:noFill/>
+          </a:ln>
+        </p:spPr>
+        <p:style>
+          <a:lnRef idx="2">
+            <a:schemeClr val="accent1">
+              <a:shade val="50000"/>
+            </a:schemeClr>
+          </a:lnRef>
+          <a:fillRef idx="1">
+            <a:schemeClr val="accent1"/>
+          </a:fillRef>
+          <a:effectRef idx="0">
+            <a:schemeClr val="accent1"/>
+          </a:effectRef>
+          <a:fontRef idx="minor">
+            <a:schemeClr val="lt1"/>
+          </a:fontRef>
+        </p:style>
+        <p:txBody>
+          <a:bodyPr rtlCol="0" anchor="ctr"/>
+          <a:lstStyle/>
+          <a:p>
+            <a:pPr algn="ctr"/>
+            <a:endParaRPr lang="en-US"/>
+          </a:p>
+        </p:txBody>
+      </p:sp>
+      <p:sp>
+        <p:nvSpPr>
+          <p:cNvPr id="1059" name="Rectangle 1058">
+            <a:extLst>
+              <a:ext uri="{FF2B5EF4-FFF2-40B4-BE49-F238E27FC236}">
+                <a16:creationId xmlns:a16="http://schemas.microsoft.com/office/drawing/2014/main" id="{4EB929C6-E6D7-A2E6-5EAD-562F633E659C}"/>
+              </a:ext>
+            </a:extLst>
+          </p:cNvPr>
+          <p:cNvSpPr/>
+          <p:nvPr/>
+        </p:nvSpPr>
+        <p:spPr>
+          <a:xfrm>
+            <a:off x="7428519" y="3212119"/>
+            <a:ext cx="80049" cy="80049"/>
+          </a:xfrm>
+          <a:prstGeom prst="rect">
+            <a:avLst/>
+          </a:prstGeom>
+          <a:solidFill>
+            <a:srgbClr val="F97A5D"/>
+          </a:solidFill>
+          <a:ln>
+            <a:noFill/>
+          </a:ln>
+        </p:spPr>
+        <p:style>
+          <a:lnRef idx="2">
+            <a:schemeClr val="accent1">
+              <a:shade val="50000"/>
+            </a:schemeClr>
+          </a:lnRef>
+          <a:fillRef idx="1">
+            <a:schemeClr val="accent1"/>
+          </a:fillRef>
+          <a:effectRef idx="0">
+            <a:schemeClr val="accent1"/>
+          </a:effectRef>
+          <a:fontRef idx="minor">
+            <a:schemeClr val="lt1"/>
+          </a:fontRef>
+        </p:style>
+        <p:txBody>
+          <a:bodyPr rtlCol="0" anchor="ctr"/>
+          <a:lstStyle/>
+          <a:p>
+            <a:pPr algn="ctr"/>
+            <a:endParaRPr lang="en-US"/>
+          </a:p>
+        </p:txBody>
+      </p:sp>
+      <p:sp>
+        <p:nvSpPr>
+          <p:cNvPr id="1063" name="Rectangle 1062">
+            <a:extLst>
+              <a:ext uri="{FF2B5EF4-FFF2-40B4-BE49-F238E27FC236}">
+                <a16:creationId xmlns:a16="http://schemas.microsoft.com/office/drawing/2014/main" id="{930C7171-5702-5B03-1355-334EB7D16ACC}"/>
+              </a:ext>
+            </a:extLst>
+          </p:cNvPr>
+          <p:cNvSpPr/>
+          <p:nvPr/>
+        </p:nvSpPr>
+        <p:spPr>
+          <a:xfrm>
+            <a:off x="8006644" y="3110941"/>
+            <a:ext cx="80049" cy="80049"/>
+          </a:xfrm>
+          <a:prstGeom prst="rect">
+            <a:avLst/>
+          </a:prstGeom>
+          <a:solidFill>
+            <a:srgbClr val="F97A5D"/>
+          </a:solidFill>
+          <a:ln>
+            <a:noFill/>
+          </a:ln>
+        </p:spPr>
+        <p:style>
+          <a:lnRef idx="2">
+            <a:schemeClr val="accent1">
+              <a:shade val="50000"/>
+            </a:schemeClr>
+          </a:lnRef>
+          <a:fillRef idx="1">
+            <a:schemeClr val="accent1"/>
+          </a:fillRef>
+          <a:effectRef idx="0">
+            <a:schemeClr val="accent1"/>
+          </a:effectRef>
+          <a:fontRef idx="minor">
+            <a:schemeClr val="lt1"/>
+          </a:fontRef>
+        </p:style>
+        <p:txBody>
+          <a:bodyPr rtlCol="0" anchor="ctr"/>
+          <a:lstStyle/>
+          <a:p>
+            <a:pPr algn="ctr"/>
+            <a:endParaRPr lang="en-US" dirty="0"/>
+          </a:p>
+        </p:txBody>
+      </p:sp>
+      <p:sp>
+        <p:nvSpPr>
+          <p:cNvPr id="1064" name="Rectangle 1063">
+            <a:extLst>
+              <a:ext uri="{FF2B5EF4-FFF2-40B4-BE49-F238E27FC236}">
+                <a16:creationId xmlns:a16="http://schemas.microsoft.com/office/drawing/2014/main" id="{6EAD11FF-7827-69CA-110B-11352A6FB4D4}"/>
+              </a:ext>
+            </a:extLst>
+          </p:cNvPr>
+          <p:cNvSpPr/>
+          <p:nvPr/>
+        </p:nvSpPr>
+        <p:spPr>
+          <a:xfrm>
+            <a:off x="8138982" y="3050764"/>
+            <a:ext cx="80049" cy="80049"/>
+          </a:xfrm>
+          <a:prstGeom prst="rect">
+            <a:avLst/>
+          </a:prstGeom>
+          <a:solidFill>
+            <a:srgbClr val="F97A5D"/>
+          </a:solidFill>
+          <a:ln>
+            <a:noFill/>
+          </a:ln>
+        </p:spPr>
+        <p:style>
+          <a:lnRef idx="2">
+            <a:schemeClr val="accent1">
+              <a:shade val="50000"/>
+            </a:schemeClr>
+          </a:lnRef>
+          <a:fillRef idx="1">
+            <a:schemeClr val="accent1"/>
+          </a:fillRef>
+          <a:effectRef idx="0">
+            <a:schemeClr val="accent1"/>
+          </a:effectRef>
+          <a:fontRef idx="minor">
+            <a:schemeClr val="lt1"/>
+          </a:fontRef>
+        </p:style>
+        <p:txBody>
+          <a:bodyPr rtlCol="0" anchor="ctr"/>
+          <a:lstStyle/>
+          <a:p>
+            <a:pPr algn="ctr"/>
+            <a:endParaRPr lang="en-US"/>
+          </a:p>
+        </p:txBody>
+      </p:sp>
+      <p:sp>
+        <p:nvSpPr>
+          <p:cNvPr id="1065" name="Rectangle 1064">
+            <a:extLst>
+              <a:ext uri="{FF2B5EF4-FFF2-40B4-BE49-F238E27FC236}">
+                <a16:creationId xmlns:a16="http://schemas.microsoft.com/office/drawing/2014/main" id="{C334D1DF-4501-A59C-E006-51F59A2BDCF6}"/>
+              </a:ext>
+            </a:extLst>
+          </p:cNvPr>
+          <p:cNvSpPr/>
+          <p:nvPr/>
+        </p:nvSpPr>
+        <p:spPr>
+          <a:xfrm>
+            <a:off x="8274014" y="3071904"/>
+            <a:ext cx="80049" cy="80049"/>
+          </a:xfrm>
+          <a:prstGeom prst="rect">
+            <a:avLst/>
+          </a:prstGeom>
+          <a:solidFill>
+            <a:srgbClr val="F97A5D"/>
+          </a:solidFill>
+          <a:ln>
+            <a:noFill/>
+          </a:ln>
+        </p:spPr>
+        <p:style>
+          <a:lnRef idx="2">
+            <a:schemeClr val="accent1">
+              <a:shade val="50000"/>
+            </a:schemeClr>
+          </a:lnRef>
+          <a:fillRef idx="1">
+            <a:schemeClr val="accent1"/>
+          </a:fillRef>
+          <a:effectRef idx="0">
+            <a:schemeClr val="accent1"/>
+          </a:effectRef>
+          <a:fontRef idx="minor">
+            <a:schemeClr val="lt1"/>
+          </a:fontRef>
+        </p:style>
+        <p:txBody>
+          <a:bodyPr rtlCol="0" anchor="ctr"/>
+          <a:lstStyle/>
+          <a:p>
+            <a:pPr algn="ctr"/>
+            <a:endParaRPr lang="en-US"/>
+          </a:p>
+        </p:txBody>
+      </p:sp>
+      <p:sp>
+        <p:nvSpPr>
+          <p:cNvPr id="1066" name="Rectangle 1065">
+            <a:extLst>
+              <a:ext uri="{FF2B5EF4-FFF2-40B4-BE49-F238E27FC236}">
+                <a16:creationId xmlns:a16="http://schemas.microsoft.com/office/drawing/2014/main" id="{E935609F-11C3-4A10-EE99-BCB9F7501AE0}"/>
+              </a:ext>
+            </a:extLst>
+          </p:cNvPr>
+          <p:cNvSpPr/>
+          <p:nvPr/>
+        </p:nvSpPr>
+        <p:spPr>
+          <a:xfrm>
+            <a:off x="8413809" y="3098199"/>
+            <a:ext cx="80049" cy="80049"/>
+          </a:xfrm>
+          <a:prstGeom prst="rect">
+            <a:avLst/>
+          </a:prstGeom>
+          <a:solidFill>
+            <a:srgbClr val="F97A5D"/>
+          </a:solidFill>
+          <a:ln>
+            <a:noFill/>
+          </a:ln>
+        </p:spPr>
+        <p:style>
+          <a:lnRef idx="2">
+            <a:schemeClr val="accent1">
+              <a:shade val="50000"/>
+            </a:schemeClr>
+          </a:lnRef>
+          <a:fillRef idx="1">
+            <a:schemeClr val="accent1"/>
+          </a:fillRef>
+          <a:effectRef idx="0">
+            <a:schemeClr val="accent1"/>
+          </a:effectRef>
+          <a:fontRef idx="minor">
+            <a:schemeClr val="lt1"/>
+          </a:fontRef>
+        </p:style>
+        <p:txBody>
+          <a:bodyPr rtlCol="0" anchor="ctr"/>
+          <a:lstStyle/>
+          <a:p>
+            <a:pPr algn="ctr"/>
+            <a:endParaRPr lang="en-US"/>
+          </a:p>
+        </p:txBody>
+      </p:sp>
+      <p:sp>
+        <p:nvSpPr>
+          <p:cNvPr id="1067" name="Rectangle 1066">
+            <a:extLst>
+              <a:ext uri="{FF2B5EF4-FFF2-40B4-BE49-F238E27FC236}">
+                <a16:creationId xmlns:a16="http://schemas.microsoft.com/office/drawing/2014/main" id="{6D4D80AD-E8A0-6B17-AEE9-160EF7B0A81C}"/>
+              </a:ext>
+            </a:extLst>
+          </p:cNvPr>
+          <p:cNvSpPr/>
+          <p:nvPr/>
+        </p:nvSpPr>
+        <p:spPr>
+          <a:xfrm>
+            <a:off x="8549288" y="3129934"/>
+            <a:ext cx="80049" cy="80049"/>
+          </a:xfrm>
+          <a:prstGeom prst="rect">
+            <a:avLst/>
+          </a:prstGeom>
+          <a:solidFill>
+            <a:srgbClr val="F97A5D"/>
+          </a:solidFill>
+          <a:ln>
+            <a:noFill/>
+          </a:ln>
+        </p:spPr>
+        <p:style>
+          <a:lnRef idx="2">
+            <a:schemeClr val="accent1">
+              <a:shade val="50000"/>
+            </a:schemeClr>
+          </a:lnRef>
+          <a:fillRef idx="1">
+            <a:schemeClr val="accent1"/>
+          </a:fillRef>
+          <a:effectRef idx="0">
+            <a:schemeClr val="accent1"/>
+          </a:effectRef>
+          <a:fontRef idx="minor">
+            <a:schemeClr val="lt1"/>
+          </a:fontRef>
+        </p:style>
+        <p:txBody>
+          <a:bodyPr rtlCol="0" anchor="ctr"/>
+          <a:lstStyle/>
+          <a:p>
+            <a:pPr algn="ctr"/>
+            <a:endParaRPr lang="en-US"/>
+          </a:p>
+        </p:txBody>
+      </p:sp>
+      <p:sp>
+        <p:nvSpPr>
+          <p:cNvPr id="1068" name="Rectangle 1067">
+            <a:extLst>
+              <a:ext uri="{FF2B5EF4-FFF2-40B4-BE49-F238E27FC236}">
+                <a16:creationId xmlns:a16="http://schemas.microsoft.com/office/drawing/2014/main" id="{E70B926C-3389-3B6B-FD54-06BAF1B8290B}"/>
+              </a:ext>
+            </a:extLst>
+          </p:cNvPr>
+          <p:cNvSpPr/>
+          <p:nvPr/>
+        </p:nvSpPr>
+        <p:spPr>
+          <a:xfrm>
+            <a:off x="6520623" y="2933446"/>
+            <a:ext cx="80049" cy="80049"/>
+          </a:xfrm>
+          <a:prstGeom prst="rect">
+            <a:avLst/>
+          </a:prstGeom>
+          <a:solidFill>
+            <a:srgbClr val="F97A5D"/>
+          </a:solidFill>
+          <a:ln>
+            <a:noFill/>
+          </a:ln>
+        </p:spPr>
+        <p:style>
+          <a:lnRef idx="2">
+            <a:schemeClr val="accent1">
+              <a:shade val="50000"/>
+            </a:schemeClr>
+          </a:lnRef>
+          <a:fillRef idx="1">
+            <a:schemeClr val="accent1"/>
+          </a:fillRef>
+          <a:effectRef idx="0">
+            <a:schemeClr val="accent1"/>
+          </a:effectRef>
+          <a:fontRef idx="minor">
+            <a:schemeClr val="lt1"/>
+          </a:fontRef>
+        </p:style>
+        <p:txBody>
+          <a:bodyPr rtlCol="0" anchor="ctr"/>
+          <a:lstStyle/>
+          <a:p>
+            <a:pPr algn="ctr"/>
+            <a:endParaRPr lang="en-US"/>
+          </a:p>
+        </p:txBody>
+      </p:sp>
       <p:grpSp>
         <p:nvGrpSpPr>
           <p:cNvPr id="1093" name="Group 1092">
@@ -8849,12 +9040,381 @@
           </p:spPr>
         </p:pic>
       </p:grpSp>
+      <p:cxnSp>
+        <p:nvCxnSpPr>
+          <p:cNvPr id="1097" name="Straight Connector 1096">
+            <a:extLst>
+              <a:ext uri="{FF2B5EF4-FFF2-40B4-BE49-F238E27FC236}">
+                <a16:creationId xmlns:a16="http://schemas.microsoft.com/office/drawing/2014/main" id="{0C8EB259-8AED-2271-3DF2-774E193E2469}"/>
+              </a:ext>
+            </a:extLst>
+          </p:cNvPr>
+          <p:cNvCxnSpPr>
+            <a:cxnSpLocks/>
+            <a:stCxn id="1042" idx="3"/>
+            <a:endCxn id="1069" idx="1"/>
+          </p:cNvCxnSpPr>
+          <p:nvPr/>
+        </p:nvCxnSpPr>
+        <p:spPr>
+          <a:xfrm flipV="1">
+            <a:off x="6679755" y="3706004"/>
+            <a:ext cx="107664" cy="210"/>
+          </a:xfrm>
+          <a:prstGeom prst="line">
+            <a:avLst/>
+          </a:prstGeom>
+          <a:ln w="12700">
+            <a:solidFill>
+              <a:schemeClr val="tx1"/>
+            </a:solidFill>
+          </a:ln>
+        </p:spPr>
+        <p:style>
+          <a:lnRef idx="1">
+            <a:schemeClr val="accent1"/>
+          </a:lnRef>
+          <a:fillRef idx="0">
+            <a:schemeClr val="accent1"/>
+          </a:fillRef>
+          <a:effectRef idx="0">
+            <a:schemeClr val="accent1"/>
+          </a:effectRef>
+          <a:fontRef idx="minor">
+            <a:schemeClr val="tx1"/>
+          </a:fontRef>
+        </p:style>
+      </p:cxnSp>
+      <p:cxnSp>
+        <p:nvCxnSpPr>
+          <p:cNvPr id="1098" name="Straight Connector 1097">
+            <a:extLst>
+              <a:ext uri="{FF2B5EF4-FFF2-40B4-BE49-F238E27FC236}">
+                <a16:creationId xmlns:a16="http://schemas.microsoft.com/office/drawing/2014/main" id="{342795A7-D16E-6C58-2DC5-E805C6B0FF7F}"/>
+              </a:ext>
+            </a:extLst>
+          </p:cNvPr>
+          <p:cNvCxnSpPr>
+            <a:cxnSpLocks/>
+          </p:cNvCxnSpPr>
+          <p:nvPr/>
+        </p:nvCxnSpPr>
+        <p:spPr>
+          <a:xfrm>
+            <a:off x="7448325" y="3706004"/>
+            <a:ext cx="90208" cy="0"/>
+          </a:xfrm>
+          <a:prstGeom prst="line">
+            <a:avLst/>
+          </a:prstGeom>
+          <a:ln w="12700">
+            <a:solidFill>
+              <a:schemeClr val="tx1"/>
+            </a:solidFill>
+          </a:ln>
+        </p:spPr>
+        <p:style>
+          <a:lnRef idx="1">
+            <a:schemeClr val="accent1"/>
+          </a:lnRef>
+          <a:fillRef idx="0">
+            <a:schemeClr val="accent1"/>
+          </a:fillRef>
+          <a:effectRef idx="0">
+            <a:schemeClr val="accent1"/>
+          </a:effectRef>
+          <a:fontRef idx="minor">
+            <a:schemeClr val="tx1"/>
+          </a:fontRef>
+        </p:style>
+      </p:cxnSp>
+      <p:cxnSp>
+        <p:nvCxnSpPr>
+          <p:cNvPr id="1100" name="Straight Connector 1099">
+            <a:extLst>
+              <a:ext uri="{FF2B5EF4-FFF2-40B4-BE49-F238E27FC236}">
+                <a16:creationId xmlns:a16="http://schemas.microsoft.com/office/drawing/2014/main" id="{50F28727-5209-4D16-9C2F-0DE748315EE5}"/>
+              </a:ext>
+            </a:extLst>
+          </p:cNvPr>
+          <p:cNvCxnSpPr>
+            <a:cxnSpLocks/>
+            <a:endCxn id="1070" idx="1"/>
+          </p:cNvCxnSpPr>
+          <p:nvPr/>
+        </p:nvCxnSpPr>
+        <p:spPr>
+          <a:xfrm>
+            <a:off x="7997119" y="3704086"/>
+            <a:ext cx="94317" cy="0"/>
+          </a:xfrm>
+          <a:prstGeom prst="line">
+            <a:avLst/>
+          </a:prstGeom>
+          <a:ln w="12700">
+            <a:solidFill>
+              <a:schemeClr val="tx1"/>
+            </a:solidFill>
+          </a:ln>
+        </p:spPr>
+        <p:style>
+          <a:lnRef idx="1">
+            <a:schemeClr val="accent1"/>
+          </a:lnRef>
+          <a:fillRef idx="0">
+            <a:schemeClr val="accent1"/>
+          </a:fillRef>
+          <a:effectRef idx="0">
+            <a:schemeClr val="accent1"/>
+          </a:effectRef>
+          <a:fontRef idx="minor">
+            <a:schemeClr val="tx1"/>
+          </a:fontRef>
+        </p:style>
+      </p:cxnSp>
+      <p:cxnSp>
+        <p:nvCxnSpPr>
+          <p:cNvPr id="1113" name="Straight Connector 1112">
+            <a:extLst>
+              <a:ext uri="{FF2B5EF4-FFF2-40B4-BE49-F238E27FC236}">
+                <a16:creationId xmlns:a16="http://schemas.microsoft.com/office/drawing/2014/main" id="{A1E6DA89-31A8-5430-3349-B6797510108B}"/>
+              </a:ext>
+            </a:extLst>
+          </p:cNvPr>
+          <p:cNvCxnSpPr>
+            <a:cxnSpLocks/>
+          </p:cNvCxnSpPr>
+          <p:nvPr/>
+        </p:nvCxnSpPr>
+        <p:spPr>
+          <a:xfrm>
+            <a:off x="6723270" y="2328864"/>
+            <a:ext cx="15383" cy="1797774"/>
+          </a:xfrm>
+          <a:prstGeom prst="line">
+            <a:avLst/>
+          </a:prstGeom>
+          <a:ln w="12700">
+            <a:solidFill>
+              <a:schemeClr val="tx1"/>
+            </a:solidFill>
+            <a:prstDash val="lgDash"/>
+          </a:ln>
+        </p:spPr>
+        <p:style>
+          <a:lnRef idx="1">
+            <a:schemeClr val="accent1"/>
+          </a:lnRef>
+          <a:fillRef idx="0">
+            <a:schemeClr val="accent1"/>
+          </a:fillRef>
+          <a:effectRef idx="0">
+            <a:schemeClr val="accent1"/>
+          </a:effectRef>
+          <a:fontRef idx="minor">
+            <a:schemeClr val="tx1"/>
+          </a:fontRef>
+        </p:style>
+      </p:cxnSp>
+      <p:cxnSp>
+        <p:nvCxnSpPr>
+          <p:cNvPr id="1117" name="Straight Connector 1116">
+            <a:extLst>
+              <a:ext uri="{FF2B5EF4-FFF2-40B4-BE49-F238E27FC236}">
+                <a16:creationId xmlns:a16="http://schemas.microsoft.com/office/drawing/2014/main" id="{2A019331-2C20-413F-CA27-17807C40A97A}"/>
+              </a:ext>
+            </a:extLst>
+          </p:cNvPr>
+          <p:cNvCxnSpPr>
+            <a:cxnSpLocks/>
+          </p:cNvCxnSpPr>
+          <p:nvPr/>
+        </p:nvCxnSpPr>
+        <p:spPr>
+          <a:xfrm>
+            <a:off x="7553145" y="2331270"/>
+            <a:ext cx="15383" cy="1797774"/>
+          </a:xfrm>
+          <a:prstGeom prst="line">
+            <a:avLst/>
+          </a:prstGeom>
+          <a:ln w="12700">
+            <a:solidFill>
+              <a:schemeClr val="tx1"/>
+            </a:solidFill>
+            <a:prstDash val="lgDash"/>
+          </a:ln>
+        </p:spPr>
+        <p:style>
+          <a:lnRef idx="1">
+            <a:schemeClr val="accent1"/>
+          </a:lnRef>
+          <a:fillRef idx="0">
+            <a:schemeClr val="accent1"/>
+          </a:fillRef>
+          <a:effectRef idx="0">
+            <a:schemeClr val="accent1"/>
+          </a:effectRef>
+          <a:fontRef idx="minor">
+            <a:schemeClr val="tx1"/>
+          </a:fontRef>
+        </p:style>
+      </p:cxnSp>
+      <p:cxnSp>
+        <p:nvCxnSpPr>
+          <p:cNvPr id="1118" name="Straight Connector 1117">
+            <a:extLst>
+              <a:ext uri="{FF2B5EF4-FFF2-40B4-BE49-F238E27FC236}">
+                <a16:creationId xmlns:a16="http://schemas.microsoft.com/office/drawing/2014/main" id="{C579A9AA-D6F9-CC9B-8E54-4945CBEF0734}"/>
+              </a:ext>
+            </a:extLst>
+          </p:cNvPr>
+          <p:cNvCxnSpPr>
+            <a:cxnSpLocks/>
+          </p:cNvCxnSpPr>
+          <p:nvPr/>
+        </p:nvCxnSpPr>
+        <p:spPr>
+          <a:xfrm>
+            <a:off x="7961311" y="2329966"/>
+            <a:ext cx="15383" cy="1797774"/>
+          </a:xfrm>
+          <a:prstGeom prst="line">
+            <a:avLst/>
+          </a:prstGeom>
+          <a:ln w="12700">
+            <a:solidFill>
+              <a:schemeClr val="tx1"/>
+            </a:solidFill>
+            <a:prstDash val="lgDash"/>
+          </a:ln>
+        </p:spPr>
+        <p:style>
+          <a:lnRef idx="1">
+            <a:schemeClr val="accent1"/>
+          </a:lnRef>
+          <a:fillRef idx="0">
+            <a:schemeClr val="accent1"/>
+          </a:fillRef>
+          <a:effectRef idx="0">
+            <a:schemeClr val="accent1"/>
+          </a:effectRef>
+          <a:fontRef idx="minor">
+            <a:schemeClr val="tx1"/>
+          </a:fontRef>
+        </p:style>
+      </p:cxnSp>
+      <p:sp>
+        <p:nvSpPr>
+          <p:cNvPr id="1119" name="TextBox 1118">
+            <a:extLst>
+              <a:ext uri="{FF2B5EF4-FFF2-40B4-BE49-F238E27FC236}">
+                <a16:creationId xmlns:a16="http://schemas.microsoft.com/office/drawing/2014/main" id="{E2CC2B05-4B25-983F-52CF-792E7A9979F9}"/>
+              </a:ext>
+            </a:extLst>
+          </p:cNvPr>
+          <p:cNvSpPr txBox="1"/>
+          <p:nvPr/>
+        </p:nvSpPr>
+        <p:spPr>
+          <a:xfrm>
+            <a:off x="6149675" y="2488206"/>
+            <a:ext cx="598177" cy="276999"/>
+          </a:xfrm>
+          <a:prstGeom prst="rect">
+            <a:avLst/>
+          </a:prstGeom>
+          <a:noFill/>
+        </p:spPr>
+        <p:txBody>
+          <a:bodyPr wrap="none" rtlCol="0">
+            <a:spAutoFit/>
+          </a:bodyPr>
+          <a:lstStyle/>
+          <a:p>
+            <a:r>
+              <a:rPr lang="en-US" sz="1200" dirty="0"/>
+              <a:t>AKEAP</a:t>
+            </a:r>
+          </a:p>
+        </p:txBody>
+      </p:sp>
+      <p:sp>
+        <p:nvSpPr>
+          <p:cNvPr id="1120" name="TextBox 1119">
+            <a:extLst>
+              <a:ext uri="{FF2B5EF4-FFF2-40B4-BE49-F238E27FC236}">
+                <a16:creationId xmlns:a16="http://schemas.microsoft.com/office/drawing/2014/main" id="{B154A58A-900B-1002-2AC4-DE83FC181166}"/>
+              </a:ext>
+            </a:extLst>
+          </p:cNvPr>
+          <p:cNvSpPr txBox="1"/>
+          <p:nvPr/>
+        </p:nvSpPr>
+        <p:spPr>
+          <a:xfrm>
+            <a:off x="6799055" y="2492212"/>
+            <a:ext cx="662617" cy="276999"/>
+          </a:xfrm>
+          <a:prstGeom prst="rect">
+            <a:avLst/>
+          </a:prstGeom>
+          <a:noFill/>
+        </p:spPr>
+        <p:txBody>
+          <a:bodyPr wrap="none" rtlCol="0">
+            <a:spAutoFit/>
+          </a:bodyPr>
+          <a:lstStyle/>
+          <a:p>
+            <a:r>
+              <a:rPr lang="en-US" sz="1200" dirty="0"/>
+              <a:t>VEVKSP</a:t>
+            </a:r>
+          </a:p>
+        </p:txBody>
+      </p:sp>
+      <p:sp>
+        <p:nvSpPr>
+          <p:cNvPr id="1121" name="TextBox 1120">
+            <a:extLst>
+              <a:ext uri="{FF2B5EF4-FFF2-40B4-BE49-F238E27FC236}">
+                <a16:creationId xmlns:a16="http://schemas.microsoft.com/office/drawing/2014/main" id="{F9CBDCFA-166B-331D-D267-95B6F28C66B8}"/>
+              </a:ext>
+            </a:extLst>
+          </p:cNvPr>
+          <p:cNvSpPr txBox="1"/>
+          <p:nvPr/>
+        </p:nvSpPr>
+        <p:spPr>
+          <a:xfrm>
+            <a:off x="8027651" y="2484610"/>
+            <a:ext cx="559640" cy="276999"/>
+          </a:xfrm>
+          <a:prstGeom prst="rect">
+            <a:avLst/>
+          </a:prstGeom>
+          <a:noFill/>
+        </p:spPr>
+        <p:txBody>
+          <a:bodyPr wrap="none" rtlCol="0">
+            <a:spAutoFit/>
+          </a:bodyPr>
+          <a:lstStyle/>
+          <a:p>
+            <a:r>
+              <a:rPr lang="en-US" sz="1200" dirty="0"/>
+              <a:t>RPADI</a:t>
+            </a:r>
+          </a:p>
+        </p:txBody>
+      </p:sp>
       <p:grpSp>
         <p:nvGrpSpPr>
-          <p:cNvPr id="1092" name="Group 1091">
-            <a:extLst>
-              <a:ext uri="{FF2B5EF4-FFF2-40B4-BE49-F238E27FC236}">
-                <a16:creationId xmlns:a16="http://schemas.microsoft.com/office/drawing/2014/main" id="{9ADD6407-079D-B102-A85D-22C3AD9CCF64}"/>
+          <p:cNvPr id="1122" name="Group 1121">
+            <a:extLst>
+              <a:ext uri="{FF2B5EF4-FFF2-40B4-BE49-F238E27FC236}">
+                <a16:creationId xmlns:a16="http://schemas.microsoft.com/office/drawing/2014/main" id="{453DDE91-70F6-87CA-28F5-6347909C7E51}"/>
               </a:ext>
             </a:extLst>
           </p:cNvPr>
@@ -8863,7 +9423,7 @@
         </p:nvGrpSpPr>
         <p:grpSpPr>
           <a:xfrm>
-            <a:off x="7654730" y="3686771"/>
+            <a:off x="7648957" y="3221373"/>
             <a:ext cx="220340" cy="45719"/>
             <a:chOff x="7630919" y="3677247"/>
             <a:chExt cx="220340" cy="45719"/>
@@ -8871,10 +9431,10 @@
         </p:grpSpPr>
         <p:sp>
           <p:nvSpPr>
-            <p:cNvPr id="1089" name="Oval 1088">
+            <p:cNvPr id="1123" name="Oval 1122">
               <a:extLst>
                 <a:ext uri="{FF2B5EF4-FFF2-40B4-BE49-F238E27FC236}">
-                  <a16:creationId xmlns:a16="http://schemas.microsoft.com/office/drawing/2014/main" id="{74BB60D5-FA08-9E16-7E69-6FC2C58D68EE}"/>
+                  <a16:creationId xmlns:a16="http://schemas.microsoft.com/office/drawing/2014/main" id="{7F8C1F58-26C1-78F3-808A-FEDDC20F75DC}"/>
                 </a:ext>
               </a:extLst>
             </p:cNvPr>
@@ -8923,10 +9483,10 @@
         </p:sp>
         <p:sp>
           <p:nvSpPr>
-            <p:cNvPr id="1090" name="Oval 1089">
+            <p:cNvPr id="1124" name="Oval 1123">
               <a:extLst>
                 <a:ext uri="{FF2B5EF4-FFF2-40B4-BE49-F238E27FC236}">
-                  <a16:creationId xmlns:a16="http://schemas.microsoft.com/office/drawing/2014/main" id="{654348EA-D54F-5588-5212-EDE302710ACB}"/>
+                  <a16:creationId xmlns:a16="http://schemas.microsoft.com/office/drawing/2014/main" id="{FCF958CF-304C-6E10-255E-E769917979ED}"/>
                 </a:ext>
               </a:extLst>
             </p:cNvPr>
@@ -8975,10 +9535,10 @@
         </p:sp>
         <p:sp>
           <p:nvSpPr>
-            <p:cNvPr id="1091" name="Oval 1090">
+            <p:cNvPr id="1125" name="Oval 1124">
               <a:extLst>
                 <a:ext uri="{FF2B5EF4-FFF2-40B4-BE49-F238E27FC236}">
-                  <a16:creationId xmlns:a16="http://schemas.microsoft.com/office/drawing/2014/main" id="{297C4839-4AA8-3DF4-108A-CB44C7E6E2F6}"/>
+                  <a16:creationId xmlns:a16="http://schemas.microsoft.com/office/drawing/2014/main" id="{975ABB70-AB96-3A1E-C590-D2056992740A}"/>
                 </a:ext>
               </a:extLst>
             </p:cNvPr>
@@ -9026,379 +9586,6 @@
           </p:txBody>
         </p:sp>
       </p:grpSp>
-      <p:cxnSp>
-        <p:nvCxnSpPr>
-          <p:cNvPr id="1097" name="Straight Connector 1096">
-            <a:extLst>
-              <a:ext uri="{FF2B5EF4-FFF2-40B4-BE49-F238E27FC236}">
-                <a16:creationId xmlns:a16="http://schemas.microsoft.com/office/drawing/2014/main" id="{0C8EB259-8AED-2271-3DF2-774E193E2469}"/>
-              </a:ext>
-            </a:extLst>
-          </p:cNvPr>
-          <p:cNvCxnSpPr>
-            <a:cxnSpLocks/>
-            <a:stCxn id="1042" idx="3"/>
-            <a:endCxn id="1069" idx="1"/>
-          </p:cNvCxnSpPr>
-          <p:nvPr/>
-        </p:nvCxnSpPr>
-        <p:spPr>
-          <a:xfrm flipV="1">
-            <a:off x="6679755" y="3706004"/>
-            <a:ext cx="107664" cy="210"/>
-          </a:xfrm>
-          <a:prstGeom prst="line">
-            <a:avLst/>
-          </a:prstGeom>
-          <a:ln w="12700">
-            <a:solidFill>
-              <a:schemeClr val="tx1"/>
-            </a:solidFill>
-          </a:ln>
-        </p:spPr>
-        <p:style>
-          <a:lnRef idx="1">
-            <a:schemeClr val="accent1"/>
-          </a:lnRef>
-          <a:fillRef idx="0">
-            <a:schemeClr val="accent1"/>
-          </a:fillRef>
-          <a:effectRef idx="0">
-            <a:schemeClr val="accent1"/>
-          </a:effectRef>
-          <a:fontRef idx="minor">
-            <a:schemeClr val="tx1"/>
-          </a:fontRef>
-        </p:style>
-      </p:cxnSp>
-      <p:cxnSp>
-        <p:nvCxnSpPr>
-          <p:cNvPr id="1098" name="Straight Connector 1097">
-            <a:extLst>
-              <a:ext uri="{FF2B5EF4-FFF2-40B4-BE49-F238E27FC236}">
-                <a16:creationId xmlns:a16="http://schemas.microsoft.com/office/drawing/2014/main" id="{342795A7-D16E-6C58-2DC5-E805C6B0FF7F}"/>
-              </a:ext>
-            </a:extLst>
-          </p:cNvPr>
-          <p:cNvCxnSpPr>
-            <a:cxnSpLocks/>
-            <a:stCxn id="1069" idx="3"/>
-          </p:cNvCxnSpPr>
-          <p:nvPr/>
-        </p:nvCxnSpPr>
-        <p:spPr>
-          <a:xfrm>
-            <a:off x="7443562" y="3706004"/>
-            <a:ext cx="90208" cy="0"/>
-          </a:xfrm>
-          <a:prstGeom prst="line">
-            <a:avLst/>
-          </a:prstGeom>
-          <a:ln w="12700">
-            <a:solidFill>
-              <a:schemeClr val="tx1"/>
-            </a:solidFill>
-          </a:ln>
-        </p:spPr>
-        <p:style>
-          <a:lnRef idx="1">
-            <a:schemeClr val="accent1"/>
-          </a:lnRef>
-          <a:fillRef idx="0">
-            <a:schemeClr val="accent1"/>
-          </a:fillRef>
-          <a:effectRef idx="0">
-            <a:schemeClr val="accent1"/>
-          </a:effectRef>
-          <a:fontRef idx="minor">
-            <a:schemeClr val="tx1"/>
-          </a:fontRef>
-        </p:style>
-      </p:cxnSp>
-      <p:cxnSp>
-        <p:nvCxnSpPr>
-          <p:cNvPr id="1100" name="Straight Connector 1099">
-            <a:extLst>
-              <a:ext uri="{FF2B5EF4-FFF2-40B4-BE49-F238E27FC236}">
-                <a16:creationId xmlns:a16="http://schemas.microsoft.com/office/drawing/2014/main" id="{50F28727-5209-4D16-9C2F-0DE748315EE5}"/>
-              </a:ext>
-            </a:extLst>
-          </p:cNvPr>
-          <p:cNvCxnSpPr>
-            <a:cxnSpLocks/>
-            <a:endCxn id="1070" idx="1"/>
-          </p:cNvCxnSpPr>
-          <p:nvPr/>
-        </p:nvCxnSpPr>
-        <p:spPr>
-          <a:xfrm>
-            <a:off x="7997119" y="3704086"/>
-            <a:ext cx="94317" cy="0"/>
-          </a:xfrm>
-          <a:prstGeom prst="line">
-            <a:avLst/>
-          </a:prstGeom>
-          <a:ln w="12700">
-            <a:solidFill>
-              <a:schemeClr val="tx1"/>
-            </a:solidFill>
-          </a:ln>
-        </p:spPr>
-        <p:style>
-          <a:lnRef idx="1">
-            <a:schemeClr val="accent1"/>
-          </a:lnRef>
-          <a:fillRef idx="0">
-            <a:schemeClr val="accent1"/>
-          </a:fillRef>
-          <a:effectRef idx="0">
-            <a:schemeClr val="accent1"/>
-          </a:effectRef>
-          <a:fontRef idx="minor">
-            <a:schemeClr val="tx1"/>
-          </a:fontRef>
-        </p:style>
-      </p:cxnSp>
-      <p:cxnSp>
-        <p:nvCxnSpPr>
-          <p:cNvPr id="1113" name="Straight Connector 1112">
-            <a:extLst>
-              <a:ext uri="{FF2B5EF4-FFF2-40B4-BE49-F238E27FC236}">
-                <a16:creationId xmlns:a16="http://schemas.microsoft.com/office/drawing/2014/main" id="{A1E6DA89-31A8-5430-3349-B6797510108B}"/>
-              </a:ext>
-            </a:extLst>
-          </p:cNvPr>
-          <p:cNvCxnSpPr>
-            <a:cxnSpLocks/>
-          </p:cNvCxnSpPr>
-          <p:nvPr/>
-        </p:nvCxnSpPr>
-        <p:spPr>
-          <a:xfrm>
-            <a:off x="6723270" y="2328864"/>
-            <a:ext cx="15383" cy="1797774"/>
-          </a:xfrm>
-          <a:prstGeom prst="line">
-            <a:avLst/>
-          </a:prstGeom>
-          <a:ln w="12700">
-            <a:solidFill>
-              <a:schemeClr val="tx1"/>
-            </a:solidFill>
-            <a:prstDash val="lgDash"/>
-          </a:ln>
-        </p:spPr>
-        <p:style>
-          <a:lnRef idx="1">
-            <a:schemeClr val="accent1"/>
-          </a:lnRef>
-          <a:fillRef idx="0">
-            <a:schemeClr val="accent1"/>
-          </a:fillRef>
-          <a:effectRef idx="0">
-            <a:schemeClr val="accent1"/>
-          </a:effectRef>
-          <a:fontRef idx="minor">
-            <a:schemeClr val="tx1"/>
-          </a:fontRef>
-        </p:style>
-      </p:cxnSp>
-      <p:cxnSp>
-        <p:nvCxnSpPr>
-          <p:cNvPr id="1117" name="Straight Connector 1116">
-            <a:extLst>
-              <a:ext uri="{FF2B5EF4-FFF2-40B4-BE49-F238E27FC236}">
-                <a16:creationId xmlns:a16="http://schemas.microsoft.com/office/drawing/2014/main" id="{2A019331-2C20-413F-CA27-17807C40A97A}"/>
-              </a:ext>
-            </a:extLst>
-          </p:cNvPr>
-          <p:cNvCxnSpPr>
-            <a:cxnSpLocks/>
-          </p:cNvCxnSpPr>
-          <p:nvPr/>
-        </p:nvCxnSpPr>
-        <p:spPr>
-          <a:xfrm>
-            <a:off x="7538856" y="2331270"/>
-            <a:ext cx="15383" cy="1797774"/>
-          </a:xfrm>
-          <a:prstGeom prst="line">
-            <a:avLst/>
-          </a:prstGeom>
-          <a:ln w="12700">
-            <a:solidFill>
-              <a:schemeClr val="tx1"/>
-            </a:solidFill>
-            <a:prstDash val="lgDash"/>
-          </a:ln>
-        </p:spPr>
-        <p:style>
-          <a:lnRef idx="1">
-            <a:schemeClr val="accent1"/>
-          </a:lnRef>
-          <a:fillRef idx="0">
-            <a:schemeClr val="accent1"/>
-          </a:fillRef>
-          <a:effectRef idx="0">
-            <a:schemeClr val="accent1"/>
-          </a:effectRef>
-          <a:fontRef idx="minor">
-            <a:schemeClr val="tx1"/>
-          </a:fontRef>
-        </p:style>
-      </p:cxnSp>
-      <p:cxnSp>
-        <p:nvCxnSpPr>
-          <p:cNvPr id="1118" name="Straight Connector 1117">
-            <a:extLst>
-              <a:ext uri="{FF2B5EF4-FFF2-40B4-BE49-F238E27FC236}">
-                <a16:creationId xmlns:a16="http://schemas.microsoft.com/office/drawing/2014/main" id="{C579A9AA-D6F9-CC9B-8E54-4945CBEF0734}"/>
-              </a:ext>
-            </a:extLst>
-          </p:cNvPr>
-          <p:cNvCxnSpPr>
-            <a:cxnSpLocks/>
-          </p:cNvCxnSpPr>
-          <p:nvPr/>
-        </p:nvCxnSpPr>
-        <p:spPr>
-          <a:xfrm>
-            <a:off x="7970837" y="2329966"/>
-            <a:ext cx="15383" cy="1797774"/>
-          </a:xfrm>
-          <a:prstGeom prst="line">
-            <a:avLst/>
-          </a:prstGeom>
-          <a:ln w="12700">
-            <a:solidFill>
-              <a:schemeClr val="tx1"/>
-            </a:solidFill>
-            <a:prstDash val="lgDash"/>
-          </a:ln>
-        </p:spPr>
-        <p:style>
-          <a:lnRef idx="1">
-            <a:schemeClr val="accent1"/>
-          </a:lnRef>
-          <a:fillRef idx="0">
-            <a:schemeClr val="accent1"/>
-          </a:fillRef>
-          <a:effectRef idx="0">
-            <a:schemeClr val="accent1"/>
-          </a:effectRef>
-          <a:fontRef idx="minor">
-            <a:schemeClr val="tx1"/>
-          </a:fontRef>
-        </p:style>
-      </p:cxnSp>
-      <p:sp>
-        <p:nvSpPr>
-          <p:cNvPr id="1119" name="TextBox 1118">
-            <a:extLst>
-              <a:ext uri="{FF2B5EF4-FFF2-40B4-BE49-F238E27FC236}">
-                <a16:creationId xmlns:a16="http://schemas.microsoft.com/office/drawing/2014/main" id="{E2CC2B05-4B25-983F-52CF-792E7A9979F9}"/>
-              </a:ext>
-            </a:extLst>
-          </p:cNvPr>
-          <p:cNvSpPr txBox="1"/>
-          <p:nvPr/>
-        </p:nvSpPr>
-        <p:spPr>
-          <a:xfrm>
-            <a:off x="6065740" y="2434963"/>
-            <a:ext cx="703654" cy="369332"/>
-          </a:xfrm>
-          <a:prstGeom prst="rect">
-            <a:avLst/>
-          </a:prstGeom>
-          <a:noFill/>
-        </p:spPr>
-        <p:txBody>
-          <a:bodyPr wrap="none" rtlCol="0">
-            <a:spAutoFit/>
-          </a:bodyPr>
-          <a:lstStyle/>
-          <a:p>
-            <a:r>
-              <a:rPr lang="en-US" dirty="0" err="1"/>
-              <a:t>sfdsfs</a:t>
-            </a:r>
-            <a:endParaRPr lang="en-US" dirty="0"/>
-          </a:p>
-        </p:txBody>
-      </p:sp>
-      <p:sp>
-        <p:nvSpPr>
-          <p:cNvPr id="1120" name="TextBox 1119">
-            <a:extLst>
-              <a:ext uri="{FF2B5EF4-FFF2-40B4-BE49-F238E27FC236}">
-                <a16:creationId xmlns:a16="http://schemas.microsoft.com/office/drawing/2014/main" id="{B154A58A-900B-1002-2AC4-DE83FC181166}"/>
-              </a:ext>
-            </a:extLst>
-          </p:cNvPr>
-          <p:cNvSpPr txBox="1"/>
-          <p:nvPr/>
-        </p:nvSpPr>
-        <p:spPr>
-          <a:xfrm>
-            <a:off x="6791083" y="2463781"/>
-            <a:ext cx="703654" cy="369332"/>
-          </a:xfrm>
-          <a:prstGeom prst="rect">
-            <a:avLst/>
-          </a:prstGeom>
-          <a:noFill/>
-        </p:spPr>
-        <p:txBody>
-          <a:bodyPr wrap="none" rtlCol="0">
-            <a:spAutoFit/>
-          </a:bodyPr>
-          <a:lstStyle/>
-          <a:p>
-            <a:r>
-              <a:rPr lang="en-US" dirty="0" err="1"/>
-              <a:t>sfdsfs</a:t>
-            </a:r>
-            <a:endParaRPr lang="en-US" dirty="0"/>
-          </a:p>
-        </p:txBody>
-      </p:sp>
-      <p:sp>
-        <p:nvSpPr>
-          <p:cNvPr id="1121" name="TextBox 1120">
-            <a:extLst>
-              <a:ext uri="{FF2B5EF4-FFF2-40B4-BE49-F238E27FC236}">
-                <a16:creationId xmlns:a16="http://schemas.microsoft.com/office/drawing/2014/main" id="{F9CBDCFA-166B-331D-D267-95B6F28C66B8}"/>
-              </a:ext>
-            </a:extLst>
-          </p:cNvPr>
-          <p:cNvSpPr txBox="1"/>
-          <p:nvPr/>
-        </p:nvSpPr>
-        <p:spPr>
-          <a:xfrm>
-            <a:off x="8005125" y="2439899"/>
-            <a:ext cx="703654" cy="369332"/>
-          </a:xfrm>
-          <a:prstGeom prst="rect">
-            <a:avLst/>
-          </a:prstGeom>
-          <a:noFill/>
-        </p:spPr>
-        <p:txBody>
-          <a:bodyPr wrap="none" rtlCol="0">
-            <a:spAutoFit/>
-          </a:bodyPr>
-          <a:lstStyle/>
-          <a:p>
-            <a:r>
-              <a:rPr lang="en-US" dirty="0" err="1"/>
-              <a:t>sfdsfs</a:t>
-            </a:r>
-            <a:endParaRPr lang="en-US" dirty="0"/>
-          </a:p>
-        </p:txBody>
-      </p:sp>
     </p:spTree>
     <p:extLst>
       <p:ext uri="{BB962C8B-B14F-4D97-AF65-F5344CB8AC3E}">
